--- a/dia1/lab1_integration.pptx
+++ b/dia1/lab1_integration.pptx
@@ -9,16 +9,16 @@
     <p:notesMasterId r:id="rId13"/>
   </p:notesMasterIdLst>
   <p:sldIdLst>
-    <p:sldId id="256" r:id="rId3"/>
-    <p:sldId id="264" r:id="rId4"/>
-    <p:sldId id="265" r:id="rId5"/>
-    <p:sldId id="266" r:id="rId6"/>
-    <p:sldId id="267" r:id="rId7"/>
-    <p:sldId id="268" r:id="rId8"/>
-    <p:sldId id="258" r:id="rId9"/>
-    <p:sldId id="259" r:id="rId10"/>
-    <p:sldId id="263" r:id="rId11"/>
-    <p:sldId id="262" r:id="rId12"/>
+    <p:sldId id="269" r:id="rId3"/>
+    <p:sldId id="271" r:id="rId4"/>
+    <p:sldId id="266" r:id="rId5"/>
+    <p:sldId id="270" r:id="rId6"/>
+    <p:sldId id="274" r:id="rId7"/>
+    <p:sldId id="275" r:id="rId8"/>
+    <p:sldId id="272" r:id="rId9"/>
+    <p:sldId id="273" r:id="rId10"/>
+    <p:sldId id="259" r:id="rId11"/>
+    <p:sldId id="263" r:id="rId12"/>
   </p:sldIdLst>
   <p:sldSz cx="9144000" cy="6858000" type="screen4x3"/>
   <p:notesSz cx="6858000" cy="9144000"/>
@@ -211,7 +211,7 @@
           <a:p>
             <a:fld id="{F2388989-7179-4868-8471-A7A056B96C7C}" type="datetimeFigureOut">
               <a:rPr lang="en-US" smtClean="0"/>
-              <a:t>1/6/2019</a:t>
+              <a:t>1/8/2019</a:t>
             </a:fld>
             <a:endParaRPr lang="en-US"/>
           </a:p>
@@ -702,7 +702,7 @@
           <a:p>
             <a:fld id="{473094AD-038C-43A2-A4DE-BB0813E6E51E}" type="datetime1">
               <a:rPr lang="en-US" smtClean="0"/>
-              <a:t>1/6/2019</a:t>
+              <a:t>1/8/2019</a:t>
             </a:fld>
             <a:endParaRPr lang="en-US"/>
           </a:p>
@@ -889,7 +889,7 @@
           <a:p>
             <a:fld id="{1F0E199C-061B-4949-9C96-AC248C0D8DD3}" type="datetime1">
               <a:rPr lang="en-US" smtClean="0"/>
-              <a:t>1/6/2019</a:t>
+              <a:t>1/8/2019</a:t>
             </a:fld>
             <a:endParaRPr lang="en-US"/>
           </a:p>
@@ -1085,7 +1085,7 @@
           <a:p>
             <a:fld id="{EF845CA7-EB4A-4003-96F7-46C5013AEA42}" type="datetime1">
               <a:rPr lang="en-US" smtClean="0"/>
-              <a:t>1/6/2019</a:t>
+              <a:t>1/8/2019</a:t>
             </a:fld>
             <a:endParaRPr lang="en-US"/>
           </a:p>
@@ -1337,7 +1337,7 @@
           <a:p>
             <a:fld id="{2D858B87-F135-4381-8E7E-B64D4228932C}" type="datetime1">
               <a:rPr lang="en-US" smtClean="0"/>
-              <a:t>1/6/2019</a:t>
+              <a:t>1/8/2019</a:t>
             </a:fld>
             <a:endParaRPr lang="en-US"/>
           </a:p>
@@ -1561,7 +1561,7 @@
           <a:p>
             <a:fld id="{3B3C5764-E191-4322-8BA3-3D7CBE2CF8D1}" type="datetime1">
               <a:rPr lang="en-US" smtClean="0"/>
-              <a:t>1/6/2019</a:t>
+              <a:t>1/8/2019</a:t>
             </a:fld>
             <a:endParaRPr lang="en-US"/>
           </a:p>
@@ -1869,7 +1869,7 @@
           <a:p>
             <a:fld id="{CCFF9CC7-9DD7-495E-8E0C-D2152E7ED385}" type="datetime1">
               <a:rPr lang="en-US" smtClean="0"/>
-              <a:t>1/6/2019</a:t>
+              <a:t>1/8/2019</a:t>
             </a:fld>
             <a:endParaRPr lang="en-US"/>
           </a:p>
@@ -2037,7 +2037,7 @@
           <a:p>
             <a:fld id="{7AF3F41F-A6FA-40C5-99E0-3F86C98F6608}" type="datetime1">
               <a:rPr lang="en-US" smtClean="0"/>
-              <a:t>1/6/2019</a:t>
+              <a:t>1/8/2019</a:t>
             </a:fld>
             <a:endParaRPr lang="en-US"/>
           </a:p>
@@ -2349,7 +2349,7 @@
           <a:p>
             <a:fld id="{9620DF9F-793E-4985-B9D8-992C6E2DA332}" type="datetime1">
               <a:rPr lang="en-US" smtClean="0"/>
-              <a:t>1/6/2019</a:t>
+              <a:t>1/8/2019</a:t>
             </a:fld>
             <a:endParaRPr lang="en-US"/>
           </a:p>
@@ -2661,7 +2661,7 @@
           <a:p>
             <a:fld id="{796EA9D4-2AD1-4101-A286-77D37AAADFED}" type="datetime1">
               <a:rPr lang="en-US" smtClean="0"/>
-              <a:t>1/6/2019</a:t>
+              <a:t>1/8/2019</a:t>
             </a:fld>
             <a:endParaRPr lang="en-US"/>
           </a:p>
@@ -2881,7 +2881,7 @@
           <a:p>
             <a:fld id="{2BD0993A-8691-4A87-9C49-3CE884C47D45}" type="datetime1">
               <a:rPr lang="en-US" smtClean="0"/>
-              <a:t>1/6/2019</a:t>
+              <a:t>1/8/2019</a:t>
             </a:fld>
             <a:endParaRPr lang="en-US"/>
           </a:p>
@@ -3079,7 +3079,7 @@
           <a:p>
             <a:fld id="{BF316B00-A11D-4D80-BD0B-755A2969FF78}" type="datetime1">
               <a:rPr lang="en-US" smtClean="0"/>
-              <a:t>1/6/2019</a:t>
+              <a:t>1/8/2019</a:t>
             </a:fld>
             <a:endParaRPr lang="en-US"/>
           </a:p>
@@ -3265,7 +3265,7 @@
           <a:p>
             <a:fld id="{FB49576D-E9F4-42BB-BC13-B23B3C4B0843}" type="datetime1">
               <a:rPr lang="en-US" smtClean="0"/>
-              <a:t>1/6/2019</a:t>
+              <a:t>1/8/2019</a:t>
             </a:fld>
             <a:endParaRPr lang="en-US"/>
           </a:p>
@@ -3540,7 +3540,7 @@
           <a:p>
             <a:fld id="{C79C30F5-8523-4EB9-ACC0-9A01E3FEDA29}" type="datetime1">
               <a:rPr lang="en-US" smtClean="0"/>
-              <a:t>1/6/2019</a:t>
+              <a:t>1/8/2019</a:t>
             </a:fld>
             <a:endParaRPr lang="en-US"/>
           </a:p>
@@ -3805,7 +3805,7 @@
           <a:p>
             <a:fld id="{31EA960D-B428-435A-A5E7-264A6D063906}" type="datetime1">
               <a:rPr lang="en-US" smtClean="0"/>
-              <a:t>1/6/2019</a:t>
+              <a:t>1/8/2019</a:t>
             </a:fld>
             <a:endParaRPr lang="en-US"/>
           </a:p>
@@ -4217,7 +4217,7 @@
           <a:p>
             <a:fld id="{3C27B052-FF7D-466F-9234-659183862C88}" type="datetime1">
               <a:rPr lang="en-US" smtClean="0"/>
-              <a:t>1/6/2019</a:t>
+              <a:t>1/8/2019</a:t>
             </a:fld>
             <a:endParaRPr lang="en-US"/>
           </a:p>
@@ -4358,7 +4358,7 @@
           <a:p>
             <a:fld id="{30E86C0C-8755-49A7-BEFB-7AA12254EBB9}" type="datetime1">
               <a:rPr lang="en-US" smtClean="0"/>
-              <a:t>1/6/2019</a:t>
+              <a:t>1/8/2019</a:t>
             </a:fld>
             <a:endParaRPr lang="en-US"/>
           </a:p>
@@ -4471,7 +4471,7 @@
           <a:p>
             <a:fld id="{E8B48827-F8F9-4844-A257-9CA23F7E0DA1}" type="datetime1">
               <a:rPr lang="en-US" smtClean="0"/>
-              <a:t>1/6/2019</a:t>
+              <a:t>1/8/2019</a:t>
             </a:fld>
             <a:endParaRPr lang="en-US"/>
           </a:p>
@@ -4782,7 +4782,7 @@
           <a:p>
             <a:fld id="{EE8BAE2C-037A-4C2F-87D7-09EE32575BC5}" type="datetime1">
               <a:rPr lang="en-US" smtClean="0"/>
-              <a:t>1/6/2019</a:t>
+              <a:t>1/8/2019</a:t>
             </a:fld>
             <a:endParaRPr lang="en-US"/>
           </a:p>
@@ -5073,7 +5073,7 @@
           <a:p>
             <a:fld id="{33BA7458-4B9B-4BD7-9049-0CDF114B9A90}" type="datetime1">
               <a:rPr lang="en-US" smtClean="0"/>
-              <a:t>1/6/2019</a:t>
+              <a:t>1/8/2019</a:t>
             </a:fld>
             <a:endParaRPr lang="en-US"/>
           </a:p>
@@ -5271,7 +5271,7 @@
           <a:p>
             <a:fld id="{5F138F74-D09C-4A4F-9011-F5861002FF66}" type="datetime1">
               <a:rPr lang="en-US" smtClean="0"/>
-              <a:t>1/6/2019</a:t>
+              <a:t>1/8/2019</a:t>
             </a:fld>
             <a:endParaRPr lang="en-US"/>
           </a:p>
@@ -5479,7 +5479,7 @@
           <a:p>
             <a:fld id="{B023AC82-5023-4B40-8E7B-CB32645BA3C1}" type="datetime1">
               <a:rPr lang="en-US" smtClean="0"/>
-              <a:t>1/6/2019</a:t>
+              <a:t>1/8/2019</a:t>
             </a:fld>
             <a:endParaRPr lang="en-US"/>
           </a:p>
@@ -5688,7 +5688,7 @@
           <a:p>
             <a:fld id="{CB9270DE-3C8A-43D2-B05F-DCE66535FA1A}" type="datetime1">
               <a:rPr lang="en-US" smtClean="0"/>
-              <a:t>1/6/2019</a:t>
+              <a:t>1/8/2019</a:t>
             </a:fld>
             <a:endParaRPr lang="en-US"/>
           </a:p>
@@ -5991,7 +5991,7 @@
           <a:p>
             <a:fld id="{5F9A8E4F-B453-4822-A448-33EE436F9AB4}" type="datetime1">
               <a:rPr lang="en-US" smtClean="0"/>
-              <a:t>1/6/2019</a:t>
+              <a:t>1/8/2019</a:t>
             </a:fld>
             <a:endParaRPr lang="en-US"/>
           </a:p>
@@ -6433,7 +6433,7 @@
           <a:p>
             <a:fld id="{F917497C-C63C-412A-9DFD-A2E04718E293}" type="datetime1">
               <a:rPr lang="en-US" smtClean="0"/>
-              <a:t>1/6/2019</a:t>
+              <a:t>1/8/2019</a:t>
             </a:fld>
             <a:endParaRPr lang="en-US"/>
           </a:p>
@@ -6568,7 +6568,7 @@
           <a:p>
             <a:fld id="{F6E66BCC-7079-4559-85D5-50A66D933026}" type="datetime1">
               <a:rPr lang="en-US" smtClean="0"/>
-              <a:t>1/6/2019</a:t>
+              <a:t>1/8/2019</a:t>
             </a:fld>
             <a:endParaRPr lang="en-US"/>
           </a:p>
@@ -6681,7 +6681,7 @@
           <a:p>
             <a:fld id="{6B4C6DDB-E43F-4445-B916-EA8EF73BA2E9}" type="datetime1">
               <a:rPr lang="en-US" smtClean="0"/>
-              <a:t>1/6/2019</a:t>
+              <a:t>1/8/2019</a:t>
             </a:fld>
             <a:endParaRPr lang="en-US"/>
           </a:p>
@@ -6974,7 +6974,7 @@
           <a:p>
             <a:fld id="{28A0BF00-D669-4C78-910C-5733C04ABD2D}" type="datetime1">
               <a:rPr lang="en-US" smtClean="0"/>
-              <a:t>1/6/2019</a:t>
+              <a:t>1/8/2019</a:t>
             </a:fld>
             <a:endParaRPr lang="en-US"/>
           </a:p>
@@ -7248,7 +7248,7 @@
           <a:p>
             <a:fld id="{1D17FF70-BB30-46BB-AA76-2B519CE88675}" type="datetime1">
               <a:rPr lang="en-US" smtClean="0"/>
-              <a:t>1/6/2019</a:t>
+              <a:t>1/8/2019</a:t>
             </a:fld>
             <a:endParaRPr lang="en-US"/>
           </a:p>
@@ -7542,7 +7542,7 @@
           <a:p>
             <a:fld id="{793CCD87-1551-4F91-BE02-F4A09E617739}" type="datetime1">
               <a:rPr lang="en-US" smtClean="0"/>
-              <a:t>1/6/2019</a:t>
+              <a:t>1/8/2019</a:t>
             </a:fld>
             <a:endParaRPr lang="en-US"/>
           </a:p>
@@ -8389,7 +8389,7 @@
           <a:p>
             <a:fld id="{FBD26717-3E2A-491D-9A2B-0D747605CA1D}" type="datetime1">
               <a:rPr lang="en-US" smtClean="0"/>
-              <a:t>1/6/2019</a:t>
+              <a:t>1/8/2019</a:t>
             </a:fld>
             <a:endParaRPr lang="en-US"/>
           </a:p>
@@ -8812,7 +8812,7 @@
           <p:cNvPr id="2" name="Title 1">
             <a:extLst>
               <a:ext uri="{FF2B5EF4-FFF2-40B4-BE49-F238E27FC236}">
-                <a16:creationId xmlns:a16="http://schemas.microsoft.com/office/drawing/2014/main" xmlns="" id="{1973BB0B-C6E0-4A97-8C57-AA2347424B67}"/>
+                <a16:creationId xmlns="" xmlns:a16="http://schemas.microsoft.com/office/drawing/2014/main" id="{4819A39B-28BB-4873-9914-8FEE18891DD4}"/>
               </a:ext>
             </a:extLst>
           </p:cNvPr>
@@ -8821,152 +8821,6 @@
           </p:cNvSpPr>
           <p:nvPr>
             <p:ph type="ctrTitle"/>
-          </p:nvPr>
-        </p:nvSpPr>
-        <p:spPr/>
-        <p:txBody>
-          <a:bodyPr/>
-          <a:lstStyle/>
-          <a:p>
-            <a:r>
-              <a:rPr lang="en-US" dirty="0"/>
-              <a:t>Lab 1: Practicing </a:t>
-            </a:r>
-            <a:r>
-              <a:rPr lang="en-US" dirty="0" smtClean="0"/>
-              <a:t>integration</a:t>
-            </a:r>
-            <a:endParaRPr lang="en-US" dirty="0"/>
-          </a:p>
-        </p:txBody>
-      </p:sp>
-      <p:sp>
-        <p:nvSpPr>
-          <p:cNvPr id="3" name="Subtitle 2">
-            <a:extLst>
-              <a:ext uri="{FF2B5EF4-FFF2-40B4-BE49-F238E27FC236}">
-                <a16:creationId xmlns:a16="http://schemas.microsoft.com/office/drawing/2014/main" xmlns="" id="{67FA67BB-A5FB-491D-8676-FF73A37F6585}"/>
-              </a:ext>
-            </a:extLst>
-          </p:cNvPr>
-          <p:cNvSpPr>
-            <a:spLocks noGrp="1"/>
-          </p:cNvSpPr>
-          <p:nvPr>
-            <p:ph type="subTitle" idx="1"/>
-          </p:nvPr>
-        </p:nvSpPr>
-        <p:spPr/>
-        <p:txBody>
-          <a:bodyPr/>
-          <a:lstStyle/>
-          <a:p>
-            <a:endParaRPr lang="en-US"/>
-          </a:p>
-        </p:txBody>
-      </p:sp>
-      <p:sp>
-        <p:nvSpPr>
-          <p:cNvPr id="4" name="Slide Number Placeholder 3">
-            <a:extLst>
-              <a:ext uri="{FF2B5EF4-FFF2-40B4-BE49-F238E27FC236}">
-                <a16:creationId xmlns:a16="http://schemas.microsoft.com/office/drawing/2014/main" xmlns="" id="{7D8A9E04-9745-4BF1-8EB3-4254B3A8606B}"/>
-              </a:ext>
-            </a:extLst>
-          </p:cNvPr>
-          <p:cNvSpPr>
-            <a:spLocks noGrp="1"/>
-          </p:cNvSpPr>
-          <p:nvPr>
-            <p:ph type="sldNum" sz="quarter" idx="12"/>
-          </p:nvPr>
-        </p:nvSpPr>
-        <p:spPr/>
-        <p:txBody>
-          <a:bodyPr/>
-          <a:lstStyle/>
-          <a:p>
-            <a:fld id="{36417F31-DB7E-41E3-9A04-DC9BB348C608}" type="slidenum">
-              <a:rPr lang="en-US" smtClean="0"/>
-              <a:t>1</a:t>
-            </a:fld>
-            <a:endParaRPr lang="en-US"/>
-          </a:p>
-        </p:txBody>
-      </p:sp>
-    </p:spTree>
-    <p:extLst>
-      <p:ext uri="{BB962C8B-B14F-4D97-AF65-F5344CB8AC3E}">
-        <p14:creationId xmlns:p14="http://schemas.microsoft.com/office/powerpoint/2010/main" val="1961742209"/>
-      </p:ext>
-    </p:extLst>
-  </p:cSld>
-  <p:clrMapOvr>
-    <a:masterClrMapping/>
-  </p:clrMapOvr>
-</p:sld>
-</file>
-
-<file path=ppt/slides/slide10.xml><?xml version="1.0" encoding="utf-8"?>
-<p:sld xmlns:a="http://schemas.openxmlformats.org/drawingml/2006/main" xmlns:r="http://schemas.openxmlformats.org/officeDocument/2006/relationships" xmlns:p="http://schemas.openxmlformats.org/presentationml/2006/main">
-  <p:cSld>
-    <p:spTree>
-      <p:nvGrpSpPr>
-        <p:cNvPr id="1" name=""/>
-        <p:cNvGrpSpPr/>
-        <p:nvPr/>
-      </p:nvGrpSpPr>
-      <p:grpSpPr>
-        <a:xfrm>
-          <a:off x="0" y="0"/>
-          <a:ext cx="0" cy="0"/>
-          <a:chOff x="0" y="0"/>
-          <a:chExt cx="0" cy="0"/>
-        </a:xfrm>
-      </p:grpSpPr>
-      <p:sp>
-        <p:nvSpPr>
-          <p:cNvPr id="2" name="Title 1">
-            <a:extLst>
-              <a:ext uri="{FF2B5EF4-FFF2-40B4-BE49-F238E27FC236}">
-                <a16:creationId xmlns:a16="http://schemas.microsoft.com/office/drawing/2014/main" xmlns="" id="{9D96D751-29E8-4EC7-8A6A-0255F9A1A789}"/>
-              </a:ext>
-            </a:extLst>
-          </p:cNvPr>
-          <p:cNvSpPr>
-            <a:spLocks noGrp="1"/>
-          </p:cNvSpPr>
-          <p:nvPr>
-            <p:ph type="title"/>
-          </p:nvPr>
-        </p:nvSpPr>
-        <p:spPr/>
-        <p:txBody>
-          <a:bodyPr/>
-          <a:lstStyle/>
-          <a:p>
-            <a:r>
-              <a:rPr lang="en-US" dirty="0" smtClean="0"/>
-              <a:t>Daily recap</a:t>
-            </a:r>
-            <a:endParaRPr lang="en-US" dirty="0"/>
-          </a:p>
-        </p:txBody>
-      </p:sp>
-      <p:sp>
-        <p:nvSpPr>
-          <p:cNvPr id="3" name="Content Placeholder 2">
-            <a:extLst>
-              <a:ext uri="{FF2B5EF4-FFF2-40B4-BE49-F238E27FC236}">
-                <a16:creationId xmlns:a16="http://schemas.microsoft.com/office/drawing/2014/main" xmlns="" id="{4B4C5326-8C6B-4ABB-84E6-071E5D546D21}"/>
-              </a:ext>
-            </a:extLst>
-          </p:cNvPr>
-          <p:cNvSpPr>
-            <a:spLocks noGrp="1"/>
-          </p:cNvSpPr>
-          <p:nvPr>
-            <p:ph idx="1"/>
           </p:nvPr>
         </p:nvSpPr>
         <p:spPr/>
@@ -8977,112 +8831,8 @@
           <a:lstStyle/>
           <a:p>
             <a:r>
-              <a:rPr lang="en-US" dirty="0" smtClean="0"/>
-              <a:t>TMB</a:t>
-            </a:r>
-            <a:endParaRPr lang="en-US" dirty="0"/>
-          </a:p>
-          <a:p>
-            <a:pPr marL="457200" lvl="1" indent="0">
-              <a:buNone/>
-            </a:pPr>
-            <a:endParaRPr lang="en-US" dirty="0"/>
-          </a:p>
-        </p:txBody>
-      </p:sp>
-      <p:sp>
-        <p:nvSpPr>
-          <p:cNvPr id="4" name="Slide Number Placeholder 3">
-            <a:extLst>
-              <a:ext uri="{FF2B5EF4-FFF2-40B4-BE49-F238E27FC236}">
-                <a16:creationId xmlns:a16="http://schemas.microsoft.com/office/drawing/2014/main" xmlns="" id="{36DE4806-250F-4E4A-826B-F4D2260E75D8}"/>
-              </a:ext>
-            </a:extLst>
-          </p:cNvPr>
-          <p:cNvSpPr>
-            <a:spLocks noGrp="1"/>
-          </p:cNvSpPr>
-          <p:nvPr>
-            <p:ph type="sldNum" sz="quarter" idx="12"/>
-          </p:nvPr>
-        </p:nvSpPr>
-        <p:spPr/>
-        <p:txBody>
-          <a:bodyPr/>
-          <a:lstStyle/>
-          <a:p>
-            <a:fld id="{36417F31-DB7E-41E3-9A04-DC9BB348C608}" type="slidenum">
-              <a:rPr lang="en-US" smtClean="0"/>
-              <a:t>10</a:t>
-            </a:fld>
-            <a:endParaRPr lang="en-US"/>
-          </a:p>
-        </p:txBody>
-      </p:sp>
-    </p:spTree>
-    <p:extLst>
-      <p:ext uri="{BB962C8B-B14F-4D97-AF65-F5344CB8AC3E}">
-        <p14:creationId xmlns:p14="http://schemas.microsoft.com/office/powerpoint/2010/main" val="2220825856"/>
-      </p:ext>
-    </p:extLst>
-  </p:cSld>
-  <p:clrMapOvr>
-    <a:masterClrMapping/>
-  </p:clrMapOvr>
-</p:sld>
-</file>
-
-<file path=ppt/slides/slide2.xml><?xml version="1.0" encoding="utf-8"?>
-<p:sld xmlns:a="http://schemas.openxmlformats.org/drawingml/2006/main" xmlns:r="http://schemas.openxmlformats.org/officeDocument/2006/relationships" xmlns:p="http://schemas.openxmlformats.org/presentationml/2006/main">
-  <p:cSld>
-    <p:spTree>
-      <p:nvGrpSpPr>
-        <p:cNvPr id="1" name=""/>
-        <p:cNvGrpSpPr/>
-        <p:nvPr/>
-      </p:nvGrpSpPr>
-      <p:grpSpPr>
-        <a:xfrm>
-          <a:off x="0" y="0"/>
-          <a:ext cx="0" cy="0"/>
-          <a:chOff x="0" y="0"/>
-          <a:chExt cx="0" cy="0"/>
-        </a:xfrm>
-      </p:grpSpPr>
-      <p:sp>
-        <p:nvSpPr>
-          <p:cNvPr id="2" name="Title 1">
-            <a:extLst>
-              <a:ext uri="{FF2B5EF4-FFF2-40B4-BE49-F238E27FC236}">
-                <a16:creationId xmlns:a16="http://schemas.microsoft.com/office/drawing/2014/main" xmlns="" id="{4819A39B-28BB-4873-9914-8FEE18891DD4}"/>
-              </a:ext>
-            </a:extLst>
-          </p:cNvPr>
-          <p:cNvSpPr>
-            <a:spLocks noGrp="1"/>
-          </p:cNvSpPr>
-          <p:nvPr>
-            <p:ph type="ctrTitle"/>
-          </p:nvPr>
-        </p:nvSpPr>
-        <p:spPr/>
-        <p:txBody>
-          <a:bodyPr>
-            <a:normAutofit/>
-          </a:bodyPr>
-          <a:lstStyle/>
-          <a:p>
-            <a:r>
-              <a:rPr lang="es-CL" noProof="0" dirty="0"/>
-              <a:t>Una i</a:t>
-            </a:r>
-            <a:r>
-              <a:rPr lang="es-CL" dirty="0" err="1"/>
-              <a:t>ntrodución</a:t>
-            </a:r>
-            <a:r>
-              <a:rPr lang="es-CL" dirty="0"/>
-              <a:t> de la integración numérica </a:t>
+              <a:rPr lang="es-ES" dirty="0" smtClean="0"/>
+              <a:t>Una revisión de los metodólogos de integración  </a:t>
             </a:r>
             <a:endParaRPr lang="es-CL" noProof="0" dirty="0"/>
           </a:p>
@@ -9093,7 +8843,7 @@
           <p:cNvPr id="5" name="Subtitle 2">
             <a:extLst>
               <a:ext uri="{FF2B5EF4-FFF2-40B4-BE49-F238E27FC236}">
-                <a16:creationId xmlns:a16="http://schemas.microsoft.com/office/drawing/2014/main" xmlns="" id="{2BECD79D-0B3A-44C2-A155-03EC2A6A5D3B}"/>
+                <a16:creationId xmlns="" xmlns:a16="http://schemas.microsoft.com/office/drawing/2014/main" id="{2BECD79D-0B3A-44C2-A155-03EC2A6A5D3B}"/>
               </a:ext>
             </a:extLst>
           </p:cNvPr>
@@ -9104,8 +8854,8 @@
         </p:nvSpPr>
         <p:spPr bwMode="auto">
           <a:xfrm>
-            <a:off x="528917" y="4177553"/>
-            <a:ext cx="7190320" cy="1752600"/>
+            <a:off x="528916" y="4378888"/>
+            <a:ext cx="8008659" cy="1752600"/>
           </a:xfrm>
           <a:prstGeom prst="rect">
             <a:avLst/>
@@ -9116,17 +8866,17 @@
           </a:ln>
           <a:extLst>
             <a:ext uri="{FAA26D3D-D897-4be2-8F04-BA451C77F1D7}">
-              <ma14:placeholderFlag xmlns="" xmlns:ma14="http://schemas.microsoft.com/office/mac/drawingml/2011/main" val="1"/>
+              <ma14:placeholderFlag xmlns:ma14="http://schemas.microsoft.com/office/mac/drawingml/2011/main" xmlns="" val="1"/>
             </a:ext>
             <a:ext uri="{909E8E84-426E-40dd-AFC4-6F175D3DCCD1}">
-              <a14:hiddenFill xmlns="" xmlns:a14="http://schemas.microsoft.com/office/drawing/2010/main">
+              <a14:hiddenFill xmlns:a14="http://schemas.microsoft.com/office/drawing/2010/main" xmlns="">
                 <a:solidFill>
                   <a:srgbClr val="FFFFFF"/>
                 </a:solidFill>
               </a14:hiddenFill>
             </a:ext>
             <a:ext uri="{91240B29-F687-4f45-9708-019B960494DF}">
-              <a14:hiddenLine xmlns="" xmlns:a14="http://schemas.microsoft.com/office/drawing/2010/main" w="9525">
+              <a14:hiddenLine xmlns:a14="http://schemas.microsoft.com/office/drawing/2010/main" xmlns="" w="9525">
                 <a:solidFill>
                   <a:srgbClr val="000000"/>
                 </a:solidFill>
@@ -9334,37 +9084,49 @@
           <a:p>
             <a:pPr defTabSz="914400"/>
             <a:r>
+              <a:rPr lang="es-ES" kern="0" dirty="0"/>
+              <a:t>Modelos Bayesianos con aplicaciones </a:t>
+            </a:r>
+            <a:r>
+              <a:rPr lang="es-ES" kern="0" dirty="0" smtClean="0"/>
+              <a:t>ecológicas</a:t>
+            </a:r>
+          </a:p>
+          <a:p>
+            <a:pPr defTabSz="914400"/>
+            <a:r>
               <a:rPr lang="en-US" kern="0" dirty="0"/>
-              <a:t>Stats reading group on Bayesian inference</a:t>
+              <a:t>Dr. Cole Monnahan</a:t>
             </a:r>
           </a:p>
           <a:p>
             <a:pPr defTabSz="914400"/>
             <a:r>
-              <a:rPr lang="es-CL" kern="0" dirty="0"/>
-              <a:t>27 Marzo </a:t>
+              <a:rPr lang="en-US" kern="0" dirty="0" smtClean="0"/>
+              <a:t>University </a:t>
             </a:r>
             <a:r>
               <a:rPr lang="en-US" kern="0" dirty="0"/>
+              <a:t>of Concepción, </a:t>
+            </a:r>
+            <a:r>
+              <a:rPr lang="en-US" kern="0" dirty="0" smtClean="0"/>
+              <a:t>Chile</a:t>
+            </a:r>
+          </a:p>
+          <a:p>
+            <a:pPr defTabSz="914400"/>
+            <a:r>
+              <a:rPr lang="en-US" kern="0" dirty="0" err="1"/>
+              <a:t>Enero</a:t>
+            </a:r>
+            <a:r>
+              <a:rPr lang="en-US" kern="0" dirty="0"/>
+              <a:t>, </a:t>
+            </a:r>
+            <a:r>
+              <a:rPr lang="en-US" kern="0" dirty="0" smtClean="0"/>
               <a:t>2018</a:t>
-            </a:r>
-          </a:p>
-          <a:p>
-            <a:pPr defTabSz="914400"/>
-            <a:r>
-              <a:rPr lang="en-US" kern="0" dirty="0"/>
-              <a:t>University of Concepción, Chile</a:t>
-            </a:r>
-          </a:p>
-          <a:p>
-            <a:pPr defTabSz="914400"/>
-            <a:r>
-              <a:rPr lang="en-US" kern="0" dirty="0"/>
-              <a:t>Cole </a:t>
-            </a:r>
-            <a:r>
-              <a:rPr lang="en-US" kern="0" dirty="0" err="1"/>
-              <a:t>Monnahan</a:t>
             </a:r>
             <a:endParaRPr lang="en-US" kern="0" dirty="0"/>
           </a:p>
@@ -9373,7 +9135,276 @@
     </p:spTree>
     <p:extLst>
       <p:ext uri="{BB962C8B-B14F-4D97-AF65-F5344CB8AC3E}">
-        <p14:creationId xmlns:p14="http://schemas.microsoft.com/office/powerpoint/2010/main" val="2679111739"/>
+        <p14:creationId xmlns:p14="http://schemas.microsoft.com/office/powerpoint/2010/main" val="2240679239"/>
+      </p:ext>
+    </p:extLst>
+  </p:cSld>
+  <p:clrMapOvr>
+    <a:masterClrMapping/>
+  </p:clrMapOvr>
+</p:sld>
+</file>
+
+<file path=ppt/slides/slide10.xml><?xml version="1.0" encoding="utf-8"?>
+<p:sld xmlns:a="http://schemas.openxmlformats.org/drawingml/2006/main" xmlns:r="http://schemas.openxmlformats.org/officeDocument/2006/relationships" xmlns:p="http://schemas.openxmlformats.org/presentationml/2006/main">
+  <p:cSld>
+    <p:spTree>
+      <p:nvGrpSpPr>
+        <p:cNvPr id="1" name=""/>
+        <p:cNvGrpSpPr/>
+        <p:nvPr/>
+      </p:nvGrpSpPr>
+      <p:grpSpPr>
+        <a:xfrm>
+          <a:off x="0" y="0"/>
+          <a:ext cx="0" cy="0"/>
+          <a:chOff x="0" y="0"/>
+          <a:chExt cx="0" cy="0"/>
+        </a:xfrm>
+      </p:grpSpPr>
+      <p:sp>
+        <p:nvSpPr>
+          <p:cNvPr id="2" name="Title 1">
+            <a:extLst>
+              <a:ext uri="{FF2B5EF4-FFF2-40B4-BE49-F238E27FC236}">
+                <a16:creationId xmlns:a16="http://schemas.microsoft.com/office/drawing/2014/main" xmlns="" id="{8E0EE53A-651A-4D14-8ED8-844CD15A79D6}"/>
+              </a:ext>
+            </a:extLst>
+          </p:cNvPr>
+          <p:cNvSpPr>
+            <a:spLocks noGrp="1"/>
+          </p:cNvSpPr>
+          <p:nvPr>
+            <p:ph type="title"/>
+          </p:nvPr>
+        </p:nvSpPr>
+        <p:spPr/>
+        <p:txBody>
+          <a:bodyPr/>
+          <a:lstStyle/>
+          <a:p>
+            <a:r>
+              <a:rPr lang="en-US" dirty="0" smtClean="0"/>
+              <a:t>Homework 1.2 </a:t>
+            </a:r>
+            <a:endParaRPr lang="en-US" dirty="0"/>
+          </a:p>
+        </p:txBody>
+      </p:sp>
+      <p:sp>
+        <p:nvSpPr>
+          <p:cNvPr id="3" name="Content Placeholder 2">
+            <a:extLst>
+              <a:ext uri="{FF2B5EF4-FFF2-40B4-BE49-F238E27FC236}">
+                <a16:creationId xmlns:a16="http://schemas.microsoft.com/office/drawing/2014/main" xmlns="" id="{BDEFFF4C-D827-448B-BDCC-989C6D68C921}"/>
+              </a:ext>
+            </a:extLst>
+          </p:cNvPr>
+          <p:cNvSpPr>
+            <a:spLocks noGrp="1"/>
+          </p:cNvSpPr>
+          <p:nvPr>
+            <p:ph idx="1"/>
+          </p:nvPr>
+        </p:nvSpPr>
+        <p:spPr>
+          <a:xfrm>
+            <a:off x="628650" y="1371600"/>
+            <a:ext cx="7886700" cy="4805363"/>
+          </a:xfrm>
+        </p:spPr>
+        <p:txBody>
+          <a:bodyPr>
+            <a:normAutofit fontScale="92500" lnSpcReduction="20000"/>
+          </a:bodyPr>
+          <a:lstStyle/>
+          <a:p>
+            <a:pPr marL="514350" indent="-514350">
+              <a:buFont typeface="+mj-lt"/>
+              <a:buAutoNum type="arabicPeriod"/>
+            </a:pPr>
+            <a:r>
+              <a:rPr lang="en-US" dirty="0" smtClean="0"/>
+              <a:t>Assume X~N(0,1). Use </a:t>
+            </a:r>
+            <a:r>
+              <a:rPr lang="en-US" dirty="0" err="1" smtClean="0"/>
+              <a:t>rnorm</a:t>
+            </a:r>
+            <a:r>
+              <a:rPr lang="en-US" dirty="0" smtClean="0"/>
+              <a:t> to estimate P(X&lt; -5). Repeat but use </a:t>
+            </a:r>
+            <a:r>
+              <a:rPr lang="en-US" dirty="0" err="1" smtClean="0"/>
+              <a:t>pnorm</a:t>
+            </a:r>
+            <a:r>
+              <a:rPr lang="en-US" dirty="0" smtClean="0"/>
+              <a:t>. Why different?</a:t>
+            </a:r>
+          </a:p>
+          <a:p>
+            <a:pPr marL="514350" indent="-514350">
+              <a:buFont typeface="+mj-lt"/>
+              <a:buAutoNum type="arabicPeriod"/>
+            </a:pPr>
+            <a:r>
+              <a:rPr lang="en-US" dirty="0" smtClean="0"/>
+              <a:t>Generate 500 samples and plot the cumulative mean of samples vs replicate. How many samples are “good enough” to approximate the mean? </a:t>
+            </a:r>
+          </a:p>
+          <a:p>
+            <a:pPr marL="514350" indent="-514350">
+              <a:buFont typeface="+mj-lt"/>
+              <a:buAutoNum type="arabicPeriod"/>
+            </a:pPr>
+            <a:r>
+              <a:rPr lang="en-US" dirty="0" smtClean="0"/>
+              <a:t>Using samples from #2, approximate mean of the function h(x)=x^2. Is this equal to mean(x)^2?</a:t>
+            </a:r>
+          </a:p>
+          <a:p>
+            <a:pPr marL="514350" indent="-514350">
+              <a:buFont typeface="+mj-lt"/>
+              <a:buAutoNum type="arabicPeriod"/>
+            </a:pPr>
+            <a:r>
+              <a:rPr lang="en-US" dirty="0" smtClean="0"/>
+              <a:t>[Extra: find the pdf for Y=h(x) and add to histogram]</a:t>
+            </a:r>
+            <a:endParaRPr lang="en-US" dirty="0"/>
+          </a:p>
+        </p:txBody>
+      </p:sp>
+      <p:sp>
+        <p:nvSpPr>
+          <p:cNvPr id="4" name="Slide Number Placeholder 3">
+            <a:extLst>
+              <a:ext uri="{FF2B5EF4-FFF2-40B4-BE49-F238E27FC236}">
+                <a16:creationId xmlns:a16="http://schemas.microsoft.com/office/drawing/2014/main" xmlns="" id="{FB13210D-F4BF-478A-BF3A-8929098C1397}"/>
+              </a:ext>
+            </a:extLst>
+          </p:cNvPr>
+          <p:cNvSpPr>
+            <a:spLocks noGrp="1"/>
+          </p:cNvSpPr>
+          <p:nvPr>
+            <p:ph type="sldNum" sz="quarter" idx="12"/>
+          </p:nvPr>
+        </p:nvSpPr>
+        <p:spPr/>
+        <p:txBody>
+          <a:bodyPr/>
+          <a:lstStyle/>
+          <a:p>
+            <a:fld id="{36417F31-DB7E-41E3-9A04-DC9BB348C608}" type="slidenum">
+              <a:rPr lang="en-US" smtClean="0"/>
+              <a:t>10</a:t>
+            </a:fld>
+            <a:endParaRPr lang="en-US"/>
+          </a:p>
+        </p:txBody>
+      </p:sp>
+    </p:spTree>
+    <p:extLst>
+      <p:ext uri="{BB962C8B-B14F-4D97-AF65-F5344CB8AC3E}">
+        <p14:creationId xmlns:p14="http://schemas.microsoft.com/office/powerpoint/2010/main" val="2019066823"/>
+      </p:ext>
+    </p:extLst>
+  </p:cSld>
+  <p:clrMapOvr>
+    <a:masterClrMapping/>
+  </p:clrMapOvr>
+</p:sld>
+</file>
+
+<file path=ppt/slides/slide2.xml><?xml version="1.0" encoding="utf-8"?>
+<p:sld xmlns:a="http://schemas.openxmlformats.org/drawingml/2006/main" xmlns:r="http://schemas.openxmlformats.org/officeDocument/2006/relationships" xmlns:p="http://schemas.openxmlformats.org/presentationml/2006/main">
+  <p:cSld>
+    <p:spTree>
+      <p:nvGrpSpPr>
+        <p:cNvPr id="1" name=""/>
+        <p:cNvGrpSpPr/>
+        <p:nvPr/>
+      </p:nvGrpSpPr>
+      <p:grpSpPr>
+        <a:xfrm>
+          <a:off x="0" y="0"/>
+          <a:ext cx="0" cy="0"/>
+          <a:chOff x="0" y="0"/>
+          <a:chExt cx="0" cy="0"/>
+        </a:xfrm>
+      </p:grpSpPr>
+      <p:sp>
+        <p:nvSpPr>
+          <p:cNvPr id="2" name="Title 1"/>
+          <p:cNvSpPr>
+            <a:spLocks noGrp="1"/>
+          </p:cNvSpPr>
+          <p:nvPr>
+            <p:ph type="title"/>
+          </p:nvPr>
+        </p:nvSpPr>
+        <p:spPr/>
+        <p:txBody>
+          <a:bodyPr/>
+          <a:lstStyle/>
+          <a:p>
+            <a:endParaRPr lang="en-US" dirty="0"/>
+          </a:p>
+        </p:txBody>
+      </p:sp>
+      <p:sp>
+        <p:nvSpPr>
+          <p:cNvPr id="3" name="Content Placeholder 2"/>
+          <p:cNvSpPr>
+            <a:spLocks noGrp="1"/>
+          </p:cNvSpPr>
+          <p:nvPr>
+            <p:ph idx="1"/>
+          </p:nvPr>
+        </p:nvSpPr>
+        <p:spPr/>
+        <p:txBody>
+          <a:bodyPr/>
+          <a:lstStyle/>
+          <a:p>
+            <a:r>
+              <a:rPr lang="en-US" dirty="0" smtClean="0"/>
+              <a:t>When we have continuous distributions then we must integrate to get a probability</a:t>
+            </a:r>
+            <a:endParaRPr lang="en-US" dirty="0"/>
+          </a:p>
+        </p:txBody>
+      </p:sp>
+      <p:sp>
+        <p:nvSpPr>
+          <p:cNvPr id="4" name="Slide Number Placeholder 3"/>
+          <p:cNvSpPr>
+            <a:spLocks noGrp="1"/>
+          </p:cNvSpPr>
+          <p:nvPr>
+            <p:ph type="sldNum" sz="quarter" idx="12"/>
+          </p:nvPr>
+        </p:nvSpPr>
+        <p:spPr/>
+        <p:txBody>
+          <a:bodyPr/>
+          <a:lstStyle/>
+          <a:p>
+            <a:fld id="{36417F31-DB7E-41E3-9A04-DC9BB348C608}" type="slidenum">
+              <a:rPr lang="en-US" smtClean="0"/>
+              <a:t>2</a:t>
+            </a:fld>
+            <a:endParaRPr lang="en-US"/>
+          </a:p>
+        </p:txBody>
+      </p:sp>
+    </p:spTree>
+    <p:extLst>
+      <p:ext uri="{BB962C8B-B14F-4D97-AF65-F5344CB8AC3E}">
+        <p14:creationId xmlns:p14="http://schemas.microsoft.com/office/powerpoint/2010/main" val="1823361238"/>
       </p:ext>
     </p:extLst>
   </p:cSld>
@@ -9400,180 +9431,341 @@
           <a:chExt cx="0" cy="0"/>
         </a:xfrm>
       </p:grpSpPr>
-      <p:sp>
-        <p:nvSpPr>
-          <p:cNvPr id="2" name="Title 1">
-            <a:extLst>
-              <a:ext uri="{FF2B5EF4-FFF2-40B4-BE49-F238E27FC236}">
-                <a16:creationId xmlns:a16="http://schemas.microsoft.com/office/drawing/2014/main" xmlns="" id="{D93C4D9F-B390-4411-A659-8F4C31F35C3D}"/>
-              </a:ext>
-            </a:extLst>
-          </p:cNvPr>
-          <p:cNvSpPr>
-            <a:spLocks noGrp="1"/>
-          </p:cNvSpPr>
-          <p:nvPr>
-            <p:ph type="title"/>
-          </p:nvPr>
-        </p:nvSpPr>
-        <p:spPr/>
-        <p:txBody>
-          <a:bodyPr/>
-          <a:lstStyle/>
-          <a:p>
-            <a:r>
-              <a:rPr lang="es-CL" noProof="0" dirty="0" err="1"/>
-              <a:t>Example</a:t>
-            </a:r>
-            <a:r>
-              <a:rPr lang="es-CL" noProof="0" dirty="0"/>
-              <a:t> I</a:t>
-            </a:r>
-          </a:p>
-        </p:txBody>
-      </p:sp>
-      <p:sp>
-        <p:nvSpPr>
-          <p:cNvPr id="3" name="Content Placeholder 2">
-            <a:extLst>
-              <a:ext uri="{FF2B5EF4-FFF2-40B4-BE49-F238E27FC236}">
-                <a16:creationId xmlns:a16="http://schemas.microsoft.com/office/drawing/2014/main" xmlns="" id="{4C0195F5-51A8-4953-90B5-7B4796165D32}"/>
-              </a:ext>
-            </a:extLst>
-          </p:cNvPr>
-          <p:cNvSpPr>
-            <a:spLocks noGrp="1"/>
-          </p:cNvSpPr>
-          <p:nvPr>
-            <p:ph idx="1"/>
-          </p:nvPr>
-        </p:nvSpPr>
-        <p:spPr>
-          <a:xfrm>
-            <a:off x="457200" y="1047750"/>
-            <a:ext cx="8229600" cy="5083176"/>
-          </a:xfrm>
-        </p:spPr>
-        <p:txBody>
-          <a:bodyPr/>
-          <a:lstStyle/>
-          <a:p>
-            <a:r>
-              <a:rPr lang="es-CL" sz="2400" dirty="0"/>
-              <a:t>Supone solo un dato (</a:t>
-            </a:r>
-            <a:r>
-              <a:rPr lang="es-CL" sz="2400" i="1" dirty="0"/>
-              <a:t>y</a:t>
-            </a:r>
-            <a:r>
-              <a:rPr lang="es-CL" sz="2400" dirty="0"/>
-              <a:t>) de una distribución normal donde la media (</a:t>
-            </a:r>
-            <a:r>
-              <a:rPr lang="es-CL" sz="2400" i="1" dirty="0"/>
-              <a:t>θ)</a:t>
-            </a:r>
-            <a:r>
-              <a:rPr lang="es-CL" sz="2400" dirty="0"/>
-              <a:t> no es conocido pero la varianza sí: </a:t>
-            </a:r>
-            <a:r>
-              <a:rPr lang="es-CL" sz="2400" i="1" dirty="0"/>
-              <a:t>p(</a:t>
-            </a:r>
-            <a:r>
-              <a:rPr lang="es-CL" sz="2400" i="1" dirty="0" err="1"/>
-              <a:t>y|θ</a:t>
-            </a:r>
-            <a:r>
-              <a:rPr lang="es-CL" sz="2400" i="1" dirty="0"/>
-              <a:t>)~N(θ,</a:t>
-            </a:r>
-            <a:r>
-              <a:rPr lang="el-GR" sz="2400" i="1" dirty="0"/>
-              <a:t>σ</a:t>
-            </a:r>
-            <a:r>
-              <a:rPr lang="es-CL" sz="2400" i="1" dirty="0"/>
-              <a:t>)</a:t>
-            </a:r>
-            <a:r>
-              <a:rPr lang="es-CL" sz="2400" dirty="0"/>
-              <a:t>. La prior=</a:t>
-            </a:r>
-            <a:r>
-              <a:rPr lang="es-CL" sz="2400" i="1" dirty="0"/>
-              <a:t>p(θ)~N(μ</a:t>
-            </a:r>
-            <a:r>
-              <a:rPr lang="es-CL" sz="2400" i="1" baseline="-25000" dirty="0"/>
-              <a:t>0</a:t>
-            </a:r>
-            <a:r>
-              <a:rPr lang="es-CL" sz="2400" i="1" dirty="0"/>
-              <a:t>,τ</a:t>
-            </a:r>
-            <a:r>
-              <a:rPr lang="es-CL" sz="2400" i="1" baseline="-25000" dirty="0"/>
-              <a:t> 0</a:t>
-            </a:r>
-            <a:r>
-              <a:rPr lang="es-CL" sz="2400" i="1" dirty="0"/>
-              <a:t>)</a:t>
-            </a:r>
-          </a:p>
-          <a:p>
-            <a:endParaRPr lang="es-CL" sz="2400" i="1" noProof="0" dirty="0"/>
-          </a:p>
-          <a:p>
-            <a:endParaRPr lang="es-CL" sz="2400" i="1" noProof="0" dirty="0"/>
-          </a:p>
-          <a:p>
-            <a:endParaRPr lang="es-CL" sz="2400" i="1" noProof="0" dirty="0"/>
-          </a:p>
-          <a:p>
-            <a:r>
-              <a:rPr lang="es-CL" sz="2400" noProof="0" dirty="0"/>
-              <a:t>Es una distribución normal:</a:t>
-            </a:r>
-          </a:p>
-          <a:p>
-            <a:pPr marL="0" indent="0">
-              <a:buNone/>
-            </a:pPr>
-            <a:r>
-              <a:rPr lang="es-CL" sz="2400" noProof="0" dirty="0"/>
-              <a:t> </a:t>
-            </a:r>
-          </a:p>
-          <a:p>
-            <a:endParaRPr lang="es-CL" sz="2400" noProof="0" dirty="0"/>
-          </a:p>
-          <a:p>
-            <a:r>
-              <a:rPr lang="es-CL" sz="2400" dirty="0"/>
-              <a:t>Cómo calculamos probabilidades de la </a:t>
-            </a:r>
-            <a:r>
-              <a:rPr lang="es-CL" sz="2400" noProof="0" dirty="0"/>
-              <a:t>posteriori?</a:t>
-            </a:r>
-          </a:p>
-          <a:p>
-            <a:r>
-              <a:rPr lang="es-CL" sz="2400" b="1" noProof="0" dirty="0"/>
-              <a:t>Tenemos que integrarla! </a:t>
-            </a:r>
-          </a:p>
-        </p:txBody>
-      </p:sp>
+      <mc:AlternateContent xmlns:mc="http://schemas.openxmlformats.org/markup-compatibility/2006" xmlns:a14="http://schemas.microsoft.com/office/drawing/2010/main">
+        <mc:Choice Requires="a14">
+          <p:sp>
+            <p:nvSpPr>
+              <p:cNvPr id="3" name="Content Placeholder 2">
+                <a:extLst>
+                  <a:ext uri="{FF2B5EF4-FFF2-40B4-BE49-F238E27FC236}">
+                    <a16:creationId xmlns:a16="http://schemas.microsoft.com/office/drawing/2014/main" xmlns="" id="{6D46622B-CEA1-41A3-B30B-DD972286CF5D}"/>
+                  </a:ext>
+                </a:extLst>
+              </p:cNvPr>
+              <p:cNvSpPr>
+                <a:spLocks noGrp="1"/>
+              </p:cNvSpPr>
+              <p:nvPr>
+                <p:ph idx="1"/>
+              </p:nvPr>
+            </p:nvSpPr>
+            <p:spPr>
+              <a:xfrm>
+                <a:off x="457200" y="1171852"/>
+                <a:ext cx="8229600" cy="4959074"/>
+              </a:xfrm>
+            </p:spPr>
+            <p:txBody>
+              <a:bodyPr>
+                <a:normAutofit/>
+              </a:bodyPr>
+              <a:lstStyle/>
+              <a:p>
+                <a:r>
+                  <a:rPr lang="es-CL" dirty="0" smtClean="0"/>
+                  <a:t>Assume </a:t>
+                </a:r>
+                <a:r>
+                  <a:rPr lang="es-CL" dirty="0" err="1" smtClean="0"/>
+                  <a:t>we</a:t>
+                </a:r>
+                <a:r>
+                  <a:rPr lang="es-CL" dirty="0" smtClean="0"/>
+                  <a:t> </a:t>
+                </a:r>
+                <a:r>
+                  <a:rPr lang="es-CL" dirty="0" err="1" smtClean="0"/>
+                  <a:t>have</a:t>
+                </a:r>
+                <a:r>
+                  <a:rPr lang="es-CL" dirty="0" smtClean="0"/>
+                  <a:t> a </a:t>
+                </a:r>
+                <a:r>
+                  <a:rPr lang="es-CL" dirty="0" err="1" smtClean="0"/>
+                  <a:t>uniform</a:t>
+                </a:r>
+                <a:r>
+                  <a:rPr lang="es-CL" dirty="0" smtClean="0"/>
+                  <a:t> RV: X~U(0,5)</a:t>
+                </a:r>
+              </a:p>
+              <a:p>
+                <a:r>
+                  <a:rPr lang="es-CL" b="0" noProof="0" dirty="0" err="1" smtClean="0"/>
+                  <a:t>Then</a:t>
+                </a:r>
+                <a:r>
+                  <a:rPr lang="es-CL" b="0" noProof="0" dirty="0" smtClean="0"/>
+                  <a:t> </a:t>
+                </a:r>
+                <a:r>
+                  <a:rPr lang="es-CL" b="0" noProof="0" dirty="0" err="1" smtClean="0"/>
+                  <a:t>the</a:t>
+                </a:r>
+                <a:r>
+                  <a:rPr lang="es-CL" b="0" noProof="0" dirty="0" smtClean="0"/>
+                  <a:t> </a:t>
+                </a:r>
+                <a:r>
+                  <a:rPr lang="es-CL" b="0" noProof="0" dirty="0" err="1" smtClean="0"/>
+                  <a:t>pdf</a:t>
+                </a:r>
+                <a:r>
+                  <a:rPr lang="es-CL" b="0" noProof="0" dirty="0" smtClean="0"/>
+                  <a:t> f(x)=1/5 </a:t>
+                </a:r>
+                <a:r>
+                  <a:rPr lang="es-CL" b="0" noProof="0" dirty="0" err="1" smtClean="0"/>
+                  <a:t>for</a:t>
+                </a:r>
+                <a:r>
+                  <a:rPr lang="es-CL" b="0" noProof="0" dirty="0" smtClean="0"/>
+                  <a:t> x in (0,5) and 0 </a:t>
+                </a:r>
+                <a:r>
+                  <a:rPr lang="es-CL" b="0" noProof="0" dirty="0" err="1" smtClean="0"/>
+                  <a:t>elsewhere</a:t>
+                </a:r>
+                <a:endParaRPr lang="es-CL" b="0" noProof="0" dirty="0" smtClean="0"/>
+              </a:p>
+              <a:p>
+                <a14:m>
+                  <m:oMath xmlns:m="http://schemas.openxmlformats.org/officeDocument/2006/math">
+                    <m:r>
+                      <a:rPr lang="es-CL" b="0" i="1" noProof="0" smtClean="0">
+                        <a:latin typeface="Cambria Math" panose="02040503050406030204" pitchFamily="18" charset="0"/>
+                      </a:rPr>
+                      <m:t>𝑃</m:t>
+                    </m:r>
+                    <m:d>
+                      <m:dPr>
+                        <m:ctrlPr>
+                          <a:rPr lang="es-CL" b="0" i="1" noProof="0" smtClean="0">
+                            <a:latin typeface="Cambria Math" panose="02040503050406030204" pitchFamily="18" charset="0"/>
+                          </a:rPr>
+                        </m:ctrlPr>
+                      </m:dPr>
+                      <m:e>
+                        <m:r>
+                          <a:rPr lang="en-US" b="0" i="1" noProof="0" smtClean="0">
+                            <a:latin typeface="Cambria Math" panose="02040503050406030204" pitchFamily="18" charset="0"/>
+                          </a:rPr>
+                          <m:t>𝑎</m:t>
+                        </m:r>
+                        <m:r>
+                          <a:rPr lang="en-US" b="0" i="1" noProof="0" smtClean="0">
+                            <a:latin typeface="Cambria Math" panose="02040503050406030204" pitchFamily="18" charset="0"/>
+                          </a:rPr>
+                          <m:t>&lt;</m:t>
+                        </m:r>
+                        <m:r>
+                          <a:rPr lang="en-US" b="0" i="1" noProof="0" smtClean="0">
+                            <a:latin typeface="Cambria Math" panose="02040503050406030204" pitchFamily="18" charset="0"/>
+                          </a:rPr>
+                          <m:t>𝑋</m:t>
+                        </m:r>
+                        <m:r>
+                          <a:rPr lang="en-US" b="0" i="1" noProof="0" smtClean="0">
+                            <a:latin typeface="Cambria Math" panose="02040503050406030204" pitchFamily="18" charset="0"/>
+                          </a:rPr>
+                          <m:t>&lt;</m:t>
+                        </m:r>
+                        <m:r>
+                          <a:rPr lang="en-US" b="0" i="1" noProof="0" smtClean="0">
+                            <a:latin typeface="Cambria Math" panose="02040503050406030204" pitchFamily="18" charset="0"/>
+                          </a:rPr>
+                          <m:t>𝑏</m:t>
+                        </m:r>
+                      </m:e>
+                    </m:d>
+                    <m:r>
+                      <a:rPr lang="es-CL" b="0" i="1" noProof="0" smtClean="0">
+                        <a:latin typeface="Cambria Math" panose="02040503050406030204" pitchFamily="18" charset="0"/>
+                        <a:ea typeface="Cambria Math" panose="02040503050406030204" pitchFamily="18" charset="0"/>
+                      </a:rPr>
+                      <m:t>=</m:t>
+                    </m:r>
+                    <m:nary>
+                      <m:naryPr>
+                        <m:ctrlPr>
+                          <a:rPr lang="es-CL" b="0" i="1" noProof="0" smtClean="0">
+                            <a:latin typeface="Cambria Math" panose="02040503050406030204" pitchFamily="18" charset="0"/>
+                            <a:ea typeface="Cambria Math" panose="02040503050406030204" pitchFamily="18" charset="0"/>
+                          </a:rPr>
+                        </m:ctrlPr>
+                      </m:naryPr>
+                      <m:sub>
+                        <m:r>
+                          <a:rPr lang="en-US" b="0" i="1" noProof="0" smtClean="0">
+                            <a:latin typeface="Cambria Math" panose="02040503050406030204" pitchFamily="18" charset="0"/>
+                            <a:ea typeface="Cambria Math" panose="02040503050406030204" pitchFamily="18" charset="0"/>
+                          </a:rPr>
+                          <m:t>𝑎</m:t>
+                        </m:r>
+                      </m:sub>
+                      <m:sup>
+                        <m:r>
+                          <a:rPr lang="en-US" b="0" i="1" noProof="0" smtClean="0">
+                            <a:latin typeface="Cambria Math" panose="02040503050406030204" pitchFamily="18" charset="0"/>
+                            <a:ea typeface="Cambria Math" panose="02040503050406030204" pitchFamily="18" charset="0"/>
+                          </a:rPr>
+                          <m:t>𝑏</m:t>
+                        </m:r>
+                      </m:sup>
+                      <m:e>
+                        <m:r>
+                          <a:rPr lang="en-US" b="0" i="1" noProof="0" smtClean="0">
+                            <a:latin typeface="Cambria Math" panose="02040503050406030204" pitchFamily="18" charset="0"/>
+                            <a:ea typeface="Cambria Math" panose="02040503050406030204" pitchFamily="18" charset="0"/>
+                          </a:rPr>
+                          <m:t>1/5</m:t>
+                        </m:r>
+                        <m:r>
+                          <a:rPr lang="en-US" b="0" i="1" noProof="0" smtClean="0">
+                            <a:latin typeface="Cambria Math" panose="02040503050406030204" pitchFamily="18" charset="0"/>
+                            <a:ea typeface="Cambria Math" panose="02040503050406030204" pitchFamily="18" charset="0"/>
+                          </a:rPr>
+                          <m:t>𝑑𝑥</m:t>
+                        </m:r>
+                      </m:e>
+                    </m:nary>
+                    <m:r>
+                      <a:rPr lang="en-US" b="0" i="1" noProof="0" smtClean="0">
+                        <a:latin typeface="Cambria Math" panose="02040503050406030204" pitchFamily="18" charset="0"/>
+                        <a:ea typeface="Cambria Math" panose="02040503050406030204" pitchFamily="18" charset="0"/>
+                      </a:rPr>
+                      <m:t>=(</m:t>
+                    </m:r>
+                    <m:r>
+                      <a:rPr lang="en-US" b="0" i="1" noProof="0" smtClean="0">
+                        <a:latin typeface="Cambria Math" panose="02040503050406030204" pitchFamily="18" charset="0"/>
+                        <a:ea typeface="Cambria Math" panose="02040503050406030204" pitchFamily="18" charset="0"/>
+                      </a:rPr>
+                      <m:t>𝑏</m:t>
+                    </m:r>
+                    <m:r>
+                      <a:rPr lang="en-US" b="0" i="1" noProof="0" smtClean="0">
+                        <a:latin typeface="Cambria Math" panose="02040503050406030204" pitchFamily="18" charset="0"/>
+                        <a:ea typeface="Cambria Math" panose="02040503050406030204" pitchFamily="18" charset="0"/>
+                      </a:rPr>
+                      <m:t>−</m:t>
+                    </m:r>
+                    <m:r>
+                      <a:rPr lang="en-US" b="0" i="1" noProof="0" smtClean="0">
+                        <a:latin typeface="Cambria Math" panose="02040503050406030204" pitchFamily="18" charset="0"/>
+                        <a:ea typeface="Cambria Math" panose="02040503050406030204" pitchFamily="18" charset="0"/>
+                      </a:rPr>
+                      <m:t>𝑎</m:t>
+                    </m:r>
+                    <m:r>
+                      <a:rPr lang="en-US" b="0" i="1" noProof="0" smtClean="0">
+                        <a:latin typeface="Cambria Math" panose="02040503050406030204" pitchFamily="18" charset="0"/>
+                        <a:ea typeface="Cambria Math" panose="02040503050406030204" pitchFamily="18" charset="0"/>
+                      </a:rPr>
+                      <m:t>)/5</m:t>
+                    </m:r>
+                  </m:oMath>
+                </a14:m>
+                <a:r>
+                  <a:rPr lang="es-CL" noProof="0" dirty="0"/>
+                  <a:t>	</a:t>
+                </a:r>
+              </a:p>
+              <a:p>
+                <a:r>
+                  <a:rPr lang="es-CL" noProof="0" dirty="0" err="1" smtClean="0"/>
+                  <a:t>If</a:t>
+                </a:r>
+                <a:r>
+                  <a:rPr lang="es-CL" noProof="0" dirty="0" smtClean="0"/>
+                  <a:t> a=0, b=5; P=1</a:t>
+                </a:r>
+              </a:p>
+              <a:p>
+                <a:r>
+                  <a:rPr lang="es-CL" dirty="0" err="1" smtClean="0"/>
+                  <a:t>If</a:t>
+                </a:r>
+                <a:r>
+                  <a:rPr lang="es-CL" dirty="0" smtClean="0"/>
+                  <a:t> a=2.5, b=5; P=0.5</a:t>
+                </a:r>
+              </a:p>
+              <a:p>
+                <a:r>
+                  <a:rPr lang="es-CL" dirty="0" smtClean="0"/>
+                  <a:t>Este método e</a:t>
+                </a:r>
+                <a:r>
+                  <a:rPr lang="es-CL" noProof="0" dirty="0" smtClean="0"/>
+                  <a:t>s exacto y </a:t>
+                </a:r>
+                <a:r>
+                  <a:rPr lang="es-CL" dirty="0" smtClean="0"/>
+                  <a:t>rápido</a:t>
+                </a:r>
+              </a:p>
+              <a:p>
+                <a:r>
+                  <a:rPr lang="es-CL" dirty="0" smtClean="0"/>
+                  <a:t>Podemos usarlo con la distribución normal</a:t>
+                </a:r>
+                <a:endParaRPr lang="es-CL" noProof="0" dirty="0"/>
+              </a:p>
+            </p:txBody>
+          </p:sp>
+        </mc:Choice>
+        <mc:Fallback xmlns="">
+          <p:sp>
+            <p:nvSpPr>
+              <p:cNvPr id="3" name="Content Placeholder 2">
+                <a:extLst>
+                  <a:ext uri="{FF2B5EF4-FFF2-40B4-BE49-F238E27FC236}">
+                    <a16:creationId xmlns="" xmlns:a16="http://schemas.microsoft.com/office/drawing/2014/main" xmlns:a14="http://schemas.microsoft.com/office/drawing/2010/main" id="{6D46622B-CEA1-41A3-B30B-DD972286CF5D}"/>
+                  </a:ext>
+                </a:extLst>
+              </p:cNvPr>
+              <p:cNvSpPr>
+                <a:spLocks noGrp="1" noRot="1" noChangeAspect="1" noMove="1" noResize="1" noEditPoints="1" noAdjustHandles="1" noChangeArrowheads="1" noChangeShapeType="1" noTextEdit="1"/>
+              </p:cNvSpPr>
+              <p:nvPr>
+                <p:ph idx="1"/>
+              </p:nvPr>
+            </p:nvSpPr>
+            <p:spPr>
+              <a:xfrm>
+                <a:off x="457200" y="1171852"/>
+                <a:ext cx="8229600" cy="4959074"/>
+              </a:xfrm>
+              <a:blipFill rotWithShape="0">
+                <a:blip r:embed="rId2"/>
+                <a:stretch>
+                  <a:fillRect l="-593" t="-1597"/>
+                </a:stretch>
+              </a:blipFill>
+            </p:spPr>
+            <p:txBody>
+              <a:bodyPr/>
+              <a:lstStyle/>
+              <a:p>
+                <a:r>
+                  <a:rPr lang="en-US">
+                    <a:noFill/>
+                  </a:rPr>
+                  <a:t> </a:t>
+                </a:r>
+              </a:p>
+            </p:txBody>
+          </p:sp>
+        </mc:Fallback>
+      </mc:AlternateContent>
       <p:sp>
         <p:nvSpPr>
           <p:cNvPr id="4" name="Slide Number Placeholder 3">
             <a:extLst>
               <a:ext uri="{FF2B5EF4-FFF2-40B4-BE49-F238E27FC236}">
-                <a16:creationId xmlns:a16="http://schemas.microsoft.com/office/drawing/2014/main" xmlns="" id="{5D16BDA1-6E7A-4204-98A7-E532BAD50AC0}"/>
+                <a16:creationId xmlns:a16="http://schemas.microsoft.com/office/drawing/2014/main" xmlns="" id="{4F8E0057-45FA-40E8-80E1-8629D6245349}"/>
               </a:ext>
             </a:extLst>
           </p:cNvPr>
@@ -9597,340 +9789,43 @@
           </a:p>
         </p:txBody>
       </p:sp>
-      <p:graphicFrame>
-        <p:nvGraphicFramePr>
-          <p:cNvPr id="8" name="Object 7">
+      <p:sp>
+        <p:nvSpPr>
+          <p:cNvPr id="8" name="Title 1">
             <a:extLst>
               <a:ext uri="{FF2B5EF4-FFF2-40B4-BE49-F238E27FC236}">
-                <a16:creationId xmlns:a16="http://schemas.microsoft.com/office/drawing/2014/main" xmlns="" id="{3D933AA6-3CA4-48B7-8B31-A6372A48D17C}"/>
+                <a16:creationId xmlns:a16="http://schemas.microsoft.com/office/drawing/2014/main" xmlns="" id="{912707B5-DD64-45B2-8539-26DD0A4B2736}"/>
               </a:ext>
             </a:extLst>
           </p:cNvPr>
-          <p:cNvGraphicFramePr>
-            <a:graphicFrameLocks noChangeAspect="1"/>
-          </p:cNvGraphicFramePr>
-          <p:nvPr>
-            <p:extLst/>
-          </p:nvPr>
-        </p:nvGraphicFramePr>
-        <p:xfrm>
-          <a:off x="1206500" y="2247106"/>
-          <a:ext cx="3365500" cy="1031875"/>
-        </p:xfrm>
-        <a:graphic>
-          <a:graphicData uri="http://schemas.openxmlformats.org/presentationml/2006/ole">
-            <mc:AlternateContent xmlns:mc="http://schemas.openxmlformats.org/markup-compatibility/2006">
-              <mc:Choice xmlns:v="urn:schemas-microsoft-com:vml" Requires="v">
-                <p:oleObj spid="_x0000_s2050" name="Equation" r:id="rId3" imgW="1739880" imgH="533160" progId="Equation.DSMT4">
-                  <p:embed/>
-                </p:oleObj>
-              </mc:Choice>
-              <mc:Fallback>
-                <p:oleObj name="Equation" r:id="rId3" imgW="1739880" imgH="533160" progId="Equation.DSMT4">
-                  <p:embed/>
-                  <p:pic>
-                    <p:nvPicPr>
-                      <p:cNvPr id="0" name=""/>
-                      <p:cNvPicPr/>
-                      <p:nvPr/>
-                    </p:nvPicPr>
-                    <p:blipFill>
-                      <a:blip r:embed="rId4"/>
-                      <a:stretch>
-                        <a:fillRect/>
-                      </a:stretch>
-                    </p:blipFill>
-                    <p:spPr>
-                      <a:xfrm>
-                        <a:off x="1206500" y="2247106"/>
-                        <a:ext cx="3365500" cy="1031875"/>
-                      </a:xfrm>
-                      <a:prstGeom prst="rect">
-                        <a:avLst/>
-                      </a:prstGeom>
-                    </p:spPr>
-                  </p:pic>
-                </p:oleObj>
-              </mc:Fallback>
-            </mc:AlternateContent>
-          </a:graphicData>
-        </a:graphic>
-      </p:graphicFrame>
-      <p:sp>
-        <p:nvSpPr>
-          <p:cNvPr id="11" name="TextBox 10">
-            <a:extLst>
-              <a:ext uri="{FF2B5EF4-FFF2-40B4-BE49-F238E27FC236}">
-                <a16:creationId xmlns:a16="http://schemas.microsoft.com/office/drawing/2014/main" xmlns="" id="{F3519081-56D8-4D6D-8914-2508D3432FBF}"/>
-              </a:ext>
-            </a:extLst>
-          </p:cNvPr>
-          <p:cNvSpPr txBox="1"/>
-          <p:nvPr/>
+          <p:cNvSpPr>
+            <a:spLocks noGrp="1"/>
+          </p:cNvSpPr>
+          <p:nvPr>
+            <p:ph type="title"/>
+          </p:nvPr>
         </p:nvSpPr>
         <p:spPr>
           <a:xfrm>
-            <a:off x="226142" y="6341806"/>
-            <a:ext cx="3736258" cy="369332"/>
+            <a:off x="457200" y="277813"/>
+            <a:ext cx="8229600" cy="1139825"/>
           </a:xfrm>
-          <a:prstGeom prst="rect">
-            <a:avLst/>
-          </a:prstGeom>
-          <a:noFill/>
-        </p:spPr>
-        <p:txBody>
-          <a:bodyPr wrap="square" rtlCol="0">
-            <a:spAutoFit/>
-          </a:bodyPr>
+        </p:spPr>
+        <p:txBody>
+          <a:bodyPr/>
           <a:lstStyle/>
           <a:p>
             <a:r>
-              <a:rPr lang="en-US" dirty="0"/>
-              <a:t>Section 2.6, Gelman et al. 2014</a:t>
-            </a:r>
-          </a:p>
-        </p:txBody>
-      </p:sp>
-      <p:graphicFrame>
-        <p:nvGraphicFramePr>
-          <p:cNvPr id="9" name="Object 8">
-            <a:extLst>
-              <a:ext uri="{FF2B5EF4-FFF2-40B4-BE49-F238E27FC236}">
-                <a16:creationId xmlns:a16="http://schemas.microsoft.com/office/drawing/2014/main" xmlns="" id="{99692C83-57AF-4A76-A47E-2CAFA1D7FCA8}"/>
-              </a:ext>
-            </a:extLst>
-          </p:cNvPr>
-          <p:cNvGraphicFramePr>
-            <a:graphicFrameLocks noChangeAspect="1"/>
-          </p:cNvGraphicFramePr>
-          <p:nvPr>
-            <p:extLst/>
-          </p:nvPr>
-        </p:nvGraphicFramePr>
-        <p:xfrm>
-          <a:off x="5753617" y="2076561"/>
-          <a:ext cx="2133600" cy="2003425"/>
-        </p:xfrm>
-        <a:graphic>
-          <a:graphicData uri="http://schemas.openxmlformats.org/presentationml/2006/ole">
-            <mc:AlternateContent xmlns:mc="http://schemas.openxmlformats.org/markup-compatibility/2006">
-              <mc:Choice xmlns:v="urn:schemas-microsoft-com:vml" Requires="v">
-                <p:oleObj spid="_x0000_s2051" name="Equation" r:id="rId5" imgW="1028520" imgH="965160" progId="Equation.DSMT4">
-                  <p:embed/>
-                </p:oleObj>
-              </mc:Choice>
-              <mc:Fallback>
-                <p:oleObj name="Equation" r:id="rId5" imgW="1028520" imgH="965160" progId="Equation.DSMT4">
-                  <p:embed/>
-                  <p:pic>
-                    <p:nvPicPr>
-                      <p:cNvPr id="0" name=""/>
-                      <p:cNvPicPr/>
-                      <p:nvPr/>
-                    </p:nvPicPr>
-                    <p:blipFill>
-                      <a:blip r:embed="rId6"/>
-                      <a:stretch>
-                        <a:fillRect/>
-                      </a:stretch>
-                    </p:blipFill>
-                    <p:spPr>
-                      <a:xfrm>
-                        <a:off x="5753617" y="2076561"/>
-                        <a:ext cx="2133600" cy="2003425"/>
-                      </a:xfrm>
-                      <a:prstGeom prst="rect">
-                        <a:avLst/>
-                      </a:prstGeom>
-                    </p:spPr>
-                  </p:pic>
-                </p:oleObj>
-              </mc:Fallback>
-            </mc:AlternateContent>
-          </a:graphicData>
-        </a:graphic>
-      </p:graphicFrame>
-      <p:graphicFrame>
-        <p:nvGraphicFramePr>
-          <p:cNvPr id="6" name="Object 5">
-            <a:extLst>
-              <a:ext uri="{FF2B5EF4-FFF2-40B4-BE49-F238E27FC236}">
-                <a16:creationId xmlns:a16="http://schemas.microsoft.com/office/drawing/2014/main" xmlns="" id="{FB4CAC16-AD28-4A60-AEF9-584CB8A65161}"/>
-              </a:ext>
-            </a:extLst>
-          </p:cNvPr>
-          <p:cNvGraphicFramePr>
-            <a:graphicFrameLocks noChangeAspect="1"/>
-          </p:cNvGraphicFramePr>
-          <p:nvPr>
-            <p:extLst/>
-          </p:nvPr>
-        </p:nvGraphicFramePr>
-        <p:xfrm>
-          <a:off x="4114800" y="2209800"/>
-          <a:ext cx="114300" cy="177800"/>
-        </p:xfrm>
-        <a:graphic>
-          <a:graphicData uri="http://schemas.openxmlformats.org/presentationml/2006/ole">
-            <mc:AlternateContent xmlns:mc="http://schemas.openxmlformats.org/markup-compatibility/2006">
-              <mc:Choice xmlns:v="urn:schemas-microsoft-com:vml" Requires="v">
-                <p:oleObj spid="_x0000_s2052" name="Equation" r:id="rId7" imgW="114120" imgH="177480" progId="Equation.DSMT4">
-                  <p:embed/>
-                </p:oleObj>
-              </mc:Choice>
-              <mc:Fallback>
-                <p:oleObj name="Equation" r:id="rId7" imgW="114120" imgH="177480" progId="Equation.DSMT4">
-                  <p:embed/>
-                  <p:pic>
-                    <p:nvPicPr>
-                      <p:cNvPr id="0" name=""/>
-                      <p:cNvPicPr/>
-                      <p:nvPr/>
-                    </p:nvPicPr>
-                    <p:blipFill>
-                      <a:blip r:embed="rId8"/>
-                      <a:stretch>
-                        <a:fillRect/>
-                      </a:stretch>
-                    </p:blipFill>
-                    <p:spPr>
-                      <a:xfrm>
-                        <a:off x="4114800" y="2209800"/>
-                        <a:ext cx="114300" cy="177800"/>
-                      </a:xfrm>
-                      <a:prstGeom prst="rect">
-                        <a:avLst/>
-                      </a:prstGeom>
-                    </p:spPr>
-                  </p:pic>
-                </p:oleObj>
-              </mc:Fallback>
-            </mc:AlternateContent>
-          </a:graphicData>
-        </a:graphic>
-      </p:graphicFrame>
-      <p:graphicFrame>
-        <p:nvGraphicFramePr>
-          <p:cNvPr id="7" name="Object 6">
-            <a:extLst>
-              <a:ext uri="{FF2B5EF4-FFF2-40B4-BE49-F238E27FC236}">
-                <a16:creationId xmlns:a16="http://schemas.microsoft.com/office/drawing/2014/main" xmlns="" id="{64D35E86-5756-46B2-9561-90EBF81E8279}"/>
-              </a:ext>
-            </a:extLst>
-          </p:cNvPr>
-          <p:cNvGraphicFramePr>
-            <a:graphicFrameLocks noChangeAspect="1"/>
-          </p:cNvGraphicFramePr>
-          <p:nvPr>
-            <p:extLst/>
-          </p:nvPr>
-        </p:nvGraphicFramePr>
-        <p:xfrm>
-          <a:off x="4114800" y="2209800"/>
-          <a:ext cx="914400" cy="198438"/>
-        </p:xfrm>
-        <a:graphic>
-          <a:graphicData uri="http://schemas.openxmlformats.org/presentationml/2006/ole">
-            <mc:AlternateContent xmlns:mc="http://schemas.openxmlformats.org/markup-compatibility/2006">
-              <mc:Choice xmlns:v="urn:schemas-microsoft-com:vml" Requires="v">
-                <p:oleObj spid="_x0000_s2053" name="Equation" r:id="rId9" imgW="914400" imgH="198720" progId="Equation.DSMT4">
-                  <p:embed/>
-                </p:oleObj>
-              </mc:Choice>
-              <mc:Fallback>
-                <p:oleObj name="Equation" r:id="rId9" imgW="914400" imgH="198720" progId="Equation.DSMT4">
-                  <p:embed/>
-                  <p:pic>
-                    <p:nvPicPr>
-                      <p:cNvPr id="0" name=""/>
-                      <p:cNvPicPr/>
-                      <p:nvPr/>
-                    </p:nvPicPr>
-                    <p:blipFill>
-                      <a:blip r:embed="rId8"/>
-                      <a:stretch>
-                        <a:fillRect/>
-                      </a:stretch>
-                    </p:blipFill>
-                    <p:spPr>
-                      <a:xfrm>
-                        <a:off x="4114800" y="2209800"/>
-                        <a:ext cx="914400" cy="198438"/>
-                      </a:xfrm>
-                      <a:prstGeom prst="rect">
-                        <a:avLst/>
-                      </a:prstGeom>
-                    </p:spPr>
-                  </p:pic>
-                </p:oleObj>
-              </mc:Fallback>
-            </mc:AlternateContent>
-          </a:graphicData>
-        </a:graphic>
-      </p:graphicFrame>
-      <p:graphicFrame>
-        <p:nvGraphicFramePr>
-          <p:cNvPr id="10" name="Object 9">
-            <a:extLst>
-              <a:ext uri="{FF2B5EF4-FFF2-40B4-BE49-F238E27FC236}">
-                <a16:creationId xmlns:a16="http://schemas.microsoft.com/office/drawing/2014/main" xmlns="" id="{AD5FC48A-A28D-4FA4-9B76-321EC51C6DB4}"/>
-              </a:ext>
-            </a:extLst>
-          </p:cNvPr>
-          <p:cNvGraphicFramePr>
-            <a:graphicFrameLocks noChangeAspect="1"/>
-          </p:cNvGraphicFramePr>
-          <p:nvPr>
-            <p:extLst/>
-          </p:nvPr>
-        </p:nvGraphicFramePr>
-        <p:xfrm>
-          <a:off x="1063925" y="4028568"/>
-          <a:ext cx="2884989" cy="676385"/>
-        </p:xfrm>
-        <a:graphic>
-          <a:graphicData uri="http://schemas.openxmlformats.org/presentationml/2006/ole">
-            <mc:AlternateContent xmlns:mc="http://schemas.openxmlformats.org/markup-compatibility/2006">
-              <mc:Choice xmlns:v="urn:schemas-microsoft-com:vml" Requires="v">
-                <p:oleObj spid="_x0000_s2054" name="Equation" r:id="rId10" imgW="1028520" imgH="241200" progId="Equation.DSMT4">
-                  <p:embed/>
-                </p:oleObj>
-              </mc:Choice>
-              <mc:Fallback>
-                <p:oleObj name="Equation" r:id="rId10" imgW="1028520" imgH="241200" progId="Equation.DSMT4">
-                  <p:embed/>
-                  <p:pic>
-                    <p:nvPicPr>
-                      <p:cNvPr id="0" name=""/>
-                      <p:cNvPicPr/>
-                      <p:nvPr/>
-                    </p:nvPicPr>
-                    <p:blipFill>
-                      <a:blip r:embed="rId11"/>
-                      <a:stretch>
-                        <a:fillRect/>
-                      </a:stretch>
-                    </p:blipFill>
-                    <p:spPr>
-                      <a:xfrm>
-                        <a:off x="1063925" y="4028568"/>
-                        <a:ext cx="2884989" cy="676385"/>
-                      </a:xfrm>
-                      <a:prstGeom prst="rect">
-                        <a:avLst/>
-                      </a:prstGeom>
-                    </p:spPr>
-                  </p:pic>
-                </p:oleObj>
-              </mc:Fallback>
-            </mc:AlternateContent>
-          </a:graphicData>
-        </a:graphic>
-      </p:graphicFrame>
+              <a:rPr lang="es-CL" noProof="0" dirty="0"/>
+              <a:t>Método 1: Integración analítica </a:t>
+            </a:r>
+          </a:p>
+        </p:txBody>
+      </p:sp>
     </p:spTree>
     <p:extLst>
       <p:ext uri="{BB962C8B-B14F-4D97-AF65-F5344CB8AC3E}">
-        <p14:creationId xmlns:p14="http://schemas.microsoft.com/office/powerpoint/2010/main" val="2751232344"/>
+        <p14:creationId xmlns:p14="http://schemas.microsoft.com/office/powerpoint/2010/main" val="504527195"/>
       </p:ext>
     </p:extLst>
   </p:cSld>
@@ -9988,8 +9883,12 @@
               <a:lstStyle/>
               <a:p>
                 <a:r>
+                  <a:rPr lang="es-CL" b="0" noProof="0" dirty="0" smtClean="0"/>
+                  <a:t>P.ej</a:t>
+                </a:r>
+                <a:r>
                   <a:rPr lang="es-CL" b="0" noProof="0" dirty="0"/>
-                  <a:t>P.ej. </a:t>
+                  <a:t>. </a:t>
                 </a:r>
                 <a14:m>
                   <m:oMath xmlns:m="http://schemas.openxmlformats.org/officeDocument/2006/math">
@@ -10593,7 +10492,7 @@
     </p:spTree>
     <p:extLst>
       <p:ext uri="{BB962C8B-B14F-4D97-AF65-F5344CB8AC3E}">
-        <p14:creationId xmlns:p14="http://schemas.microsoft.com/office/powerpoint/2010/main" val="504527195"/>
+        <p14:creationId xmlns:p14="http://schemas.microsoft.com/office/powerpoint/2010/main" val="865051408"/>
       </p:ext>
     </p:extLst>
   </p:cSld>
@@ -10622,89 +10521,253 @@
       </p:grpSpPr>
       <p:sp>
         <p:nvSpPr>
-          <p:cNvPr id="3" name="Content Placeholder 2">
+          <p:cNvPr id="2" name="Title 1"/>
+          <p:cNvSpPr>
+            <a:spLocks noGrp="1"/>
+          </p:cNvSpPr>
+          <p:nvPr>
+            <p:ph type="title"/>
+          </p:nvPr>
+        </p:nvSpPr>
+        <p:spPr>
+          <a:xfrm>
+            <a:off x="457199" y="277813"/>
+            <a:ext cx="8465419" cy="1139825"/>
+          </a:xfrm>
+        </p:spPr>
+        <p:txBody>
+          <a:bodyPr/>
+          <a:lstStyle/>
+          <a:p>
+            <a:r>
+              <a:rPr lang="es-CL" dirty="0"/>
+              <a:t>Método 2: Integración por Monte Carlo</a:t>
+            </a:r>
+            <a:endParaRPr lang="en-US" u="sng" dirty="0"/>
+          </a:p>
+        </p:txBody>
+      </p:sp>
+      <p:sp>
+        <p:nvSpPr>
+          <p:cNvPr id="3" name="Content Placeholder 2"/>
+          <p:cNvSpPr>
+            <a:spLocks noGrp="1"/>
+          </p:cNvSpPr>
+          <p:nvPr>
+            <p:ph idx="1"/>
+          </p:nvPr>
+        </p:nvSpPr>
+        <p:spPr>
+          <a:xfrm>
+            <a:off x="457200" y="1219200"/>
+            <a:ext cx="8229600" cy="4530725"/>
+          </a:xfrm>
+        </p:spPr>
+        <p:txBody>
+          <a:bodyPr/>
+          <a:lstStyle/>
+          <a:p>
+            <a:pPr marL="0" indent="0">
+              <a:buNone/>
+            </a:pPr>
+            <a:r>
+              <a:rPr lang="es-CL" sz="2800" dirty="0"/>
+              <a:t>Idea = generar muestras aleatorias y calcular porcentajes para aproximar </a:t>
+            </a:r>
+            <a:r>
+              <a:rPr lang="es-CL" sz="2800" dirty="0" smtClean="0"/>
+              <a:t>probabilidades</a:t>
+            </a:r>
+            <a:endParaRPr lang="en-US" sz="2800" dirty="0"/>
+          </a:p>
+          <a:p>
+            <a:r>
+              <a:rPr lang="en-US" dirty="0" smtClean="0"/>
+              <a:t>Strong </a:t>
+            </a:r>
+            <a:r>
+              <a:rPr lang="en-US" dirty="0"/>
+              <a:t>Law of Large Numbers</a:t>
+            </a:r>
+          </a:p>
+          <a:p>
+            <a:pPr marL="0" indent="0">
+              <a:buNone/>
+            </a:pPr>
+            <a:r>
+              <a:rPr lang="en-US" sz="2000" dirty="0"/>
+              <a:t>Given a function </a:t>
+            </a:r>
+            <a:r>
+              <a:rPr lang="en-US" sz="2000" i="1" dirty="0">
+                <a:latin typeface="Times New Roman"/>
+                <a:cs typeface="Times New Roman"/>
+              </a:rPr>
+              <a:t>h</a:t>
+            </a:r>
+            <a:r>
+              <a:rPr lang="en-US" sz="2000" dirty="0">
+                <a:latin typeface="Times New Roman"/>
+                <a:cs typeface="Times New Roman"/>
+              </a:rPr>
+              <a:t>(</a:t>
+            </a:r>
+            <a:r>
+              <a:rPr lang="en-US" sz="2000" i="1" dirty="0">
+                <a:latin typeface="Times New Roman"/>
+                <a:cs typeface="Times New Roman"/>
+              </a:rPr>
+              <a:t>x</a:t>
+            </a:r>
+            <a:r>
+              <a:rPr lang="en-US" sz="2000" dirty="0">
+                <a:latin typeface="Times New Roman"/>
+                <a:cs typeface="Times New Roman"/>
+              </a:rPr>
+              <a:t>)</a:t>
+            </a:r>
+            <a:r>
+              <a:rPr lang="en-US" sz="2000" dirty="0"/>
+              <a:t> and a distribution </a:t>
+            </a:r>
+            <a:r>
+              <a:rPr lang="en-US" sz="2000" i="1" dirty="0">
+                <a:latin typeface="Times New Roman"/>
+                <a:cs typeface="Times New Roman"/>
+              </a:rPr>
+              <a:t>f</a:t>
+            </a:r>
+            <a:r>
+              <a:rPr lang="en-US" sz="2000" dirty="0">
+                <a:latin typeface="Times New Roman"/>
+                <a:cs typeface="Times New Roman"/>
+              </a:rPr>
+              <a:t>(</a:t>
+            </a:r>
+            <a:r>
+              <a:rPr lang="en-US" sz="2000" i="1" dirty="0">
+                <a:latin typeface="Times New Roman"/>
+                <a:cs typeface="Times New Roman"/>
+              </a:rPr>
+              <a:t>x</a:t>
+            </a:r>
+            <a:r>
+              <a:rPr lang="en-US" sz="2000" dirty="0">
+                <a:latin typeface="Times New Roman"/>
+                <a:cs typeface="Times New Roman"/>
+              </a:rPr>
+              <a:t>)</a:t>
+            </a:r>
+            <a:r>
+              <a:rPr lang="en-US" sz="2000" dirty="0"/>
+              <a:t>, want to</a:t>
+            </a:r>
+          </a:p>
+          <a:p>
+            <a:pPr marL="0" indent="0">
+              <a:buNone/>
+            </a:pPr>
+            <a:r>
+              <a:rPr lang="en-US" sz="2000" dirty="0"/>
+              <a:t>find expected value</a:t>
+            </a:r>
+          </a:p>
+          <a:p>
+            <a:pPr marL="0" indent="0">
+              <a:buNone/>
+            </a:pPr>
+            <a:endParaRPr lang="en-US" sz="2000" dirty="0"/>
+          </a:p>
+          <a:p>
+            <a:pPr marL="0" indent="0">
+              <a:buNone/>
+            </a:pPr>
+            <a:endParaRPr lang="en-US" sz="2000" dirty="0"/>
+          </a:p>
+          <a:p>
+            <a:pPr marL="0" indent="0">
+              <a:buNone/>
+            </a:pPr>
+            <a:r>
+              <a:rPr lang="en-US" sz="2000" dirty="0"/>
+              <a:t>which converges surely to</a:t>
+            </a:r>
+          </a:p>
+          <a:p>
+            <a:pPr marL="0" indent="0">
+              <a:buNone/>
+            </a:pPr>
+            <a:endParaRPr lang="en-US" sz="2000" dirty="0"/>
+          </a:p>
+          <a:p>
+            <a:pPr marL="0" indent="0">
+              <a:buNone/>
+            </a:pPr>
+            <a:endParaRPr lang="en-US" sz="2000" dirty="0"/>
+          </a:p>
+          <a:p>
+            <a:pPr marL="0" indent="0">
+              <a:buNone/>
+            </a:pPr>
+            <a:endParaRPr lang="en-US" sz="2000" dirty="0"/>
+          </a:p>
+          <a:p>
+            <a:pPr marL="0" indent="0">
+              <a:buNone/>
+            </a:pPr>
+            <a:r>
+              <a:rPr lang="en-US" sz="2000" dirty="0"/>
+              <a:t>for large n.  </a:t>
+            </a:r>
+          </a:p>
+          <a:p>
+            <a:pPr marL="0" indent="0">
+              <a:buNone/>
+            </a:pPr>
+            <a:endParaRPr lang="en-US" dirty="0"/>
+          </a:p>
+        </p:txBody>
+      </p:sp>
+      <p:pic>
+        <p:nvPicPr>
+          <p:cNvPr id="4" name="Picture 3" descr="Ulam.jpg"/>
+          <p:cNvPicPr>
+            <a:picLocks noChangeAspect="1"/>
+          </p:cNvPicPr>
+          <p:nvPr/>
+        </p:nvPicPr>
+        <p:blipFill>
+          <a:blip r:embed="rId2">
             <a:extLst>
-              <a:ext uri="{FF2B5EF4-FFF2-40B4-BE49-F238E27FC236}">
-                <a16:creationId xmlns:a16="http://schemas.microsoft.com/office/drawing/2014/main" xmlns="" id="{6D46622B-CEA1-41A3-B30B-DD972286CF5D}"/>
+              <a:ext uri="{28A0092B-C50C-407E-A947-70E740481C1C}">
+                <a14:useLocalDpi xmlns:a14="http://schemas.microsoft.com/office/drawing/2010/main" val="0"/>
               </a:ext>
             </a:extLst>
-          </p:cNvPr>
-          <p:cNvSpPr>
-            <a:spLocks noGrp="1"/>
-          </p:cNvSpPr>
-          <p:nvPr>
-            <p:ph idx="1"/>
-          </p:nvPr>
-        </p:nvSpPr>
+          </a:blip>
+          <a:stretch>
+            <a:fillRect/>
+          </a:stretch>
+        </p:blipFill>
         <p:spPr>
           <a:xfrm>
-            <a:off x="457200" y="1143026"/>
-            <a:ext cx="8229600" cy="4987899"/>
+            <a:off x="6477000" y="3240404"/>
+            <a:ext cx="2159000" cy="2817495"/>
           </a:xfrm>
-        </p:spPr>
-        <p:txBody>
-          <a:bodyPr>
-            <a:normAutofit/>
-          </a:bodyPr>
-          <a:lstStyle/>
-          <a:p>
-            <a:r>
-              <a:rPr lang="es-CL" sz="2800" noProof="0" dirty="0"/>
-              <a:t>Idea </a:t>
-            </a:r>
-            <a:r>
-              <a:rPr lang="es-CL" sz="2800" dirty="0"/>
-              <a:t>= generar muestras aleatorias y calcular porcentajes para aproximar probabilidades </a:t>
-            </a:r>
-            <a:endParaRPr lang="es-CL" noProof="0" dirty="0"/>
-          </a:p>
-        </p:txBody>
-      </p:sp>
-      <p:sp>
-        <p:nvSpPr>
-          <p:cNvPr id="4" name="Slide Number Placeholder 3">
-            <a:extLst>
-              <a:ext uri="{FF2B5EF4-FFF2-40B4-BE49-F238E27FC236}">
-                <a16:creationId xmlns:a16="http://schemas.microsoft.com/office/drawing/2014/main" xmlns="" id="{4F8E0057-45FA-40E8-80E1-8629D6245349}"/>
-              </a:ext>
-            </a:extLst>
-          </p:cNvPr>
-          <p:cNvSpPr>
-            <a:spLocks noGrp="1"/>
-          </p:cNvSpPr>
-          <p:nvPr>
-            <p:ph type="sldNum" sz="quarter" idx="12"/>
-          </p:nvPr>
-        </p:nvSpPr>
-        <p:spPr/>
-        <p:txBody>
-          <a:bodyPr/>
-          <a:lstStyle/>
-          <a:p>
-            <a:fld id="{2F5854F6-968A-43DD-98AD-2128488B7BB7}" type="slidenum">
-              <a:rPr lang="en-US" smtClean="0"/>
-              <a:t>5</a:t>
-            </a:fld>
-            <a:endParaRPr lang="en-US"/>
-          </a:p>
-        </p:txBody>
-      </p:sp>
-      <p:sp>
-        <p:nvSpPr>
-          <p:cNvPr id="2" name="TextBox 1">
-            <a:extLst>
-              <a:ext uri="{FF2B5EF4-FFF2-40B4-BE49-F238E27FC236}">
-                <a16:creationId xmlns:a16="http://schemas.microsoft.com/office/drawing/2014/main" xmlns="" id="{541B7B9D-0E50-4A57-AB72-124B67511980}"/>
-              </a:ext>
-            </a:extLst>
-          </p:cNvPr>
+          <a:prstGeom prst="rect">
+            <a:avLst/>
+          </a:prstGeom>
+        </p:spPr>
+      </p:pic>
+      <p:sp>
+        <p:nvSpPr>
+          <p:cNvPr id="5" name="TextBox 4"/>
           <p:cNvSpPr txBox="1"/>
           <p:nvPr/>
         </p:nvSpPr>
         <p:spPr>
           <a:xfrm>
-            <a:off x="457200" y="2123436"/>
-            <a:ext cx="8495711" cy="1938992"/>
+            <a:off x="6553200" y="2895600"/>
+            <a:ext cx="1775358" cy="369332"/>
           </a:xfrm>
           <a:prstGeom prst="rect">
             <a:avLst/>
@@ -10712,311 +10775,75 @@
           <a:noFill/>
         </p:spPr>
         <p:txBody>
-          <a:bodyPr wrap="square" rtlCol="0">
+          <a:bodyPr wrap="none" rtlCol="0">
             <a:spAutoFit/>
           </a:bodyPr>
           <a:lstStyle/>
           <a:p>
             <a:r>
-              <a:rPr lang="de-DE" sz="2400" dirty="0">
-                <a:latin typeface="Courier New" panose="02070309020205020404" pitchFamily="49" charset="0"/>
-                <a:cs typeface="Courier New" panose="02070309020205020404" pitchFamily="49" charset="0"/>
-              </a:rPr>
-              <a:t>&gt; </a:t>
-            </a:r>
-            <a:r>
-              <a:rPr lang="en-US" sz="2400" dirty="0">
-                <a:latin typeface="Courier New" panose="02070309020205020404" pitchFamily="49" charset="0"/>
-                <a:cs typeface="Courier New" panose="02070309020205020404" pitchFamily="49" charset="0"/>
-              </a:rPr>
-              <a:t>x &lt;- </a:t>
-            </a:r>
-            <a:r>
-              <a:rPr lang="en-US" sz="2400" dirty="0" err="1">
-                <a:latin typeface="Courier New" panose="02070309020205020404" pitchFamily="49" charset="0"/>
-                <a:cs typeface="Courier New" panose="02070309020205020404" pitchFamily="49" charset="0"/>
-              </a:rPr>
-              <a:t>rnorm</a:t>
-            </a:r>
-            <a:r>
-              <a:rPr lang="en-US" sz="2400" dirty="0">
-                <a:latin typeface="Courier New" panose="02070309020205020404" pitchFamily="49" charset="0"/>
-                <a:cs typeface="Courier New" panose="02070309020205020404" pitchFamily="49" charset="0"/>
-              </a:rPr>
-              <a:t>(10, mean=mu1, </a:t>
-            </a:r>
-            <a:r>
-              <a:rPr lang="en-US" sz="2400" dirty="0" err="1">
-                <a:latin typeface="Courier New" panose="02070309020205020404" pitchFamily="49" charset="0"/>
-                <a:cs typeface="Courier New" panose="02070309020205020404" pitchFamily="49" charset="0"/>
-              </a:rPr>
-              <a:t>sd</a:t>
-            </a:r>
-            <a:r>
-              <a:rPr lang="en-US" sz="2400" dirty="0">
-                <a:latin typeface="Courier New" panose="02070309020205020404" pitchFamily="49" charset="0"/>
-                <a:cs typeface="Courier New" panose="02070309020205020404" pitchFamily="49" charset="0"/>
-              </a:rPr>
-              <a:t>=tau1)</a:t>
-            </a:r>
-          </a:p>
-          <a:p>
-            <a:r>
-              <a:rPr lang="en-US" sz="2400" dirty="0">
-                <a:latin typeface="Courier New" panose="02070309020205020404" pitchFamily="49" charset="0"/>
-                <a:cs typeface="Courier New" panose="02070309020205020404" pitchFamily="49" charset="0"/>
-              </a:rPr>
-              <a:t>&gt; mean(x&lt;0)    [1] 1</a:t>
-            </a:r>
-          </a:p>
-          <a:p>
-            <a:r>
-              <a:rPr lang="en-US" sz="2400" dirty="0">
-                <a:latin typeface="Courier New" panose="02070309020205020404" pitchFamily="49" charset="0"/>
-                <a:cs typeface="Courier New" panose="02070309020205020404" pitchFamily="49" charset="0"/>
-              </a:rPr>
-              <a:t/>
-            </a:r>
-            <a:br>
-              <a:rPr lang="en-US" sz="2400" dirty="0">
-                <a:latin typeface="Courier New" panose="02070309020205020404" pitchFamily="49" charset="0"/>
-                <a:cs typeface="Courier New" panose="02070309020205020404" pitchFamily="49" charset="0"/>
-              </a:rPr>
-            </a:br>
-            <a:r>
-              <a:rPr lang="en-US" sz="2400" dirty="0">
-                <a:latin typeface="Courier New" panose="02070309020205020404" pitchFamily="49" charset="0"/>
-                <a:cs typeface="Courier New" panose="02070309020205020404" pitchFamily="49" charset="0"/>
-              </a:rPr>
-              <a:t>&gt; quantile(x, </a:t>
-            </a:r>
-            <a:r>
-              <a:rPr lang="en-US" sz="2400" dirty="0" err="1">
-                <a:latin typeface="Courier New" panose="02070309020205020404" pitchFamily="49" charset="0"/>
-                <a:cs typeface="Courier New" panose="02070309020205020404" pitchFamily="49" charset="0"/>
-              </a:rPr>
-              <a:t>probs</a:t>
-            </a:r>
-            <a:r>
-              <a:rPr lang="en-US" sz="2400" dirty="0">
-                <a:latin typeface="Courier New" panose="02070309020205020404" pitchFamily="49" charset="0"/>
-                <a:cs typeface="Courier New" panose="02070309020205020404" pitchFamily="49" charset="0"/>
-              </a:rPr>
-              <a:t>=c(0.025, 0.975))</a:t>
-            </a:r>
-          </a:p>
-          <a:p>
-            <a:r>
-              <a:rPr lang="en-US" sz="2400" dirty="0">
-                <a:latin typeface="Courier New" panose="02070309020205020404" pitchFamily="49" charset="0"/>
-                <a:cs typeface="Courier New" panose="02070309020205020404" pitchFamily="49" charset="0"/>
-              </a:rPr>
-              <a:t>     -1.14731923 -0.08842335</a:t>
-            </a:r>
-            <a:endParaRPr lang="es-CL" sz="2400" dirty="0">
-              <a:latin typeface="Courier New" panose="02070309020205020404" pitchFamily="49" charset="0"/>
-              <a:cs typeface="Courier New" panose="02070309020205020404" pitchFamily="49" charset="0"/>
-            </a:endParaRPr>
-          </a:p>
-        </p:txBody>
-      </p:sp>
-      <p:sp>
-        <p:nvSpPr>
-          <p:cNvPr id="6" name="TextBox 5">
-            <a:extLst>
-              <a:ext uri="{FF2B5EF4-FFF2-40B4-BE49-F238E27FC236}">
-                <a16:creationId xmlns:a16="http://schemas.microsoft.com/office/drawing/2014/main" xmlns="" id="{E2DC4D84-CFC0-4018-96F1-48944859E404}"/>
-              </a:ext>
-            </a:extLst>
-          </p:cNvPr>
-          <p:cNvSpPr txBox="1"/>
+              <a:rPr lang="en-US" dirty="0"/>
+              <a:t>Stanislaw </a:t>
+            </a:r>
+            <a:r>
+              <a:rPr lang="en-US" dirty="0" err="1"/>
+              <a:t>Ulam</a:t>
+            </a:r>
+            <a:endParaRPr lang="en-US" dirty="0"/>
+          </a:p>
+        </p:txBody>
+      </p:sp>
+      <p:pic>
+        <p:nvPicPr>
+          <p:cNvPr id="6" name="Picture 5"/>
+          <p:cNvPicPr>
+            <a:picLocks noChangeAspect="1"/>
+          </p:cNvPicPr>
           <p:nvPr/>
-        </p:nvSpPr>
+        </p:nvPicPr>
+        <p:blipFill>
+          <a:blip r:embed="rId3"/>
+          <a:stretch>
+            <a:fillRect/>
+          </a:stretch>
+        </p:blipFill>
         <p:spPr>
           <a:xfrm>
-            <a:off x="324144" y="4561265"/>
-            <a:ext cx="8495711" cy="1569660"/>
+            <a:off x="800502" y="3240404"/>
+            <a:ext cx="4603750" cy="1111250"/>
           </a:xfrm>
           <a:prstGeom prst="rect">
             <a:avLst/>
           </a:prstGeom>
-          <a:noFill/>
-        </p:spPr>
-        <p:txBody>
-          <a:bodyPr wrap="square" rtlCol="0">
-            <a:spAutoFit/>
-          </a:bodyPr>
-          <a:lstStyle/>
-          <a:p>
-            <a:r>
-              <a:rPr lang="de-DE" sz="2400" dirty="0">
-                <a:latin typeface="Courier New" panose="02070309020205020404" pitchFamily="49" charset="0"/>
-                <a:cs typeface="Courier New" panose="02070309020205020404" pitchFamily="49" charset="0"/>
-              </a:rPr>
-              <a:t>&gt; x &lt;- rnorm(1e6, mean=mu1, sd=tau1) </a:t>
-            </a:r>
-          </a:p>
-          <a:p>
-            <a:r>
-              <a:rPr lang="de-DE" sz="2400" dirty="0">
-                <a:latin typeface="Courier New" panose="02070309020205020404" pitchFamily="49" charset="0"/>
-                <a:cs typeface="Courier New" panose="02070309020205020404" pitchFamily="49" charset="0"/>
-              </a:rPr>
-              <a:t>&gt; mean(x&lt;0)    [1] 0.940683</a:t>
-            </a:r>
-          </a:p>
-          <a:p>
-            <a:r>
-              <a:rPr lang="de-DE" sz="2400" dirty="0">
-                <a:latin typeface="Courier New" panose="02070309020205020404" pitchFamily="49" charset="0"/>
-                <a:cs typeface="Courier New" panose="02070309020205020404" pitchFamily="49" charset="0"/>
-              </a:rPr>
-              <a:t>&gt; quantile(x, probs=c(0.025, 0.975))</a:t>
-            </a:r>
-          </a:p>
-          <a:p>
-            <a:r>
-              <a:rPr lang="de-DE" sz="2400" dirty="0">
-                <a:latin typeface="Courier New" panose="02070309020205020404" pitchFamily="49" charset="0"/>
-                <a:cs typeface="Courier New" panose="02070309020205020404" pitchFamily="49" charset="0"/>
-              </a:rPr>
-              <a:t>     -1.5768345  0.1790194</a:t>
-            </a:r>
-            <a:endParaRPr lang="es-CL" sz="2400" dirty="0">
-              <a:latin typeface="Courier New" panose="02070309020205020404" pitchFamily="49" charset="0"/>
-              <a:cs typeface="Courier New" panose="02070309020205020404" pitchFamily="49" charset="0"/>
-            </a:endParaRPr>
-          </a:p>
-        </p:txBody>
-      </p:sp>
-      <p:sp>
-        <p:nvSpPr>
-          <p:cNvPr id="5" name="TextBox 4">
-            <a:extLst>
-              <a:ext uri="{FF2B5EF4-FFF2-40B4-BE49-F238E27FC236}">
-                <a16:creationId xmlns:a16="http://schemas.microsoft.com/office/drawing/2014/main" xmlns="" id="{D7B68671-DBD1-4256-8B71-9AF9C9398CC2}"/>
-              </a:ext>
-            </a:extLst>
-          </p:cNvPr>
-          <p:cNvSpPr txBox="1"/>
+        </p:spPr>
+      </p:pic>
+      <p:pic>
+        <p:nvPicPr>
+          <p:cNvPr id="7" name="Picture 6"/>
+          <p:cNvPicPr>
+            <a:picLocks noChangeAspect="1"/>
+          </p:cNvPicPr>
           <p:nvPr/>
-        </p:nvSpPr>
+        </p:nvPicPr>
+        <p:blipFill>
+          <a:blip r:embed="rId4"/>
+          <a:stretch>
+            <a:fillRect/>
+          </a:stretch>
+        </p:blipFill>
         <p:spPr>
           <a:xfrm>
-            <a:off x="4705054" y="2716453"/>
-            <a:ext cx="2077375" cy="369332"/>
+            <a:off x="1558525" y="4496435"/>
+            <a:ext cx="3492500" cy="1301750"/>
           </a:xfrm>
           <a:prstGeom prst="rect">
             <a:avLst/>
           </a:prstGeom>
-          <a:noFill/>
-          <a:ln w="28575">
-            <a:solidFill>
-              <a:schemeClr val="tx1"/>
-            </a:solidFill>
-          </a:ln>
-        </p:spPr>
-        <p:txBody>
-          <a:bodyPr wrap="square" rtlCol="0">
-            <a:spAutoFit/>
-          </a:bodyPr>
-          <a:lstStyle/>
-          <a:p>
-            <a:r>
-              <a:rPr lang="es-CL" dirty="0"/>
-              <a:t>Porcentaje de x&lt;0</a:t>
-            </a:r>
-          </a:p>
-        </p:txBody>
-      </p:sp>
-      <p:cxnSp>
-        <p:nvCxnSpPr>
-          <p:cNvPr id="9" name="Straight Arrow Connector 8">
-            <a:extLst>
-              <a:ext uri="{FF2B5EF4-FFF2-40B4-BE49-F238E27FC236}">
-                <a16:creationId xmlns:a16="http://schemas.microsoft.com/office/drawing/2014/main" xmlns="" id="{181D5654-BA2D-4CC7-A94F-9EE66B5E0D3A}"/>
-              </a:ext>
-            </a:extLst>
-          </p:cNvPr>
-          <p:cNvCxnSpPr>
-            <a:cxnSpLocks/>
-            <a:stCxn id="5" idx="1"/>
-          </p:cNvCxnSpPr>
-          <p:nvPr/>
-        </p:nvCxnSpPr>
-        <p:spPr>
-          <a:xfrm flipH="1" flipV="1">
-            <a:off x="4286250" y="2792186"/>
-            <a:ext cx="418804" cy="108933"/>
-          </a:xfrm>
-          <a:prstGeom prst="straightConnector1">
-            <a:avLst/>
-          </a:prstGeom>
-          <a:ln>
-            <a:tailEnd type="triangle"/>
-          </a:ln>
-        </p:spPr>
-        <p:style>
-          <a:lnRef idx="2">
-            <a:schemeClr val="dk1"/>
-          </a:lnRef>
-          <a:fillRef idx="0">
-            <a:schemeClr val="dk1"/>
-          </a:fillRef>
-          <a:effectRef idx="1">
-            <a:schemeClr val="dk1"/>
-          </a:effectRef>
-          <a:fontRef idx="minor">
-            <a:schemeClr val="tx1"/>
-          </a:fontRef>
-        </p:style>
-      </p:cxnSp>
-      <p:sp>
-        <p:nvSpPr>
-          <p:cNvPr id="14" name="Title 1">
-            <a:extLst>
-              <a:ext uri="{FF2B5EF4-FFF2-40B4-BE49-F238E27FC236}">
-                <a16:creationId xmlns:a16="http://schemas.microsoft.com/office/drawing/2014/main" xmlns="" id="{7398E67B-227A-4E28-9A9B-07011C05B561}"/>
-              </a:ext>
-            </a:extLst>
-          </p:cNvPr>
-          <p:cNvSpPr>
-            <a:spLocks noGrp="1"/>
-          </p:cNvSpPr>
-          <p:nvPr>
-            <p:ph type="title"/>
-          </p:nvPr>
-        </p:nvSpPr>
-        <p:spPr>
-          <a:xfrm>
-            <a:off x="457199" y="277813"/>
-            <a:ext cx="8601075" cy="1139825"/>
-          </a:xfrm>
-        </p:spPr>
-        <p:txBody>
-          <a:bodyPr/>
-          <a:lstStyle/>
-          <a:p>
-            <a:r>
-              <a:rPr lang="es-CL" noProof="0" dirty="0"/>
-              <a:t>Método 2: I</a:t>
-            </a:r>
-            <a:r>
-              <a:rPr lang="es-CL" dirty="0" err="1"/>
-              <a:t>ntegración</a:t>
-            </a:r>
-            <a:r>
-              <a:rPr lang="es-CL" dirty="0"/>
-              <a:t> por Monte Carlo</a:t>
-            </a:r>
-            <a:endParaRPr lang="es-CL" noProof="0" dirty="0"/>
-          </a:p>
-        </p:txBody>
-      </p:sp>
+        </p:spPr>
+      </p:pic>
     </p:spTree>
     <p:extLst>
       <p:ext uri="{BB962C8B-B14F-4D97-AF65-F5344CB8AC3E}">
-        <p14:creationId xmlns:p14="http://schemas.microsoft.com/office/powerpoint/2010/main" val="2472603534"/>
+        <p14:creationId xmlns:p14="http://schemas.microsoft.com/office/powerpoint/2010/main" val="2902263680"/>
       </p:ext>
     </p:extLst>
   </p:cSld>
@@ -11045,6 +10872,107 @@
       </p:grpSpPr>
       <p:sp>
         <p:nvSpPr>
+          <p:cNvPr id="2" name="Title 1"/>
+          <p:cNvSpPr>
+            <a:spLocks noGrp="1"/>
+          </p:cNvSpPr>
+          <p:nvPr>
+            <p:ph type="title"/>
+          </p:nvPr>
+        </p:nvSpPr>
+        <p:spPr/>
+        <p:txBody>
+          <a:bodyPr/>
+          <a:lstStyle/>
+          <a:p>
+            <a:r>
+              <a:rPr lang="en-US" dirty="0"/>
+              <a:t>Implications of Monte Carlo</a:t>
+            </a:r>
+          </a:p>
+        </p:txBody>
+      </p:sp>
+      <p:sp>
+        <p:nvSpPr>
+          <p:cNvPr id="3" name="Content Placeholder 2"/>
+          <p:cNvSpPr>
+            <a:spLocks noGrp="1"/>
+          </p:cNvSpPr>
+          <p:nvPr>
+            <p:ph idx="1"/>
+          </p:nvPr>
+        </p:nvSpPr>
+        <p:spPr/>
+        <p:txBody>
+          <a:bodyPr/>
+          <a:lstStyle/>
+          <a:p>
+            <a:r>
+              <a:rPr lang="en-US" dirty="0"/>
+              <a:t>These results also allow us to use Monte Carlo samples to estimate other quantities of interest:</a:t>
+            </a:r>
+          </a:p>
+          <a:p>
+            <a:pPr lvl="1"/>
+            <a:r>
+              <a:rPr lang="en-US" dirty="0"/>
+              <a:t>Variance and standard deviations</a:t>
+            </a:r>
+          </a:p>
+          <a:p>
+            <a:pPr lvl="1"/>
+            <a:r>
+              <a:rPr lang="en-US" dirty="0"/>
+              <a:t>Quantiles of the distribution</a:t>
+            </a:r>
+          </a:p>
+          <a:p>
+            <a:pPr lvl="1"/>
+            <a:r>
+              <a:rPr lang="en-US" dirty="0"/>
+              <a:t>Probability intervals</a:t>
+            </a:r>
+          </a:p>
+          <a:p>
+            <a:r>
+              <a:rPr lang="en-US" dirty="0"/>
+              <a:t>And to calculate estimates of quantities that are functions of the Monte Carlo distributions (as they are also Monte Carlo samples)</a:t>
+            </a:r>
+          </a:p>
+        </p:txBody>
+      </p:sp>
+    </p:spTree>
+    <p:extLst>
+      <p:ext uri="{BB962C8B-B14F-4D97-AF65-F5344CB8AC3E}">
+        <p14:creationId xmlns:p14="http://schemas.microsoft.com/office/powerpoint/2010/main" val="840758632"/>
+      </p:ext>
+    </p:extLst>
+  </p:cSld>
+  <p:clrMapOvr>
+    <a:masterClrMapping/>
+  </p:clrMapOvr>
+</p:sld>
+</file>
+
+<file path=ppt/slides/slide7.xml><?xml version="1.0" encoding="utf-8"?>
+<p:sld xmlns:a="http://schemas.openxmlformats.org/drawingml/2006/main" xmlns:r="http://schemas.openxmlformats.org/officeDocument/2006/relationships" xmlns:p="http://schemas.openxmlformats.org/presentationml/2006/main">
+  <p:cSld>
+    <p:spTree>
+      <p:nvGrpSpPr>
+        <p:cNvPr id="1" name=""/>
+        <p:cNvGrpSpPr/>
+        <p:nvPr/>
+      </p:nvGrpSpPr>
+      <p:grpSpPr>
+        <a:xfrm>
+          <a:off x="0" y="0"/>
+          <a:ext cx="0" cy="0"/>
+          <a:chOff x="0" y="0"/>
+          <a:chExt cx="0" cy="0"/>
+        </a:xfrm>
+      </p:grpSpPr>
+      <p:sp>
+        <p:nvSpPr>
           <p:cNvPr id="3" name="Content Placeholder 2">
             <a:extLst>
               <a:ext uri="{FF2B5EF4-FFF2-40B4-BE49-F238E27FC236}">
@@ -11061,57 +10989,25 @@
         </p:nvSpPr>
         <p:spPr>
           <a:xfrm>
-            <a:off x="457200" y="1216240"/>
-            <a:ext cx="8229600" cy="4914685"/>
+            <a:off x="457200" y="1143026"/>
+            <a:ext cx="8229600" cy="4987899"/>
           </a:xfrm>
         </p:spPr>
         <p:txBody>
           <a:bodyPr>
-            <a:normAutofit lnSpcReduction="10000"/>
+            <a:normAutofit/>
           </a:bodyPr>
           <a:lstStyle/>
           <a:p>
             <a:r>
-              <a:rPr lang="es-CL" noProof="0" dirty="0"/>
-              <a:t>Para poder implementarlo necesitamos conocer la forma exacta de la </a:t>
-            </a:r>
-            <a:r>
-              <a:rPr lang="es-CL" dirty="0"/>
-              <a:t>distribución a posteriori como en el ejemplo anterior con </a:t>
-            </a:r>
-            <a:r>
-              <a:rPr lang="es-CL" dirty="0" err="1">
-                <a:latin typeface="Courier New" panose="02070309020205020404" pitchFamily="49" charset="0"/>
-                <a:cs typeface="Courier New" panose="02070309020205020404" pitchFamily="49" charset="0"/>
-              </a:rPr>
-              <a:t>rnorm</a:t>
-            </a:r>
-            <a:endParaRPr lang="es-CL" dirty="0">
-              <a:latin typeface="Courier New" panose="02070309020205020404" pitchFamily="49" charset="0"/>
-              <a:cs typeface="Courier New" panose="02070309020205020404" pitchFamily="49" charset="0"/>
-            </a:endParaRPr>
-          </a:p>
-          <a:p>
-            <a:r>
-              <a:rPr lang="es-CL" b="1" u="sng" dirty="0"/>
-              <a:t>Sin embargo, esta situación es muy raro</a:t>
-            </a:r>
-            <a:endParaRPr lang="es-CL" dirty="0"/>
-          </a:p>
-          <a:p>
-            <a:r>
-              <a:rPr lang="es-CL" noProof="0" dirty="0"/>
-              <a:t>En este método mientras más muestras generamos mejor será la aproximación </a:t>
-            </a:r>
-          </a:p>
-          <a:p>
+              <a:rPr lang="es-CL" sz="2800" noProof="0" dirty="0"/>
+              <a:t>Idea </a:t>
+            </a:r>
+            <a:r>
+              <a:rPr lang="es-CL" sz="2800" dirty="0"/>
+              <a:t>= generar muestras aleatorias y calcular porcentajes para aproximar probabilidades </a:t>
+            </a:r>
             <a:endParaRPr lang="es-CL" noProof="0" dirty="0"/>
-          </a:p>
-          <a:p>
-            <a:r>
-              <a:rPr lang="es-CL" noProof="0" dirty="0"/>
-              <a:t>Que hacemos cuando no podemos usar los métodos anteriores? </a:t>
-            </a:r>
           </a:p>
         </p:txBody>
       </p:sp>
@@ -11138,7 +11034,467 @@
           <a:p>
             <a:fld id="{2F5854F6-968A-43DD-98AD-2128488B7BB7}" type="slidenum">
               <a:rPr lang="en-US" smtClean="0"/>
-              <a:t>6</a:t>
+              <a:t>7</a:t>
+            </a:fld>
+            <a:endParaRPr lang="en-US"/>
+          </a:p>
+        </p:txBody>
+      </p:sp>
+      <p:sp>
+        <p:nvSpPr>
+          <p:cNvPr id="2" name="TextBox 1">
+            <a:extLst>
+              <a:ext uri="{FF2B5EF4-FFF2-40B4-BE49-F238E27FC236}">
+                <a16:creationId xmlns:a16="http://schemas.microsoft.com/office/drawing/2014/main" xmlns="" id="{541B7B9D-0E50-4A57-AB72-124B67511980}"/>
+              </a:ext>
+            </a:extLst>
+          </p:cNvPr>
+          <p:cNvSpPr txBox="1"/>
+          <p:nvPr/>
+        </p:nvSpPr>
+        <p:spPr>
+          <a:xfrm>
+            <a:off x="457200" y="2123436"/>
+            <a:ext cx="8495711" cy="1938992"/>
+          </a:xfrm>
+          <a:prstGeom prst="rect">
+            <a:avLst/>
+          </a:prstGeom>
+          <a:noFill/>
+        </p:spPr>
+        <p:txBody>
+          <a:bodyPr wrap="square" rtlCol="0">
+            <a:spAutoFit/>
+          </a:bodyPr>
+          <a:lstStyle/>
+          <a:p>
+            <a:r>
+              <a:rPr lang="de-DE" sz="2400" dirty="0">
+                <a:latin typeface="Courier New" panose="02070309020205020404" pitchFamily="49" charset="0"/>
+                <a:cs typeface="Courier New" panose="02070309020205020404" pitchFamily="49" charset="0"/>
+              </a:rPr>
+              <a:t>&gt; </a:t>
+            </a:r>
+            <a:r>
+              <a:rPr lang="en-US" sz="2400" dirty="0">
+                <a:latin typeface="Courier New" panose="02070309020205020404" pitchFamily="49" charset="0"/>
+                <a:cs typeface="Courier New" panose="02070309020205020404" pitchFamily="49" charset="0"/>
+              </a:rPr>
+              <a:t>x &lt;- </a:t>
+            </a:r>
+            <a:r>
+              <a:rPr lang="en-US" sz="2400" dirty="0" err="1">
+                <a:latin typeface="Courier New" panose="02070309020205020404" pitchFamily="49" charset="0"/>
+                <a:cs typeface="Courier New" panose="02070309020205020404" pitchFamily="49" charset="0"/>
+              </a:rPr>
+              <a:t>rnorm</a:t>
+            </a:r>
+            <a:r>
+              <a:rPr lang="en-US" sz="2400" dirty="0">
+                <a:latin typeface="Courier New" panose="02070309020205020404" pitchFamily="49" charset="0"/>
+                <a:cs typeface="Courier New" panose="02070309020205020404" pitchFamily="49" charset="0"/>
+              </a:rPr>
+              <a:t>(10, mean=mu1, </a:t>
+            </a:r>
+            <a:r>
+              <a:rPr lang="en-US" sz="2400" dirty="0" err="1">
+                <a:latin typeface="Courier New" panose="02070309020205020404" pitchFamily="49" charset="0"/>
+                <a:cs typeface="Courier New" panose="02070309020205020404" pitchFamily="49" charset="0"/>
+              </a:rPr>
+              <a:t>sd</a:t>
+            </a:r>
+            <a:r>
+              <a:rPr lang="en-US" sz="2400" dirty="0">
+                <a:latin typeface="Courier New" panose="02070309020205020404" pitchFamily="49" charset="0"/>
+                <a:cs typeface="Courier New" panose="02070309020205020404" pitchFamily="49" charset="0"/>
+              </a:rPr>
+              <a:t>=tau1)</a:t>
+            </a:r>
+          </a:p>
+          <a:p>
+            <a:r>
+              <a:rPr lang="en-US" sz="2400" dirty="0">
+                <a:latin typeface="Courier New" panose="02070309020205020404" pitchFamily="49" charset="0"/>
+                <a:cs typeface="Courier New" panose="02070309020205020404" pitchFamily="49" charset="0"/>
+              </a:rPr>
+              <a:t>&gt; mean(x&lt;0)    [1] 1</a:t>
+            </a:r>
+          </a:p>
+          <a:p>
+            <a:r>
+              <a:rPr lang="en-US" sz="2400" dirty="0">
+                <a:latin typeface="Courier New" panose="02070309020205020404" pitchFamily="49" charset="0"/>
+                <a:cs typeface="Courier New" panose="02070309020205020404" pitchFamily="49" charset="0"/>
+              </a:rPr>
+              <a:t/>
+            </a:r>
+            <a:br>
+              <a:rPr lang="en-US" sz="2400" dirty="0">
+                <a:latin typeface="Courier New" panose="02070309020205020404" pitchFamily="49" charset="0"/>
+                <a:cs typeface="Courier New" panose="02070309020205020404" pitchFamily="49" charset="0"/>
+              </a:rPr>
+            </a:br>
+            <a:r>
+              <a:rPr lang="en-US" sz="2400" dirty="0">
+                <a:latin typeface="Courier New" panose="02070309020205020404" pitchFamily="49" charset="0"/>
+                <a:cs typeface="Courier New" panose="02070309020205020404" pitchFamily="49" charset="0"/>
+              </a:rPr>
+              <a:t>&gt; quantile(x, </a:t>
+            </a:r>
+            <a:r>
+              <a:rPr lang="en-US" sz="2400" dirty="0" err="1">
+                <a:latin typeface="Courier New" panose="02070309020205020404" pitchFamily="49" charset="0"/>
+                <a:cs typeface="Courier New" panose="02070309020205020404" pitchFamily="49" charset="0"/>
+              </a:rPr>
+              <a:t>probs</a:t>
+            </a:r>
+            <a:r>
+              <a:rPr lang="en-US" sz="2400" dirty="0">
+                <a:latin typeface="Courier New" panose="02070309020205020404" pitchFamily="49" charset="0"/>
+                <a:cs typeface="Courier New" panose="02070309020205020404" pitchFamily="49" charset="0"/>
+              </a:rPr>
+              <a:t>=c(0.025, 0.975))</a:t>
+            </a:r>
+          </a:p>
+          <a:p>
+            <a:r>
+              <a:rPr lang="en-US" sz="2400" dirty="0">
+                <a:latin typeface="Courier New" panose="02070309020205020404" pitchFamily="49" charset="0"/>
+                <a:cs typeface="Courier New" panose="02070309020205020404" pitchFamily="49" charset="0"/>
+              </a:rPr>
+              <a:t>     -1.14731923 -0.08842335</a:t>
+            </a:r>
+            <a:endParaRPr lang="es-CL" sz="2400" dirty="0">
+              <a:latin typeface="Courier New" panose="02070309020205020404" pitchFamily="49" charset="0"/>
+              <a:cs typeface="Courier New" panose="02070309020205020404" pitchFamily="49" charset="0"/>
+            </a:endParaRPr>
+          </a:p>
+        </p:txBody>
+      </p:sp>
+      <p:sp>
+        <p:nvSpPr>
+          <p:cNvPr id="6" name="TextBox 5">
+            <a:extLst>
+              <a:ext uri="{FF2B5EF4-FFF2-40B4-BE49-F238E27FC236}">
+                <a16:creationId xmlns:a16="http://schemas.microsoft.com/office/drawing/2014/main" xmlns="" id="{E2DC4D84-CFC0-4018-96F1-48944859E404}"/>
+              </a:ext>
+            </a:extLst>
+          </p:cNvPr>
+          <p:cNvSpPr txBox="1"/>
+          <p:nvPr/>
+        </p:nvSpPr>
+        <p:spPr>
+          <a:xfrm>
+            <a:off x="324144" y="4561265"/>
+            <a:ext cx="8495711" cy="1569660"/>
+          </a:xfrm>
+          <a:prstGeom prst="rect">
+            <a:avLst/>
+          </a:prstGeom>
+          <a:noFill/>
+        </p:spPr>
+        <p:txBody>
+          <a:bodyPr wrap="square" rtlCol="0">
+            <a:spAutoFit/>
+          </a:bodyPr>
+          <a:lstStyle/>
+          <a:p>
+            <a:r>
+              <a:rPr lang="de-DE" sz="2400" dirty="0">
+                <a:latin typeface="Courier New" panose="02070309020205020404" pitchFamily="49" charset="0"/>
+                <a:cs typeface="Courier New" panose="02070309020205020404" pitchFamily="49" charset="0"/>
+              </a:rPr>
+              <a:t>&gt; x &lt;- rnorm(1e6, mean=mu1, sd=tau1) </a:t>
+            </a:r>
+          </a:p>
+          <a:p>
+            <a:r>
+              <a:rPr lang="de-DE" sz="2400" dirty="0">
+                <a:latin typeface="Courier New" panose="02070309020205020404" pitchFamily="49" charset="0"/>
+                <a:cs typeface="Courier New" panose="02070309020205020404" pitchFamily="49" charset="0"/>
+              </a:rPr>
+              <a:t>&gt; mean(x&lt;0)    [1] 0.940683</a:t>
+            </a:r>
+          </a:p>
+          <a:p>
+            <a:r>
+              <a:rPr lang="de-DE" sz="2400" dirty="0">
+                <a:latin typeface="Courier New" panose="02070309020205020404" pitchFamily="49" charset="0"/>
+                <a:cs typeface="Courier New" panose="02070309020205020404" pitchFamily="49" charset="0"/>
+              </a:rPr>
+              <a:t>&gt; quantile(x, probs=c(0.025, 0.975))</a:t>
+            </a:r>
+          </a:p>
+          <a:p>
+            <a:r>
+              <a:rPr lang="de-DE" sz="2400" dirty="0">
+                <a:latin typeface="Courier New" panose="02070309020205020404" pitchFamily="49" charset="0"/>
+                <a:cs typeface="Courier New" panose="02070309020205020404" pitchFamily="49" charset="0"/>
+              </a:rPr>
+              <a:t>     -1.5768345  0.1790194</a:t>
+            </a:r>
+            <a:endParaRPr lang="es-CL" sz="2400" dirty="0">
+              <a:latin typeface="Courier New" panose="02070309020205020404" pitchFamily="49" charset="0"/>
+              <a:cs typeface="Courier New" panose="02070309020205020404" pitchFamily="49" charset="0"/>
+            </a:endParaRPr>
+          </a:p>
+        </p:txBody>
+      </p:sp>
+      <p:sp>
+        <p:nvSpPr>
+          <p:cNvPr id="5" name="TextBox 4">
+            <a:extLst>
+              <a:ext uri="{FF2B5EF4-FFF2-40B4-BE49-F238E27FC236}">
+                <a16:creationId xmlns:a16="http://schemas.microsoft.com/office/drawing/2014/main" xmlns="" id="{D7B68671-DBD1-4256-8B71-9AF9C9398CC2}"/>
+              </a:ext>
+            </a:extLst>
+          </p:cNvPr>
+          <p:cNvSpPr txBox="1"/>
+          <p:nvPr/>
+        </p:nvSpPr>
+        <p:spPr>
+          <a:xfrm>
+            <a:off x="4705054" y="2716453"/>
+            <a:ext cx="2077375" cy="369332"/>
+          </a:xfrm>
+          <a:prstGeom prst="rect">
+            <a:avLst/>
+          </a:prstGeom>
+          <a:noFill/>
+          <a:ln w="28575">
+            <a:solidFill>
+              <a:schemeClr val="tx1"/>
+            </a:solidFill>
+          </a:ln>
+        </p:spPr>
+        <p:txBody>
+          <a:bodyPr wrap="square" rtlCol="0">
+            <a:spAutoFit/>
+          </a:bodyPr>
+          <a:lstStyle/>
+          <a:p>
+            <a:r>
+              <a:rPr lang="es-CL" dirty="0"/>
+              <a:t>Porcentaje de x&lt;0</a:t>
+            </a:r>
+          </a:p>
+        </p:txBody>
+      </p:sp>
+      <p:cxnSp>
+        <p:nvCxnSpPr>
+          <p:cNvPr id="9" name="Straight Arrow Connector 8">
+            <a:extLst>
+              <a:ext uri="{FF2B5EF4-FFF2-40B4-BE49-F238E27FC236}">
+                <a16:creationId xmlns:a16="http://schemas.microsoft.com/office/drawing/2014/main" xmlns="" id="{181D5654-BA2D-4CC7-A94F-9EE66B5E0D3A}"/>
+              </a:ext>
+            </a:extLst>
+          </p:cNvPr>
+          <p:cNvCxnSpPr>
+            <a:cxnSpLocks/>
+            <a:stCxn id="5" idx="1"/>
+          </p:cNvCxnSpPr>
+          <p:nvPr/>
+        </p:nvCxnSpPr>
+        <p:spPr>
+          <a:xfrm flipH="1" flipV="1">
+            <a:off x="4286250" y="2792186"/>
+            <a:ext cx="418804" cy="108933"/>
+          </a:xfrm>
+          <a:prstGeom prst="straightConnector1">
+            <a:avLst/>
+          </a:prstGeom>
+          <a:ln>
+            <a:tailEnd type="triangle"/>
+          </a:ln>
+        </p:spPr>
+        <p:style>
+          <a:lnRef idx="2">
+            <a:schemeClr val="dk1"/>
+          </a:lnRef>
+          <a:fillRef idx="0">
+            <a:schemeClr val="dk1"/>
+          </a:fillRef>
+          <a:effectRef idx="1">
+            <a:schemeClr val="dk1"/>
+          </a:effectRef>
+          <a:fontRef idx="minor">
+            <a:schemeClr val="tx1"/>
+          </a:fontRef>
+        </p:style>
+      </p:cxnSp>
+      <p:sp>
+        <p:nvSpPr>
+          <p:cNvPr id="14" name="Title 1">
+            <a:extLst>
+              <a:ext uri="{FF2B5EF4-FFF2-40B4-BE49-F238E27FC236}">
+                <a16:creationId xmlns:a16="http://schemas.microsoft.com/office/drawing/2014/main" xmlns="" id="{7398E67B-227A-4E28-9A9B-07011C05B561}"/>
+              </a:ext>
+            </a:extLst>
+          </p:cNvPr>
+          <p:cNvSpPr>
+            <a:spLocks noGrp="1"/>
+          </p:cNvSpPr>
+          <p:nvPr>
+            <p:ph type="title"/>
+          </p:nvPr>
+        </p:nvSpPr>
+        <p:spPr>
+          <a:xfrm>
+            <a:off x="457199" y="277813"/>
+            <a:ext cx="8601075" cy="1139825"/>
+          </a:xfrm>
+        </p:spPr>
+        <p:txBody>
+          <a:bodyPr/>
+          <a:lstStyle/>
+          <a:p>
+            <a:r>
+              <a:rPr lang="es-CL" noProof="0" dirty="0"/>
+              <a:t>Método 2: I</a:t>
+            </a:r>
+            <a:r>
+              <a:rPr lang="es-CL" dirty="0" err="1"/>
+              <a:t>ntegración</a:t>
+            </a:r>
+            <a:r>
+              <a:rPr lang="es-CL" dirty="0"/>
+              <a:t> por Monte Carlo</a:t>
+            </a:r>
+            <a:endParaRPr lang="es-CL" noProof="0" dirty="0"/>
+          </a:p>
+        </p:txBody>
+      </p:sp>
+    </p:spTree>
+    <p:extLst>
+      <p:ext uri="{BB962C8B-B14F-4D97-AF65-F5344CB8AC3E}">
+        <p14:creationId xmlns:p14="http://schemas.microsoft.com/office/powerpoint/2010/main" val="1739932151"/>
+      </p:ext>
+    </p:extLst>
+  </p:cSld>
+  <p:clrMapOvr>
+    <a:masterClrMapping/>
+  </p:clrMapOvr>
+</p:sld>
+</file>
+
+<file path=ppt/slides/slide8.xml><?xml version="1.0" encoding="utf-8"?>
+<p:sld xmlns:a="http://schemas.openxmlformats.org/drawingml/2006/main" xmlns:r="http://schemas.openxmlformats.org/officeDocument/2006/relationships" xmlns:p="http://schemas.openxmlformats.org/presentationml/2006/main">
+  <p:cSld>
+    <p:spTree>
+      <p:nvGrpSpPr>
+        <p:cNvPr id="1" name=""/>
+        <p:cNvGrpSpPr/>
+        <p:nvPr/>
+      </p:nvGrpSpPr>
+      <p:grpSpPr>
+        <a:xfrm>
+          <a:off x="0" y="0"/>
+          <a:ext cx="0" cy="0"/>
+          <a:chOff x="0" y="0"/>
+          <a:chExt cx="0" cy="0"/>
+        </a:xfrm>
+      </p:grpSpPr>
+      <p:sp>
+        <p:nvSpPr>
+          <p:cNvPr id="3" name="Content Placeholder 2">
+            <a:extLst>
+              <a:ext uri="{FF2B5EF4-FFF2-40B4-BE49-F238E27FC236}">
+                <a16:creationId xmlns:a16="http://schemas.microsoft.com/office/drawing/2014/main" xmlns="" id="{6D46622B-CEA1-41A3-B30B-DD972286CF5D}"/>
+              </a:ext>
+            </a:extLst>
+          </p:cNvPr>
+          <p:cNvSpPr>
+            <a:spLocks noGrp="1"/>
+          </p:cNvSpPr>
+          <p:nvPr>
+            <p:ph idx="1"/>
+          </p:nvPr>
+        </p:nvSpPr>
+        <p:spPr>
+          <a:xfrm>
+            <a:off x="457200" y="1216240"/>
+            <a:ext cx="8229600" cy="4914685"/>
+          </a:xfrm>
+        </p:spPr>
+        <p:txBody>
+          <a:bodyPr>
+            <a:normAutofit/>
+          </a:bodyPr>
+          <a:lstStyle/>
+          <a:p>
+            <a:r>
+              <a:rPr lang="es-CL" noProof="0" dirty="0"/>
+              <a:t>Para poder implementarlo necesitamos conocer la forma exacta de la </a:t>
+            </a:r>
+            <a:r>
+              <a:rPr lang="es-CL" dirty="0"/>
+              <a:t>distribución a posteriori como en el ejemplo anterior con </a:t>
+            </a:r>
+            <a:r>
+              <a:rPr lang="es-CL" dirty="0" err="1">
+                <a:latin typeface="Courier New" panose="02070309020205020404" pitchFamily="49" charset="0"/>
+                <a:cs typeface="Courier New" panose="02070309020205020404" pitchFamily="49" charset="0"/>
+              </a:rPr>
+              <a:t>rnorm</a:t>
+            </a:r>
+            <a:endParaRPr lang="es-CL" dirty="0">
+              <a:latin typeface="Courier New" panose="02070309020205020404" pitchFamily="49" charset="0"/>
+              <a:cs typeface="Courier New" panose="02070309020205020404" pitchFamily="49" charset="0"/>
+            </a:endParaRPr>
+          </a:p>
+          <a:p>
+            <a:r>
+              <a:rPr lang="es-CL" dirty="0"/>
+              <a:t>En este método mientras más muestras generamos mejor será la aproximación </a:t>
+            </a:r>
+          </a:p>
+          <a:p>
+            <a:r>
+              <a:rPr lang="es-CL" b="1" u="sng" dirty="0" smtClean="0"/>
+              <a:t>Sin </a:t>
+            </a:r>
+            <a:r>
+              <a:rPr lang="es-CL" b="1" u="sng" dirty="0"/>
+              <a:t>embargo, esta situación es muy raro</a:t>
+            </a:r>
+            <a:endParaRPr lang="es-CL" dirty="0"/>
+          </a:p>
+          <a:p>
+            <a:r>
+              <a:rPr lang="es-CL" noProof="0" dirty="0" smtClean="0"/>
+              <a:t>Que </a:t>
+            </a:r>
+            <a:r>
+              <a:rPr lang="es-CL" noProof="0" dirty="0"/>
+              <a:t>hacemos cuando no podemos usar los métodos anteriores? </a:t>
+            </a:r>
+          </a:p>
+        </p:txBody>
+      </p:sp>
+      <p:sp>
+        <p:nvSpPr>
+          <p:cNvPr id="4" name="Slide Number Placeholder 3">
+            <a:extLst>
+              <a:ext uri="{FF2B5EF4-FFF2-40B4-BE49-F238E27FC236}">
+                <a16:creationId xmlns:a16="http://schemas.microsoft.com/office/drawing/2014/main" xmlns="" id="{4F8E0057-45FA-40E8-80E1-8629D6245349}"/>
+              </a:ext>
+            </a:extLst>
+          </p:cNvPr>
+          <p:cNvSpPr>
+            <a:spLocks noGrp="1"/>
+          </p:cNvSpPr>
+          <p:nvPr>
+            <p:ph type="sldNum" sz="quarter" idx="12"/>
+          </p:nvPr>
+        </p:nvSpPr>
+        <p:spPr/>
+        <p:txBody>
+          <a:bodyPr/>
+          <a:lstStyle/>
+          <a:p>
+            <a:fld id="{2F5854F6-968A-43DD-98AD-2128488B7BB7}" type="slidenum">
+              <a:rPr lang="en-US" smtClean="0"/>
+              <a:t>8</a:t>
             </a:fld>
             <a:endParaRPr lang="en-US"/>
           </a:p>
@@ -11185,7 +11541,7 @@
     </p:spTree>
     <p:extLst>
       <p:ext uri="{BB962C8B-B14F-4D97-AF65-F5344CB8AC3E}">
-        <p14:creationId xmlns:p14="http://schemas.microsoft.com/office/powerpoint/2010/main" val="2445116202"/>
+        <p14:creationId xmlns:p14="http://schemas.microsoft.com/office/powerpoint/2010/main" val="882715228"/>
       </p:ext>
     </p:extLst>
   </p:cSld>
@@ -11228,7 +11584,7 @@
                                         <p:tgtEl>
                                           <p:spTgt spid="3">
                                             <p:txEl>
-                                              <p:pRg st="4" end="4"/>
+                                              <p:pRg st="3" end="3"/>
                                             </p:txEl>
                                           </p:spTgt>
                                         </p:tgtEl>
@@ -11274,350 +11630,6 @@
 </p:sld>
 </file>
 
-<file path=ppt/slides/slide7.xml><?xml version="1.0" encoding="utf-8"?>
-<p:sld xmlns:a="http://schemas.openxmlformats.org/drawingml/2006/main" xmlns:r="http://schemas.openxmlformats.org/officeDocument/2006/relationships" xmlns:p="http://schemas.openxmlformats.org/presentationml/2006/main">
-  <p:cSld>
-    <p:spTree>
-      <p:nvGrpSpPr>
-        <p:cNvPr id="1" name=""/>
-        <p:cNvGrpSpPr/>
-        <p:nvPr/>
-      </p:nvGrpSpPr>
-      <p:grpSpPr>
-        <a:xfrm>
-          <a:off x="0" y="0"/>
-          <a:ext cx="0" cy="0"/>
-          <a:chOff x="0" y="0"/>
-          <a:chExt cx="0" cy="0"/>
-        </a:xfrm>
-      </p:grpSpPr>
-      <p:sp>
-        <p:nvSpPr>
-          <p:cNvPr id="2" name="Title 1">
-            <a:extLst>
-              <a:ext uri="{FF2B5EF4-FFF2-40B4-BE49-F238E27FC236}">
-                <a16:creationId xmlns:a16="http://schemas.microsoft.com/office/drawing/2014/main" xmlns="" id="{92996655-ABA8-4C5E-81F7-49BBAFC606D2}"/>
-              </a:ext>
-            </a:extLst>
-          </p:cNvPr>
-          <p:cNvSpPr>
-            <a:spLocks noGrp="1"/>
-          </p:cNvSpPr>
-          <p:nvPr>
-            <p:ph type="title"/>
-          </p:nvPr>
-        </p:nvSpPr>
-        <p:spPr/>
-        <p:txBody>
-          <a:bodyPr/>
-          <a:lstStyle/>
-          <a:p>
-            <a:r>
-              <a:rPr lang="en-US" dirty="0" smtClean="0"/>
-              <a:t>Review: Numerical integration</a:t>
-            </a:r>
-            <a:endParaRPr lang="en-US" dirty="0"/>
-          </a:p>
-        </p:txBody>
-      </p:sp>
-      <p:sp>
-        <p:nvSpPr>
-          <p:cNvPr id="3" name="Content Placeholder 2">
-            <a:extLst>
-              <a:ext uri="{FF2B5EF4-FFF2-40B4-BE49-F238E27FC236}">
-                <a16:creationId xmlns:a16="http://schemas.microsoft.com/office/drawing/2014/main" xmlns="" id="{C6425222-AF68-4CE5-9FAA-63E3F25C5FA1}"/>
-              </a:ext>
-            </a:extLst>
-          </p:cNvPr>
-          <p:cNvSpPr>
-            <a:spLocks noGrp="1"/>
-          </p:cNvSpPr>
-          <p:nvPr>
-            <p:ph idx="1"/>
-          </p:nvPr>
-        </p:nvSpPr>
-        <p:spPr/>
-        <p:txBody>
-          <a:bodyPr/>
-          <a:lstStyle/>
-          <a:p>
-            <a:r>
-              <a:rPr lang="en-US" dirty="0" smtClean="0"/>
-              <a:t>Analytical integration</a:t>
-            </a:r>
-          </a:p>
-          <a:p>
-            <a:r>
-              <a:rPr lang="en-US" dirty="0" smtClean="0"/>
-              <a:t>Numerical integration</a:t>
-            </a:r>
-            <a:endParaRPr lang="en-US" dirty="0"/>
-          </a:p>
-        </p:txBody>
-      </p:sp>
-      <p:graphicFrame>
-        <p:nvGraphicFramePr>
-          <p:cNvPr id="4" name="Object 3">
-            <a:extLst>
-              <a:ext uri="{FF2B5EF4-FFF2-40B4-BE49-F238E27FC236}">
-                <a16:creationId xmlns:a16="http://schemas.microsoft.com/office/drawing/2014/main" xmlns="" id="{C1CD62E9-C597-4247-B02E-335E73A0FAC6}"/>
-              </a:ext>
-            </a:extLst>
-          </p:cNvPr>
-          <p:cNvGraphicFramePr>
-            <a:graphicFrameLocks noChangeAspect="1"/>
-          </p:cNvGraphicFramePr>
-          <p:nvPr>
-            <p:extLst>
-              <p:ext uri="{D42A27DB-BD31-4B8C-83A1-F6EECF244321}">
-                <p14:modId xmlns:p14="http://schemas.microsoft.com/office/powerpoint/2010/main" val="3836619605"/>
-              </p:ext>
-            </p:extLst>
-          </p:nvPr>
-        </p:nvGraphicFramePr>
-        <p:xfrm>
-          <a:off x="752475" y="4138613"/>
-          <a:ext cx="7251700" cy="1709737"/>
-        </p:xfrm>
-        <a:graphic>
-          <a:graphicData uri="http://schemas.openxmlformats.org/presentationml/2006/ole">
-            <mc:AlternateContent xmlns:mc="http://schemas.openxmlformats.org/markup-compatibility/2006">
-              <mc:Choice xmlns:v="urn:schemas-microsoft-com:vml" Requires="v">
-                <p:oleObj spid="_x0000_s1048" name="Equation" r:id="rId3" imgW="2692080" imgH="634680" progId="Equation.DSMT4">
-                  <p:embed/>
-                </p:oleObj>
-              </mc:Choice>
-              <mc:Fallback>
-                <p:oleObj name="Equation" r:id="rId3" imgW="2692080" imgH="634680" progId="Equation.DSMT4">
-                  <p:embed/>
-                  <p:pic>
-                    <p:nvPicPr>
-                      <p:cNvPr id="4" name="Object 3">
-                        <a:extLst>
-                          <a:ext uri="{FF2B5EF4-FFF2-40B4-BE49-F238E27FC236}">
-                            <a16:creationId xmlns:a16="http://schemas.microsoft.com/office/drawing/2014/main" xmlns="" id="{C1CD62E9-C597-4247-B02E-335E73A0FAC6}"/>
-                          </a:ext>
-                        </a:extLst>
-                      </p:cNvPr>
-                      <p:cNvPicPr/>
-                      <p:nvPr/>
-                    </p:nvPicPr>
-                    <p:blipFill>
-                      <a:blip r:embed="rId4"/>
-                      <a:stretch>
-                        <a:fillRect/>
-                      </a:stretch>
-                    </p:blipFill>
-                    <p:spPr>
-                      <a:xfrm>
-                        <a:off x="752475" y="4138613"/>
-                        <a:ext cx="7251700" cy="1709737"/>
-                      </a:xfrm>
-                      <a:prstGeom prst="rect">
-                        <a:avLst/>
-                      </a:prstGeom>
-                    </p:spPr>
-                  </p:pic>
-                </p:oleObj>
-              </mc:Fallback>
-            </mc:AlternateContent>
-          </a:graphicData>
-        </a:graphic>
-      </p:graphicFrame>
-      <p:sp>
-        <p:nvSpPr>
-          <p:cNvPr id="5" name="Slide Number Placeholder 4">
-            <a:extLst>
-              <a:ext uri="{FF2B5EF4-FFF2-40B4-BE49-F238E27FC236}">
-                <a16:creationId xmlns:a16="http://schemas.microsoft.com/office/drawing/2014/main" xmlns="" id="{14EAA114-0ABF-49C8-A1AD-423E96F74D30}"/>
-              </a:ext>
-            </a:extLst>
-          </p:cNvPr>
-          <p:cNvSpPr>
-            <a:spLocks noGrp="1"/>
-          </p:cNvSpPr>
-          <p:nvPr>
-            <p:ph type="sldNum" sz="quarter" idx="12"/>
-          </p:nvPr>
-        </p:nvSpPr>
-        <p:spPr/>
-        <p:txBody>
-          <a:bodyPr/>
-          <a:lstStyle/>
-          <a:p>
-            <a:fld id="{36417F31-DB7E-41E3-9A04-DC9BB348C608}" type="slidenum">
-              <a:rPr lang="en-US" smtClean="0"/>
-              <a:t>7</a:t>
-            </a:fld>
-            <a:endParaRPr lang="en-US"/>
-          </a:p>
-        </p:txBody>
-      </p:sp>
-    </p:spTree>
-    <p:extLst>
-      <p:ext uri="{BB962C8B-B14F-4D97-AF65-F5344CB8AC3E}">
-        <p14:creationId xmlns:p14="http://schemas.microsoft.com/office/powerpoint/2010/main" val="1161156275"/>
-      </p:ext>
-    </p:extLst>
-  </p:cSld>
-  <p:clrMapOvr>
-    <a:masterClrMapping/>
-  </p:clrMapOvr>
-</p:sld>
-</file>
-
-<file path=ppt/slides/slide8.xml><?xml version="1.0" encoding="utf-8"?>
-<p:sld xmlns:a="http://schemas.openxmlformats.org/drawingml/2006/main" xmlns:r="http://schemas.openxmlformats.org/officeDocument/2006/relationships" xmlns:p="http://schemas.openxmlformats.org/presentationml/2006/main">
-  <p:cSld>
-    <p:spTree>
-      <p:nvGrpSpPr>
-        <p:cNvPr id="1" name=""/>
-        <p:cNvGrpSpPr/>
-        <p:nvPr/>
-      </p:nvGrpSpPr>
-      <p:grpSpPr>
-        <a:xfrm>
-          <a:off x="0" y="0"/>
-          <a:ext cx="0" cy="0"/>
-          <a:chOff x="0" y="0"/>
-          <a:chExt cx="0" cy="0"/>
-        </a:xfrm>
-      </p:grpSpPr>
-      <p:sp>
-        <p:nvSpPr>
-          <p:cNvPr id="2" name="Title 1">
-            <a:extLst>
-              <a:ext uri="{FF2B5EF4-FFF2-40B4-BE49-F238E27FC236}">
-                <a16:creationId xmlns:a16="http://schemas.microsoft.com/office/drawing/2014/main" xmlns="" id="{8E0EE53A-651A-4D14-8ED8-844CD15A79D6}"/>
-              </a:ext>
-            </a:extLst>
-          </p:cNvPr>
-          <p:cNvSpPr>
-            <a:spLocks noGrp="1"/>
-          </p:cNvSpPr>
-          <p:nvPr>
-            <p:ph type="title"/>
-          </p:nvPr>
-        </p:nvSpPr>
-        <p:spPr/>
-        <p:txBody>
-          <a:bodyPr/>
-          <a:lstStyle/>
-          <a:p>
-            <a:r>
-              <a:rPr lang="en-US" dirty="0" smtClean="0"/>
-              <a:t>Homework 1.1 </a:t>
-            </a:r>
-            <a:endParaRPr lang="en-US" dirty="0"/>
-          </a:p>
-        </p:txBody>
-      </p:sp>
-      <p:sp>
-        <p:nvSpPr>
-          <p:cNvPr id="3" name="Content Placeholder 2">
-            <a:extLst>
-              <a:ext uri="{FF2B5EF4-FFF2-40B4-BE49-F238E27FC236}">
-                <a16:creationId xmlns:a16="http://schemas.microsoft.com/office/drawing/2014/main" xmlns="" id="{BDEFFF4C-D827-448B-BDCC-989C6D68C921}"/>
-              </a:ext>
-            </a:extLst>
-          </p:cNvPr>
-          <p:cNvSpPr>
-            <a:spLocks noGrp="1"/>
-          </p:cNvSpPr>
-          <p:nvPr>
-            <p:ph idx="1"/>
-          </p:nvPr>
-        </p:nvSpPr>
-        <p:spPr>
-          <a:xfrm>
-            <a:off x="628650" y="1371600"/>
-            <a:ext cx="7886700" cy="4805363"/>
-          </a:xfrm>
-        </p:spPr>
-        <p:txBody>
-          <a:bodyPr>
-            <a:normAutofit/>
-          </a:bodyPr>
-          <a:lstStyle/>
-          <a:p>
-            <a:pPr marL="514350" indent="-514350">
-              <a:buFont typeface="+mj-lt"/>
-              <a:buAutoNum type="arabicPeriod"/>
-            </a:pPr>
-            <a:r>
-              <a:rPr lang="en-US" dirty="0" smtClean="0"/>
-              <a:t>Analytical w/ uniform, triangle</a:t>
-            </a:r>
-          </a:p>
-          <a:p>
-            <a:pPr marL="514350" indent="-514350">
-              <a:buFont typeface="+mj-lt"/>
-              <a:buAutoNum type="arabicPeriod"/>
-            </a:pPr>
-            <a:endParaRPr lang="en-US" dirty="0"/>
-          </a:p>
-          <a:p>
-            <a:pPr marL="514350" indent="-514350">
-              <a:buFont typeface="+mj-lt"/>
-              <a:buAutoNum type="arabicPeriod"/>
-            </a:pPr>
-            <a:r>
-              <a:rPr lang="en-US" dirty="0" smtClean="0"/>
-              <a:t>Drop the constant and integrate from –</a:t>
-            </a:r>
-            <a:r>
-              <a:rPr lang="en-US" dirty="0" err="1" smtClean="0"/>
-              <a:t>inf</a:t>
-            </a:r>
-            <a:r>
-              <a:rPr lang="en-US" dirty="0" smtClean="0"/>
-              <a:t> to inf. What does this equal?</a:t>
-            </a:r>
-          </a:p>
-        </p:txBody>
-      </p:sp>
-      <p:sp>
-        <p:nvSpPr>
-          <p:cNvPr id="4" name="Slide Number Placeholder 3">
-            <a:extLst>
-              <a:ext uri="{FF2B5EF4-FFF2-40B4-BE49-F238E27FC236}">
-                <a16:creationId xmlns:a16="http://schemas.microsoft.com/office/drawing/2014/main" xmlns="" id="{FB13210D-F4BF-478A-BF3A-8929098C1397}"/>
-              </a:ext>
-            </a:extLst>
-          </p:cNvPr>
-          <p:cNvSpPr>
-            <a:spLocks noGrp="1"/>
-          </p:cNvSpPr>
-          <p:nvPr>
-            <p:ph type="sldNum" sz="quarter" idx="12"/>
-          </p:nvPr>
-        </p:nvSpPr>
-        <p:spPr/>
-        <p:txBody>
-          <a:bodyPr/>
-          <a:lstStyle/>
-          <a:p>
-            <a:fld id="{36417F31-DB7E-41E3-9A04-DC9BB348C608}" type="slidenum">
-              <a:rPr lang="en-US" smtClean="0"/>
-              <a:t>8</a:t>
-            </a:fld>
-            <a:endParaRPr lang="en-US"/>
-          </a:p>
-        </p:txBody>
-      </p:sp>
-    </p:spTree>
-    <p:extLst>
-      <p:ext uri="{BB962C8B-B14F-4D97-AF65-F5344CB8AC3E}">
-        <p14:creationId xmlns:p14="http://schemas.microsoft.com/office/powerpoint/2010/main" val="3198772232"/>
-      </p:ext>
-    </p:extLst>
-  </p:cSld>
-  <p:clrMapOvr>
-    <a:masterClrMapping/>
-  </p:clrMapOvr>
-</p:sld>
-</file>
-
 <file path=ppt/slides/slide9.xml><?xml version="1.0" encoding="utf-8"?>
 <p:sld xmlns:a="http://schemas.openxmlformats.org/drawingml/2006/main" xmlns:r="http://schemas.openxmlformats.org/officeDocument/2006/relationships" xmlns:p="http://schemas.openxmlformats.org/presentationml/2006/main">
   <p:cSld>
@@ -11658,7 +11670,7 @@
           <a:p>
             <a:r>
               <a:rPr lang="en-US" dirty="0" smtClean="0"/>
-              <a:t>Homework 1.2 </a:t>
+              <a:t>Homework 1.1 </a:t>
             </a:r>
             <a:endParaRPr lang="en-US" dirty="0"/>
           </a:p>
@@ -11688,7 +11700,7 @@
         </p:spPr>
         <p:txBody>
           <a:bodyPr>
-            <a:normAutofit/>
+            <a:normAutofit lnSpcReduction="10000"/>
           </a:bodyPr>
           <a:lstStyle/>
           <a:p>
@@ -11698,8 +11710,29 @@
             </a:pPr>
             <a:r>
               <a:rPr lang="en-US" dirty="0" smtClean="0"/>
-              <a:t>Numerical integration of normal et al</a:t>
-            </a:r>
+              <a:t>Let X~U(-pi, 1). Integrate this analytically for P(a&lt;X&lt;b).</a:t>
+            </a:r>
+          </a:p>
+          <a:p>
+            <a:pPr marL="514350" indent="-514350">
+              <a:buFont typeface="+mj-lt"/>
+              <a:buAutoNum type="arabicPeriod"/>
+            </a:pPr>
+            <a:r>
+              <a:rPr lang="en-US" dirty="0" smtClean="0"/>
+              <a:t>Now let X be a triangle:</a:t>
+            </a:r>
+            <a:br>
+              <a:rPr lang="en-US" dirty="0" smtClean="0"/>
+            </a:br>
+            <a:endParaRPr lang="en-US" dirty="0" smtClean="0"/>
+          </a:p>
+          <a:p>
+            <a:pPr marL="514350" indent="-514350">
+              <a:buFont typeface="+mj-lt"/>
+              <a:buAutoNum type="arabicPeriod"/>
+            </a:pPr>
+            <a:endParaRPr lang="en-US" dirty="0" smtClean="0"/>
           </a:p>
           <a:p>
             <a:pPr marL="514350" indent="-514350">
@@ -11715,7 +11748,7 @@
             </a:pPr>
             <a:r>
               <a:rPr lang="en-US" dirty="0" smtClean="0"/>
-              <a:t>Independent events</a:t>
+              <a:t>Draw this or use R to plot it. </a:t>
             </a:r>
           </a:p>
           <a:p>
@@ -11723,43 +11756,18 @@
               <a:buFont typeface="+mj-lt"/>
               <a:buAutoNum type="arabicPeriod"/>
             </a:pPr>
-            <a:endParaRPr lang="en-US" dirty="0"/>
-          </a:p>
-          <a:p>
-            <a:pPr marL="514350" indent="-514350">
-              <a:buFont typeface="+mj-lt"/>
-              <a:buAutoNum type="arabicPeriod"/>
-            </a:pPr>
             <a:r>
               <a:rPr lang="en-US" dirty="0" smtClean="0"/>
-              <a:t>Very far out in tail. Compare to </a:t>
-            </a:r>
-            <a:r>
-              <a:rPr lang="en-US" dirty="0" err="1" smtClean="0"/>
-              <a:t>pnorm</a:t>
+              <a:t>Integrate it from 0 to 1. What does </a:t>
+            </a:r>
+            <a:r>
+              <a:rPr lang="en-US" i="1" dirty="0" smtClean="0"/>
+              <a:t>c </a:t>
             </a:r>
             <a:r>
               <a:rPr lang="en-US" dirty="0" smtClean="0"/>
-              <a:t>. Why failing?</a:t>
-            </a:r>
-          </a:p>
-          <a:p>
-            <a:pPr marL="514350" indent="-514350">
-              <a:buFont typeface="+mj-lt"/>
-              <a:buAutoNum type="arabicPeriod"/>
-            </a:pPr>
-            <a:endParaRPr lang="en-US" dirty="0"/>
-          </a:p>
-          <a:p>
-            <a:pPr marL="514350" indent="-514350">
-              <a:buFont typeface="+mj-lt"/>
-              <a:buAutoNum type="arabicPeriod"/>
-            </a:pPr>
-            <a:r>
-              <a:rPr lang="en-US" dirty="0" smtClean="0"/>
-              <a:t>Plot mean of samples vs replicate to show convergence</a:t>
-            </a:r>
-            <a:endParaRPr lang="en-US" dirty="0"/>
+              <a:t>need to be so this is a probability distribution? Calculate P(.35&lt;X&lt; .98)</a:t>
+            </a:r>
           </a:p>
         </p:txBody>
       </p:sp>
@@ -11792,10 +11800,67 @@
           </a:p>
         </p:txBody>
       </p:sp>
+      <p:graphicFrame>
+        <p:nvGraphicFramePr>
+          <p:cNvPr id="5" name="Object 4"/>
+          <p:cNvGraphicFramePr>
+            <a:graphicFrameLocks noChangeAspect="1"/>
+          </p:cNvGraphicFramePr>
+          <p:nvPr>
+            <p:extLst>
+              <p:ext uri="{D42A27DB-BD31-4B8C-83A1-F6EECF244321}">
+                <p14:modId xmlns:p14="http://schemas.microsoft.com/office/powerpoint/2010/main" val="3874663538"/>
+              </p:ext>
+            </p:extLst>
+          </p:nvPr>
+        </p:nvGraphicFramePr>
+        <p:xfrm>
+          <a:off x="2597617" y="2685448"/>
+          <a:ext cx="3451861" cy="1453415"/>
+        </p:xfrm>
+        <a:graphic>
+          <a:graphicData uri="http://schemas.openxmlformats.org/presentationml/2006/ole">
+            <mc:AlternateContent xmlns:mc="http://schemas.openxmlformats.org/markup-compatibility/2006">
+              <mc:Choice xmlns:v="urn:schemas-microsoft-com:vml" Requires="v">
+                <p:oleObj spid="_x0000_s3095" name="Equation" r:id="rId3" imgW="1688760" imgH="711000" progId="Equation.DSMT4">
+                  <p:embed/>
+                </p:oleObj>
+              </mc:Choice>
+              <mc:Fallback>
+                <p:oleObj name="Equation" r:id="rId3" imgW="1688760" imgH="711000" progId="Equation.DSMT4">
+                  <p:embed/>
+                  <p:pic>
+                    <p:nvPicPr>
+                      <p:cNvPr id="0" name=""/>
+                      <p:cNvPicPr/>
+                      <p:nvPr/>
+                    </p:nvPicPr>
+                    <p:blipFill>
+                      <a:blip r:embed="rId4"/>
+                      <a:stretch>
+                        <a:fillRect/>
+                      </a:stretch>
+                    </p:blipFill>
+                    <p:spPr>
+                      <a:xfrm>
+                        <a:off x="2597617" y="2685448"/>
+                        <a:ext cx="3451861" cy="1453415"/>
+                      </a:xfrm>
+                      <a:prstGeom prst="rect">
+                        <a:avLst/>
+                      </a:prstGeom>
+                    </p:spPr>
+                  </p:pic>
+                </p:oleObj>
+              </mc:Fallback>
+            </mc:AlternateContent>
+          </a:graphicData>
+        </a:graphic>
+      </p:graphicFrame>
     </p:spTree>
     <p:extLst>
       <p:ext uri="{BB962C8B-B14F-4D97-AF65-F5344CB8AC3E}">
-        <p14:creationId xmlns:p14="http://schemas.microsoft.com/office/powerpoint/2010/main" val="2019066823"/>
+        <p14:creationId xmlns:p14="http://schemas.microsoft.com/office/powerpoint/2010/main" val="3198772232"/>
       </p:ext>
     </p:extLst>
   </p:cSld>

--- a/dia1/lab1_integration.pptx
+++ b/dia1/lab1_integration.pptx
@@ -6,11 +6,11 @@
     <p:sldMasterId id="2147483690" r:id="rId2"/>
   </p:sldMasterIdLst>
   <p:notesMasterIdLst>
-    <p:notesMasterId r:id="rId13"/>
+    <p:notesMasterId r:id="rId14"/>
   </p:notesMasterIdLst>
   <p:sldIdLst>
     <p:sldId id="269" r:id="rId3"/>
-    <p:sldId id="271" r:id="rId4"/>
+    <p:sldId id="276" r:id="rId4"/>
     <p:sldId id="266" r:id="rId5"/>
     <p:sldId id="270" r:id="rId6"/>
     <p:sldId id="274" r:id="rId7"/>
@@ -19,6 +19,7 @@
     <p:sldId id="273" r:id="rId10"/>
     <p:sldId id="259" r:id="rId11"/>
     <p:sldId id="263" r:id="rId12"/>
+    <p:sldId id="278" r:id="rId13"/>
   </p:sldIdLst>
   <p:sldSz cx="9144000" cy="6858000" type="screen4x3"/>
   <p:notesSz cx="6858000" cy="9144000"/>
@@ -211,7 +212,7 @@
           <a:p>
             <a:fld id="{F2388989-7179-4868-8471-A7A056B96C7C}" type="datetimeFigureOut">
               <a:rPr lang="en-US" smtClean="0"/>
-              <a:t>1/8/2019</a:t>
+              <a:t>1/13/2019</a:t>
             </a:fld>
             <a:endParaRPr lang="en-US"/>
           </a:p>
@@ -702,7 +703,7 @@
           <a:p>
             <a:fld id="{473094AD-038C-43A2-A4DE-BB0813E6E51E}" type="datetime1">
               <a:rPr lang="en-US" smtClean="0"/>
-              <a:t>1/8/2019</a:t>
+              <a:t>1/13/2019</a:t>
             </a:fld>
             <a:endParaRPr lang="en-US"/>
           </a:p>
@@ -889,7 +890,7 @@
           <a:p>
             <a:fld id="{1F0E199C-061B-4949-9C96-AC248C0D8DD3}" type="datetime1">
               <a:rPr lang="en-US" smtClean="0"/>
-              <a:t>1/8/2019</a:t>
+              <a:t>1/13/2019</a:t>
             </a:fld>
             <a:endParaRPr lang="en-US"/>
           </a:p>
@@ -1085,7 +1086,7 @@
           <a:p>
             <a:fld id="{EF845CA7-EB4A-4003-96F7-46C5013AEA42}" type="datetime1">
               <a:rPr lang="en-US" smtClean="0"/>
-              <a:t>1/8/2019</a:t>
+              <a:t>1/13/2019</a:t>
             </a:fld>
             <a:endParaRPr lang="en-US"/>
           </a:p>
@@ -1337,7 +1338,7 @@
           <a:p>
             <a:fld id="{2D858B87-F135-4381-8E7E-B64D4228932C}" type="datetime1">
               <a:rPr lang="en-US" smtClean="0"/>
-              <a:t>1/8/2019</a:t>
+              <a:t>1/13/2019</a:t>
             </a:fld>
             <a:endParaRPr lang="en-US"/>
           </a:p>
@@ -1561,7 +1562,7 @@
           <a:p>
             <a:fld id="{3B3C5764-E191-4322-8BA3-3D7CBE2CF8D1}" type="datetime1">
               <a:rPr lang="en-US" smtClean="0"/>
-              <a:t>1/8/2019</a:t>
+              <a:t>1/13/2019</a:t>
             </a:fld>
             <a:endParaRPr lang="en-US"/>
           </a:p>
@@ -1869,7 +1870,7 @@
           <a:p>
             <a:fld id="{CCFF9CC7-9DD7-495E-8E0C-D2152E7ED385}" type="datetime1">
               <a:rPr lang="en-US" smtClean="0"/>
-              <a:t>1/8/2019</a:t>
+              <a:t>1/13/2019</a:t>
             </a:fld>
             <a:endParaRPr lang="en-US"/>
           </a:p>
@@ -2037,7 +2038,7 @@
           <a:p>
             <a:fld id="{7AF3F41F-A6FA-40C5-99E0-3F86C98F6608}" type="datetime1">
               <a:rPr lang="en-US" smtClean="0"/>
-              <a:t>1/8/2019</a:t>
+              <a:t>1/13/2019</a:t>
             </a:fld>
             <a:endParaRPr lang="en-US"/>
           </a:p>
@@ -2349,7 +2350,7 @@
           <a:p>
             <a:fld id="{9620DF9F-793E-4985-B9D8-992C6E2DA332}" type="datetime1">
               <a:rPr lang="en-US" smtClean="0"/>
-              <a:t>1/8/2019</a:t>
+              <a:t>1/13/2019</a:t>
             </a:fld>
             <a:endParaRPr lang="en-US"/>
           </a:p>
@@ -2661,7 +2662,7 @@
           <a:p>
             <a:fld id="{796EA9D4-2AD1-4101-A286-77D37AAADFED}" type="datetime1">
               <a:rPr lang="en-US" smtClean="0"/>
-              <a:t>1/8/2019</a:t>
+              <a:t>1/13/2019</a:t>
             </a:fld>
             <a:endParaRPr lang="en-US"/>
           </a:p>
@@ -2881,7 +2882,7 @@
           <a:p>
             <a:fld id="{2BD0993A-8691-4A87-9C49-3CE884C47D45}" type="datetime1">
               <a:rPr lang="en-US" smtClean="0"/>
-              <a:t>1/8/2019</a:t>
+              <a:t>1/13/2019</a:t>
             </a:fld>
             <a:endParaRPr lang="en-US"/>
           </a:p>
@@ -3079,7 +3080,7 @@
           <a:p>
             <a:fld id="{BF316B00-A11D-4D80-BD0B-755A2969FF78}" type="datetime1">
               <a:rPr lang="en-US" smtClean="0"/>
-              <a:t>1/8/2019</a:t>
+              <a:t>1/13/2019</a:t>
             </a:fld>
             <a:endParaRPr lang="en-US"/>
           </a:p>
@@ -3265,7 +3266,7 @@
           <a:p>
             <a:fld id="{FB49576D-E9F4-42BB-BC13-B23B3C4B0843}" type="datetime1">
               <a:rPr lang="en-US" smtClean="0"/>
-              <a:t>1/8/2019</a:t>
+              <a:t>1/13/2019</a:t>
             </a:fld>
             <a:endParaRPr lang="en-US"/>
           </a:p>
@@ -3540,7 +3541,7 @@
           <a:p>
             <a:fld id="{C79C30F5-8523-4EB9-ACC0-9A01E3FEDA29}" type="datetime1">
               <a:rPr lang="en-US" smtClean="0"/>
-              <a:t>1/8/2019</a:t>
+              <a:t>1/13/2019</a:t>
             </a:fld>
             <a:endParaRPr lang="en-US"/>
           </a:p>
@@ -3805,7 +3806,7 @@
           <a:p>
             <a:fld id="{31EA960D-B428-435A-A5E7-264A6D063906}" type="datetime1">
               <a:rPr lang="en-US" smtClean="0"/>
-              <a:t>1/8/2019</a:t>
+              <a:t>1/13/2019</a:t>
             </a:fld>
             <a:endParaRPr lang="en-US"/>
           </a:p>
@@ -4217,7 +4218,7 @@
           <a:p>
             <a:fld id="{3C27B052-FF7D-466F-9234-659183862C88}" type="datetime1">
               <a:rPr lang="en-US" smtClean="0"/>
-              <a:t>1/8/2019</a:t>
+              <a:t>1/13/2019</a:t>
             </a:fld>
             <a:endParaRPr lang="en-US"/>
           </a:p>
@@ -4358,7 +4359,7 @@
           <a:p>
             <a:fld id="{30E86C0C-8755-49A7-BEFB-7AA12254EBB9}" type="datetime1">
               <a:rPr lang="en-US" smtClean="0"/>
-              <a:t>1/8/2019</a:t>
+              <a:t>1/13/2019</a:t>
             </a:fld>
             <a:endParaRPr lang="en-US"/>
           </a:p>
@@ -4471,7 +4472,7 @@
           <a:p>
             <a:fld id="{E8B48827-F8F9-4844-A257-9CA23F7E0DA1}" type="datetime1">
               <a:rPr lang="en-US" smtClean="0"/>
-              <a:t>1/8/2019</a:t>
+              <a:t>1/13/2019</a:t>
             </a:fld>
             <a:endParaRPr lang="en-US"/>
           </a:p>
@@ -4782,7 +4783,7 @@
           <a:p>
             <a:fld id="{EE8BAE2C-037A-4C2F-87D7-09EE32575BC5}" type="datetime1">
               <a:rPr lang="en-US" smtClean="0"/>
-              <a:t>1/8/2019</a:t>
+              <a:t>1/13/2019</a:t>
             </a:fld>
             <a:endParaRPr lang="en-US"/>
           </a:p>
@@ -5073,7 +5074,7 @@
           <a:p>
             <a:fld id="{33BA7458-4B9B-4BD7-9049-0CDF114B9A90}" type="datetime1">
               <a:rPr lang="en-US" smtClean="0"/>
-              <a:t>1/8/2019</a:t>
+              <a:t>1/13/2019</a:t>
             </a:fld>
             <a:endParaRPr lang="en-US"/>
           </a:p>
@@ -5271,7 +5272,7 @@
           <a:p>
             <a:fld id="{5F138F74-D09C-4A4F-9011-F5861002FF66}" type="datetime1">
               <a:rPr lang="en-US" smtClean="0"/>
-              <a:t>1/8/2019</a:t>
+              <a:t>1/13/2019</a:t>
             </a:fld>
             <a:endParaRPr lang="en-US"/>
           </a:p>
@@ -5479,7 +5480,7 @@
           <a:p>
             <a:fld id="{B023AC82-5023-4B40-8E7B-CB32645BA3C1}" type="datetime1">
               <a:rPr lang="en-US" smtClean="0"/>
-              <a:t>1/8/2019</a:t>
+              <a:t>1/13/2019</a:t>
             </a:fld>
             <a:endParaRPr lang="en-US"/>
           </a:p>
@@ -5688,7 +5689,7 @@
           <a:p>
             <a:fld id="{CB9270DE-3C8A-43D2-B05F-DCE66535FA1A}" type="datetime1">
               <a:rPr lang="en-US" smtClean="0"/>
-              <a:t>1/8/2019</a:t>
+              <a:t>1/13/2019</a:t>
             </a:fld>
             <a:endParaRPr lang="en-US"/>
           </a:p>
@@ -5991,7 +5992,7 @@
           <a:p>
             <a:fld id="{5F9A8E4F-B453-4822-A448-33EE436F9AB4}" type="datetime1">
               <a:rPr lang="en-US" smtClean="0"/>
-              <a:t>1/8/2019</a:t>
+              <a:t>1/13/2019</a:t>
             </a:fld>
             <a:endParaRPr lang="en-US"/>
           </a:p>
@@ -6433,7 +6434,7 @@
           <a:p>
             <a:fld id="{F917497C-C63C-412A-9DFD-A2E04718E293}" type="datetime1">
               <a:rPr lang="en-US" smtClean="0"/>
-              <a:t>1/8/2019</a:t>
+              <a:t>1/13/2019</a:t>
             </a:fld>
             <a:endParaRPr lang="en-US"/>
           </a:p>
@@ -6568,7 +6569,7 @@
           <a:p>
             <a:fld id="{F6E66BCC-7079-4559-85D5-50A66D933026}" type="datetime1">
               <a:rPr lang="en-US" smtClean="0"/>
-              <a:t>1/8/2019</a:t>
+              <a:t>1/13/2019</a:t>
             </a:fld>
             <a:endParaRPr lang="en-US"/>
           </a:p>
@@ -6681,7 +6682,7 @@
           <a:p>
             <a:fld id="{6B4C6DDB-E43F-4445-B916-EA8EF73BA2E9}" type="datetime1">
               <a:rPr lang="en-US" smtClean="0"/>
-              <a:t>1/8/2019</a:t>
+              <a:t>1/13/2019</a:t>
             </a:fld>
             <a:endParaRPr lang="en-US"/>
           </a:p>
@@ -6974,7 +6975,7 @@
           <a:p>
             <a:fld id="{28A0BF00-D669-4C78-910C-5733C04ABD2D}" type="datetime1">
               <a:rPr lang="en-US" smtClean="0"/>
-              <a:t>1/8/2019</a:t>
+              <a:t>1/13/2019</a:t>
             </a:fld>
             <a:endParaRPr lang="en-US"/>
           </a:p>
@@ -7248,7 +7249,7 @@
           <a:p>
             <a:fld id="{1D17FF70-BB30-46BB-AA76-2B519CE88675}" type="datetime1">
               <a:rPr lang="en-US" smtClean="0"/>
-              <a:t>1/8/2019</a:t>
+              <a:t>1/13/2019</a:t>
             </a:fld>
             <a:endParaRPr lang="en-US"/>
           </a:p>
@@ -7542,7 +7543,7 @@
           <a:p>
             <a:fld id="{793CCD87-1551-4F91-BE02-F4A09E617739}" type="datetime1">
               <a:rPr lang="en-US" smtClean="0"/>
-              <a:t>1/8/2019</a:t>
+              <a:t>1/13/2019</a:t>
             </a:fld>
             <a:endParaRPr lang="en-US"/>
           </a:p>
@@ -8389,7 +8390,7 @@
           <a:p>
             <a:fld id="{FBD26717-3E2A-491D-9A2B-0D747605CA1D}" type="datetime1">
               <a:rPr lang="en-US" smtClean="0"/>
-              <a:t>1/8/2019</a:t>
+              <a:t>1/13/2019</a:t>
             </a:fld>
             <a:endParaRPr lang="en-US"/>
           </a:p>
@@ -8831,10 +8832,10 @@
           <a:lstStyle/>
           <a:p>
             <a:r>
-              <a:rPr lang="es-ES" dirty="0" smtClean="0"/>
+              <a:rPr lang="es-419" dirty="0" smtClean="0"/>
               <a:t>Una revisión de los metodólogos de integración  </a:t>
             </a:r>
-            <a:endParaRPr lang="es-CL" noProof="0" dirty="0"/>
+            <a:endParaRPr lang="es-419" noProof="0" dirty="0"/>
           </a:p>
         </p:txBody>
       </p:sp>
@@ -9184,10 +9185,14 @@
           <a:lstStyle/>
           <a:p>
             <a:r>
-              <a:rPr lang="en-US" dirty="0" smtClean="0"/>
-              <a:t>Homework 1.2 </a:t>
-            </a:r>
-            <a:endParaRPr lang="en-US" dirty="0"/>
+              <a:rPr lang="es-419" dirty="0" err="1" smtClean="0"/>
+              <a:t>Homework</a:t>
+            </a:r>
+            <a:r>
+              <a:rPr lang="es-419" dirty="0" smtClean="0"/>
+              <a:t> 1.2 </a:t>
+            </a:r>
+            <a:endParaRPr lang="es-419" dirty="0"/>
           </a:p>
         </p:txBody>
       </p:sp>
@@ -9224,24 +9229,84 @@
               <a:buAutoNum type="arabicPeriod"/>
             </a:pPr>
             <a:r>
-              <a:rPr lang="en-US" dirty="0" smtClean="0"/>
-              <a:t>Assume X~N(0,1). Use </a:t>
-            </a:r>
-            <a:r>
-              <a:rPr lang="en-US" dirty="0" err="1" smtClean="0"/>
+              <a:rPr lang="es-419" dirty="0" err="1" smtClean="0"/>
+              <a:t>Assume</a:t>
+            </a:r>
+            <a:r>
+              <a:rPr lang="es-419" dirty="0" smtClean="0"/>
+              <a:t> X~N(0,1). Use </a:t>
+            </a:r>
+            <a:r>
+              <a:rPr lang="es-419" dirty="0" err="1" smtClean="0"/>
               <a:t>rnorm</a:t>
             </a:r>
             <a:r>
-              <a:rPr lang="en-US" dirty="0" smtClean="0"/>
-              <a:t> to estimate P(X&lt; -5). Repeat but use </a:t>
-            </a:r>
-            <a:r>
-              <a:rPr lang="en-US" dirty="0" err="1" smtClean="0"/>
+              <a:rPr lang="es-419" dirty="0" smtClean="0"/>
+              <a:t> (</a:t>
+            </a:r>
+            <a:r>
+              <a:rPr lang="es-419" dirty="0" err="1" smtClean="0"/>
+              <a:t>numerical</a:t>
+            </a:r>
+            <a:r>
+              <a:rPr lang="es-419" dirty="0" smtClean="0"/>
+              <a:t>) to </a:t>
+            </a:r>
+            <a:r>
+              <a:rPr lang="es-419" dirty="0" err="1" smtClean="0"/>
+              <a:t>estimate</a:t>
+            </a:r>
+            <a:r>
+              <a:rPr lang="es-419" dirty="0" smtClean="0"/>
+              <a:t> P(X&lt; -5). </a:t>
+            </a:r>
+            <a:r>
+              <a:rPr lang="es-419" dirty="0" err="1" smtClean="0"/>
+              <a:t>Repeat</a:t>
+            </a:r>
+            <a:r>
+              <a:rPr lang="es-419" dirty="0" smtClean="0"/>
+              <a:t> </a:t>
+            </a:r>
+            <a:r>
+              <a:rPr lang="es-419" dirty="0" err="1" smtClean="0"/>
+              <a:t>but</a:t>
+            </a:r>
+            <a:r>
+              <a:rPr lang="es-419" dirty="0" smtClean="0"/>
+              <a:t> use </a:t>
+            </a:r>
+            <a:r>
+              <a:rPr lang="es-419" dirty="0" err="1" smtClean="0"/>
               <a:t>pnorm</a:t>
             </a:r>
             <a:r>
-              <a:rPr lang="en-US" dirty="0" smtClean="0"/>
-              <a:t>. Why different?</a:t>
+              <a:rPr lang="es-419" dirty="0" smtClean="0"/>
+              <a:t> (</a:t>
+            </a:r>
+            <a:r>
+              <a:rPr lang="es-419" dirty="0" err="1" smtClean="0"/>
+              <a:t>analytical</a:t>
+            </a:r>
+            <a:r>
+              <a:rPr lang="es-419" dirty="0" smtClean="0"/>
+              <a:t>). </a:t>
+            </a:r>
+            <a:r>
+              <a:rPr lang="es-419" dirty="0" err="1" smtClean="0"/>
+              <a:t>Why</a:t>
+            </a:r>
+            <a:r>
+              <a:rPr lang="es-419" dirty="0" smtClean="0"/>
+              <a:t> </a:t>
+            </a:r>
+            <a:r>
+              <a:rPr lang="es-419" dirty="0" err="1" smtClean="0"/>
+              <a:t>different</a:t>
+            </a:r>
+            <a:r>
+              <a:rPr lang="es-419" dirty="0" smtClean="0"/>
+              <a:t>?</a:t>
             </a:r>
           </a:p>
           <a:p>
@@ -9250,8 +9315,116 @@
               <a:buAutoNum type="arabicPeriod"/>
             </a:pPr>
             <a:r>
-              <a:rPr lang="en-US" dirty="0" smtClean="0"/>
-              <a:t>Generate 500 samples and plot the cumulative mean of samples vs replicate. How many samples are “good enough” to approximate the mean? </a:t>
+              <a:rPr lang="es-419" dirty="0" err="1" smtClean="0"/>
+              <a:t>Generate</a:t>
+            </a:r>
+            <a:r>
+              <a:rPr lang="es-419" dirty="0" smtClean="0"/>
+              <a:t> 500 </a:t>
+            </a:r>
+            <a:r>
+              <a:rPr lang="es-419" dirty="0" err="1" smtClean="0"/>
+              <a:t>samples</a:t>
+            </a:r>
+            <a:r>
+              <a:rPr lang="es-419" dirty="0" smtClean="0"/>
+              <a:t> and </a:t>
+            </a:r>
+            <a:r>
+              <a:rPr lang="es-419" dirty="0" err="1" smtClean="0"/>
+              <a:t>plot</a:t>
+            </a:r>
+            <a:r>
+              <a:rPr lang="es-419" dirty="0" smtClean="0"/>
+              <a:t> </a:t>
+            </a:r>
+            <a:r>
+              <a:rPr lang="es-419" dirty="0" err="1" smtClean="0"/>
+              <a:t>the</a:t>
+            </a:r>
+            <a:r>
+              <a:rPr lang="es-419" dirty="0" smtClean="0"/>
+              <a:t> </a:t>
+            </a:r>
+            <a:r>
+              <a:rPr lang="es-419" dirty="0" err="1" smtClean="0"/>
+              <a:t>cumulative</a:t>
+            </a:r>
+            <a:r>
+              <a:rPr lang="es-419" dirty="0" smtClean="0"/>
+              <a:t> mean of </a:t>
+            </a:r>
+            <a:r>
+              <a:rPr lang="es-419" dirty="0" err="1" smtClean="0"/>
+              <a:t>samples</a:t>
+            </a:r>
+            <a:r>
+              <a:rPr lang="es-419" dirty="0" smtClean="0"/>
+              <a:t> vs </a:t>
+            </a:r>
+            <a:r>
+              <a:rPr lang="es-419" dirty="0" err="1" smtClean="0"/>
+              <a:t>replicate</a:t>
+            </a:r>
+            <a:r>
+              <a:rPr lang="es-419" dirty="0" smtClean="0"/>
+              <a:t>. </a:t>
+            </a:r>
+            <a:r>
+              <a:rPr lang="es-419" dirty="0" err="1" smtClean="0"/>
+              <a:t>How</a:t>
+            </a:r>
+            <a:r>
+              <a:rPr lang="es-419" dirty="0" smtClean="0"/>
+              <a:t> </a:t>
+            </a:r>
+            <a:r>
+              <a:rPr lang="es-419" dirty="0" err="1" smtClean="0"/>
+              <a:t>many</a:t>
+            </a:r>
+            <a:r>
+              <a:rPr lang="es-419" dirty="0" smtClean="0"/>
+              <a:t> </a:t>
+            </a:r>
+            <a:r>
+              <a:rPr lang="es-419" dirty="0" err="1" smtClean="0"/>
+              <a:t>samples</a:t>
+            </a:r>
+            <a:r>
+              <a:rPr lang="es-419" dirty="0" smtClean="0"/>
+              <a:t> are “</a:t>
+            </a:r>
+            <a:r>
+              <a:rPr lang="es-419" dirty="0" err="1" smtClean="0"/>
+              <a:t>good</a:t>
+            </a:r>
+            <a:r>
+              <a:rPr lang="es-419" dirty="0" smtClean="0"/>
+              <a:t> </a:t>
+            </a:r>
+            <a:r>
+              <a:rPr lang="es-419" dirty="0" err="1" smtClean="0"/>
+              <a:t>enough</a:t>
+            </a:r>
+            <a:r>
+              <a:rPr lang="es-419" dirty="0" smtClean="0"/>
+              <a:t>” to </a:t>
+            </a:r>
+            <a:r>
+              <a:rPr lang="es-419" dirty="0" err="1" smtClean="0"/>
+              <a:t>approximate</a:t>
+            </a:r>
+            <a:r>
+              <a:rPr lang="es-419" dirty="0" smtClean="0"/>
+              <a:t> </a:t>
+            </a:r>
+            <a:r>
+              <a:rPr lang="es-419" dirty="0" err="1" smtClean="0"/>
+              <a:t>the</a:t>
+            </a:r>
+            <a:r>
+              <a:rPr lang="es-419" dirty="0" smtClean="0"/>
+              <a:t> mean? </a:t>
             </a:r>
           </a:p>
           <a:p>
@@ -9260,8 +9433,76 @@
               <a:buAutoNum type="arabicPeriod"/>
             </a:pPr>
             <a:r>
-              <a:rPr lang="en-US" dirty="0" smtClean="0"/>
-              <a:t>Using samples from #2, approximate mean of the function h(x)=x^2. Is this equal to mean(x)^2?</a:t>
+              <a:rPr lang="es-419" dirty="0" err="1" smtClean="0"/>
+              <a:t>Using</a:t>
+            </a:r>
+            <a:r>
+              <a:rPr lang="es-419" dirty="0" smtClean="0"/>
+              <a:t> </a:t>
+            </a:r>
+            <a:r>
+              <a:rPr lang="es-419" dirty="0" err="1" smtClean="0"/>
+              <a:t>samples</a:t>
+            </a:r>
+            <a:r>
+              <a:rPr lang="es-419" dirty="0" smtClean="0"/>
+              <a:t> </a:t>
+            </a:r>
+            <a:r>
+              <a:rPr lang="es-419" dirty="0" err="1" smtClean="0"/>
+              <a:t>from</a:t>
+            </a:r>
+            <a:r>
+              <a:rPr lang="es-419" dirty="0" smtClean="0"/>
+              <a:t> #2, </a:t>
+            </a:r>
+            <a:r>
+              <a:rPr lang="es-419" dirty="0" err="1" smtClean="0"/>
+              <a:t>approximate</a:t>
+            </a:r>
+            <a:r>
+              <a:rPr lang="es-419" dirty="0" smtClean="0"/>
+              <a:t> mean of </a:t>
+            </a:r>
+            <a:r>
+              <a:rPr lang="es-419" dirty="0" err="1" smtClean="0"/>
+              <a:t>the</a:t>
+            </a:r>
+            <a:r>
+              <a:rPr lang="es-419" dirty="0" smtClean="0"/>
+              <a:t> </a:t>
+            </a:r>
+            <a:r>
+              <a:rPr lang="es-419" dirty="0" err="1" smtClean="0"/>
+              <a:t>function</a:t>
+            </a:r>
+            <a:r>
+              <a:rPr lang="es-419" dirty="0" smtClean="0"/>
+              <a:t> h(x)=x^2. </a:t>
+            </a:r>
+            <a:r>
+              <a:rPr lang="es-419" dirty="0" err="1" smtClean="0"/>
+              <a:t>Is</a:t>
+            </a:r>
+            <a:r>
+              <a:rPr lang="es-419" dirty="0" smtClean="0"/>
+              <a:t> </a:t>
+            </a:r>
+            <a:r>
+              <a:rPr lang="es-419" dirty="0" err="1" smtClean="0"/>
+              <a:t>this</a:t>
+            </a:r>
+            <a:r>
+              <a:rPr lang="es-419" dirty="0" smtClean="0"/>
+              <a:t> </a:t>
+            </a:r>
+            <a:r>
+              <a:rPr lang="es-419" dirty="0" err="1" smtClean="0"/>
+              <a:t>equal</a:t>
+            </a:r>
+            <a:r>
+              <a:rPr lang="es-419" dirty="0" smtClean="0"/>
+              <a:t> to mean(x)^2?</a:t>
             </a:r>
           </a:p>
           <a:p>
@@ -9270,10 +9511,58 @@
               <a:buAutoNum type="arabicPeriod"/>
             </a:pPr>
             <a:r>
-              <a:rPr lang="en-US" dirty="0" smtClean="0"/>
-              <a:t>[Extra: find the pdf for Y=h(x) and add to histogram]</a:t>
-            </a:r>
-            <a:endParaRPr lang="en-US" dirty="0"/>
+              <a:rPr lang="es-419" dirty="0" smtClean="0"/>
+              <a:t>[Extra: </a:t>
+            </a:r>
+            <a:r>
+              <a:rPr lang="es-419" dirty="0" err="1" smtClean="0"/>
+              <a:t>find</a:t>
+            </a:r>
+            <a:r>
+              <a:rPr lang="es-419" dirty="0" smtClean="0"/>
+              <a:t> </a:t>
+            </a:r>
+            <a:r>
+              <a:rPr lang="es-419" dirty="0" err="1" smtClean="0"/>
+              <a:t>the</a:t>
+            </a:r>
+            <a:r>
+              <a:rPr lang="es-419" dirty="0" smtClean="0"/>
+              <a:t> </a:t>
+            </a:r>
+            <a:r>
+              <a:rPr lang="es-419" dirty="0" err="1" smtClean="0"/>
+              <a:t>pdf</a:t>
+            </a:r>
+            <a:r>
+              <a:rPr lang="es-419" dirty="0" smtClean="0"/>
+              <a:t> </a:t>
+            </a:r>
+            <a:r>
+              <a:rPr lang="es-419" dirty="0" err="1" smtClean="0"/>
+              <a:t>for</a:t>
+            </a:r>
+            <a:r>
+              <a:rPr lang="es-419" dirty="0" smtClean="0"/>
+              <a:t> Y=h(x) and </a:t>
+            </a:r>
+            <a:r>
+              <a:rPr lang="es-419" dirty="0" err="1" smtClean="0"/>
+              <a:t>add</a:t>
+            </a:r>
+            <a:r>
+              <a:rPr lang="es-419" dirty="0" smtClean="0"/>
+              <a:t> to </a:t>
+            </a:r>
+            <a:r>
+              <a:rPr lang="es-419" dirty="0" err="1" smtClean="0"/>
+              <a:t>histogram</a:t>
+            </a:r>
+            <a:r>
+              <a:rPr lang="es-419" dirty="0" smtClean="0"/>
+              <a:t>]</a:t>
+            </a:r>
+            <a:endParaRPr lang="es-419" dirty="0"/>
           </a:p>
         </p:txBody>
       </p:sp>
@@ -9310,6 +9599,152 @@
     <p:extLst>
       <p:ext uri="{BB962C8B-B14F-4D97-AF65-F5344CB8AC3E}">
         <p14:creationId xmlns:p14="http://schemas.microsoft.com/office/powerpoint/2010/main" val="2019066823"/>
+      </p:ext>
+    </p:extLst>
+  </p:cSld>
+  <p:clrMapOvr>
+    <a:masterClrMapping/>
+  </p:clrMapOvr>
+</p:sld>
+</file>
+
+<file path=ppt/slides/slide11.xml><?xml version="1.0" encoding="utf-8"?>
+<p:sld xmlns:a="http://schemas.openxmlformats.org/drawingml/2006/main" xmlns:r="http://schemas.openxmlformats.org/officeDocument/2006/relationships" xmlns:p="http://schemas.openxmlformats.org/presentationml/2006/main">
+  <p:cSld>
+    <p:spTree>
+      <p:nvGrpSpPr>
+        <p:cNvPr id="1" name=""/>
+        <p:cNvGrpSpPr/>
+        <p:nvPr/>
+      </p:nvGrpSpPr>
+      <p:grpSpPr>
+        <a:xfrm>
+          <a:off x="0" y="0"/>
+          <a:ext cx="0" cy="0"/>
+          <a:chOff x="0" y="0"/>
+          <a:chExt cx="0" cy="0"/>
+        </a:xfrm>
+      </p:grpSpPr>
+      <p:sp>
+        <p:nvSpPr>
+          <p:cNvPr id="2" name="Title 1"/>
+          <p:cNvSpPr>
+            <a:spLocks noGrp="1"/>
+          </p:cNvSpPr>
+          <p:nvPr>
+            <p:ph type="title"/>
+          </p:nvPr>
+        </p:nvSpPr>
+        <p:spPr/>
+        <p:txBody>
+          <a:bodyPr/>
+          <a:lstStyle/>
+          <a:p>
+            <a:r>
+              <a:rPr lang="en-US" dirty="0" smtClean="0"/>
+              <a:t>Homework 1.3</a:t>
+            </a:r>
+            <a:endParaRPr lang="en-US" dirty="0"/>
+          </a:p>
+        </p:txBody>
+      </p:sp>
+      <p:sp>
+        <p:nvSpPr>
+          <p:cNvPr id="3" name="Content Placeholder 2"/>
+          <p:cNvSpPr>
+            <a:spLocks noGrp="1"/>
+          </p:cNvSpPr>
+          <p:nvPr>
+            <p:ph idx="1"/>
+          </p:nvPr>
+        </p:nvSpPr>
+        <p:spPr/>
+        <p:txBody>
+          <a:bodyPr>
+            <a:normAutofit lnSpcReduction="10000"/>
+          </a:bodyPr>
+          <a:lstStyle/>
+          <a:p>
+            <a:r>
+              <a:rPr lang="en-US" dirty="0"/>
+              <a:t>Install JAGS 4.3.0: </a:t>
+            </a:r>
+            <a:r>
+              <a:rPr lang="en-US" dirty="0">
+                <a:hlinkClick r:id="rId2"/>
+              </a:rPr>
+              <a:t>https://sourceforge.net/projects/mcmc-jags/files/JAGS/4.x/</a:t>
+            </a:r>
+            <a:endParaRPr lang="en-US" dirty="0"/>
+          </a:p>
+          <a:p>
+            <a:r>
+              <a:rPr lang="en-US" dirty="0"/>
+              <a:t>Download user manual: </a:t>
+            </a:r>
+          </a:p>
+          <a:p>
+            <a:r>
+              <a:rPr lang="en-US" dirty="0">
+                <a:hlinkClick r:id="rId3"/>
+              </a:rPr>
+              <a:t>https://sourceforge.net/projects/mcmc-jags/files/Manuals/4.x/jags_user_manual.pdf/download</a:t>
+            </a:r>
+            <a:endParaRPr lang="en-US" dirty="0"/>
+          </a:p>
+          <a:p>
+            <a:r>
+              <a:rPr lang="en-US" dirty="0" smtClean="0"/>
+              <a:t>Install </a:t>
+            </a:r>
+            <a:r>
+              <a:rPr lang="en-US" dirty="0"/>
+              <a:t>R packages R2jags, </a:t>
+            </a:r>
+            <a:r>
+              <a:rPr lang="en-US" dirty="0" smtClean="0"/>
+              <a:t>coda</a:t>
+            </a:r>
+          </a:p>
+          <a:p>
+            <a:r>
+              <a:rPr lang="en-US" dirty="0" smtClean="0"/>
+              <a:t>Start R and ensure library(R2jags) works</a:t>
+            </a:r>
+            <a:endParaRPr lang="en-US" dirty="0"/>
+          </a:p>
+          <a:p>
+            <a:endParaRPr lang="en-US" dirty="0"/>
+          </a:p>
+        </p:txBody>
+      </p:sp>
+      <p:sp>
+        <p:nvSpPr>
+          <p:cNvPr id="4" name="Slide Number Placeholder 3"/>
+          <p:cNvSpPr>
+            <a:spLocks noGrp="1"/>
+          </p:cNvSpPr>
+          <p:nvPr>
+            <p:ph type="sldNum" sz="quarter" idx="12"/>
+          </p:nvPr>
+        </p:nvSpPr>
+        <p:spPr/>
+        <p:txBody>
+          <a:bodyPr/>
+          <a:lstStyle/>
+          <a:p>
+            <a:fld id="{36417F31-DB7E-41E3-9A04-DC9BB348C608}" type="slidenum">
+              <a:rPr lang="en-US" smtClean="0"/>
+              <a:t>11</a:t>
+            </a:fld>
+            <a:endParaRPr lang="en-US"/>
+          </a:p>
+        </p:txBody>
+      </p:sp>
+    </p:spTree>
+    <p:extLst>
+      <p:ext uri="{BB962C8B-B14F-4D97-AF65-F5344CB8AC3E}">
+        <p14:creationId xmlns:p14="http://schemas.microsoft.com/office/powerpoint/2010/main" val="1908008368"/>
       </p:ext>
     </p:extLst>
   </p:cSld>
@@ -9351,7 +9786,11 @@
           <a:bodyPr/>
           <a:lstStyle/>
           <a:p>
-            <a:endParaRPr lang="en-US" dirty="0"/>
+            <a:r>
+              <a:rPr lang="es-419" dirty="0" smtClean="0"/>
+              <a:t>Por que integración? </a:t>
+            </a:r>
+            <a:endParaRPr lang="es-419" dirty="0"/>
           </a:p>
         </p:txBody>
       </p:sp>
@@ -9371,10 +9810,34 @@
           <a:lstStyle/>
           <a:p>
             <a:r>
-              <a:rPr lang="en-US" dirty="0" smtClean="0"/>
-              <a:t>When we have continuous distributions then we must integrate to get a probability</a:t>
-            </a:r>
-            <a:endParaRPr lang="en-US" dirty="0"/>
+              <a:rPr lang="es-419" dirty="0" smtClean="0"/>
+              <a:t>Recuerda que para calcular probabilidades tenemos que integrar una distribución continua </a:t>
+            </a:r>
+          </a:p>
+          <a:p>
+            <a:endParaRPr lang="es-419" dirty="0"/>
+          </a:p>
+          <a:p>
+            <a:endParaRPr lang="es-419" dirty="0" smtClean="0"/>
+          </a:p>
+          <a:p>
+            <a:r>
+              <a:rPr lang="es-419" dirty="0" smtClean="0"/>
+              <a:t>Que es la altura de la curva en este caso?</a:t>
+            </a:r>
+          </a:p>
+          <a:p>
+            <a:r>
+              <a:rPr lang="es-419" dirty="0" smtClean="0"/>
+              <a:t>Que es P(X=a)=?</a:t>
+            </a:r>
+          </a:p>
+          <a:p>
+            <a:r>
+              <a:rPr lang="es-419" b="1" dirty="0" smtClean="0"/>
+              <a:t>La área bajo de la curva es la probabilidad</a:t>
+            </a:r>
+            <a:endParaRPr lang="es-419" b="1" dirty="0"/>
           </a:p>
         </p:txBody>
       </p:sp>
@@ -9401,10 +9864,73 @@
           </a:p>
         </p:txBody>
       </p:sp>
+      <p:graphicFrame>
+        <p:nvGraphicFramePr>
+          <p:cNvPr id="5" name="Object 4">
+            <a:extLst>
+              <a:ext uri="{FF2B5EF4-FFF2-40B4-BE49-F238E27FC236}">
+                <a16:creationId xmlns="" xmlns:a16="http://schemas.microsoft.com/office/drawing/2014/main" id="{871A0B14-87C6-4452-B778-BA64D86F24DC}"/>
+              </a:ext>
+            </a:extLst>
+          </p:cNvPr>
+          <p:cNvGraphicFramePr>
+            <a:graphicFrameLocks noChangeAspect="1"/>
+          </p:cNvGraphicFramePr>
+          <p:nvPr>
+            <p:extLst>
+              <p:ext uri="{D42A27DB-BD31-4B8C-83A1-F6EECF244321}">
+                <p14:modId xmlns:p14="http://schemas.microsoft.com/office/powerpoint/2010/main" val="2375815545"/>
+              </p:ext>
+            </p:extLst>
+          </p:nvPr>
+        </p:nvGraphicFramePr>
+        <p:xfrm>
+          <a:off x="1846594" y="3068527"/>
+          <a:ext cx="4502150" cy="936625"/>
+        </p:xfrm>
+        <a:graphic>
+          <a:graphicData uri="http://schemas.openxmlformats.org/presentationml/2006/ole">
+            <mc:AlternateContent xmlns:mc="http://schemas.openxmlformats.org/markup-compatibility/2006">
+              <mc:Choice xmlns:v="urn:schemas-microsoft-com:vml" Requires="v">
+                <p:oleObj spid="_x0000_s4106" name="Equation" r:id="rId3" imgW="1587240" imgH="330120" progId="Equation.DSMT4">
+                  <p:embed/>
+                </p:oleObj>
+              </mc:Choice>
+              <mc:Fallback>
+                <p:oleObj name="Equation" r:id="rId3" imgW="1587240" imgH="330120" progId="Equation.DSMT4">
+                  <p:embed/>
+                  <p:pic>
+                    <p:nvPicPr>
+                      <p:cNvPr id="0" name=""/>
+                      <p:cNvPicPr/>
+                      <p:nvPr/>
+                    </p:nvPicPr>
+                    <p:blipFill>
+                      <a:blip r:embed="rId4"/>
+                      <a:stretch>
+                        <a:fillRect/>
+                      </a:stretch>
+                    </p:blipFill>
+                    <p:spPr>
+                      <a:xfrm>
+                        <a:off x="1846594" y="3068527"/>
+                        <a:ext cx="4502150" cy="936625"/>
+                      </a:xfrm>
+                      <a:prstGeom prst="rect">
+                        <a:avLst/>
+                      </a:prstGeom>
+                    </p:spPr>
+                  </p:pic>
+                </p:oleObj>
+              </mc:Fallback>
+            </mc:AlternateContent>
+          </a:graphicData>
+        </a:graphic>
+      </p:graphicFrame>
     </p:spTree>
     <p:extLst>
       <p:ext uri="{BB962C8B-B14F-4D97-AF65-F5344CB8AC3E}">
-        <p14:creationId xmlns:p14="http://schemas.microsoft.com/office/powerpoint/2010/main" val="1823361238"/>
+        <p14:creationId xmlns:p14="http://schemas.microsoft.com/office/powerpoint/2010/main" val="623925209"/>
       </p:ext>
     </p:extLst>
   </p:cSld>
@@ -9457,83 +9983,62 @@
             </p:spPr>
             <p:txBody>
               <a:bodyPr>
-                <a:normAutofit/>
+                <a:normAutofit lnSpcReduction="10000"/>
               </a:bodyPr>
               <a:lstStyle/>
               <a:p>
                 <a:r>
-                  <a:rPr lang="es-CL" dirty="0" smtClean="0"/>
-                  <a:t>Assume </a:t>
+                  <a:rPr lang="es-419" dirty="0" smtClean="0"/>
+                  <a:t>Suponga que hay una </a:t>
                 </a:r>
                 <a:r>
-                  <a:rPr lang="es-CL" dirty="0" err="1" smtClean="0"/>
-                  <a:t>we</a:t>
+                  <a:rPr lang="es-419" dirty="0" err="1" smtClean="0"/>
+                  <a:t>v.a.</a:t>
                 </a:r>
                 <a:r>
-                  <a:rPr lang="es-CL" dirty="0" smtClean="0"/>
-                  <a:t> </a:t>
-                </a:r>
-                <a:r>
-                  <a:rPr lang="es-CL" dirty="0" err="1" smtClean="0"/>
-                  <a:t>have</a:t>
-                </a:r>
-                <a:r>
-                  <a:rPr lang="es-CL" dirty="0" smtClean="0"/>
-                  <a:t> a </a:t>
-                </a:r>
-                <a:r>
-                  <a:rPr lang="es-CL" dirty="0" err="1" smtClean="0"/>
-                  <a:t>uniform</a:t>
-                </a:r>
-                <a:r>
-                  <a:rPr lang="es-CL" dirty="0" smtClean="0"/>
-                  <a:t> RV: X~U(0,5)</a:t>
+                  <a:rPr lang="es-419" dirty="0" smtClean="0"/>
+                  <a:t> uniforme: X~U(0,5)</a:t>
                 </a:r>
               </a:p>
               <a:p>
                 <a:r>
-                  <a:rPr lang="es-CL" b="0" noProof="0" dirty="0" err="1" smtClean="0"/>
-                  <a:t>Then</a:t>
+                  <a:rPr lang="es-419" b="0" noProof="0" dirty="0" smtClean="0"/>
+                  <a:t>Entonces </a:t>
                 </a:r>
                 <a:r>
-                  <a:rPr lang="es-CL" b="0" noProof="0" dirty="0" smtClean="0"/>
+                  <a:rPr lang="es-419" dirty="0" smtClean="0"/>
+                  <a:t>la </a:t>
+                </a:r>
+                <a:r>
+                  <a:rPr lang="es-419" b="0" noProof="0" dirty="0" err="1" smtClean="0"/>
+                  <a:t>pdf</a:t>
+                </a:r>
+                <a:r>
+                  <a:rPr lang="es-419" b="0" noProof="0" dirty="0" smtClean="0"/>
+                  <a:t> f(x)=1/5 </a:t>
+                </a:r>
+                <a:r>
+                  <a:rPr lang="es-419" dirty="0" smtClean="0"/>
+                  <a:t>por</a:t>
+                </a:r>
+                <a:r>
+                  <a:rPr lang="es-419" b="0" noProof="0" dirty="0" smtClean="0"/>
                   <a:t> </a:t>
                 </a:r>
                 <a:r>
-                  <a:rPr lang="es-CL" b="0" noProof="0" dirty="0" err="1" smtClean="0"/>
-                  <a:t>the</a:t>
+                  <a:rPr lang="es-419" b="0" i="1" noProof="0" dirty="0" smtClean="0"/>
+                  <a:t>x</a:t>
                 </a:r>
                 <a:r>
-                  <a:rPr lang="es-CL" b="0" noProof="0" dirty="0" smtClean="0"/>
-                  <a:t> </a:t>
+                  <a:rPr lang="es-419" b="0" noProof="0" dirty="0" smtClean="0"/>
+                  <a:t> en (0,5) y 0 de lo contrario</a:t>
                 </a:r>
-                <a:r>
-                  <a:rPr lang="es-CL" b="0" noProof="0" dirty="0" err="1" smtClean="0"/>
-                  <a:t>pdf</a:t>
-                </a:r>
-                <a:r>
-                  <a:rPr lang="es-CL" b="0" noProof="0" dirty="0" smtClean="0"/>
-                  <a:t> f(x)=1/5 </a:t>
-                </a:r>
-                <a:r>
-                  <a:rPr lang="es-CL" b="0" noProof="0" dirty="0" err="1" smtClean="0"/>
-                  <a:t>for</a:t>
-                </a:r>
-                <a:r>
-                  <a:rPr lang="es-CL" b="0" noProof="0" dirty="0" smtClean="0"/>
-                  <a:t> x in (0,5) and 0 </a:t>
-                </a:r>
-                <a:r>
-                  <a:rPr lang="es-CL" b="0" noProof="0" dirty="0" err="1" smtClean="0"/>
-                  <a:t>elsewhere</a:t>
-                </a:r>
-                <a:endParaRPr lang="es-CL" b="0" noProof="0" dirty="0" smtClean="0"/>
               </a:p>
               <a:p>
                 <a14:m>
                   <m:oMath xmlns:m="http://schemas.openxmlformats.org/officeDocument/2006/math">
                     <m:r>
-                      <a:rPr lang="es-CL" b="0" i="1" noProof="0" smtClean="0">
+                      <a:rPr lang="es-419" b="0" i="1" noProof="0" smtClean="0">
                         <a:latin typeface="Cambria Math" panose="02040503050406030204" pitchFamily="18" charset="0"/>
                       </a:rPr>
                       <m:t>𝑃</m:t>
@@ -9541,38 +10046,38 @@
                     <m:d>
                       <m:dPr>
                         <m:ctrlPr>
-                          <a:rPr lang="es-CL" b="0" i="1" noProof="0" smtClean="0">
+                          <a:rPr lang="es-419" b="0" i="1" noProof="0" smtClean="0">
                             <a:latin typeface="Cambria Math" panose="02040503050406030204" pitchFamily="18" charset="0"/>
                           </a:rPr>
                         </m:ctrlPr>
                       </m:dPr>
                       <m:e>
                         <m:r>
-                          <a:rPr lang="en-US" b="0" i="1" noProof="0" smtClean="0">
+                          <a:rPr lang="es-419" b="0" i="1" noProof="0" smtClean="0">
                             <a:latin typeface="Cambria Math" panose="02040503050406030204" pitchFamily="18" charset="0"/>
                           </a:rPr>
                           <m:t>𝑎</m:t>
                         </m:r>
                         <m:r>
-                          <a:rPr lang="en-US" b="0" i="1" noProof="0" smtClean="0">
+                          <a:rPr lang="es-419" b="0" i="1" noProof="0" smtClean="0">
                             <a:latin typeface="Cambria Math" panose="02040503050406030204" pitchFamily="18" charset="0"/>
                           </a:rPr>
                           <m:t>&lt;</m:t>
                         </m:r>
                         <m:r>
-                          <a:rPr lang="en-US" b="0" i="1" noProof="0" smtClean="0">
+                          <a:rPr lang="es-419" b="0" i="1" noProof="0" smtClean="0">
                             <a:latin typeface="Cambria Math" panose="02040503050406030204" pitchFamily="18" charset="0"/>
                           </a:rPr>
                           <m:t>𝑋</m:t>
                         </m:r>
                         <m:r>
-                          <a:rPr lang="en-US" b="0" i="1" noProof="0" smtClean="0">
+                          <a:rPr lang="es-419" b="0" i="1" noProof="0" smtClean="0">
                             <a:latin typeface="Cambria Math" panose="02040503050406030204" pitchFamily="18" charset="0"/>
                           </a:rPr>
                           <m:t>&lt;</m:t>
                         </m:r>
                         <m:r>
-                          <a:rPr lang="en-US" b="0" i="1" noProof="0" smtClean="0">
+                          <a:rPr lang="es-419" b="0" i="1" noProof="0" smtClean="0">
                             <a:latin typeface="Cambria Math" panose="02040503050406030204" pitchFamily="18" charset="0"/>
                           </a:rPr>
                           <m:t>𝑏</m:t>
@@ -9580,7 +10085,7 @@
                       </m:e>
                     </m:d>
                     <m:r>
-                      <a:rPr lang="es-CL" b="0" i="1" noProof="0" smtClean="0">
+                      <a:rPr lang="es-419" b="0" i="1" noProof="0" smtClean="0">
                         <a:latin typeface="Cambria Math" panose="02040503050406030204" pitchFamily="18" charset="0"/>
                         <a:ea typeface="Cambria Math" panose="02040503050406030204" pitchFamily="18" charset="0"/>
                       </a:rPr>
@@ -9589,7 +10094,7 @@
                     <m:nary>
                       <m:naryPr>
                         <m:ctrlPr>
-                          <a:rPr lang="es-CL" b="0" i="1" noProof="0" smtClean="0">
+                          <a:rPr lang="es-419" b="0" i="1" noProof="0" smtClean="0">
                             <a:latin typeface="Cambria Math" panose="02040503050406030204" pitchFamily="18" charset="0"/>
                             <a:ea typeface="Cambria Math" panose="02040503050406030204" pitchFamily="18" charset="0"/>
                           </a:rPr>
@@ -9597,7 +10102,7 @@
                       </m:naryPr>
                       <m:sub>
                         <m:r>
-                          <a:rPr lang="en-US" b="0" i="1" noProof="0" smtClean="0">
+                          <a:rPr lang="es-419" b="0" i="1" noProof="0" smtClean="0">
                             <a:latin typeface="Cambria Math" panose="02040503050406030204" pitchFamily="18" charset="0"/>
                             <a:ea typeface="Cambria Math" panose="02040503050406030204" pitchFamily="18" charset="0"/>
                           </a:rPr>
@@ -9606,7 +10111,7 @@
                       </m:sub>
                       <m:sup>
                         <m:r>
-                          <a:rPr lang="en-US" b="0" i="1" noProof="0" smtClean="0">
+                          <a:rPr lang="es-419" b="0" i="1" noProof="0" smtClean="0">
                             <a:latin typeface="Cambria Math" panose="02040503050406030204" pitchFamily="18" charset="0"/>
                             <a:ea typeface="Cambria Math" panose="02040503050406030204" pitchFamily="18" charset="0"/>
                           </a:rPr>
@@ -9615,14 +10120,14 @@
                       </m:sup>
                       <m:e>
                         <m:r>
-                          <a:rPr lang="en-US" b="0" i="1" noProof="0" smtClean="0">
+                          <a:rPr lang="es-419" b="0" i="1" noProof="0" smtClean="0">
                             <a:latin typeface="Cambria Math" panose="02040503050406030204" pitchFamily="18" charset="0"/>
                             <a:ea typeface="Cambria Math" panose="02040503050406030204" pitchFamily="18" charset="0"/>
                           </a:rPr>
                           <m:t>1/5</m:t>
                         </m:r>
                         <m:r>
-                          <a:rPr lang="en-US" b="0" i="1" noProof="0" smtClean="0">
+                          <a:rPr lang="es-419" b="0" i="1" noProof="0" smtClean="0">
                             <a:latin typeface="Cambria Math" panose="02040503050406030204" pitchFamily="18" charset="0"/>
                             <a:ea typeface="Cambria Math" panose="02040503050406030204" pitchFamily="18" charset="0"/>
                           </a:rPr>
@@ -9631,35 +10136,35 @@
                       </m:e>
                     </m:nary>
                     <m:r>
-                      <a:rPr lang="en-US" b="0" i="1" noProof="0" smtClean="0">
+                      <a:rPr lang="es-419" b="0" i="1" noProof="0" smtClean="0">
                         <a:latin typeface="Cambria Math" panose="02040503050406030204" pitchFamily="18" charset="0"/>
                         <a:ea typeface="Cambria Math" panose="02040503050406030204" pitchFamily="18" charset="0"/>
                       </a:rPr>
                       <m:t>=(</m:t>
                     </m:r>
                     <m:r>
-                      <a:rPr lang="en-US" b="0" i="1" noProof="0" smtClean="0">
+                      <a:rPr lang="es-419" b="0" i="1" noProof="0" smtClean="0">
                         <a:latin typeface="Cambria Math" panose="02040503050406030204" pitchFamily="18" charset="0"/>
                         <a:ea typeface="Cambria Math" panose="02040503050406030204" pitchFamily="18" charset="0"/>
                       </a:rPr>
                       <m:t>𝑏</m:t>
                     </m:r>
                     <m:r>
-                      <a:rPr lang="en-US" b="0" i="1" noProof="0" smtClean="0">
+                      <a:rPr lang="es-419" b="0" i="1" noProof="0" smtClean="0">
                         <a:latin typeface="Cambria Math" panose="02040503050406030204" pitchFamily="18" charset="0"/>
                         <a:ea typeface="Cambria Math" panose="02040503050406030204" pitchFamily="18" charset="0"/>
                       </a:rPr>
                       <m:t>−</m:t>
                     </m:r>
                     <m:r>
-                      <a:rPr lang="en-US" b="0" i="1" noProof="0" smtClean="0">
+                      <a:rPr lang="es-419" b="0" i="1" noProof="0" smtClean="0">
                         <a:latin typeface="Cambria Math" panose="02040503050406030204" pitchFamily="18" charset="0"/>
                         <a:ea typeface="Cambria Math" panose="02040503050406030204" pitchFamily="18" charset="0"/>
                       </a:rPr>
                       <m:t>𝑎</m:t>
                     </m:r>
                     <m:r>
-                      <a:rPr lang="en-US" b="0" i="1" noProof="0" smtClean="0">
+                      <a:rPr lang="es-419" b="0" i="1" noProof="0" smtClean="0">
                         <a:latin typeface="Cambria Math" panose="02040503050406030204" pitchFamily="18" charset="0"/>
                         <a:ea typeface="Cambria Math" panose="02040503050406030204" pitchFamily="18" charset="0"/>
                       </a:rPr>
@@ -9668,50 +10173,61 @@
                   </m:oMath>
                 </a14:m>
                 <a:r>
-                  <a:rPr lang="es-CL" noProof="0" dirty="0"/>
+                  <a:rPr lang="es-419" noProof="0" dirty="0"/>
                   <a:t>	</a:t>
                 </a:r>
               </a:p>
               <a:p>
                 <a:r>
-                  <a:rPr lang="es-CL" noProof="0" dirty="0" err="1" smtClean="0"/>
-                  <a:t>If</a:t>
-                </a:r>
-                <a:r>
-                  <a:rPr lang="es-CL" noProof="0" dirty="0" smtClean="0"/>
-                  <a:t> a=0, b=5; P=1</a:t>
+                  <a:rPr lang="es-419" noProof="0" dirty="0" smtClean="0"/>
+                  <a:t>Si a=0, b=5; P=1</a:t>
                 </a:r>
               </a:p>
               <a:p>
                 <a:r>
-                  <a:rPr lang="es-CL" dirty="0" err="1" smtClean="0"/>
-                  <a:t>If</a:t>
-                </a:r>
-                <a:r>
-                  <a:rPr lang="es-CL" dirty="0" smtClean="0"/>
-                  <a:t> a=2.5, b=5; P=0.5</a:t>
+                  <a:rPr lang="es-419" dirty="0" smtClean="0"/>
+                  <a:t>Si a=2.5, b=5; P=0.5</a:t>
                 </a:r>
               </a:p>
               <a:p>
                 <a:r>
-                  <a:rPr lang="es-CL" dirty="0" smtClean="0"/>
+                  <a:rPr lang="es-419" dirty="0" smtClean="0"/>
                   <a:t>Este método e</a:t>
                 </a:r>
                 <a:r>
-                  <a:rPr lang="es-CL" noProof="0" dirty="0" smtClean="0"/>
+                  <a:rPr lang="es-419" noProof="0" dirty="0" smtClean="0"/>
                   <a:t>s exacto y </a:t>
                 </a:r>
                 <a:r>
-                  <a:rPr lang="es-CL" dirty="0" smtClean="0"/>
+                  <a:rPr lang="es-419" dirty="0" smtClean="0"/>
                   <a:t>rápido</a:t>
                 </a:r>
               </a:p>
               <a:p>
                 <a:r>
-                  <a:rPr lang="es-CL" dirty="0" smtClean="0"/>
-                  <a:t>Podemos usarlo con la distribución normal</a:t>
+                  <a:rPr lang="es-419" dirty="0" smtClean="0"/>
+                  <a:t>…pero </a:t>
                 </a:r>
-                <a:endParaRPr lang="es-CL" noProof="0" dirty="0"/>
+                <a:r>
+                  <a:rPr lang="es-419" dirty="0"/>
+                  <a:t>e</a:t>
+                </a:r>
+                <a:r>
+                  <a:rPr lang="es-419" dirty="0" smtClean="0"/>
+                  <a:t>s </a:t>
+                </a:r>
+                <a:r>
+                  <a:rPr lang="es-419" dirty="0"/>
+                  <a:t>arduo para </a:t>
+                </a:r>
+                <a:r>
+                  <a:rPr lang="es-419" dirty="0" smtClean="0"/>
+                  <a:t>modelos </a:t>
+                </a:r>
+                <a:r>
+                  <a:rPr lang="es-419" dirty="0"/>
+                  <a:t>reales (complejos)</a:t>
+                </a:r>
               </a:p>
             </p:txBody>
           </p:sp>
@@ -9741,7 +10257,7 @@
               <a:blipFill rotWithShape="0">
                 <a:blip r:embed="rId2"/>
                 <a:stretch>
-                  <a:fillRect l="-593" t="-1597"/>
+                  <a:fillRect l="-593" t="-2580" r="-1037" b="-3440"/>
                 </a:stretch>
               </a:blipFill>
             </p:spPr>
@@ -9816,9 +10332,10 @@
           <a:lstStyle/>
           <a:p>
             <a:r>
-              <a:rPr lang="es-CL" noProof="0" dirty="0"/>
+              <a:rPr lang="es-419" noProof="0" dirty="0" smtClean="0"/>
               <a:t>Método 1: Integración analítica </a:t>
             </a:r>
+            <a:endParaRPr lang="es-419" noProof="0" dirty="0"/>
           </a:p>
         </p:txBody>
       </p:sp>
@@ -9883,17 +10400,24 @@
               <a:lstStyle/>
               <a:p>
                 <a:r>
-                  <a:rPr lang="es-CL" b="0" noProof="0" dirty="0" smtClean="0"/>
-                  <a:t>P.ej</a:t>
+                  <a:rPr lang="es-419" b="0" noProof="0" dirty="0" smtClean="0"/>
+                  <a:t>La mediana </a:t>
                 </a:r>
                 <a:r>
-                  <a:rPr lang="es-CL" b="0" noProof="0" dirty="0"/>
-                  <a:t>. </a:t>
+                  <a:rPr lang="es-419" b="0" i="1" noProof="0" dirty="0" smtClean="0"/>
+                  <a:t>m</a:t>
                 </a:r>
+                <a:r>
+                  <a:rPr lang="es-419" b="0" noProof="0" dirty="0" smtClean="0"/>
+                  <a:t>, y otros cuartiles: </a:t>
+                </a:r>
+                <a:br>
+                  <a:rPr lang="es-419" b="0" noProof="0" dirty="0" smtClean="0"/>
+                </a:br>
                 <a14:m>
                   <m:oMath xmlns:m="http://schemas.openxmlformats.org/officeDocument/2006/math">
                     <m:r>
-                      <a:rPr lang="es-CL" b="0" i="1" noProof="0" smtClean="0">
+                      <a:rPr lang="es-419" b="0" i="1" noProof="0" smtClean="0">
                         <a:latin typeface="Cambria Math" panose="02040503050406030204" pitchFamily="18" charset="0"/>
                       </a:rPr>
                       <m:t>𝑃</m:t>
@@ -9901,30 +10425,79 @@
                     <m:d>
                       <m:dPr>
                         <m:ctrlPr>
-                          <a:rPr lang="es-CL" b="0" i="1" noProof="0" smtClean="0">
+                          <a:rPr lang="es-419" b="0" i="1" noProof="0" smtClean="0">
                             <a:latin typeface="Cambria Math" panose="02040503050406030204" pitchFamily="18" charset="0"/>
                           </a:rPr>
                         </m:ctrlPr>
                       </m:dPr>
                       <m:e>
                         <m:r>
-                          <a:rPr lang="es-CL" b="0" i="1" noProof="0" smtClean="0">
+                          <a:rPr lang="en-US" b="0" i="1" noProof="0" smtClean="0">
+                            <a:latin typeface="Cambria Math" panose="02040503050406030204" pitchFamily="18" charset="0"/>
+                          </a:rPr>
+                          <m:t>𝑋</m:t>
+                        </m:r>
+                        <m:r>
+                          <a:rPr lang="es-419" b="0" i="1" noProof="0" smtClean="0">
                             <a:latin typeface="Cambria Math" panose="02040503050406030204" pitchFamily="18" charset="0"/>
                             <a:ea typeface="Cambria Math" panose="02040503050406030204" pitchFamily="18" charset="0"/>
                           </a:rPr>
-                          <m:t>𝜃</m:t>
+                          <m:t>&lt;</m:t>
                         </m:r>
                         <m:r>
-                          <a:rPr lang="es-CL" b="0" i="1" noProof="0" smtClean="0">
+                          <a:rPr lang="en-US" b="0" i="1" noProof="0" smtClean="0">
                             <a:latin typeface="Cambria Math" panose="02040503050406030204" pitchFamily="18" charset="0"/>
                             <a:ea typeface="Cambria Math" panose="02040503050406030204" pitchFamily="18" charset="0"/>
                           </a:rPr>
-                          <m:t>&lt;0</m:t>
+                          <m:t>𝑚</m:t>
                         </m:r>
                       </m:e>
                     </m:d>
                     <m:r>
-                      <a:rPr lang="es-CL" b="0" i="1" noProof="0" smtClean="0">
+                      <a:rPr lang="es-419" b="0" i="1" noProof="0" smtClean="0">
+                        <a:latin typeface="Cambria Math" panose="02040503050406030204" pitchFamily="18" charset="0"/>
+                        <a:ea typeface="Cambria Math" panose="02040503050406030204" pitchFamily="18" charset="0"/>
+                      </a:rPr>
+                      <m:t>=</m:t>
+                    </m:r>
+                    <m:r>
+                      <a:rPr lang="es-419" i="1">
+                        <a:latin typeface="Cambria Math" panose="02040503050406030204" pitchFamily="18" charset="0"/>
+                      </a:rPr>
+                      <m:t>𝑃</m:t>
+                    </m:r>
+                    <m:d>
+                      <m:dPr>
+                        <m:ctrlPr>
+                          <a:rPr lang="es-419" i="1">
+                            <a:latin typeface="Cambria Math" panose="02040503050406030204" pitchFamily="18" charset="0"/>
+                          </a:rPr>
+                        </m:ctrlPr>
+                      </m:dPr>
+                      <m:e>
+                        <m:r>
+                          <a:rPr lang="en-US" i="1">
+                            <a:latin typeface="Cambria Math" panose="02040503050406030204" pitchFamily="18" charset="0"/>
+                          </a:rPr>
+                          <m:t>𝑋</m:t>
+                        </m:r>
+                        <m:r>
+                          <a:rPr lang="en-US" b="0" i="1" smtClean="0">
+                            <a:latin typeface="Cambria Math" panose="02040503050406030204" pitchFamily="18" charset="0"/>
+                          </a:rPr>
+                          <m:t>&gt;</m:t>
+                        </m:r>
+                        <m:r>
+                          <a:rPr lang="en-US" i="1">
+                            <a:latin typeface="Cambria Math" panose="02040503050406030204" pitchFamily="18" charset="0"/>
+                            <a:ea typeface="Cambria Math" panose="02040503050406030204" pitchFamily="18" charset="0"/>
+                          </a:rPr>
+                          <m:t>𝑚</m:t>
+                        </m:r>
+                      </m:e>
+                    </m:d>
+                    <m:r>
+                      <a:rPr lang="en-US" b="0" i="1" smtClean="0">
                         <a:latin typeface="Cambria Math" panose="02040503050406030204" pitchFamily="18" charset="0"/>
                         <a:ea typeface="Cambria Math" panose="02040503050406030204" pitchFamily="18" charset="0"/>
                       </a:rPr>
@@ -9933,7 +10506,7 @@
                     <m:nary>
                       <m:naryPr>
                         <m:ctrlPr>
-                          <a:rPr lang="es-CL" b="0" i="1" noProof="0" smtClean="0">
+                          <a:rPr lang="es-419" b="0" i="1" noProof="0" smtClean="0">
                             <a:latin typeface="Cambria Math" panose="02040503050406030204" pitchFamily="18" charset="0"/>
                             <a:ea typeface="Cambria Math" panose="02040503050406030204" pitchFamily="18" charset="0"/>
                           </a:rPr>
@@ -9944,14 +10517,14 @@
                           <m:rPr>
                             <m:brk m:alnAt="23"/>
                           </m:rPr>
-                          <a:rPr lang="es-CL" b="0" i="1" noProof="0" smtClean="0">
+                          <a:rPr lang="es-419" b="0" i="1" noProof="0" smtClean="0">
                             <a:latin typeface="Cambria Math" panose="02040503050406030204" pitchFamily="18" charset="0"/>
                             <a:ea typeface="Cambria Math" panose="02040503050406030204" pitchFamily="18" charset="0"/>
                           </a:rPr>
                           <m:t>−</m:t>
                         </m:r>
                         <m:r>
-                          <a:rPr lang="es-CL" b="0" i="1" noProof="0" smtClean="0">
+                          <a:rPr lang="es-419" b="0" i="1" noProof="0" smtClean="0">
                             <a:latin typeface="Cambria Math" panose="02040503050406030204" pitchFamily="18" charset="0"/>
                             <a:ea typeface="Cambria Math" panose="02040503050406030204" pitchFamily="18" charset="0"/>
                           </a:rPr>
@@ -9960,327 +10533,304 @@
                       </m:sub>
                       <m:sup>
                         <m:r>
-                          <a:rPr lang="es-CL" b="0" i="1" noProof="0" smtClean="0">
+                          <a:rPr lang="en-US" b="0" i="1" noProof="0" smtClean="0">
                             <a:latin typeface="Cambria Math" panose="02040503050406030204" pitchFamily="18" charset="0"/>
                             <a:ea typeface="Cambria Math" panose="02040503050406030204" pitchFamily="18" charset="0"/>
                           </a:rPr>
-                          <m:t>0</m:t>
+                          <m:t>𝑚</m:t>
                         </m:r>
                       </m:sup>
                       <m:e>
-                        <m:box>
-                          <m:boxPr>
+                        <m:r>
+                          <a:rPr lang="en-US" i="1">
+                            <a:latin typeface="Cambria Math" panose="02040503050406030204" pitchFamily="18" charset="0"/>
+                            <a:ea typeface="Cambria Math" panose="02040503050406030204" pitchFamily="18" charset="0"/>
+                          </a:rPr>
+                          <m:t>𝑓</m:t>
+                        </m:r>
+                        <m:d>
+                          <m:dPr>
                             <m:ctrlPr>
-                              <a:rPr lang="es-CL" b="0" i="1" noProof="0" smtClean="0">
+                              <a:rPr lang="en-US" i="1">
                                 <a:latin typeface="Cambria Math" panose="02040503050406030204" pitchFamily="18" charset="0"/>
                                 <a:ea typeface="Cambria Math" panose="02040503050406030204" pitchFamily="18" charset="0"/>
                               </a:rPr>
                             </m:ctrlPr>
-                          </m:boxPr>
+                          </m:dPr>
                           <m:e>
-                            <m:argPr>
-                              <m:argSz m:val="-1"/>
-                            </m:argPr>
-                            <m:f>
-                              <m:fPr>
-                                <m:ctrlPr>
-                                  <a:rPr lang="es-CL" b="0" i="1" noProof="0" smtClean="0">
-                                    <a:latin typeface="Cambria Math" panose="02040503050406030204" pitchFamily="18" charset="0"/>
-                                    <a:ea typeface="Cambria Math" panose="02040503050406030204" pitchFamily="18" charset="0"/>
-                                  </a:rPr>
-                                </m:ctrlPr>
-                              </m:fPr>
-                              <m:num>
-                                <m:r>
-                                  <a:rPr lang="es-CL" b="0" i="1" noProof="0" smtClean="0">
-                                    <a:latin typeface="Cambria Math" panose="02040503050406030204" pitchFamily="18" charset="0"/>
-                                    <a:ea typeface="Cambria Math" panose="02040503050406030204" pitchFamily="18" charset="0"/>
-                                  </a:rPr>
-                                  <m:t>1</m:t>
-                                </m:r>
-                              </m:num>
-                              <m:den>
-                                <m:rad>
-                                  <m:radPr>
-                                    <m:degHide m:val="on"/>
-                                    <m:ctrlPr>
-                                      <a:rPr lang="es-CL" b="0" i="1" noProof="0" smtClean="0">
-                                        <a:latin typeface="Cambria Math" panose="02040503050406030204" pitchFamily="18" charset="0"/>
-                                        <a:ea typeface="Cambria Math" panose="02040503050406030204" pitchFamily="18" charset="0"/>
-                                      </a:rPr>
-                                    </m:ctrlPr>
-                                  </m:radPr>
-                                  <m:deg/>
-                                  <m:e>
-                                    <m:r>
-                                      <a:rPr lang="es-CL" b="0" i="1" noProof="0" smtClean="0">
-                                        <a:latin typeface="Cambria Math" panose="02040503050406030204" pitchFamily="18" charset="0"/>
-                                        <a:ea typeface="Cambria Math" panose="02040503050406030204" pitchFamily="18" charset="0"/>
-                                      </a:rPr>
-                                      <m:t>2</m:t>
-                                    </m:r>
-                                    <m:r>
-                                      <a:rPr lang="es-CL" b="0" i="1" noProof="0" smtClean="0">
-                                        <a:latin typeface="Cambria Math" panose="02040503050406030204" pitchFamily="18" charset="0"/>
-                                        <a:ea typeface="Cambria Math" panose="02040503050406030204" pitchFamily="18" charset="0"/>
-                                      </a:rPr>
-                                      <m:t>𝜋</m:t>
-                                    </m:r>
-                                    <m:sSup>
-                                      <m:sSupPr>
-                                        <m:ctrlPr>
-                                          <a:rPr lang="es-CL" b="0" i="1" noProof="0" smtClean="0">
-                                            <a:latin typeface="Cambria Math" panose="02040503050406030204" pitchFamily="18" charset="0"/>
-                                            <a:ea typeface="Cambria Math" panose="02040503050406030204" pitchFamily="18" charset="0"/>
-                                          </a:rPr>
-                                        </m:ctrlPr>
-                                      </m:sSupPr>
-                                      <m:e>
-                                        <m:r>
-                                          <a:rPr lang="es-CL" i="1" noProof="0">
-                                            <a:latin typeface="Cambria Math" panose="02040503050406030204" pitchFamily="18" charset="0"/>
-                                            <a:ea typeface="Cambria Math" panose="02040503050406030204" pitchFamily="18" charset="0"/>
-                                          </a:rPr>
-                                          <m:t>𝜎</m:t>
-                                        </m:r>
-                                      </m:e>
-                                      <m:sup>
-                                        <m:r>
-                                          <a:rPr lang="es-CL" b="0" i="1" noProof="0" smtClean="0">
-                                            <a:latin typeface="Cambria Math" panose="02040503050406030204" pitchFamily="18" charset="0"/>
-                                            <a:ea typeface="Cambria Math" panose="02040503050406030204" pitchFamily="18" charset="0"/>
-                                          </a:rPr>
-                                          <m:t>2</m:t>
-                                        </m:r>
-                                      </m:sup>
-                                    </m:sSup>
-                                  </m:e>
-                                </m:rad>
-                              </m:den>
-                            </m:f>
+                            <m:r>
+                              <a:rPr lang="en-US" i="1">
+                                <a:latin typeface="Cambria Math" panose="02040503050406030204" pitchFamily="18" charset="0"/>
+                                <a:ea typeface="Cambria Math" panose="02040503050406030204" pitchFamily="18" charset="0"/>
+                              </a:rPr>
+                              <m:t>𝑥</m:t>
+                            </m:r>
                           </m:e>
-                        </m:box>
+                        </m:d>
                         <m:r>
-                          <m:rPr>
-                            <m:sty m:val="p"/>
-                          </m:rPr>
-                          <a:rPr lang="es-CL" b="0" i="0" noProof="0" smtClean="0">
+                          <a:rPr lang="es-419" i="1">
                             <a:latin typeface="Cambria Math" panose="02040503050406030204" pitchFamily="18" charset="0"/>
                             <a:ea typeface="Cambria Math" panose="02040503050406030204" pitchFamily="18" charset="0"/>
                           </a:rPr>
-                          <m:t>exp</m:t>
+                          <m:t>𝑑</m:t>
                         </m:r>
                         <m:r>
-                          <a:rPr lang="es-CL" b="0" i="1" noProof="0" smtClean="0">
+                          <a:rPr lang="en-US" i="1">
                             <a:latin typeface="Cambria Math" panose="02040503050406030204" pitchFamily="18" charset="0"/>
                             <a:ea typeface="Cambria Math" panose="02040503050406030204" pitchFamily="18" charset="0"/>
                           </a:rPr>
-                          <m:t>⁡(</m:t>
+                          <m:t>𝑥</m:t>
+                        </m:r>
+                        <m:r>
+                          <a:rPr lang="en-US" b="0" i="1" smtClean="0">
+                            <a:latin typeface="Cambria Math" panose="02040503050406030204" pitchFamily="18" charset="0"/>
+                            <a:ea typeface="Cambria Math" panose="02040503050406030204" pitchFamily="18" charset="0"/>
+                          </a:rPr>
+                          <m:t>=1/2</m:t>
                         </m:r>
                       </m:e>
                     </m:nary>
                   </m:oMath>
                 </a14:m>
+                <a:endParaRPr lang="en-US" b="0" noProof="0" dirty="0" smtClean="0">
+                  <a:ea typeface="Cambria Math" panose="02040503050406030204" pitchFamily="18" charset="0"/>
+                </a:endParaRPr>
+              </a:p>
+              <a:p>
                 <a:r>
-                  <a:rPr lang="es-CL" noProof="0" dirty="0">
-                    <a:ea typeface="Cambria Math" panose="02040503050406030204" pitchFamily="18" charset="0"/>
-                  </a:rPr>
-                  <a:t> </a:t>
+                  <a:rPr lang="es-419" dirty="0" smtClean="0"/>
+                  <a:t>La media:</a:t>
+                </a:r>
+                <a:br>
+                  <a:rPr lang="es-419" dirty="0" smtClean="0"/>
+                </a:br>
+                <a14:m>
+                  <m:oMath xmlns:m="http://schemas.openxmlformats.org/officeDocument/2006/math">
+                    <m:r>
+                      <m:rPr>
+                        <m:sty m:val="p"/>
+                      </m:rPr>
+                      <a:rPr lang="en-US" b="0" i="0" smtClean="0">
+                        <a:latin typeface="Cambria Math" panose="02040503050406030204" pitchFamily="18" charset="0"/>
+                      </a:rPr>
+                      <m:t>E</m:t>
+                    </m:r>
+                    <m:d>
+                      <m:dPr>
+                        <m:begChr m:val="["/>
+                        <m:endChr m:val="]"/>
+                        <m:ctrlPr>
+                          <a:rPr lang="en-US" b="0" i="1" smtClean="0">
+                            <a:latin typeface="Cambria Math" panose="02040503050406030204" pitchFamily="18" charset="0"/>
+                          </a:rPr>
+                        </m:ctrlPr>
+                      </m:dPr>
+                      <m:e>
+                        <m:r>
+                          <m:rPr>
+                            <m:sty m:val="p"/>
+                          </m:rPr>
+                          <a:rPr lang="en-US" b="0" i="0" smtClean="0">
+                            <a:latin typeface="Cambria Math" panose="02040503050406030204" pitchFamily="18" charset="0"/>
+                          </a:rPr>
+                          <m:t>X</m:t>
+                        </m:r>
+                      </m:e>
+                    </m:d>
+                    <m:r>
+                      <a:rPr lang="en-US" b="0" i="0" smtClean="0">
+                        <a:latin typeface="Cambria Math" panose="02040503050406030204" pitchFamily="18" charset="0"/>
+                      </a:rPr>
+                      <m:t>=</m:t>
+                    </m:r>
+                    <m:nary>
+                      <m:naryPr>
+                        <m:ctrlPr>
+                          <a:rPr lang="es-419" i="1">
+                            <a:latin typeface="Cambria Math" panose="02040503050406030204" pitchFamily="18" charset="0"/>
+                            <a:ea typeface="Cambria Math" panose="02040503050406030204" pitchFamily="18" charset="0"/>
+                          </a:rPr>
+                        </m:ctrlPr>
+                      </m:naryPr>
+                      <m:sub>
+                        <m:r>
+                          <m:rPr>
+                            <m:brk m:alnAt="23"/>
+                          </m:rPr>
+                          <a:rPr lang="es-419" i="1">
+                            <a:latin typeface="Cambria Math" panose="02040503050406030204" pitchFamily="18" charset="0"/>
+                            <a:ea typeface="Cambria Math" panose="02040503050406030204" pitchFamily="18" charset="0"/>
+                          </a:rPr>
+                          <m:t>−</m:t>
+                        </m:r>
+                        <m:r>
+                          <a:rPr lang="es-419" i="1">
+                            <a:latin typeface="Cambria Math" panose="02040503050406030204" pitchFamily="18" charset="0"/>
+                            <a:ea typeface="Cambria Math" panose="02040503050406030204" pitchFamily="18" charset="0"/>
+                          </a:rPr>
+                          <m:t>∞</m:t>
+                        </m:r>
+                      </m:sub>
+                      <m:sup>
+                        <m:r>
+                          <a:rPr lang="es-419" i="1">
+                            <a:latin typeface="Cambria Math" panose="02040503050406030204" pitchFamily="18" charset="0"/>
+                            <a:ea typeface="Cambria Math" panose="02040503050406030204" pitchFamily="18" charset="0"/>
+                          </a:rPr>
+                          <m:t>∞</m:t>
+                        </m:r>
+                      </m:sup>
+                      <m:e>
+                        <m:r>
+                          <a:rPr lang="en-US" b="0" i="1" smtClean="0">
+                            <a:latin typeface="Cambria Math" panose="02040503050406030204" pitchFamily="18" charset="0"/>
+                            <a:ea typeface="Cambria Math" panose="02040503050406030204" pitchFamily="18" charset="0"/>
+                          </a:rPr>
+                          <m:t>𝑥</m:t>
+                        </m:r>
+                        <m:r>
+                          <a:rPr lang="en-US" i="1">
+                            <a:latin typeface="Cambria Math" panose="02040503050406030204" pitchFamily="18" charset="0"/>
+                            <a:ea typeface="Cambria Math" panose="02040503050406030204" pitchFamily="18" charset="0"/>
+                          </a:rPr>
+                          <m:t>𝑓</m:t>
+                        </m:r>
+                        <m:d>
+                          <m:dPr>
+                            <m:ctrlPr>
+                              <a:rPr lang="en-US" i="1">
+                                <a:latin typeface="Cambria Math" panose="02040503050406030204" pitchFamily="18" charset="0"/>
+                                <a:ea typeface="Cambria Math" panose="02040503050406030204" pitchFamily="18" charset="0"/>
+                              </a:rPr>
+                            </m:ctrlPr>
+                          </m:dPr>
+                          <m:e>
+                            <m:r>
+                              <a:rPr lang="en-US" i="1">
+                                <a:latin typeface="Cambria Math" panose="02040503050406030204" pitchFamily="18" charset="0"/>
+                                <a:ea typeface="Cambria Math" panose="02040503050406030204" pitchFamily="18" charset="0"/>
+                              </a:rPr>
+                              <m:t>𝑥</m:t>
+                            </m:r>
+                          </m:e>
+                        </m:d>
+                        <m:r>
+                          <a:rPr lang="es-419" i="1">
+                            <a:latin typeface="Cambria Math" panose="02040503050406030204" pitchFamily="18" charset="0"/>
+                            <a:ea typeface="Cambria Math" panose="02040503050406030204" pitchFamily="18" charset="0"/>
+                          </a:rPr>
+                          <m:t>𝑑</m:t>
+                        </m:r>
+                        <m:r>
+                          <a:rPr lang="en-US" i="1">
+                            <a:latin typeface="Cambria Math" panose="02040503050406030204" pitchFamily="18" charset="0"/>
+                            <a:ea typeface="Cambria Math" panose="02040503050406030204" pitchFamily="18" charset="0"/>
+                          </a:rPr>
+                          <m:t>𝑥</m:t>
+                        </m:r>
+                      </m:e>
+                    </m:nary>
+                  </m:oMath>
+                </a14:m>
+                <a:endParaRPr lang="es-419" dirty="0" smtClean="0"/>
+              </a:p>
+              <a:p>
+                <a:r>
+                  <a:rPr lang="es-419" dirty="0" smtClean="0"/>
+                  <a:t>P.ej</a:t>
+                </a:r>
+                <a:r>
+                  <a:rPr lang="es-419" dirty="0"/>
+                  <a:t>., si </a:t>
                 </a:r>
                 <a14:m>
                   <m:oMath xmlns:m="http://schemas.openxmlformats.org/officeDocument/2006/math">
                     <m:r>
-                      <a:rPr lang="es-CL" b="0" i="0" noProof="0" smtClean="0">
+                      <a:rPr lang="en-US" i="1">
+                        <a:latin typeface="Cambria Math" panose="02040503050406030204" pitchFamily="18" charset="0"/>
+                      </a:rPr>
+                      <m:t>𝑋</m:t>
+                    </m:r>
+                    <m:r>
+                      <a:rPr lang="en-US" i="1">
+                        <a:latin typeface="Cambria Math" panose="02040503050406030204" pitchFamily="18" charset="0"/>
+                      </a:rPr>
+                      <m:t>~</m:t>
+                    </m:r>
+                    <m:r>
+                      <a:rPr lang="en-US" i="1">
+                        <a:latin typeface="Cambria Math" panose="02040503050406030204" pitchFamily="18" charset="0"/>
+                      </a:rPr>
+                      <m:t>𝑁</m:t>
+                    </m:r>
+                    <m:r>
+                      <a:rPr lang="en-US" i="1">
+                        <a:latin typeface="Cambria Math" panose="02040503050406030204" pitchFamily="18" charset="0"/>
+                      </a:rPr>
+                      <m:t>(</m:t>
+                    </m:r>
+                    <m:r>
+                      <a:rPr lang="es-419" i="1">
                         <a:latin typeface="Cambria Math" panose="02040503050406030204" pitchFamily="18" charset="0"/>
                         <a:ea typeface="Cambria Math" panose="02040503050406030204" pitchFamily="18" charset="0"/>
                       </a:rPr>
-                      <m:t>−</m:t>
+                      <m:t>𝜇</m:t>
                     </m:r>
-                    <m:box>
-                      <m:boxPr>
-                        <m:ctrlPr>
-                          <a:rPr lang="es-CL" i="1" noProof="0">
-                            <a:latin typeface="Cambria Math" panose="02040503050406030204" pitchFamily="18" charset="0"/>
-                            <a:ea typeface="Cambria Math" panose="02040503050406030204" pitchFamily="18" charset="0"/>
-                          </a:rPr>
-                        </m:ctrlPr>
-                      </m:boxPr>
-                      <m:e>
-                        <m:argPr>
-                          <m:argSz m:val="-1"/>
-                        </m:argPr>
-                        <m:f>
-                          <m:fPr>
-                            <m:ctrlPr>
-                              <a:rPr lang="es-CL" i="1" noProof="0">
-                                <a:latin typeface="Cambria Math" panose="02040503050406030204" pitchFamily="18" charset="0"/>
-                                <a:ea typeface="Cambria Math" panose="02040503050406030204" pitchFamily="18" charset="0"/>
-                              </a:rPr>
-                            </m:ctrlPr>
-                          </m:fPr>
-                          <m:num>
-                            <m:sSup>
-                              <m:sSupPr>
-                                <m:ctrlPr>
-                                  <a:rPr lang="es-CL" b="0" i="1" noProof="0" smtClean="0">
-                                    <a:latin typeface="Cambria Math" panose="02040503050406030204" pitchFamily="18" charset="0"/>
-                                    <a:ea typeface="Cambria Math" panose="02040503050406030204" pitchFamily="18" charset="0"/>
-                                  </a:rPr>
-                                </m:ctrlPr>
-                              </m:sSupPr>
-                              <m:e>
-                                <m:d>
-                                  <m:dPr>
-                                    <m:ctrlPr>
-                                      <a:rPr lang="es-CL" i="1" noProof="0">
-                                        <a:latin typeface="Cambria Math" panose="02040503050406030204" pitchFamily="18" charset="0"/>
-                                        <a:ea typeface="Cambria Math" panose="02040503050406030204" pitchFamily="18" charset="0"/>
-                                      </a:rPr>
-                                    </m:ctrlPr>
-                                  </m:dPr>
-                                  <m:e>
-                                    <m:r>
-                                      <a:rPr lang="es-CL" i="1" noProof="0">
-                                        <a:latin typeface="Cambria Math" panose="02040503050406030204" pitchFamily="18" charset="0"/>
-                                        <a:ea typeface="Cambria Math" panose="02040503050406030204" pitchFamily="18" charset="0"/>
-                                      </a:rPr>
-                                      <m:t>𝜃</m:t>
-                                    </m:r>
-                                    <m:r>
-                                      <a:rPr lang="es-CL" i="1" noProof="0">
-                                        <a:latin typeface="Cambria Math" panose="02040503050406030204" pitchFamily="18" charset="0"/>
-                                        <a:ea typeface="Cambria Math" panose="02040503050406030204" pitchFamily="18" charset="0"/>
-                                      </a:rPr>
-                                      <m:t>−</m:t>
-                                    </m:r>
-                                    <m:r>
-                                      <a:rPr lang="es-CL" i="1" noProof="0">
-                                        <a:latin typeface="Cambria Math" panose="02040503050406030204" pitchFamily="18" charset="0"/>
-                                        <a:ea typeface="Cambria Math" panose="02040503050406030204" pitchFamily="18" charset="0"/>
-                                      </a:rPr>
-                                      <m:t>𝜇</m:t>
-                                    </m:r>
-                                  </m:e>
-                                </m:d>
-                              </m:e>
-                              <m:sup>
-                                <m:r>
-                                  <a:rPr lang="es-CL" b="0" i="1" noProof="0" smtClean="0">
-                                    <a:latin typeface="Cambria Math" panose="02040503050406030204" pitchFamily="18" charset="0"/>
-                                    <a:ea typeface="Cambria Math" panose="02040503050406030204" pitchFamily="18" charset="0"/>
-                                  </a:rPr>
-                                  <m:t>2</m:t>
-                                </m:r>
-                              </m:sup>
-                            </m:sSup>
-                          </m:num>
-                          <m:den>
-                            <m:sSup>
-                              <m:sSupPr>
-                                <m:ctrlPr>
-                                  <a:rPr lang="es-CL" i="1" noProof="0">
-                                    <a:latin typeface="Cambria Math" panose="02040503050406030204" pitchFamily="18" charset="0"/>
-                                    <a:ea typeface="Cambria Math" panose="02040503050406030204" pitchFamily="18" charset="0"/>
-                                  </a:rPr>
-                                </m:ctrlPr>
-                              </m:sSupPr>
-                              <m:e>
-                                <m:r>
-                                  <a:rPr lang="es-CL" b="0" i="1" noProof="0" smtClean="0">
-                                    <a:latin typeface="Cambria Math" panose="02040503050406030204" pitchFamily="18" charset="0"/>
-                                    <a:ea typeface="Cambria Math" panose="02040503050406030204" pitchFamily="18" charset="0"/>
-                                  </a:rPr>
-                                  <m:t>2</m:t>
-                                </m:r>
-                                <m:r>
-                                  <a:rPr lang="es-CL" i="1" noProof="0">
-                                    <a:latin typeface="Cambria Math" panose="02040503050406030204" pitchFamily="18" charset="0"/>
-                                    <a:ea typeface="Cambria Math" panose="02040503050406030204" pitchFamily="18" charset="0"/>
-                                  </a:rPr>
-                                  <m:t>𝜎</m:t>
-                                </m:r>
-                              </m:e>
-                              <m:sup>
-                                <m:r>
-                                  <a:rPr lang="es-CL" i="1" noProof="0">
-                                    <a:latin typeface="Cambria Math" panose="02040503050406030204" pitchFamily="18" charset="0"/>
-                                    <a:ea typeface="Cambria Math" panose="02040503050406030204" pitchFamily="18" charset="0"/>
-                                  </a:rPr>
-                                  <m:t>2</m:t>
-                                </m:r>
-                              </m:sup>
-                            </m:sSup>
-                          </m:den>
-                        </m:f>
-                      </m:e>
-                    </m:box>
                     <m:r>
-                      <a:rPr lang="es-CL" b="0" i="1" noProof="0" smtClean="0">
+                      <a:rPr lang="en-US" i="1">
+                        <a:latin typeface="Cambria Math" panose="02040503050406030204" pitchFamily="18" charset="0"/>
+                        <a:ea typeface="Cambria Math" panose="02040503050406030204" pitchFamily="18" charset="0"/>
+                      </a:rPr>
+                      <m:t>,</m:t>
+                    </m:r>
+                    <m:r>
+                      <a:rPr lang="es-419" i="1">
+                        <a:latin typeface="Cambria Math" panose="02040503050406030204" pitchFamily="18" charset="0"/>
+                        <a:ea typeface="Cambria Math" panose="02040503050406030204" pitchFamily="18" charset="0"/>
+                      </a:rPr>
+                      <m:t>𝜎</m:t>
+                    </m:r>
+                    <m:r>
+                      <a:rPr lang="en-US" i="1">
                         <a:latin typeface="Cambria Math" panose="02040503050406030204" pitchFamily="18" charset="0"/>
                         <a:ea typeface="Cambria Math" panose="02040503050406030204" pitchFamily="18" charset="0"/>
                       </a:rPr>
                       <m:t>)</m:t>
                     </m:r>
-                    <m:r>
-                      <a:rPr lang="es-CL" b="0" i="1" noProof="0" smtClean="0">
-                        <a:latin typeface="Cambria Math" panose="02040503050406030204" pitchFamily="18" charset="0"/>
-                        <a:ea typeface="Cambria Math" panose="02040503050406030204" pitchFamily="18" charset="0"/>
-                      </a:rPr>
-                      <m:t>𝑑</m:t>
-                    </m:r>
-                    <m:r>
-                      <a:rPr lang="es-CL" i="1" noProof="0">
-                        <a:latin typeface="Cambria Math" panose="02040503050406030204" pitchFamily="18" charset="0"/>
-                        <a:ea typeface="Cambria Math" panose="02040503050406030204" pitchFamily="18" charset="0"/>
-                      </a:rPr>
-                      <m:t>𝜃</m:t>
-                    </m:r>
                   </m:oMath>
                 </a14:m>
                 <a:r>
-                  <a:rPr lang="es-CL" noProof="0" dirty="0"/>
-                  <a:t>	</a:t>
-                </a:r>
-              </a:p>
-              <a:p>
-                <a:r>
-                  <a:rPr lang="es-CL" noProof="0" dirty="0"/>
-                  <a:t>Es exacto…</a:t>
-                </a:r>
-              </a:p>
-              <a:p>
-                <a:r>
-                  <a:rPr lang="es-CL" dirty="0"/>
-                  <a:t>Es rápido…</a:t>
-                </a:r>
-              </a:p>
-              <a:p>
-                <a:r>
-                  <a:rPr lang="es-CL" dirty="0"/>
-                  <a:t>…E</a:t>
+                  <a:rPr lang="en-US" i="1" dirty="0">
+                    <a:latin typeface="Cambria Math" panose="02040503050406030204" pitchFamily="18" charset="0"/>
+                    <a:ea typeface="Cambria Math" panose="02040503050406030204" pitchFamily="18" charset="0"/>
+                  </a:rPr>
+                  <a:t> </a:t>
                 </a:r>
                 <a:r>
-                  <a:rPr lang="es-CL" noProof="0" dirty="0"/>
-                  <a:t>s </a:t>
+                  <a:rPr lang="en-US" dirty="0" err="1">
+                    <a:latin typeface="Cambria Math" panose="02040503050406030204" pitchFamily="18" charset="0"/>
+                    <a:ea typeface="Cambria Math" panose="02040503050406030204" pitchFamily="18" charset="0"/>
+                  </a:rPr>
+                  <a:t>entonces</a:t>
                 </a:r>
                 <a:r>
-                  <a:rPr lang="es-CL" dirty="0"/>
-                  <a:t>arduo para </a:t>
+                  <a:rPr lang="en-US" dirty="0">
+                    <a:latin typeface="Cambria Math" panose="02040503050406030204" pitchFamily="18" charset="0"/>
+                    <a:ea typeface="Cambria Math" panose="02040503050406030204" pitchFamily="18" charset="0"/>
+                  </a:rPr>
+                  <a:t> </a:t>
                 </a:r>
-                <a:br>
-                  <a:rPr lang="es-CL" dirty="0"/>
-                </a:br>
                 <a:r>
-                  <a:rPr lang="es-CL" dirty="0"/>
-                  <a:t>modelos reales (complejos)</a:t>
+                  <a:rPr lang="es-419" dirty="0" smtClean="0"/>
+                  <a:t>es (complejos)</a:t>
                 </a:r>
-                <a:endParaRPr lang="es-CL" noProof="0" dirty="0"/>
+                <a:endParaRPr lang="es-419" noProof="0" dirty="0" smtClean="0"/>
               </a:p>
               <a:p>
                 <a:pPr marL="0" indent="0">
                   <a:buNone/>
                 </a:pPr>
-                <a:endParaRPr lang="es-CL" noProof="0" dirty="0"/>
+                <a:endParaRPr lang="es-419" noProof="0" dirty="0"/>
               </a:p>
             </p:txBody>
           </p:sp>
@@ -10291,7 +10841,7 @@
               <p:cNvPr id="3" name="Content Placeholder 2">
                 <a:extLst>
                   <a:ext uri="{FF2B5EF4-FFF2-40B4-BE49-F238E27FC236}">
-                    <a16:creationId xmlns:a16="http://schemas.microsoft.com/office/drawing/2014/main" id="{6D46622B-CEA1-41A3-B30B-DD972286CF5D}"/>
+                    <a16:creationId xmlns="" xmlns:a16="http://schemas.microsoft.com/office/drawing/2014/main" xmlns:a14="http://schemas.microsoft.com/office/drawing/2010/main" id="{6D46622B-CEA1-41A3-B30B-DD972286CF5D}"/>
                   </a:ext>
                 </a:extLst>
               </p:cNvPr>
@@ -10307,10 +10857,10 @@
                 <a:off x="457200" y="1171852"/>
                 <a:ext cx="8229600" cy="4959074"/>
               </a:xfrm>
-              <a:blipFill>
+              <a:blipFill rotWithShape="0">
                 <a:blip r:embed="rId2"/>
                 <a:stretch>
-                  <a:fillRect l="-593"/>
+                  <a:fillRect l="-593" t="-1597"/>
                 </a:stretch>
               </a:blipFill>
             </p:spPr>
@@ -10319,7 +10869,7 @@
               <a:lstStyle/>
               <a:p>
                 <a:r>
-                  <a:rPr lang="es-CL">
+                  <a:rPr lang="en-US">
                     <a:noFill/>
                   </a:rPr>
                   <a:t> </a:t>
@@ -10372,8 +10922,8 @@
         </p:nvSpPr>
         <p:spPr>
           <a:xfrm>
-            <a:off x="373081" y="4191934"/>
-            <a:ext cx="8495711" cy="1569660"/>
+            <a:off x="324144" y="4940787"/>
+            <a:ext cx="8495711" cy="830997"/>
           </a:xfrm>
           <a:prstGeom prst="rect">
             <a:avLst/>
@@ -10387,75 +10937,56 @@
           <a:lstStyle/>
           <a:p>
             <a:r>
+              <a:rPr lang="de-DE" sz="2400" dirty="0" smtClean="0">
+                <a:latin typeface="Courier New" panose="02070309020205020404" pitchFamily="49" charset="0"/>
+                <a:cs typeface="Courier New" panose="02070309020205020404" pitchFamily="49" charset="0"/>
+              </a:rPr>
+              <a:t>&gt; qnorm</a:t>
+            </a:r>
+            <a:r>
               <a:rPr lang="de-DE" sz="2400" dirty="0">
                 <a:latin typeface="Courier New" panose="02070309020205020404" pitchFamily="49" charset="0"/>
                 <a:cs typeface="Courier New" panose="02070309020205020404" pitchFamily="49" charset="0"/>
               </a:rPr>
-              <a:t>&gt; pnorm(q=0, mean=mu1, sd=tau1)</a:t>
-            </a:r>
-          </a:p>
-          <a:p>
+              <a:t>(.5, </a:t>
+            </a:r>
+            <a:r>
+              <a:rPr lang="de-DE" sz="2400" dirty="0" smtClean="0">
+                <a:latin typeface="Courier New" panose="02070309020205020404" pitchFamily="49" charset="0"/>
+                <a:cs typeface="Courier New" panose="02070309020205020404" pitchFamily="49" charset="0"/>
+              </a:rPr>
+              <a:t>mean=mu, sd=sigma)</a:t>
+            </a:r>
+          </a:p>
+          <a:p>
+            <a:r>
+              <a:rPr lang="de-DE" sz="2400" dirty="0" smtClean="0">
+                <a:latin typeface="Courier New" panose="02070309020205020404" pitchFamily="49" charset="0"/>
+                <a:cs typeface="Courier New" panose="02070309020205020404" pitchFamily="49" charset="0"/>
+              </a:rPr>
+              <a:t>&gt; </a:t>
+            </a:r>
             <a:r>
               <a:rPr lang="de-DE" sz="2400" dirty="0">
                 <a:latin typeface="Courier New" panose="02070309020205020404" pitchFamily="49" charset="0"/>
                 <a:cs typeface="Courier New" panose="02070309020205020404" pitchFamily="49" charset="0"/>
               </a:rPr>
-              <a:t>[1] 0.9412376</a:t>
-            </a:r>
-          </a:p>
-          <a:p>
-            <a:r>
-              <a:rPr lang="de-DE" sz="2400" dirty="0">
+              <a:t>qnorm(p=c(0.025, .975), </a:t>
+            </a:r>
+            <a:r>
+              <a:rPr lang="de-DE" sz="2400" dirty="0" smtClean="0">
                 <a:latin typeface="Courier New" panose="02070309020205020404" pitchFamily="49" charset="0"/>
                 <a:cs typeface="Courier New" panose="02070309020205020404" pitchFamily="49" charset="0"/>
               </a:rPr>
-              <a:t>&gt; qnorm(p=c(0.025, .975), mean=mu1, sd=tau1)</a:t>
-            </a:r>
-          </a:p>
-          <a:p>
-            <a:r>
-              <a:rPr lang="de-DE" sz="2400" dirty="0">
-                <a:latin typeface="Courier New" panose="02070309020205020404" pitchFamily="49" charset="0"/>
-                <a:cs typeface="Courier New" panose="02070309020205020404" pitchFamily="49" charset="0"/>
-              </a:rPr>
-              <a:t>[1] -1.5765225  0.1765225</a:t>
-            </a:r>
-            <a:endParaRPr lang="es-CL" sz="2400" dirty="0">
+              <a:t>mean=mu, sd=sigma)</a:t>
+            </a:r>
+            <a:endParaRPr lang="de-DE" sz="2400" dirty="0">
               <a:latin typeface="Courier New" panose="02070309020205020404" pitchFamily="49" charset="0"/>
               <a:cs typeface="Courier New" panose="02070309020205020404" pitchFamily="49" charset="0"/>
             </a:endParaRPr>
           </a:p>
         </p:txBody>
       </p:sp>
-      <p:pic>
-        <p:nvPicPr>
-          <p:cNvPr id="7" name="Picture 6">
-            <a:extLst>
-              <a:ext uri="{FF2B5EF4-FFF2-40B4-BE49-F238E27FC236}">
-                <a16:creationId xmlns:a16="http://schemas.microsoft.com/office/drawing/2014/main" xmlns="" id="{31106DF4-79E6-485D-91AD-12514AB50BC9}"/>
-              </a:ext>
-            </a:extLst>
-          </p:cNvPr>
-          <p:cNvPicPr>
-            <a:picLocks noChangeAspect="1"/>
-          </p:cNvPicPr>
-          <p:nvPr/>
-        </p:nvPicPr>
-        <p:blipFill rotWithShape="1">
-          <a:blip r:embed="rId3"/>
-          <a:srcRect t="21366" r="5783" b="13732"/>
-          <a:stretch/>
-        </p:blipFill>
-        <p:spPr>
-          <a:xfrm>
-            <a:off x="5467047" y="1931988"/>
-            <a:ext cx="3676953" cy="1706562"/>
-          </a:xfrm>
-          <a:prstGeom prst="rect">
-            <a:avLst/>
-          </a:prstGeom>
-        </p:spPr>
-      </p:pic>
       <p:sp>
         <p:nvSpPr>
           <p:cNvPr id="8" name="Title 1">
@@ -10483,9 +11014,10 @@
           <a:lstStyle/>
           <a:p>
             <a:r>
-              <a:rPr lang="es-CL" noProof="0" dirty="0"/>
+              <a:rPr lang="es-419" noProof="0" dirty="0" smtClean="0"/>
               <a:t>Método 1: Integración analítica </a:t>
             </a:r>
+            <a:endParaRPr lang="es-419" noProof="0" dirty="0"/>
           </a:p>
         </p:txBody>
       </p:sp>
@@ -10540,10 +11072,10 @@
           <a:lstStyle/>
           <a:p>
             <a:r>
-              <a:rPr lang="es-CL" dirty="0"/>
+              <a:rPr lang="es-419" dirty="0" smtClean="0"/>
               <a:t>Método 2: Integración por Monte Carlo</a:t>
             </a:r>
-            <a:endParaRPr lang="en-US" u="sng" dirty="0"/>
+            <a:endParaRPr lang="es-419" u="sng" dirty="0"/>
           </a:p>
         </p:txBody>
       </p:sp>
@@ -10571,96 +11103,140 @@
               <a:buNone/>
             </a:pPr>
             <a:r>
-              <a:rPr lang="es-CL" sz="2800" dirty="0"/>
-              <a:t>Idea = generar muestras aleatorias y calcular porcentajes para aproximar </a:t>
-            </a:r>
-            <a:r>
-              <a:rPr lang="es-CL" sz="2800" dirty="0" smtClean="0"/>
-              <a:t>probabilidades</a:t>
-            </a:r>
-            <a:endParaRPr lang="en-US" sz="2800" dirty="0"/>
-          </a:p>
-          <a:p>
-            <a:r>
-              <a:rPr lang="en-US" dirty="0" smtClean="0"/>
-              <a:t>Strong </a:t>
-            </a:r>
-            <a:r>
-              <a:rPr lang="en-US" dirty="0"/>
-              <a:t>Law of Large Numbers</a:t>
-            </a:r>
+              <a:rPr lang="es-419" sz="2800" dirty="0" smtClean="0"/>
+              <a:t>Idea = generar muestras aleatorias y calcular porcentajes para aproximar probabilidades</a:t>
+            </a:r>
+          </a:p>
+          <a:p>
+            <a:r>
+              <a:rPr lang="es-419" dirty="0" err="1" smtClean="0"/>
+              <a:t>Strong</a:t>
+            </a:r>
+            <a:r>
+              <a:rPr lang="es-419" dirty="0" smtClean="0"/>
+              <a:t> </a:t>
+            </a:r>
+            <a:r>
+              <a:rPr lang="es-419" dirty="0" err="1" smtClean="0"/>
+              <a:t>Law</a:t>
+            </a:r>
+            <a:r>
+              <a:rPr lang="es-419" dirty="0" smtClean="0"/>
+              <a:t> of </a:t>
+            </a:r>
+            <a:r>
+              <a:rPr lang="es-419" dirty="0" err="1" smtClean="0"/>
+              <a:t>Large</a:t>
+            </a:r>
+            <a:r>
+              <a:rPr lang="es-419" dirty="0" smtClean="0"/>
+              <a:t> </a:t>
+            </a:r>
+            <a:r>
+              <a:rPr lang="es-419" dirty="0" err="1" smtClean="0"/>
+              <a:t>Numbers</a:t>
+            </a:r>
+            <a:endParaRPr lang="es-419" dirty="0" smtClean="0"/>
           </a:p>
           <a:p>
             <a:pPr marL="0" indent="0">
               <a:buNone/>
             </a:pPr>
             <a:r>
-              <a:rPr lang="en-US" sz="2000" dirty="0"/>
-              <a:t>Given a function </a:t>
-            </a:r>
-            <a:r>
-              <a:rPr lang="en-US" sz="2000" i="1" dirty="0">
+              <a:rPr lang="es-419" sz="2000" dirty="0" err="1" smtClean="0"/>
+              <a:t>Given</a:t>
+            </a:r>
+            <a:r>
+              <a:rPr lang="es-419" sz="2000" dirty="0" smtClean="0"/>
+              <a:t> a </a:t>
+            </a:r>
+            <a:r>
+              <a:rPr lang="es-419" sz="2000" dirty="0" err="1" smtClean="0"/>
+              <a:t>function</a:t>
+            </a:r>
+            <a:r>
+              <a:rPr lang="es-419" sz="2000" dirty="0" smtClean="0"/>
+              <a:t> </a:t>
+            </a:r>
+            <a:r>
+              <a:rPr lang="es-419" sz="2000" i="1" dirty="0" smtClean="0">
                 <a:latin typeface="Times New Roman"/>
                 <a:cs typeface="Times New Roman"/>
               </a:rPr>
               <a:t>h</a:t>
             </a:r>
             <a:r>
-              <a:rPr lang="en-US" sz="2000" dirty="0">
+              <a:rPr lang="es-419" sz="2000" dirty="0" smtClean="0">
                 <a:latin typeface="Times New Roman"/>
                 <a:cs typeface="Times New Roman"/>
               </a:rPr>
               <a:t>(</a:t>
             </a:r>
             <a:r>
-              <a:rPr lang="en-US" sz="2000" i="1" dirty="0">
+              <a:rPr lang="es-419" sz="2000" i="1" dirty="0" smtClean="0">
                 <a:latin typeface="Times New Roman"/>
                 <a:cs typeface="Times New Roman"/>
               </a:rPr>
               <a:t>x</a:t>
             </a:r>
             <a:r>
-              <a:rPr lang="en-US" sz="2000" dirty="0">
+              <a:rPr lang="es-419" sz="2000" dirty="0" smtClean="0">
                 <a:latin typeface="Times New Roman"/>
                 <a:cs typeface="Times New Roman"/>
               </a:rPr>
               <a:t>)</a:t>
             </a:r>
             <a:r>
-              <a:rPr lang="en-US" sz="2000" dirty="0"/>
-              <a:t> and a distribution </a:t>
-            </a:r>
-            <a:r>
-              <a:rPr lang="en-US" sz="2000" i="1" dirty="0">
+              <a:rPr lang="es-419" sz="2000" dirty="0" smtClean="0"/>
+              <a:t> and a </a:t>
+            </a:r>
+            <a:r>
+              <a:rPr lang="es-419" sz="2000" dirty="0" err="1" smtClean="0"/>
+              <a:t>distribution</a:t>
+            </a:r>
+            <a:r>
+              <a:rPr lang="es-419" sz="2000" dirty="0" smtClean="0"/>
+              <a:t> </a:t>
+            </a:r>
+            <a:r>
+              <a:rPr lang="es-419" sz="2000" i="1" dirty="0" smtClean="0">
                 <a:latin typeface="Times New Roman"/>
                 <a:cs typeface="Times New Roman"/>
               </a:rPr>
               <a:t>f</a:t>
             </a:r>
             <a:r>
-              <a:rPr lang="en-US" sz="2000" dirty="0">
+              <a:rPr lang="es-419" sz="2000" dirty="0" smtClean="0">
                 <a:latin typeface="Times New Roman"/>
                 <a:cs typeface="Times New Roman"/>
               </a:rPr>
               <a:t>(</a:t>
             </a:r>
             <a:r>
-              <a:rPr lang="en-US" sz="2000" i="1" dirty="0">
+              <a:rPr lang="es-419" sz="2000" i="1" dirty="0" smtClean="0">
                 <a:latin typeface="Times New Roman"/>
                 <a:cs typeface="Times New Roman"/>
               </a:rPr>
               <a:t>x</a:t>
             </a:r>
             <a:r>
-              <a:rPr lang="en-US" sz="2000" dirty="0">
+              <a:rPr lang="es-419" sz="2000" dirty="0" smtClean="0">
                 <a:latin typeface="Times New Roman"/>
                 <a:cs typeface="Times New Roman"/>
               </a:rPr>
               <a:t>)</a:t>
             </a:r>
             <a:r>
-              <a:rPr lang="en-US" sz="2000" dirty="0"/>
-              <a:t>, want to</a:t>
+              <a:rPr lang="es-419" sz="2000" dirty="0" smtClean="0"/>
+              <a:t>, </a:t>
+            </a:r>
+            <a:r>
+              <a:rPr lang="es-419" sz="2000" dirty="0" err="1" smtClean="0"/>
+              <a:t>want</a:t>
+            </a:r>
+            <a:r>
+              <a:rPr lang="es-419" sz="2000" dirty="0" smtClean="0"/>
+              <a:t> to</a:t>
             </a:r>
           </a:p>
           <a:p>
@@ -10668,63 +11244,104 @@
               <a:buNone/>
             </a:pPr>
             <a:r>
-              <a:rPr lang="en-US" sz="2000" dirty="0"/>
-              <a:t>find expected value</a:t>
-            </a:r>
+              <a:rPr lang="es-419" sz="2000" dirty="0" err="1" smtClean="0"/>
+              <a:t>find</a:t>
+            </a:r>
+            <a:r>
+              <a:rPr lang="es-419" sz="2000" dirty="0" smtClean="0"/>
+              <a:t> </a:t>
+            </a:r>
+            <a:r>
+              <a:rPr lang="es-419" sz="2000" dirty="0" err="1" smtClean="0"/>
+              <a:t>expected</a:t>
+            </a:r>
+            <a:r>
+              <a:rPr lang="es-419" sz="2000" dirty="0" smtClean="0"/>
+              <a:t> </a:t>
+            </a:r>
+            <a:r>
+              <a:rPr lang="es-419" sz="2000" dirty="0" err="1" smtClean="0"/>
+              <a:t>value</a:t>
+            </a:r>
+            <a:endParaRPr lang="es-419" sz="2000" dirty="0" smtClean="0"/>
           </a:p>
           <a:p>
             <a:pPr marL="0" indent="0">
               <a:buNone/>
             </a:pPr>
-            <a:endParaRPr lang="en-US" sz="2000" dirty="0"/>
+            <a:endParaRPr lang="es-419" sz="2000" dirty="0" smtClean="0"/>
           </a:p>
           <a:p>
             <a:pPr marL="0" indent="0">
               <a:buNone/>
             </a:pPr>
-            <a:endParaRPr lang="en-US" sz="2000" dirty="0"/>
+            <a:endParaRPr lang="es-419" sz="2000" dirty="0" smtClean="0"/>
           </a:p>
           <a:p>
             <a:pPr marL="0" indent="0">
               <a:buNone/>
             </a:pPr>
             <a:r>
-              <a:rPr lang="en-US" sz="2000" dirty="0"/>
-              <a:t>which converges surely to</a:t>
+              <a:rPr lang="es-419" sz="2000" dirty="0" err="1" smtClean="0"/>
+              <a:t>which</a:t>
+            </a:r>
+            <a:r>
+              <a:rPr lang="es-419" sz="2000" dirty="0" smtClean="0"/>
+              <a:t> converges </a:t>
+            </a:r>
+            <a:r>
+              <a:rPr lang="es-419" sz="2000" dirty="0" err="1" smtClean="0"/>
+              <a:t>surely</a:t>
+            </a:r>
+            <a:r>
+              <a:rPr lang="es-419" sz="2000" dirty="0" smtClean="0"/>
+              <a:t> to</a:t>
             </a:r>
           </a:p>
           <a:p>
             <a:pPr marL="0" indent="0">
               <a:buNone/>
             </a:pPr>
-            <a:endParaRPr lang="en-US" sz="2000" dirty="0"/>
+            <a:endParaRPr lang="es-419" sz="2000" dirty="0" smtClean="0"/>
           </a:p>
           <a:p>
             <a:pPr marL="0" indent="0">
               <a:buNone/>
             </a:pPr>
-            <a:endParaRPr lang="en-US" sz="2000" dirty="0"/>
+            <a:endParaRPr lang="es-419" sz="2000" dirty="0" smtClean="0"/>
           </a:p>
           <a:p>
             <a:pPr marL="0" indent="0">
               <a:buNone/>
             </a:pPr>
-            <a:endParaRPr lang="en-US" sz="2000" dirty="0"/>
+            <a:endParaRPr lang="es-419" sz="2000" dirty="0" smtClean="0"/>
           </a:p>
           <a:p>
             <a:pPr marL="0" indent="0">
               <a:buNone/>
             </a:pPr>
             <a:r>
-              <a:rPr lang="en-US" sz="2000" dirty="0"/>
-              <a:t>for large n.  </a:t>
+              <a:rPr lang="es-419" sz="2000" dirty="0" err="1" smtClean="0"/>
+              <a:t>for</a:t>
+            </a:r>
+            <a:r>
+              <a:rPr lang="es-419" sz="2000" dirty="0" smtClean="0"/>
+              <a:t> </a:t>
+            </a:r>
+            <a:r>
+              <a:rPr lang="es-419" sz="2000" dirty="0" err="1" smtClean="0"/>
+              <a:t>large</a:t>
+            </a:r>
+            <a:r>
+              <a:rPr lang="es-419" sz="2000" dirty="0" smtClean="0"/>
+              <a:t> n.  </a:t>
             </a:r>
           </a:p>
           <a:p>
             <a:pPr marL="0" indent="0">
               <a:buNone/>
             </a:pPr>
-            <a:endParaRPr lang="en-US" dirty="0"/>
+            <a:endParaRPr lang="es-419" dirty="0"/>
           </a:p>
         </p:txBody>
       </p:sp>
@@ -10840,6 +11457,107 @@
           </a:prstGeom>
         </p:spPr>
       </p:pic>
+      <p:sp>
+        <p:nvSpPr>
+          <p:cNvPr id="9" name="TextBox 8"/>
+          <p:cNvSpPr txBox="1"/>
+          <p:nvPr/>
+        </p:nvSpPr>
+        <p:spPr>
+          <a:xfrm>
+            <a:off x="250257" y="6285297"/>
+            <a:ext cx="3792354" cy="369332"/>
+          </a:xfrm>
+          <a:prstGeom prst="rect">
+            <a:avLst/>
+          </a:prstGeom>
+          <a:noFill/>
+        </p:spPr>
+        <p:txBody>
+          <a:bodyPr wrap="square" rtlCol="0">
+            <a:spAutoFit/>
+          </a:bodyPr>
+          <a:lstStyle/>
+          <a:p>
+            <a:r>
+              <a:rPr lang="en-US" dirty="0" smtClean="0"/>
+              <a:t>De Dr. Noble Hendrix, con </a:t>
+            </a:r>
+            <a:r>
+              <a:rPr lang="en-US" dirty="0" err="1" smtClean="0"/>
+              <a:t>permiso</a:t>
+            </a:r>
+            <a:endParaRPr lang="en-US" dirty="0"/>
+          </a:p>
+        </p:txBody>
+      </p:sp>
+      <p:cxnSp>
+        <p:nvCxnSpPr>
+          <p:cNvPr id="13" name="Straight Arrow Connector 12"/>
+          <p:cNvCxnSpPr/>
+          <p:nvPr/>
+        </p:nvCxnSpPr>
+        <p:spPr>
+          <a:xfrm flipH="1">
+            <a:off x="4254366" y="4658627"/>
+            <a:ext cx="433137" cy="298384"/>
+          </a:xfrm>
+          <a:prstGeom prst="straightConnector1">
+            <a:avLst/>
+          </a:prstGeom>
+          <a:ln>
+            <a:tailEnd type="triangle"/>
+          </a:ln>
+        </p:spPr>
+        <p:style>
+          <a:lnRef idx="2">
+            <a:schemeClr val="dk1"/>
+          </a:lnRef>
+          <a:fillRef idx="0">
+            <a:schemeClr val="dk1"/>
+          </a:fillRef>
+          <a:effectRef idx="1">
+            <a:schemeClr val="dk1"/>
+          </a:effectRef>
+          <a:fontRef idx="minor">
+            <a:schemeClr val="tx1"/>
+          </a:fontRef>
+        </p:style>
+      </p:cxnSp>
+      <p:sp>
+        <p:nvSpPr>
+          <p:cNvPr id="14" name="TextBox 13"/>
+          <p:cNvSpPr txBox="1"/>
+          <p:nvPr/>
+        </p:nvSpPr>
+        <p:spPr>
+          <a:xfrm>
+            <a:off x="4803006" y="4273617"/>
+            <a:ext cx="1623194" cy="369332"/>
+          </a:xfrm>
+          <a:prstGeom prst="rect">
+            <a:avLst/>
+          </a:prstGeom>
+          <a:noFill/>
+        </p:spPr>
+        <p:txBody>
+          <a:bodyPr wrap="square" rtlCol="0">
+            <a:spAutoFit/>
+          </a:bodyPr>
+          <a:lstStyle/>
+          <a:p>
+            <a:r>
+              <a:rPr lang="en-US" dirty="0" smtClean="0"/>
+              <a:t>Una </a:t>
+            </a:r>
+            <a:r>
+              <a:rPr lang="en-US" dirty="0" err="1" smtClean="0"/>
+              <a:t>muestra</a:t>
+            </a:r>
+            <a:endParaRPr lang="en-US" dirty="0"/>
+          </a:p>
+        </p:txBody>
+      </p:sp>
     </p:spTree>
     <p:extLst>
       <p:ext uri="{BB962C8B-B14F-4D97-AF65-F5344CB8AC3E}">
@@ -10886,9 +11604,10 @@
           <a:lstStyle/>
           <a:p>
             <a:r>
-              <a:rPr lang="en-US" dirty="0"/>
-              <a:t>Implications of Monte Carlo</a:t>
-            </a:r>
+              <a:rPr lang="es-419" dirty="0" smtClean="0"/>
+              <a:t>Las implicaciones de Monte Carlo</a:t>
+            </a:r>
+            <a:endParaRPr lang="es-419" dirty="0"/>
           </a:p>
         </p:txBody>
       </p:sp>
@@ -10908,36 +11627,47 @@
           <a:lstStyle/>
           <a:p>
             <a:r>
-              <a:rPr lang="en-US" dirty="0"/>
-              <a:t>These results also allow us to use Monte Carlo samples to estimate other quantities of interest:</a:t>
+              <a:rPr lang="es-419" dirty="0" smtClean="0"/>
+              <a:t>Eso significa que se puede usar Monte Carlo muestras para aproximar varias integrales:</a:t>
             </a:r>
           </a:p>
           <a:p>
             <a:pPr lvl="1"/>
             <a:r>
-              <a:rPr lang="en-US" dirty="0"/>
-              <a:t>Variance and standard deviations</a:t>
+              <a:rPr lang="es-419" dirty="0"/>
+              <a:t>Varianza y </a:t>
+            </a:r>
+            <a:r>
+              <a:rPr lang="es-419" dirty="0" smtClean="0"/>
+              <a:t>desviación típica </a:t>
             </a:r>
           </a:p>
           <a:p>
             <a:pPr lvl="1"/>
             <a:r>
-              <a:rPr lang="en-US" dirty="0"/>
-              <a:t>Quantiles of the distribution</a:t>
+              <a:rPr lang="es-419" dirty="0" smtClean="0"/>
+              <a:t>Cuartiles, incluyendo la mediana </a:t>
             </a:r>
           </a:p>
           <a:p>
             <a:pPr lvl="1"/>
             <a:r>
-              <a:rPr lang="en-US" dirty="0"/>
-              <a:t>Probability intervals</a:t>
-            </a:r>
-          </a:p>
-          <a:p>
-            <a:r>
-              <a:rPr lang="en-US" dirty="0"/>
-              <a:t>And to calculate estimates of quantities that are functions of the Monte Carlo distributions (as they are also Monte Carlo samples)</a:t>
-            </a:r>
+              <a:rPr lang="es-419" dirty="0" smtClean="0"/>
+              <a:t>Funciones de X, como la media </a:t>
+            </a:r>
+          </a:p>
+          <a:p>
+            <a:r>
+              <a:rPr lang="es-419" dirty="0" smtClean="0"/>
+              <a:t>En lugar de usar integrales exactas, se usa estas aproximaciones para hacer inferencia. </a:t>
+            </a:r>
+          </a:p>
+          <a:p>
+            <a:r>
+              <a:rPr lang="es-419" dirty="0" smtClean="0"/>
+              <a:t>Una forma de integrar: integración numérica</a:t>
+            </a:r>
+            <a:endParaRPr lang="es-419" dirty="0"/>
           </a:p>
         </p:txBody>
       </p:sp>
@@ -11000,14 +11730,14 @@
           <a:lstStyle/>
           <a:p>
             <a:r>
-              <a:rPr lang="es-CL" sz="2800" noProof="0" dirty="0"/>
+              <a:rPr lang="es-419" sz="2800" noProof="0" dirty="0" smtClean="0"/>
               <a:t>Idea </a:t>
             </a:r>
             <a:r>
-              <a:rPr lang="es-CL" sz="2800" dirty="0"/>
+              <a:rPr lang="es-419" sz="2800" dirty="0" smtClean="0"/>
               <a:t>= generar muestras aleatorias y calcular porcentajes para aproximar probabilidades </a:t>
             </a:r>
-            <a:endParaRPr lang="es-CL" noProof="0" dirty="0"/>
+            <a:endParaRPr lang="es-419" noProof="0" dirty="0"/>
           </a:p>
         </p:txBody>
       </p:sp>
@@ -11255,7 +11985,7 @@
         <p:spPr>
           <a:xfrm>
             <a:off x="4705054" y="2716453"/>
-            <a:ext cx="2077375" cy="369332"/>
+            <a:ext cx="3611173" cy="369332"/>
           </a:xfrm>
           <a:prstGeom prst="rect">
             <a:avLst/>
@@ -11274,9 +12004,18 @@
           <a:lstStyle/>
           <a:p>
             <a:r>
+              <a:rPr lang="es-CL" dirty="0" smtClean="0"/>
+              <a:t>Porcentaje </a:t>
+            </a:r>
+            <a:r>
               <a:rPr lang="es-CL" dirty="0"/>
-              <a:t>Porcentaje de x&lt;0</a:t>
-            </a:r>
+              <a:t>de </a:t>
+            </a:r>
+            <a:r>
+              <a:rPr lang="es-CL" dirty="0" smtClean="0"/>
+              <a:t>x&lt;0 (por que?)</a:t>
+            </a:r>
+            <a:endParaRPr lang="es-CL" dirty="0"/>
           </a:p>
         </p:txBody>
       </p:sp>
@@ -11297,8 +12036,8 @@
         </p:nvCxnSpPr>
         <p:spPr>
           <a:xfrm flipH="1" flipV="1">
-            <a:off x="4286250" y="2792186"/>
-            <a:ext cx="418804" cy="108933"/>
+            <a:off x="4286250" y="2792187"/>
+            <a:ext cx="418804" cy="108932"/>
           </a:xfrm>
           <a:prstGeom prst="straightConnector1">
             <a:avLst/>
@@ -11349,21 +12088,104 @@
           <a:lstStyle/>
           <a:p>
             <a:r>
-              <a:rPr lang="es-CL" noProof="0" dirty="0"/>
+              <a:rPr lang="es-419" noProof="0" dirty="0" smtClean="0"/>
               <a:t>Método 2: I</a:t>
             </a:r>
             <a:r>
-              <a:rPr lang="es-CL" dirty="0" err="1"/>
+              <a:rPr lang="es-419" dirty="0" err="1" smtClean="0"/>
               <a:t>ntegración</a:t>
             </a:r>
             <a:r>
-              <a:rPr lang="es-CL" dirty="0"/>
+              <a:rPr lang="es-419" dirty="0" smtClean="0"/>
               <a:t> por Monte Carlo</a:t>
             </a:r>
-            <a:endParaRPr lang="es-CL" noProof="0" dirty="0"/>
-          </a:p>
-        </p:txBody>
-      </p:sp>
+            <a:endParaRPr lang="es-419" noProof="0" dirty="0"/>
+          </a:p>
+        </p:txBody>
+      </p:sp>
+      <p:sp>
+        <p:nvSpPr>
+          <p:cNvPr id="10" name="TextBox 9">
+            <a:extLst>
+              <a:ext uri="{FF2B5EF4-FFF2-40B4-BE49-F238E27FC236}">
+                <a16:creationId xmlns:a16="http://schemas.microsoft.com/office/drawing/2014/main" xmlns="" id="{D7B68671-DBD1-4256-8B71-9AF9C9398CC2}"/>
+              </a:ext>
+            </a:extLst>
+          </p:cNvPr>
+          <p:cNvSpPr txBox="1"/>
+          <p:nvPr/>
+        </p:nvSpPr>
+        <p:spPr>
+          <a:xfrm>
+            <a:off x="3481607" y="4084954"/>
+            <a:ext cx="5338248" cy="369332"/>
+          </a:xfrm>
+          <a:prstGeom prst="rect">
+            <a:avLst/>
+          </a:prstGeom>
+          <a:noFill/>
+          <a:ln w="28575">
+            <a:solidFill>
+              <a:schemeClr val="tx1"/>
+            </a:solidFill>
+          </a:ln>
+        </p:spPr>
+        <p:txBody>
+          <a:bodyPr wrap="square" rtlCol="0">
+            <a:spAutoFit/>
+          </a:bodyPr>
+          <a:lstStyle/>
+          <a:p>
+            <a:r>
+              <a:rPr lang="es-CL" dirty="0" smtClean="0"/>
+              <a:t>La cantidad de las muestras controla la precisión </a:t>
+            </a:r>
+            <a:endParaRPr lang="es-CL" dirty="0"/>
+          </a:p>
+        </p:txBody>
+      </p:sp>
+      <p:cxnSp>
+        <p:nvCxnSpPr>
+          <p:cNvPr id="11" name="Straight Arrow Connector 10">
+            <a:extLst>
+              <a:ext uri="{FF2B5EF4-FFF2-40B4-BE49-F238E27FC236}">
+                <a16:creationId xmlns:a16="http://schemas.microsoft.com/office/drawing/2014/main" xmlns="" id="{181D5654-BA2D-4CC7-A94F-9EE66B5E0D3A}"/>
+              </a:ext>
+            </a:extLst>
+          </p:cNvPr>
+          <p:cNvCxnSpPr>
+            <a:cxnSpLocks/>
+            <a:stCxn id="10" idx="1"/>
+          </p:cNvCxnSpPr>
+          <p:nvPr/>
+        </p:nvCxnSpPr>
+        <p:spPr>
+          <a:xfrm flipH="1">
+            <a:off x="3106407" y="4269620"/>
+            <a:ext cx="375200" cy="314171"/>
+          </a:xfrm>
+          <a:prstGeom prst="straightConnector1">
+            <a:avLst/>
+          </a:prstGeom>
+          <a:ln>
+            <a:tailEnd type="triangle"/>
+          </a:ln>
+        </p:spPr>
+        <p:style>
+          <a:lnRef idx="2">
+            <a:schemeClr val="dk1"/>
+          </a:lnRef>
+          <a:fillRef idx="0">
+            <a:schemeClr val="dk1"/>
+          </a:fillRef>
+          <a:effectRef idx="1">
+            <a:schemeClr val="dk1"/>
+          </a:effectRef>
+          <a:fontRef idx="minor">
+            <a:schemeClr val="tx1"/>
+          </a:fontRef>
+        </p:style>
+      </p:cxnSp>
     </p:spTree>
     <p:extLst>
       <p:ext uri="{BB962C8B-B14F-4D97-AF65-F5344CB8AC3E}">
@@ -11423,51 +12245,44 @@
           <a:lstStyle/>
           <a:p>
             <a:r>
-              <a:rPr lang="es-CL" noProof="0" dirty="0"/>
+              <a:rPr lang="es-419" noProof="0" dirty="0" smtClean="0"/>
               <a:t>Para poder implementarlo necesitamos conocer la forma exacta de la </a:t>
             </a:r>
             <a:r>
-              <a:rPr lang="es-CL" dirty="0"/>
+              <a:rPr lang="es-419" dirty="0" smtClean="0"/>
               <a:t>distribución a posteriori como en el ejemplo anterior con </a:t>
             </a:r>
             <a:r>
-              <a:rPr lang="es-CL" dirty="0" err="1">
+              <a:rPr lang="es-419" dirty="0" err="1" smtClean="0">
                 <a:latin typeface="Courier New" panose="02070309020205020404" pitchFamily="49" charset="0"/>
                 <a:cs typeface="Courier New" panose="02070309020205020404" pitchFamily="49" charset="0"/>
               </a:rPr>
               <a:t>rnorm</a:t>
             </a:r>
-            <a:endParaRPr lang="es-CL" dirty="0">
+            <a:endParaRPr lang="es-419" dirty="0" smtClean="0">
               <a:latin typeface="Courier New" panose="02070309020205020404" pitchFamily="49" charset="0"/>
               <a:cs typeface="Courier New" panose="02070309020205020404" pitchFamily="49" charset="0"/>
             </a:endParaRPr>
           </a:p>
           <a:p>
             <a:r>
-              <a:rPr lang="es-CL" dirty="0"/>
-              <a:t>En este método mientras más muestras generamos mejor será la aproximación </a:t>
-            </a:r>
-          </a:p>
-          <a:p>
-            <a:r>
-              <a:rPr lang="es-CL" b="1" u="sng" dirty="0" smtClean="0"/>
-              <a:t>Sin </a:t>
-            </a:r>
-            <a:r>
-              <a:rPr lang="es-CL" b="1" u="sng" dirty="0"/>
-              <a:t>embargo, esta situación es muy raro</a:t>
-            </a:r>
-            <a:endParaRPr lang="es-CL" dirty="0"/>
-          </a:p>
-          <a:p>
-            <a:r>
-              <a:rPr lang="es-CL" noProof="0" dirty="0" smtClean="0"/>
-              <a:t>Que </a:t>
-            </a:r>
-            <a:r>
-              <a:rPr lang="es-CL" noProof="0" dirty="0"/>
-              <a:t>hacemos cuando no podemos usar los métodos anteriores? </a:t>
-            </a:r>
+              <a:rPr lang="es-419" dirty="0" smtClean="0"/>
+              <a:t>En este método cuanto más muestras generamos mejor será la aproximación </a:t>
+            </a:r>
+          </a:p>
+          <a:p>
+            <a:r>
+              <a:rPr lang="es-419" b="1" u="sng" dirty="0" smtClean="0"/>
+              <a:t>Sin embargo, esta situación es muy raro</a:t>
+            </a:r>
+            <a:endParaRPr lang="es-419" dirty="0" smtClean="0"/>
+          </a:p>
+          <a:p>
+            <a:r>
+              <a:rPr lang="es-419" noProof="0" dirty="0" smtClean="0"/>
+              <a:t>Que haríamos cuando no podamos usar los métodos anteriores? </a:t>
+            </a:r>
+            <a:endParaRPr lang="es-419" noProof="0" dirty="0"/>
           </a:p>
         </p:txBody>
       </p:sp>
@@ -11527,14 +12342,14 @@
           <a:lstStyle/>
           <a:p>
             <a:r>
-              <a:rPr lang="es-CL" noProof="0" dirty="0"/>
+              <a:rPr lang="es-419" noProof="0" dirty="0" smtClean="0"/>
               <a:t>Método 2: Monte Carlo </a:t>
             </a:r>
             <a:r>
-              <a:rPr lang="es-CL" dirty="0"/>
+              <a:rPr lang="es-419" dirty="0" smtClean="0"/>
               <a:t>integración </a:t>
             </a:r>
-            <a:endParaRPr lang="es-CL" noProof="0" dirty="0"/>
+            <a:endParaRPr lang="es-419" noProof="0" dirty="0"/>
           </a:p>
         </p:txBody>
       </p:sp>
@@ -11669,10 +12484,14 @@
           <a:lstStyle/>
           <a:p>
             <a:r>
-              <a:rPr lang="en-US" dirty="0" smtClean="0"/>
-              <a:t>Homework 1.1 </a:t>
-            </a:r>
-            <a:endParaRPr lang="en-US" dirty="0"/>
+              <a:rPr lang="es-419" dirty="0" err="1" smtClean="0"/>
+              <a:t>Homework</a:t>
+            </a:r>
+            <a:r>
+              <a:rPr lang="es-419" dirty="0" smtClean="0"/>
+              <a:t> 1.1 </a:t>
+            </a:r>
+            <a:endParaRPr lang="es-419" dirty="0"/>
           </a:p>
         </p:txBody>
       </p:sp>
@@ -11709,8 +12528,52 @@
               <a:buAutoNum type="arabicPeriod"/>
             </a:pPr>
             <a:r>
-              <a:rPr lang="en-US" dirty="0" smtClean="0"/>
-              <a:t>Let X~U(-pi, 1). Integrate this analytically for P(a&lt;X&lt;b).</a:t>
+              <a:rPr lang="es-419" dirty="0" err="1" smtClean="0"/>
+              <a:t>Let</a:t>
+            </a:r>
+            <a:r>
+              <a:rPr lang="es-419" dirty="0" smtClean="0"/>
+              <a:t> X~U(-</a:t>
+            </a:r>
+            <a:r>
+              <a:rPr lang="el-GR" dirty="0" smtClean="0"/>
+              <a:t>π</a:t>
+            </a:r>
+            <a:r>
+              <a:rPr lang="es-419" dirty="0" smtClean="0"/>
+              <a:t>, 1). </a:t>
+            </a:r>
+            <a:r>
+              <a:rPr lang="es-419" dirty="0" err="1" smtClean="0"/>
+              <a:t>Integrate</a:t>
+            </a:r>
+            <a:r>
+              <a:rPr lang="es-419" dirty="0" smtClean="0"/>
+              <a:t> </a:t>
+            </a:r>
+            <a:r>
+              <a:rPr lang="es-419" dirty="0" err="1" smtClean="0"/>
+              <a:t>this</a:t>
+            </a:r>
+            <a:r>
+              <a:rPr lang="es-419" dirty="0" smtClean="0"/>
+              <a:t> </a:t>
+            </a:r>
+            <a:r>
+              <a:rPr lang="es-419" dirty="0" err="1" smtClean="0"/>
+              <a:t>analytically</a:t>
+            </a:r>
+            <a:r>
+              <a:rPr lang="es-419" dirty="0" smtClean="0"/>
+              <a:t> </a:t>
+            </a:r>
+            <a:r>
+              <a:rPr lang="es-419" dirty="0" err="1" smtClean="0"/>
+              <a:t>for</a:t>
+            </a:r>
+            <a:r>
+              <a:rPr lang="es-419" dirty="0" smtClean="0"/>
+              <a:t> P(a&lt;X&lt;b).</a:t>
             </a:r>
           </a:p>
           <a:p>
@@ -11719,27 +12582,47 @@
               <a:buAutoNum type="arabicPeriod"/>
             </a:pPr>
             <a:r>
-              <a:rPr lang="en-US" dirty="0" smtClean="0"/>
-              <a:t>Now let X be a triangle:</a:t>
+              <a:rPr lang="es-419" dirty="0" err="1" smtClean="0"/>
+              <a:t>Now</a:t>
+            </a:r>
+            <a:r>
+              <a:rPr lang="es-419" dirty="0" smtClean="0"/>
+              <a:t> </a:t>
+            </a:r>
+            <a:r>
+              <a:rPr lang="es-419" dirty="0" err="1" smtClean="0"/>
+              <a:t>let</a:t>
+            </a:r>
+            <a:r>
+              <a:rPr lang="es-419" dirty="0" smtClean="0"/>
+              <a:t> X be a </a:t>
+            </a:r>
+            <a:r>
+              <a:rPr lang="es-419" dirty="0" err="1" smtClean="0"/>
+              <a:t>triangle</a:t>
+            </a:r>
+            <a:r>
+              <a:rPr lang="es-419" dirty="0" smtClean="0"/>
+              <a:t>:</a:t>
             </a:r>
             <a:br>
-              <a:rPr lang="en-US" dirty="0" smtClean="0"/>
+              <a:rPr lang="es-419" dirty="0" smtClean="0"/>
             </a:br>
-            <a:endParaRPr lang="en-US" dirty="0" smtClean="0"/>
+            <a:endParaRPr lang="es-419" dirty="0" smtClean="0"/>
           </a:p>
           <a:p>
             <a:pPr marL="514350" indent="-514350">
               <a:buFont typeface="+mj-lt"/>
               <a:buAutoNum type="arabicPeriod"/>
             </a:pPr>
-            <a:endParaRPr lang="en-US" dirty="0" smtClean="0"/>
+            <a:endParaRPr lang="es-419" dirty="0" smtClean="0"/>
           </a:p>
           <a:p>
             <a:pPr marL="514350" indent="-514350">
               <a:buFont typeface="+mj-lt"/>
               <a:buAutoNum type="arabicPeriod"/>
             </a:pPr>
-            <a:endParaRPr lang="en-US" dirty="0"/>
+            <a:endParaRPr lang="es-419" dirty="0" smtClean="0"/>
           </a:p>
           <a:p>
             <a:pPr marL="514350" indent="-514350">
@@ -11747,8 +12630,44 @@
               <a:buAutoNum type="arabicPeriod"/>
             </a:pPr>
             <a:r>
-              <a:rPr lang="en-US" dirty="0" smtClean="0"/>
-              <a:t>Draw this or use R to plot it. </a:t>
+              <a:rPr lang="es-419" dirty="0" err="1" smtClean="0"/>
+              <a:t>Draw</a:t>
+            </a:r>
+            <a:r>
+              <a:rPr lang="es-419" dirty="0" smtClean="0"/>
+              <a:t> </a:t>
+            </a:r>
+            <a:r>
+              <a:rPr lang="es-419" dirty="0" err="1" smtClean="0"/>
+              <a:t>this</a:t>
+            </a:r>
+            <a:r>
+              <a:rPr lang="es-419" dirty="0" smtClean="0"/>
+              <a:t> </a:t>
+            </a:r>
+            <a:r>
+              <a:rPr lang="es-419" dirty="0" err="1" smtClean="0"/>
+              <a:t>or</a:t>
+            </a:r>
+            <a:r>
+              <a:rPr lang="es-419" dirty="0" smtClean="0"/>
+              <a:t> use R to </a:t>
+            </a:r>
+            <a:r>
+              <a:rPr lang="es-419" dirty="0" err="1" smtClean="0"/>
+              <a:t>plot</a:t>
+            </a:r>
+            <a:r>
+              <a:rPr lang="es-419" dirty="0" smtClean="0"/>
+              <a:t> </a:t>
+            </a:r>
+            <a:r>
+              <a:rPr lang="es-419" dirty="0" err="1" smtClean="0"/>
+              <a:t>it</a:t>
+            </a:r>
+            <a:r>
+              <a:rPr lang="es-419" dirty="0" smtClean="0"/>
+              <a:t>. </a:t>
             </a:r>
           </a:p>
           <a:p>
@@ -11757,16 +12676,96 @@
               <a:buAutoNum type="arabicPeriod"/>
             </a:pPr>
             <a:r>
-              <a:rPr lang="en-US" dirty="0" smtClean="0"/>
-              <a:t>Integrate it from 0 to 1. What does </a:t>
-            </a:r>
-            <a:r>
-              <a:rPr lang="en-US" i="1" dirty="0" smtClean="0"/>
+              <a:rPr lang="es-419" dirty="0" err="1" smtClean="0"/>
+              <a:t>Integrate</a:t>
+            </a:r>
+            <a:r>
+              <a:rPr lang="es-419" dirty="0" smtClean="0"/>
+              <a:t> </a:t>
+            </a:r>
+            <a:r>
+              <a:rPr lang="es-419" dirty="0" err="1" smtClean="0"/>
+              <a:t>it</a:t>
+            </a:r>
+            <a:r>
+              <a:rPr lang="es-419" dirty="0" smtClean="0"/>
+              <a:t> </a:t>
+            </a:r>
+            <a:r>
+              <a:rPr lang="es-419" dirty="0" err="1" smtClean="0"/>
+              <a:t>from</a:t>
+            </a:r>
+            <a:r>
+              <a:rPr lang="es-419" dirty="0" smtClean="0"/>
+              <a:t> 0 to 1. </a:t>
+            </a:r>
+            <a:r>
+              <a:rPr lang="es-419" dirty="0" err="1" smtClean="0"/>
+              <a:t>What</a:t>
+            </a:r>
+            <a:r>
+              <a:rPr lang="es-419" dirty="0" smtClean="0"/>
+              <a:t> </a:t>
+            </a:r>
+            <a:r>
+              <a:rPr lang="es-419" dirty="0" err="1" smtClean="0"/>
+              <a:t>does</a:t>
+            </a:r>
+            <a:r>
+              <a:rPr lang="es-419" dirty="0" smtClean="0"/>
+              <a:t> </a:t>
+            </a:r>
+            <a:r>
+              <a:rPr lang="es-419" i="1" dirty="0" smtClean="0"/>
               <a:t>c </a:t>
             </a:r>
             <a:r>
-              <a:rPr lang="en-US" dirty="0" smtClean="0"/>
-              <a:t>need to be so this is a probability distribution? Calculate P(.35&lt;X&lt; .98)</a:t>
+              <a:rPr lang="es-419" dirty="0" err="1" smtClean="0"/>
+              <a:t>need</a:t>
+            </a:r>
+            <a:r>
+              <a:rPr lang="es-419" dirty="0" smtClean="0"/>
+              <a:t> to be so </a:t>
+            </a:r>
+            <a:r>
+              <a:rPr lang="es-419" dirty="0" err="1" smtClean="0"/>
+              <a:t>this</a:t>
+            </a:r>
+            <a:r>
+              <a:rPr lang="es-419" dirty="0" smtClean="0"/>
+              <a:t> </a:t>
+            </a:r>
+            <a:r>
+              <a:rPr lang="es-419" dirty="0" err="1" smtClean="0"/>
+              <a:t>is</a:t>
+            </a:r>
+            <a:r>
+              <a:rPr lang="es-419" dirty="0" smtClean="0"/>
+              <a:t> a </a:t>
+            </a:r>
+            <a:r>
+              <a:rPr lang="es-419" dirty="0" err="1" smtClean="0"/>
+              <a:t>probability</a:t>
+            </a:r>
+            <a:r>
+              <a:rPr lang="es-419" dirty="0" smtClean="0"/>
+              <a:t> </a:t>
+            </a:r>
+            <a:r>
+              <a:rPr lang="es-419" dirty="0" err="1" smtClean="0"/>
+              <a:t>distribution</a:t>
+            </a:r>
+            <a:r>
+              <a:rPr lang="es-419" dirty="0" smtClean="0"/>
+              <a:t>? </a:t>
+            </a:r>
+            <a:r>
+              <a:rPr lang="es-419" dirty="0" err="1" smtClean="0"/>
+              <a:t>Calculate</a:t>
+            </a:r>
+            <a:r>
+              <a:rPr lang="es-419" dirty="0" smtClean="0"/>
+              <a:t> P(.35&lt;X&lt; .98)</a:t>
             </a:r>
           </a:p>
         </p:txBody>
@@ -11822,7 +12821,7 @@
           <a:graphicData uri="http://schemas.openxmlformats.org/presentationml/2006/ole">
             <mc:AlternateContent xmlns:mc="http://schemas.openxmlformats.org/markup-compatibility/2006">
               <mc:Choice xmlns:v="urn:schemas-microsoft-com:vml" Requires="v">
-                <p:oleObj spid="_x0000_s3095" name="Equation" r:id="rId3" imgW="1688760" imgH="711000" progId="Equation.DSMT4">
+                <p:oleObj spid="_x0000_s3107" name="Equation" r:id="rId3" imgW="1688760" imgH="711000" progId="Equation.DSMT4">
                   <p:embed/>
                 </p:oleObj>
               </mc:Choice>

--- a/dia1/lab1_integration.pptx
+++ b/dia1/lab1_integration.pptx
@@ -212,7 +212,7 @@
           <a:p>
             <a:fld id="{F2388989-7179-4868-8471-A7A056B96C7C}" type="datetimeFigureOut">
               <a:rPr lang="en-US" smtClean="0"/>
-              <a:t>1/13/2019</a:t>
+              <a:t>1/14/2019</a:t>
             </a:fld>
             <a:endParaRPr lang="en-US"/>
           </a:p>
@@ -703,7 +703,7 @@
           <a:p>
             <a:fld id="{473094AD-038C-43A2-A4DE-BB0813E6E51E}" type="datetime1">
               <a:rPr lang="en-US" smtClean="0"/>
-              <a:t>1/13/2019</a:t>
+              <a:t>1/14/2019</a:t>
             </a:fld>
             <a:endParaRPr lang="en-US"/>
           </a:p>
@@ -890,7 +890,7 @@
           <a:p>
             <a:fld id="{1F0E199C-061B-4949-9C96-AC248C0D8DD3}" type="datetime1">
               <a:rPr lang="en-US" smtClean="0"/>
-              <a:t>1/13/2019</a:t>
+              <a:t>1/14/2019</a:t>
             </a:fld>
             <a:endParaRPr lang="en-US"/>
           </a:p>
@@ -1086,7 +1086,7 @@
           <a:p>
             <a:fld id="{EF845CA7-EB4A-4003-96F7-46C5013AEA42}" type="datetime1">
               <a:rPr lang="en-US" smtClean="0"/>
-              <a:t>1/13/2019</a:t>
+              <a:t>1/14/2019</a:t>
             </a:fld>
             <a:endParaRPr lang="en-US"/>
           </a:p>
@@ -1338,7 +1338,7 @@
           <a:p>
             <a:fld id="{2D858B87-F135-4381-8E7E-B64D4228932C}" type="datetime1">
               <a:rPr lang="en-US" smtClean="0"/>
-              <a:t>1/13/2019</a:t>
+              <a:t>1/14/2019</a:t>
             </a:fld>
             <a:endParaRPr lang="en-US"/>
           </a:p>
@@ -1562,7 +1562,7 @@
           <a:p>
             <a:fld id="{3B3C5764-E191-4322-8BA3-3D7CBE2CF8D1}" type="datetime1">
               <a:rPr lang="en-US" smtClean="0"/>
-              <a:t>1/13/2019</a:t>
+              <a:t>1/14/2019</a:t>
             </a:fld>
             <a:endParaRPr lang="en-US"/>
           </a:p>
@@ -1870,7 +1870,7 @@
           <a:p>
             <a:fld id="{CCFF9CC7-9DD7-495E-8E0C-D2152E7ED385}" type="datetime1">
               <a:rPr lang="en-US" smtClean="0"/>
-              <a:t>1/13/2019</a:t>
+              <a:t>1/14/2019</a:t>
             </a:fld>
             <a:endParaRPr lang="en-US"/>
           </a:p>
@@ -2038,7 +2038,7 @@
           <a:p>
             <a:fld id="{7AF3F41F-A6FA-40C5-99E0-3F86C98F6608}" type="datetime1">
               <a:rPr lang="en-US" smtClean="0"/>
-              <a:t>1/13/2019</a:t>
+              <a:t>1/14/2019</a:t>
             </a:fld>
             <a:endParaRPr lang="en-US"/>
           </a:p>
@@ -2350,7 +2350,7 @@
           <a:p>
             <a:fld id="{9620DF9F-793E-4985-B9D8-992C6E2DA332}" type="datetime1">
               <a:rPr lang="en-US" smtClean="0"/>
-              <a:t>1/13/2019</a:t>
+              <a:t>1/14/2019</a:t>
             </a:fld>
             <a:endParaRPr lang="en-US"/>
           </a:p>
@@ -2662,7 +2662,7 @@
           <a:p>
             <a:fld id="{796EA9D4-2AD1-4101-A286-77D37AAADFED}" type="datetime1">
               <a:rPr lang="en-US" smtClean="0"/>
-              <a:t>1/13/2019</a:t>
+              <a:t>1/14/2019</a:t>
             </a:fld>
             <a:endParaRPr lang="en-US"/>
           </a:p>
@@ -2882,7 +2882,7 @@
           <a:p>
             <a:fld id="{2BD0993A-8691-4A87-9C49-3CE884C47D45}" type="datetime1">
               <a:rPr lang="en-US" smtClean="0"/>
-              <a:t>1/13/2019</a:t>
+              <a:t>1/14/2019</a:t>
             </a:fld>
             <a:endParaRPr lang="en-US"/>
           </a:p>
@@ -3080,7 +3080,7 @@
           <a:p>
             <a:fld id="{BF316B00-A11D-4D80-BD0B-755A2969FF78}" type="datetime1">
               <a:rPr lang="en-US" smtClean="0"/>
-              <a:t>1/13/2019</a:t>
+              <a:t>1/14/2019</a:t>
             </a:fld>
             <a:endParaRPr lang="en-US"/>
           </a:p>
@@ -3266,7 +3266,7 @@
           <a:p>
             <a:fld id="{FB49576D-E9F4-42BB-BC13-B23B3C4B0843}" type="datetime1">
               <a:rPr lang="en-US" smtClean="0"/>
-              <a:t>1/13/2019</a:t>
+              <a:t>1/14/2019</a:t>
             </a:fld>
             <a:endParaRPr lang="en-US"/>
           </a:p>
@@ -3541,7 +3541,7 @@
           <a:p>
             <a:fld id="{C79C30F5-8523-4EB9-ACC0-9A01E3FEDA29}" type="datetime1">
               <a:rPr lang="en-US" smtClean="0"/>
-              <a:t>1/13/2019</a:t>
+              <a:t>1/14/2019</a:t>
             </a:fld>
             <a:endParaRPr lang="en-US"/>
           </a:p>
@@ -3806,7 +3806,7 @@
           <a:p>
             <a:fld id="{31EA960D-B428-435A-A5E7-264A6D063906}" type="datetime1">
               <a:rPr lang="en-US" smtClean="0"/>
-              <a:t>1/13/2019</a:t>
+              <a:t>1/14/2019</a:t>
             </a:fld>
             <a:endParaRPr lang="en-US"/>
           </a:p>
@@ -4218,7 +4218,7 @@
           <a:p>
             <a:fld id="{3C27B052-FF7D-466F-9234-659183862C88}" type="datetime1">
               <a:rPr lang="en-US" smtClean="0"/>
-              <a:t>1/13/2019</a:t>
+              <a:t>1/14/2019</a:t>
             </a:fld>
             <a:endParaRPr lang="en-US"/>
           </a:p>
@@ -4359,7 +4359,7 @@
           <a:p>
             <a:fld id="{30E86C0C-8755-49A7-BEFB-7AA12254EBB9}" type="datetime1">
               <a:rPr lang="en-US" smtClean="0"/>
-              <a:t>1/13/2019</a:t>
+              <a:t>1/14/2019</a:t>
             </a:fld>
             <a:endParaRPr lang="en-US"/>
           </a:p>
@@ -4472,7 +4472,7 @@
           <a:p>
             <a:fld id="{E8B48827-F8F9-4844-A257-9CA23F7E0DA1}" type="datetime1">
               <a:rPr lang="en-US" smtClean="0"/>
-              <a:t>1/13/2019</a:t>
+              <a:t>1/14/2019</a:t>
             </a:fld>
             <a:endParaRPr lang="en-US"/>
           </a:p>
@@ -4783,7 +4783,7 @@
           <a:p>
             <a:fld id="{EE8BAE2C-037A-4C2F-87D7-09EE32575BC5}" type="datetime1">
               <a:rPr lang="en-US" smtClean="0"/>
-              <a:t>1/13/2019</a:t>
+              <a:t>1/14/2019</a:t>
             </a:fld>
             <a:endParaRPr lang="en-US"/>
           </a:p>
@@ -5074,7 +5074,7 @@
           <a:p>
             <a:fld id="{33BA7458-4B9B-4BD7-9049-0CDF114B9A90}" type="datetime1">
               <a:rPr lang="en-US" smtClean="0"/>
-              <a:t>1/13/2019</a:t>
+              <a:t>1/14/2019</a:t>
             </a:fld>
             <a:endParaRPr lang="en-US"/>
           </a:p>
@@ -5272,7 +5272,7 @@
           <a:p>
             <a:fld id="{5F138F74-D09C-4A4F-9011-F5861002FF66}" type="datetime1">
               <a:rPr lang="en-US" smtClean="0"/>
-              <a:t>1/13/2019</a:t>
+              <a:t>1/14/2019</a:t>
             </a:fld>
             <a:endParaRPr lang="en-US"/>
           </a:p>
@@ -5480,7 +5480,7 @@
           <a:p>
             <a:fld id="{B023AC82-5023-4B40-8E7B-CB32645BA3C1}" type="datetime1">
               <a:rPr lang="en-US" smtClean="0"/>
-              <a:t>1/13/2019</a:t>
+              <a:t>1/14/2019</a:t>
             </a:fld>
             <a:endParaRPr lang="en-US"/>
           </a:p>
@@ -5689,7 +5689,7 @@
           <a:p>
             <a:fld id="{CB9270DE-3C8A-43D2-B05F-DCE66535FA1A}" type="datetime1">
               <a:rPr lang="en-US" smtClean="0"/>
-              <a:t>1/13/2019</a:t>
+              <a:t>1/14/2019</a:t>
             </a:fld>
             <a:endParaRPr lang="en-US"/>
           </a:p>
@@ -5992,7 +5992,7 @@
           <a:p>
             <a:fld id="{5F9A8E4F-B453-4822-A448-33EE436F9AB4}" type="datetime1">
               <a:rPr lang="en-US" smtClean="0"/>
-              <a:t>1/13/2019</a:t>
+              <a:t>1/14/2019</a:t>
             </a:fld>
             <a:endParaRPr lang="en-US"/>
           </a:p>
@@ -6434,7 +6434,7 @@
           <a:p>
             <a:fld id="{F917497C-C63C-412A-9DFD-A2E04718E293}" type="datetime1">
               <a:rPr lang="en-US" smtClean="0"/>
-              <a:t>1/13/2019</a:t>
+              <a:t>1/14/2019</a:t>
             </a:fld>
             <a:endParaRPr lang="en-US"/>
           </a:p>
@@ -6569,7 +6569,7 @@
           <a:p>
             <a:fld id="{F6E66BCC-7079-4559-85D5-50A66D933026}" type="datetime1">
               <a:rPr lang="en-US" smtClean="0"/>
-              <a:t>1/13/2019</a:t>
+              <a:t>1/14/2019</a:t>
             </a:fld>
             <a:endParaRPr lang="en-US"/>
           </a:p>
@@ -6682,7 +6682,7 @@
           <a:p>
             <a:fld id="{6B4C6DDB-E43F-4445-B916-EA8EF73BA2E9}" type="datetime1">
               <a:rPr lang="en-US" smtClean="0"/>
-              <a:t>1/13/2019</a:t>
+              <a:t>1/14/2019</a:t>
             </a:fld>
             <a:endParaRPr lang="en-US"/>
           </a:p>
@@ -6975,7 +6975,7 @@
           <a:p>
             <a:fld id="{28A0BF00-D669-4C78-910C-5733C04ABD2D}" type="datetime1">
               <a:rPr lang="en-US" smtClean="0"/>
-              <a:t>1/13/2019</a:t>
+              <a:t>1/14/2019</a:t>
             </a:fld>
             <a:endParaRPr lang="en-US"/>
           </a:p>
@@ -7249,7 +7249,7 @@
           <a:p>
             <a:fld id="{1D17FF70-BB30-46BB-AA76-2B519CE88675}" type="datetime1">
               <a:rPr lang="en-US" smtClean="0"/>
-              <a:t>1/13/2019</a:t>
+              <a:t>1/14/2019</a:t>
             </a:fld>
             <a:endParaRPr lang="en-US"/>
           </a:p>
@@ -7543,7 +7543,7 @@
           <a:p>
             <a:fld id="{793CCD87-1551-4F91-BE02-F4A09E617739}" type="datetime1">
               <a:rPr lang="en-US" smtClean="0"/>
-              <a:t>1/13/2019</a:t>
+              <a:t>1/14/2019</a:t>
             </a:fld>
             <a:endParaRPr lang="en-US"/>
           </a:p>
@@ -8390,7 +8390,7 @@
           <a:p>
             <a:fld id="{FBD26717-3E2A-491D-9A2B-0D747605CA1D}" type="datetime1">
               <a:rPr lang="en-US" smtClean="0"/>
-              <a:t>1/13/2019</a:t>
+              <a:t>1/14/2019</a:t>
             </a:fld>
             <a:endParaRPr lang="en-US"/>
           </a:p>
@@ -9143,6 +9143,13 @@
   <p:clrMapOvr>
     <a:masterClrMapping/>
   </p:clrMapOvr>
+  <p:timing>
+    <p:tnLst>
+      <p:par>
+        <p:cTn id="1" dur="indefinite" restart="never" nodeType="tmRoot"/>
+      </p:par>
+    </p:tnLst>
+  </p:timing>
 </p:sld>
 </file>
 
@@ -9364,7 +9371,15 @@
             </a:r>
             <a:r>
               <a:rPr lang="es-419" dirty="0" err="1" smtClean="0"/>
-              <a:t>replicate</a:t>
+              <a:t>first</a:t>
+            </a:r>
+            <a:r>
+              <a:rPr lang="es-419" dirty="0" smtClean="0"/>
+              <a:t> m </a:t>
+            </a:r>
+            <a:r>
+              <a:rPr lang="es-419" dirty="0" err="1" smtClean="0"/>
+              <a:t>samples</a:t>
             </a:r>
             <a:r>
               <a:rPr lang="es-419" dirty="0" smtClean="0"/>
@@ -9477,8 +9492,16 @@
               <a:t>function</a:t>
             </a:r>
             <a:r>
+              <a:rPr lang="es-419" smtClean="0"/>
+              <a:t> </a:t>
+            </a:r>
+            <a:r>
+              <a:rPr lang="es-419" smtClean="0"/>
+              <a:t>y=h(x</a:t>
+            </a:r>
+            <a:r>
               <a:rPr lang="es-419" dirty="0" smtClean="0"/>
-              <a:t> h(x)=x^2. </a:t>
+              <a:t>)=x^2. </a:t>
             </a:r>
             <a:r>
               <a:rPr lang="es-419" dirty="0" err="1" smtClean="0"/>
@@ -9892,7 +9915,7 @@
           <a:graphicData uri="http://schemas.openxmlformats.org/presentationml/2006/ole">
             <mc:AlternateContent xmlns:mc="http://schemas.openxmlformats.org/markup-compatibility/2006">
               <mc:Choice xmlns:v="urn:schemas-microsoft-com:vml" Requires="v">
-                <p:oleObj spid="_x0000_s4106" name="Equation" r:id="rId3" imgW="1587240" imgH="330120" progId="Equation.DSMT4">
+                <p:oleObj spid="_x0000_s4111" name="Equation" r:id="rId3" imgW="1587240" imgH="330120" progId="Equation.DSMT4">
                   <p:embed/>
                 </p:oleObj>
               </mc:Choice>
@@ -9937,6 +9960,13 @@
   <p:clrMapOvr>
     <a:masterClrMapping/>
   </p:clrMapOvr>
+  <p:timing>
+    <p:tnLst>
+      <p:par>
+        <p:cTn id="1" dur="indefinite" restart="never" nodeType="tmRoot"/>
+      </p:par>
+    </p:tnLst>
+  </p:timing>
 </p:sld>
 </file>
 
@@ -10349,6 +10379,13 @@
   <p:clrMapOvr>
     <a:masterClrMapping/>
   </p:clrMapOvr>
+  <p:timing>
+    <p:tnLst>
+      <p:par>
+        <p:cTn id="1" dur="indefinite" restart="never" nodeType="tmRoot"/>
+      </p:par>
+    </p:tnLst>
+  </p:timing>
 </p:sld>
 </file>
 
@@ -11031,6 +11068,13 @@
   <p:clrMapOvr>
     <a:masterClrMapping/>
   </p:clrMapOvr>
+  <p:timing>
+    <p:tnLst>
+      <p:par>
+        <p:cTn id="1" dur="indefinite" restart="never" nodeType="tmRoot"/>
+      </p:par>
+    </p:tnLst>
+  </p:timing>
 </p:sld>
 </file>
 
@@ -11568,6 +11612,13 @@
   <p:clrMapOvr>
     <a:masterClrMapping/>
   </p:clrMapOvr>
+  <p:timing>
+    <p:tnLst>
+      <p:par>
+        <p:cTn id="1" dur="indefinite" restart="never" nodeType="tmRoot"/>
+      </p:par>
+    </p:tnLst>
+  </p:timing>
 </p:sld>
 </file>
 
@@ -11681,6 +11732,13 @@
   <p:clrMapOvr>
     <a:masterClrMapping/>
   </p:clrMapOvr>
+  <p:timing>
+    <p:tnLst>
+      <p:par>
+        <p:cTn id="1" dur="indefinite" restart="never" nodeType="tmRoot"/>
+      </p:par>
+    </p:tnLst>
+  </p:timing>
 </p:sld>
 </file>
 
@@ -12196,6 +12254,13 @@
   <p:clrMapOvr>
     <a:masterClrMapping/>
   </p:clrMapOvr>
+  <p:timing>
+    <p:tnLst>
+      <p:par>
+        <p:cTn id="1" dur="indefinite" restart="never" nodeType="tmRoot"/>
+      </p:par>
+    </p:tnLst>
+  </p:timing>
 </p:sld>
 </file>
 
@@ -12519,7 +12584,7 @@
         </p:spPr>
         <p:txBody>
           <a:bodyPr>
-            <a:normAutofit lnSpcReduction="10000"/>
+            <a:normAutofit fontScale="92500"/>
           </a:bodyPr>
           <a:lstStyle/>
           <a:p>
@@ -12760,12 +12825,28 @@
               <a:t>? </a:t>
             </a:r>
             <a:r>
+              <a:rPr lang="es-419" dirty="0" smtClean="0"/>
+              <a:t>[La parte mas </a:t>
+            </a:r>
+            <a:r>
+              <a:rPr lang="es-419" dirty="0" err="1" smtClean="0"/>
+              <a:t>dificil</a:t>
+            </a:r>
+            <a:r>
+              <a:rPr lang="es-419" dirty="0" smtClean="0"/>
+              <a:t>] </a:t>
+            </a:r>
+            <a:r>
               <a:rPr lang="es-419" dirty="0" err="1" smtClean="0"/>
               <a:t>Calculate</a:t>
             </a:r>
             <a:r>
               <a:rPr lang="es-419" dirty="0" smtClean="0"/>
-              <a:t> P(.35&lt;X&lt; .98)</a:t>
+              <a:t> </a:t>
+            </a:r>
+            <a:r>
+              <a:rPr lang="es-419" dirty="0" smtClean="0"/>
+              <a:t>P(.35&lt;X&lt; .98)</a:t>
             </a:r>
           </a:p>
         </p:txBody>
@@ -12821,7 +12902,7 @@
           <a:graphicData uri="http://schemas.openxmlformats.org/presentationml/2006/ole">
             <mc:AlternateContent xmlns:mc="http://schemas.openxmlformats.org/markup-compatibility/2006">
               <mc:Choice xmlns:v="urn:schemas-microsoft-com:vml" Requires="v">
-                <p:oleObj spid="_x0000_s3107" name="Equation" r:id="rId3" imgW="1688760" imgH="711000" progId="Equation.DSMT4">
+                <p:oleObj spid="_x0000_s3112" name="Equation" r:id="rId3" imgW="1688760" imgH="711000" progId="Equation.DSMT4">
                   <p:embed/>
                 </p:oleObj>
               </mc:Choice>
@@ -12866,6 +12947,13 @@
   <p:clrMapOvr>
     <a:masterClrMapping/>
   </p:clrMapOvr>
+  <p:timing>
+    <p:tnLst>
+      <p:par>
+        <p:cTn id="1" dur="indefinite" restart="never" nodeType="tmRoot"/>
+      </p:par>
+    </p:tnLst>
+  </p:timing>
 </p:sld>
 </file>
 

--- a/dia1/lab1_integration.pptx
+++ b/dia1/lab1_integration.pptx
@@ -212,7 +212,7 @@
           <a:p>
             <a:fld id="{F2388989-7179-4868-8471-A7A056B96C7C}" type="datetimeFigureOut">
               <a:rPr lang="en-US" smtClean="0"/>
-              <a:t>1/14/2019</a:t>
+              <a:t>1/22/2019</a:t>
             </a:fld>
             <a:endParaRPr lang="en-US"/>
           </a:p>
@@ -561,7 +561,7 @@
           </a:ln>
           <a:extLst>
             <a:ext uri="{909E8E84-426E-40dd-AFC4-6F175D3DCCD1}">
-              <a14:hiddenFill xmlns:a14="http://schemas.microsoft.com/office/drawing/2010/main" xmlns="">
+              <a14:hiddenFill xmlns="" xmlns:a14="http://schemas.microsoft.com/office/drawing/2010/main">
                 <a:solidFill>
                   <a:srgbClr val="FFFFFF"/>
                 </a:solidFill>
@@ -604,7 +604,7 @@
           </a:ln>
           <a:extLst>
             <a:ext uri="{909E8E84-426E-40dd-AFC4-6F175D3DCCD1}">
-              <a14:hiddenFill xmlns:a14="http://schemas.microsoft.com/office/drawing/2010/main" xmlns="">
+              <a14:hiddenFill xmlns="" xmlns:a14="http://schemas.microsoft.com/office/drawing/2010/main">
                 <a:noFill/>
               </a14:hiddenFill>
             </a:ext>
@@ -703,7 +703,7 @@
           <a:p>
             <a:fld id="{473094AD-038C-43A2-A4DE-BB0813E6E51E}" type="datetime1">
               <a:rPr lang="en-US" smtClean="0"/>
-              <a:t>1/14/2019</a:t>
+              <a:t>1/22/2019</a:t>
             </a:fld>
             <a:endParaRPr lang="en-US"/>
           </a:p>
@@ -890,7 +890,7 @@
           <a:p>
             <a:fld id="{1F0E199C-061B-4949-9C96-AC248C0D8DD3}" type="datetime1">
               <a:rPr lang="en-US" smtClean="0"/>
-              <a:t>1/14/2019</a:t>
+              <a:t>1/22/2019</a:t>
             </a:fld>
             <a:endParaRPr lang="en-US"/>
           </a:p>
@@ -1086,7 +1086,7 @@
           <a:p>
             <a:fld id="{EF845CA7-EB4A-4003-96F7-46C5013AEA42}" type="datetime1">
               <a:rPr lang="en-US" smtClean="0"/>
-              <a:t>1/14/2019</a:t>
+              <a:t>1/22/2019</a:t>
             </a:fld>
             <a:endParaRPr lang="en-US"/>
           </a:p>
@@ -1338,7 +1338,7 @@
           <a:p>
             <a:fld id="{2D858B87-F135-4381-8E7E-B64D4228932C}" type="datetime1">
               <a:rPr lang="en-US" smtClean="0"/>
-              <a:t>1/14/2019</a:t>
+              <a:t>1/22/2019</a:t>
             </a:fld>
             <a:endParaRPr lang="en-US"/>
           </a:p>
@@ -1562,7 +1562,7 @@
           <a:p>
             <a:fld id="{3B3C5764-E191-4322-8BA3-3D7CBE2CF8D1}" type="datetime1">
               <a:rPr lang="en-US" smtClean="0"/>
-              <a:t>1/14/2019</a:t>
+              <a:t>1/22/2019</a:t>
             </a:fld>
             <a:endParaRPr lang="en-US"/>
           </a:p>
@@ -1870,7 +1870,7 @@
           <a:p>
             <a:fld id="{CCFF9CC7-9DD7-495E-8E0C-D2152E7ED385}" type="datetime1">
               <a:rPr lang="en-US" smtClean="0"/>
-              <a:t>1/14/2019</a:t>
+              <a:t>1/22/2019</a:t>
             </a:fld>
             <a:endParaRPr lang="en-US"/>
           </a:p>
@@ -2038,7 +2038,7 @@
           <a:p>
             <a:fld id="{7AF3F41F-A6FA-40C5-99E0-3F86C98F6608}" type="datetime1">
               <a:rPr lang="en-US" smtClean="0"/>
-              <a:t>1/14/2019</a:t>
+              <a:t>1/22/2019</a:t>
             </a:fld>
             <a:endParaRPr lang="en-US"/>
           </a:p>
@@ -2350,7 +2350,7 @@
           <a:p>
             <a:fld id="{9620DF9F-793E-4985-B9D8-992C6E2DA332}" type="datetime1">
               <a:rPr lang="en-US" smtClean="0"/>
-              <a:t>1/14/2019</a:t>
+              <a:t>1/22/2019</a:t>
             </a:fld>
             <a:endParaRPr lang="en-US"/>
           </a:p>
@@ -2662,7 +2662,7 @@
           <a:p>
             <a:fld id="{796EA9D4-2AD1-4101-A286-77D37AAADFED}" type="datetime1">
               <a:rPr lang="en-US" smtClean="0"/>
-              <a:t>1/14/2019</a:t>
+              <a:t>1/22/2019</a:t>
             </a:fld>
             <a:endParaRPr lang="en-US"/>
           </a:p>
@@ -2757,7 +2757,7 @@
           <p:cNvPr id="2" name="Title 1">
             <a:extLst>
               <a:ext uri="{FF2B5EF4-FFF2-40B4-BE49-F238E27FC236}">
-                <a16:creationId xmlns:a16="http://schemas.microsoft.com/office/drawing/2014/main" xmlns="" id="{B71CF23E-A9A7-4BC4-95F7-2EA1ABE46609}"/>
+                <a16:creationId xmlns="" xmlns:a16="http://schemas.microsoft.com/office/drawing/2014/main" id="{B71CF23E-A9A7-4BC4-95F7-2EA1ABE46609}"/>
               </a:ext>
             </a:extLst>
           </p:cNvPr>
@@ -2794,7 +2794,7 @@
           <p:cNvPr id="3" name="Subtitle 2">
             <a:extLst>
               <a:ext uri="{FF2B5EF4-FFF2-40B4-BE49-F238E27FC236}">
-                <a16:creationId xmlns:a16="http://schemas.microsoft.com/office/drawing/2014/main" xmlns="" id="{4C32A1A5-4A74-40DB-BD00-EF75DA641BC6}"/>
+                <a16:creationId xmlns="" xmlns:a16="http://schemas.microsoft.com/office/drawing/2014/main" id="{4C32A1A5-4A74-40DB-BD00-EF75DA641BC6}"/>
               </a:ext>
             </a:extLst>
           </p:cNvPr>
@@ -2864,7 +2864,7 @@
           <p:cNvPr id="4" name="Date Placeholder 3">
             <a:extLst>
               <a:ext uri="{FF2B5EF4-FFF2-40B4-BE49-F238E27FC236}">
-                <a16:creationId xmlns:a16="http://schemas.microsoft.com/office/drawing/2014/main" xmlns="" id="{283419CA-8552-4F7F-867A-9283C1BF6246}"/>
+                <a16:creationId xmlns="" xmlns:a16="http://schemas.microsoft.com/office/drawing/2014/main" id="{283419CA-8552-4F7F-867A-9283C1BF6246}"/>
               </a:ext>
             </a:extLst>
           </p:cNvPr>
@@ -2882,7 +2882,7 @@
           <a:p>
             <a:fld id="{2BD0993A-8691-4A87-9C49-3CE884C47D45}" type="datetime1">
               <a:rPr lang="en-US" smtClean="0"/>
-              <a:t>1/14/2019</a:t>
+              <a:t>1/22/2019</a:t>
             </a:fld>
             <a:endParaRPr lang="en-US"/>
           </a:p>
@@ -2893,7 +2893,7 @@
           <p:cNvPr id="5" name="Footer Placeholder 4">
             <a:extLst>
               <a:ext uri="{FF2B5EF4-FFF2-40B4-BE49-F238E27FC236}">
-                <a16:creationId xmlns:a16="http://schemas.microsoft.com/office/drawing/2014/main" xmlns="" id="{CA087CF2-81DC-44AC-8C0F-EC75E3CC59FF}"/>
+                <a16:creationId xmlns="" xmlns:a16="http://schemas.microsoft.com/office/drawing/2014/main" id="{CA087CF2-81DC-44AC-8C0F-EC75E3CC59FF}"/>
               </a:ext>
             </a:extLst>
           </p:cNvPr>
@@ -2918,7 +2918,7 @@
           <p:cNvPr id="6" name="Slide Number Placeholder 5">
             <a:extLst>
               <a:ext uri="{FF2B5EF4-FFF2-40B4-BE49-F238E27FC236}">
-                <a16:creationId xmlns:a16="http://schemas.microsoft.com/office/drawing/2014/main" xmlns="" id="{EF921941-0701-4766-9DF8-5041E6E7EE80}"/>
+                <a16:creationId xmlns="" xmlns:a16="http://schemas.microsoft.com/office/drawing/2014/main" id="{EF921941-0701-4766-9DF8-5041E6E7EE80}"/>
               </a:ext>
             </a:extLst>
           </p:cNvPr>
@@ -2977,7 +2977,7 @@
           <p:cNvPr id="2" name="Title 1">
             <a:extLst>
               <a:ext uri="{FF2B5EF4-FFF2-40B4-BE49-F238E27FC236}">
-                <a16:creationId xmlns:a16="http://schemas.microsoft.com/office/drawing/2014/main" xmlns="" id="{37144697-D400-4CDB-A43C-6E8D7964504E}"/>
+                <a16:creationId xmlns="" xmlns:a16="http://schemas.microsoft.com/office/drawing/2014/main" id="{37144697-D400-4CDB-A43C-6E8D7964504E}"/>
               </a:ext>
             </a:extLst>
           </p:cNvPr>
@@ -3005,7 +3005,7 @@
           <p:cNvPr id="3" name="Content Placeholder 2">
             <a:extLst>
               <a:ext uri="{FF2B5EF4-FFF2-40B4-BE49-F238E27FC236}">
-                <a16:creationId xmlns:a16="http://schemas.microsoft.com/office/drawing/2014/main" xmlns="" id="{A8E3CC9E-3888-4503-A6F1-7DA0D3C5C807}"/>
+                <a16:creationId xmlns="" xmlns:a16="http://schemas.microsoft.com/office/drawing/2014/main" id="{A8E3CC9E-3888-4503-A6F1-7DA0D3C5C807}"/>
               </a:ext>
             </a:extLst>
           </p:cNvPr>
@@ -3062,7 +3062,7 @@
           <p:cNvPr id="4" name="Date Placeholder 3">
             <a:extLst>
               <a:ext uri="{FF2B5EF4-FFF2-40B4-BE49-F238E27FC236}">
-                <a16:creationId xmlns:a16="http://schemas.microsoft.com/office/drawing/2014/main" xmlns="" id="{26FBD3F8-CB83-4407-B13D-73FBB80A4FC3}"/>
+                <a16:creationId xmlns="" xmlns:a16="http://schemas.microsoft.com/office/drawing/2014/main" id="{26FBD3F8-CB83-4407-B13D-73FBB80A4FC3}"/>
               </a:ext>
             </a:extLst>
           </p:cNvPr>
@@ -3080,7 +3080,7 @@
           <a:p>
             <a:fld id="{BF316B00-A11D-4D80-BD0B-755A2969FF78}" type="datetime1">
               <a:rPr lang="en-US" smtClean="0"/>
-              <a:t>1/14/2019</a:t>
+              <a:t>1/22/2019</a:t>
             </a:fld>
             <a:endParaRPr lang="en-US"/>
           </a:p>
@@ -3091,7 +3091,7 @@
           <p:cNvPr id="5" name="Footer Placeholder 4">
             <a:extLst>
               <a:ext uri="{FF2B5EF4-FFF2-40B4-BE49-F238E27FC236}">
-                <a16:creationId xmlns:a16="http://schemas.microsoft.com/office/drawing/2014/main" xmlns="" id="{CE023359-2BC0-481A-B7D1-6098718C6BB3}"/>
+                <a16:creationId xmlns="" xmlns:a16="http://schemas.microsoft.com/office/drawing/2014/main" id="{CE023359-2BC0-481A-B7D1-6098718C6BB3}"/>
               </a:ext>
             </a:extLst>
           </p:cNvPr>
@@ -3116,7 +3116,7 @@
           <p:cNvPr id="6" name="Slide Number Placeholder 5">
             <a:extLst>
               <a:ext uri="{FF2B5EF4-FFF2-40B4-BE49-F238E27FC236}">
-                <a16:creationId xmlns:a16="http://schemas.microsoft.com/office/drawing/2014/main" xmlns="" id="{A11A6E9F-88A0-4FDB-8BB3-E5DCE33152D0}"/>
+                <a16:creationId xmlns="" xmlns:a16="http://schemas.microsoft.com/office/drawing/2014/main" id="{A11A6E9F-88A0-4FDB-8BB3-E5DCE33152D0}"/>
               </a:ext>
             </a:extLst>
           </p:cNvPr>
@@ -3266,7 +3266,7 @@
           <a:p>
             <a:fld id="{FB49576D-E9F4-42BB-BC13-B23B3C4B0843}" type="datetime1">
               <a:rPr lang="en-US" smtClean="0"/>
-              <a:t>1/14/2019</a:t>
+              <a:t>1/22/2019</a:t>
             </a:fld>
             <a:endParaRPr lang="en-US"/>
           </a:p>
@@ -3361,7 +3361,7 @@
           <p:cNvPr id="2" name="Title 1">
             <a:extLst>
               <a:ext uri="{FF2B5EF4-FFF2-40B4-BE49-F238E27FC236}">
-                <a16:creationId xmlns:a16="http://schemas.microsoft.com/office/drawing/2014/main" xmlns="" id="{9597F460-9CF5-48A5-9FD7-74130EA9D090}"/>
+                <a16:creationId xmlns="" xmlns:a16="http://schemas.microsoft.com/office/drawing/2014/main" id="{9597F460-9CF5-48A5-9FD7-74130EA9D090}"/>
               </a:ext>
             </a:extLst>
           </p:cNvPr>
@@ -3398,7 +3398,7 @@
           <p:cNvPr id="3" name="Text Placeholder 2">
             <a:extLst>
               <a:ext uri="{FF2B5EF4-FFF2-40B4-BE49-F238E27FC236}">
-                <a16:creationId xmlns:a16="http://schemas.microsoft.com/office/drawing/2014/main" xmlns="" id="{49B594AC-0301-497E-A865-3EDEB0455D95}"/>
+                <a16:creationId xmlns="" xmlns:a16="http://schemas.microsoft.com/office/drawing/2014/main" id="{49B594AC-0301-497E-A865-3EDEB0455D95}"/>
               </a:ext>
             </a:extLst>
           </p:cNvPr>
@@ -3523,7 +3523,7 @@
           <p:cNvPr id="4" name="Date Placeholder 3">
             <a:extLst>
               <a:ext uri="{FF2B5EF4-FFF2-40B4-BE49-F238E27FC236}">
-                <a16:creationId xmlns:a16="http://schemas.microsoft.com/office/drawing/2014/main" xmlns="" id="{B6867BF5-02FD-4E65-B262-D3B73E2566A5}"/>
+                <a16:creationId xmlns="" xmlns:a16="http://schemas.microsoft.com/office/drawing/2014/main" id="{B6867BF5-02FD-4E65-B262-D3B73E2566A5}"/>
               </a:ext>
             </a:extLst>
           </p:cNvPr>
@@ -3541,7 +3541,7 @@
           <a:p>
             <a:fld id="{C79C30F5-8523-4EB9-ACC0-9A01E3FEDA29}" type="datetime1">
               <a:rPr lang="en-US" smtClean="0"/>
-              <a:t>1/14/2019</a:t>
+              <a:t>1/22/2019</a:t>
             </a:fld>
             <a:endParaRPr lang="en-US"/>
           </a:p>
@@ -3552,7 +3552,7 @@
           <p:cNvPr id="5" name="Footer Placeholder 4">
             <a:extLst>
               <a:ext uri="{FF2B5EF4-FFF2-40B4-BE49-F238E27FC236}">
-                <a16:creationId xmlns:a16="http://schemas.microsoft.com/office/drawing/2014/main" xmlns="" id="{6AF6E24C-4F7E-4A37-9ECF-4185FB257B04}"/>
+                <a16:creationId xmlns="" xmlns:a16="http://schemas.microsoft.com/office/drawing/2014/main" id="{6AF6E24C-4F7E-4A37-9ECF-4185FB257B04}"/>
               </a:ext>
             </a:extLst>
           </p:cNvPr>
@@ -3577,7 +3577,7 @@
           <p:cNvPr id="6" name="Slide Number Placeholder 5">
             <a:extLst>
               <a:ext uri="{FF2B5EF4-FFF2-40B4-BE49-F238E27FC236}">
-                <a16:creationId xmlns:a16="http://schemas.microsoft.com/office/drawing/2014/main" xmlns="" id="{9954B23E-ECBC-41AF-9940-EF8DAB4A2747}"/>
+                <a16:creationId xmlns="" xmlns:a16="http://schemas.microsoft.com/office/drawing/2014/main" id="{9954B23E-ECBC-41AF-9940-EF8DAB4A2747}"/>
               </a:ext>
             </a:extLst>
           </p:cNvPr>
@@ -3636,7 +3636,7 @@
           <p:cNvPr id="2" name="Title 1">
             <a:extLst>
               <a:ext uri="{FF2B5EF4-FFF2-40B4-BE49-F238E27FC236}">
-                <a16:creationId xmlns:a16="http://schemas.microsoft.com/office/drawing/2014/main" xmlns="" id="{7E648D9B-6755-402A-B462-934F4C9F2307}"/>
+                <a16:creationId xmlns="" xmlns:a16="http://schemas.microsoft.com/office/drawing/2014/main" id="{7E648D9B-6755-402A-B462-934F4C9F2307}"/>
               </a:ext>
             </a:extLst>
           </p:cNvPr>
@@ -3664,7 +3664,7 @@
           <p:cNvPr id="3" name="Content Placeholder 2">
             <a:extLst>
               <a:ext uri="{FF2B5EF4-FFF2-40B4-BE49-F238E27FC236}">
-                <a16:creationId xmlns:a16="http://schemas.microsoft.com/office/drawing/2014/main" xmlns="" id="{5DEDB74C-C673-4D78-B6B9-AAB707E00E97}"/>
+                <a16:creationId xmlns="" xmlns:a16="http://schemas.microsoft.com/office/drawing/2014/main" id="{5DEDB74C-C673-4D78-B6B9-AAB707E00E97}"/>
               </a:ext>
             </a:extLst>
           </p:cNvPr>
@@ -3726,7 +3726,7 @@
           <p:cNvPr id="4" name="Content Placeholder 3">
             <a:extLst>
               <a:ext uri="{FF2B5EF4-FFF2-40B4-BE49-F238E27FC236}">
-                <a16:creationId xmlns:a16="http://schemas.microsoft.com/office/drawing/2014/main" xmlns="" id="{17DDD626-EE52-4003-BDB2-6B58FFF5C929}"/>
+                <a16:creationId xmlns="" xmlns:a16="http://schemas.microsoft.com/office/drawing/2014/main" id="{17DDD626-EE52-4003-BDB2-6B58FFF5C929}"/>
               </a:ext>
             </a:extLst>
           </p:cNvPr>
@@ -3788,7 +3788,7 @@
           <p:cNvPr id="5" name="Date Placeholder 4">
             <a:extLst>
               <a:ext uri="{FF2B5EF4-FFF2-40B4-BE49-F238E27FC236}">
-                <a16:creationId xmlns:a16="http://schemas.microsoft.com/office/drawing/2014/main" xmlns="" id="{D866BB07-37B0-4ADE-BDD5-8BAA1538618B}"/>
+                <a16:creationId xmlns="" xmlns:a16="http://schemas.microsoft.com/office/drawing/2014/main" id="{D866BB07-37B0-4ADE-BDD5-8BAA1538618B}"/>
               </a:ext>
             </a:extLst>
           </p:cNvPr>
@@ -3806,7 +3806,7 @@
           <a:p>
             <a:fld id="{31EA960D-B428-435A-A5E7-264A6D063906}" type="datetime1">
               <a:rPr lang="en-US" smtClean="0"/>
-              <a:t>1/14/2019</a:t>
+              <a:t>1/22/2019</a:t>
             </a:fld>
             <a:endParaRPr lang="en-US"/>
           </a:p>
@@ -3817,7 +3817,7 @@
           <p:cNvPr id="6" name="Footer Placeholder 5">
             <a:extLst>
               <a:ext uri="{FF2B5EF4-FFF2-40B4-BE49-F238E27FC236}">
-                <a16:creationId xmlns:a16="http://schemas.microsoft.com/office/drawing/2014/main" xmlns="" id="{78F672CB-A11B-472F-A155-3344D8C8E4A2}"/>
+                <a16:creationId xmlns="" xmlns:a16="http://schemas.microsoft.com/office/drawing/2014/main" id="{78F672CB-A11B-472F-A155-3344D8C8E4A2}"/>
               </a:ext>
             </a:extLst>
           </p:cNvPr>
@@ -3842,7 +3842,7 @@
           <p:cNvPr id="7" name="Slide Number Placeholder 6">
             <a:extLst>
               <a:ext uri="{FF2B5EF4-FFF2-40B4-BE49-F238E27FC236}">
-                <a16:creationId xmlns:a16="http://schemas.microsoft.com/office/drawing/2014/main" xmlns="" id="{1C546685-E2C5-46D3-ACAC-21A6CA6486F6}"/>
+                <a16:creationId xmlns="" xmlns:a16="http://schemas.microsoft.com/office/drawing/2014/main" id="{1C546685-E2C5-46D3-ACAC-21A6CA6486F6}"/>
               </a:ext>
             </a:extLst>
           </p:cNvPr>
@@ -3901,7 +3901,7 @@
           <p:cNvPr id="2" name="Title 1">
             <a:extLst>
               <a:ext uri="{FF2B5EF4-FFF2-40B4-BE49-F238E27FC236}">
-                <a16:creationId xmlns:a16="http://schemas.microsoft.com/office/drawing/2014/main" xmlns="" id="{76DEACA0-C1EC-487A-84B2-69DD9ADE4C9C}"/>
+                <a16:creationId xmlns="" xmlns:a16="http://schemas.microsoft.com/office/drawing/2014/main" id="{76DEACA0-C1EC-487A-84B2-69DD9ADE4C9C}"/>
               </a:ext>
             </a:extLst>
           </p:cNvPr>
@@ -3934,7 +3934,7 @@
           <p:cNvPr id="3" name="Text Placeholder 2">
             <a:extLst>
               <a:ext uri="{FF2B5EF4-FFF2-40B4-BE49-F238E27FC236}">
-                <a16:creationId xmlns:a16="http://schemas.microsoft.com/office/drawing/2014/main" xmlns="" id="{AF8CEDCD-0CC8-48BB-9699-3781791AF447}"/>
+                <a16:creationId xmlns="" xmlns:a16="http://schemas.microsoft.com/office/drawing/2014/main" id="{AF8CEDCD-0CC8-48BB-9699-3781791AF447}"/>
               </a:ext>
             </a:extLst>
           </p:cNvPr>
@@ -4005,7 +4005,7 @@
           <p:cNvPr id="4" name="Content Placeholder 3">
             <a:extLst>
               <a:ext uri="{FF2B5EF4-FFF2-40B4-BE49-F238E27FC236}">
-                <a16:creationId xmlns:a16="http://schemas.microsoft.com/office/drawing/2014/main" xmlns="" id="{E1830633-47E7-41AC-A121-C21895B2EB24}"/>
+                <a16:creationId xmlns="" xmlns:a16="http://schemas.microsoft.com/office/drawing/2014/main" id="{E1830633-47E7-41AC-A121-C21895B2EB24}"/>
               </a:ext>
             </a:extLst>
           </p:cNvPr>
@@ -4067,7 +4067,7 @@
           <p:cNvPr id="5" name="Text Placeholder 4">
             <a:extLst>
               <a:ext uri="{FF2B5EF4-FFF2-40B4-BE49-F238E27FC236}">
-                <a16:creationId xmlns:a16="http://schemas.microsoft.com/office/drawing/2014/main" xmlns="" id="{D8ACB11A-174F-47B0-983E-3E7592BC0703}"/>
+                <a16:creationId xmlns="" xmlns:a16="http://schemas.microsoft.com/office/drawing/2014/main" id="{D8ACB11A-174F-47B0-983E-3E7592BC0703}"/>
               </a:ext>
             </a:extLst>
           </p:cNvPr>
@@ -4138,7 +4138,7 @@
           <p:cNvPr id="6" name="Content Placeholder 5">
             <a:extLst>
               <a:ext uri="{FF2B5EF4-FFF2-40B4-BE49-F238E27FC236}">
-                <a16:creationId xmlns:a16="http://schemas.microsoft.com/office/drawing/2014/main" xmlns="" id="{F2F071EE-91A7-4BE7-9409-DD7276114AC8}"/>
+                <a16:creationId xmlns="" xmlns:a16="http://schemas.microsoft.com/office/drawing/2014/main" id="{F2F071EE-91A7-4BE7-9409-DD7276114AC8}"/>
               </a:ext>
             </a:extLst>
           </p:cNvPr>
@@ -4200,7 +4200,7 @@
           <p:cNvPr id="7" name="Date Placeholder 6">
             <a:extLst>
               <a:ext uri="{FF2B5EF4-FFF2-40B4-BE49-F238E27FC236}">
-                <a16:creationId xmlns:a16="http://schemas.microsoft.com/office/drawing/2014/main" xmlns="" id="{D0ABC714-9731-444C-8013-F80E6109DA69}"/>
+                <a16:creationId xmlns="" xmlns:a16="http://schemas.microsoft.com/office/drawing/2014/main" id="{D0ABC714-9731-444C-8013-F80E6109DA69}"/>
               </a:ext>
             </a:extLst>
           </p:cNvPr>
@@ -4218,7 +4218,7 @@
           <a:p>
             <a:fld id="{3C27B052-FF7D-466F-9234-659183862C88}" type="datetime1">
               <a:rPr lang="en-US" smtClean="0"/>
-              <a:t>1/14/2019</a:t>
+              <a:t>1/22/2019</a:t>
             </a:fld>
             <a:endParaRPr lang="en-US"/>
           </a:p>
@@ -4229,7 +4229,7 @@
           <p:cNvPr id="8" name="Footer Placeholder 7">
             <a:extLst>
               <a:ext uri="{FF2B5EF4-FFF2-40B4-BE49-F238E27FC236}">
-                <a16:creationId xmlns:a16="http://schemas.microsoft.com/office/drawing/2014/main" xmlns="" id="{0A983215-7901-4E23-9BE9-F424DB84F36C}"/>
+                <a16:creationId xmlns="" xmlns:a16="http://schemas.microsoft.com/office/drawing/2014/main" id="{0A983215-7901-4E23-9BE9-F424DB84F36C}"/>
               </a:ext>
             </a:extLst>
           </p:cNvPr>
@@ -4254,7 +4254,7 @@
           <p:cNvPr id="9" name="Slide Number Placeholder 8">
             <a:extLst>
               <a:ext uri="{FF2B5EF4-FFF2-40B4-BE49-F238E27FC236}">
-                <a16:creationId xmlns:a16="http://schemas.microsoft.com/office/drawing/2014/main" xmlns="" id="{3A1A8C8B-16EB-4115-966F-B4347ECC472E}"/>
+                <a16:creationId xmlns="" xmlns:a16="http://schemas.microsoft.com/office/drawing/2014/main" id="{3A1A8C8B-16EB-4115-966F-B4347ECC472E}"/>
               </a:ext>
             </a:extLst>
           </p:cNvPr>
@@ -4313,7 +4313,7 @@
           <p:cNvPr id="2" name="Title 1">
             <a:extLst>
               <a:ext uri="{FF2B5EF4-FFF2-40B4-BE49-F238E27FC236}">
-                <a16:creationId xmlns:a16="http://schemas.microsoft.com/office/drawing/2014/main" xmlns="" id="{A4F1025E-5822-42E0-8A19-6DFE9EAC2E94}"/>
+                <a16:creationId xmlns="" xmlns:a16="http://schemas.microsoft.com/office/drawing/2014/main" id="{A4F1025E-5822-42E0-8A19-6DFE9EAC2E94}"/>
               </a:ext>
             </a:extLst>
           </p:cNvPr>
@@ -4341,7 +4341,7 @@
           <p:cNvPr id="3" name="Date Placeholder 2">
             <a:extLst>
               <a:ext uri="{FF2B5EF4-FFF2-40B4-BE49-F238E27FC236}">
-                <a16:creationId xmlns:a16="http://schemas.microsoft.com/office/drawing/2014/main" xmlns="" id="{80AF88F7-02A4-4DBA-B4EB-E2FF563297A1}"/>
+                <a16:creationId xmlns="" xmlns:a16="http://schemas.microsoft.com/office/drawing/2014/main" id="{80AF88F7-02A4-4DBA-B4EB-E2FF563297A1}"/>
               </a:ext>
             </a:extLst>
           </p:cNvPr>
@@ -4359,7 +4359,7 @@
           <a:p>
             <a:fld id="{30E86C0C-8755-49A7-BEFB-7AA12254EBB9}" type="datetime1">
               <a:rPr lang="en-US" smtClean="0"/>
-              <a:t>1/14/2019</a:t>
+              <a:t>1/22/2019</a:t>
             </a:fld>
             <a:endParaRPr lang="en-US"/>
           </a:p>
@@ -4370,7 +4370,7 @@
           <p:cNvPr id="4" name="Footer Placeholder 3">
             <a:extLst>
               <a:ext uri="{FF2B5EF4-FFF2-40B4-BE49-F238E27FC236}">
-                <a16:creationId xmlns:a16="http://schemas.microsoft.com/office/drawing/2014/main" xmlns="" id="{4B4ED349-B37A-4E90-B039-D7D1F2B23015}"/>
+                <a16:creationId xmlns="" xmlns:a16="http://schemas.microsoft.com/office/drawing/2014/main" id="{4B4ED349-B37A-4E90-B039-D7D1F2B23015}"/>
               </a:ext>
             </a:extLst>
           </p:cNvPr>
@@ -4395,7 +4395,7 @@
           <p:cNvPr id="5" name="Slide Number Placeholder 4">
             <a:extLst>
               <a:ext uri="{FF2B5EF4-FFF2-40B4-BE49-F238E27FC236}">
-                <a16:creationId xmlns:a16="http://schemas.microsoft.com/office/drawing/2014/main" xmlns="" id="{5600B865-824C-45DB-8122-4C939F4944F9}"/>
+                <a16:creationId xmlns="" xmlns:a16="http://schemas.microsoft.com/office/drawing/2014/main" id="{5600B865-824C-45DB-8122-4C939F4944F9}"/>
               </a:ext>
             </a:extLst>
           </p:cNvPr>
@@ -4454,7 +4454,7 @@
           <p:cNvPr id="2" name="Date Placeholder 1">
             <a:extLst>
               <a:ext uri="{FF2B5EF4-FFF2-40B4-BE49-F238E27FC236}">
-                <a16:creationId xmlns:a16="http://schemas.microsoft.com/office/drawing/2014/main" xmlns="" id="{EBABE242-634C-4950-B70C-8C537D364796}"/>
+                <a16:creationId xmlns="" xmlns:a16="http://schemas.microsoft.com/office/drawing/2014/main" id="{EBABE242-634C-4950-B70C-8C537D364796}"/>
               </a:ext>
             </a:extLst>
           </p:cNvPr>
@@ -4472,7 +4472,7 @@
           <a:p>
             <a:fld id="{E8B48827-F8F9-4844-A257-9CA23F7E0DA1}" type="datetime1">
               <a:rPr lang="en-US" smtClean="0"/>
-              <a:t>1/14/2019</a:t>
+              <a:t>1/22/2019</a:t>
             </a:fld>
             <a:endParaRPr lang="en-US"/>
           </a:p>
@@ -4483,7 +4483,7 @@
           <p:cNvPr id="3" name="Footer Placeholder 2">
             <a:extLst>
               <a:ext uri="{FF2B5EF4-FFF2-40B4-BE49-F238E27FC236}">
-                <a16:creationId xmlns:a16="http://schemas.microsoft.com/office/drawing/2014/main" xmlns="" id="{E958B604-E8F5-4273-819D-CC3830298EF7}"/>
+                <a16:creationId xmlns="" xmlns:a16="http://schemas.microsoft.com/office/drawing/2014/main" id="{E958B604-E8F5-4273-819D-CC3830298EF7}"/>
               </a:ext>
             </a:extLst>
           </p:cNvPr>
@@ -4508,7 +4508,7 @@
           <p:cNvPr id="4" name="Slide Number Placeholder 3">
             <a:extLst>
               <a:ext uri="{FF2B5EF4-FFF2-40B4-BE49-F238E27FC236}">
-                <a16:creationId xmlns:a16="http://schemas.microsoft.com/office/drawing/2014/main" xmlns="" id="{4E5EBED1-4677-4031-969E-5915F2AAD53B}"/>
+                <a16:creationId xmlns="" xmlns:a16="http://schemas.microsoft.com/office/drawing/2014/main" id="{4E5EBED1-4677-4031-969E-5915F2AAD53B}"/>
               </a:ext>
             </a:extLst>
           </p:cNvPr>
@@ -4567,7 +4567,7 @@
           <p:cNvPr id="2" name="Title 1">
             <a:extLst>
               <a:ext uri="{FF2B5EF4-FFF2-40B4-BE49-F238E27FC236}">
-                <a16:creationId xmlns:a16="http://schemas.microsoft.com/office/drawing/2014/main" xmlns="" id="{07D936E9-08C7-47C0-BD96-353FAA990D82}"/>
+                <a16:creationId xmlns="" xmlns:a16="http://schemas.microsoft.com/office/drawing/2014/main" id="{07D936E9-08C7-47C0-BD96-353FAA990D82}"/>
               </a:ext>
             </a:extLst>
           </p:cNvPr>
@@ -4604,7 +4604,7 @@
           <p:cNvPr id="3" name="Content Placeholder 2">
             <a:extLst>
               <a:ext uri="{FF2B5EF4-FFF2-40B4-BE49-F238E27FC236}">
-                <a16:creationId xmlns:a16="http://schemas.microsoft.com/office/drawing/2014/main" xmlns="" id="{5EBB73FE-7E18-48BB-A545-90CB076EF7AC}"/>
+                <a16:creationId xmlns="" xmlns:a16="http://schemas.microsoft.com/office/drawing/2014/main" id="{5EBB73FE-7E18-48BB-A545-90CB076EF7AC}"/>
               </a:ext>
             </a:extLst>
           </p:cNvPr>
@@ -4694,7 +4694,7 @@
           <p:cNvPr id="4" name="Text Placeholder 3">
             <a:extLst>
               <a:ext uri="{FF2B5EF4-FFF2-40B4-BE49-F238E27FC236}">
-                <a16:creationId xmlns:a16="http://schemas.microsoft.com/office/drawing/2014/main" xmlns="" id="{3CEF9F8C-D354-49FD-8F14-3C18D6E572E7}"/>
+                <a16:creationId xmlns="" xmlns:a16="http://schemas.microsoft.com/office/drawing/2014/main" id="{3CEF9F8C-D354-49FD-8F14-3C18D6E572E7}"/>
               </a:ext>
             </a:extLst>
           </p:cNvPr>
@@ -4765,7 +4765,7 @@
           <p:cNvPr id="5" name="Date Placeholder 4">
             <a:extLst>
               <a:ext uri="{FF2B5EF4-FFF2-40B4-BE49-F238E27FC236}">
-                <a16:creationId xmlns:a16="http://schemas.microsoft.com/office/drawing/2014/main" xmlns="" id="{DE65EC15-438C-473E-96BD-0BE4552D2788}"/>
+                <a16:creationId xmlns="" xmlns:a16="http://schemas.microsoft.com/office/drawing/2014/main" id="{DE65EC15-438C-473E-96BD-0BE4552D2788}"/>
               </a:ext>
             </a:extLst>
           </p:cNvPr>
@@ -4783,7 +4783,7 @@
           <a:p>
             <a:fld id="{EE8BAE2C-037A-4C2F-87D7-09EE32575BC5}" type="datetime1">
               <a:rPr lang="en-US" smtClean="0"/>
-              <a:t>1/14/2019</a:t>
+              <a:t>1/22/2019</a:t>
             </a:fld>
             <a:endParaRPr lang="en-US"/>
           </a:p>
@@ -4794,7 +4794,7 @@
           <p:cNvPr id="6" name="Footer Placeholder 5">
             <a:extLst>
               <a:ext uri="{FF2B5EF4-FFF2-40B4-BE49-F238E27FC236}">
-                <a16:creationId xmlns:a16="http://schemas.microsoft.com/office/drawing/2014/main" xmlns="" id="{92F080FD-E9F8-4564-B8C0-4AAB35D63AA9}"/>
+                <a16:creationId xmlns="" xmlns:a16="http://schemas.microsoft.com/office/drawing/2014/main" id="{92F080FD-E9F8-4564-B8C0-4AAB35D63AA9}"/>
               </a:ext>
             </a:extLst>
           </p:cNvPr>
@@ -4819,7 +4819,7 @@
           <p:cNvPr id="7" name="Slide Number Placeholder 6">
             <a:extLst>
               <a:ext uri="{FF2B5EF4-FFF2-40B4-BE49-F238E27FC236}">
-                <a16:creationId xmlns:a16="http://schemas.microsoft.com/office/drawing/2014/main" xmlns="" id="{8706D68F-A4CA-430C-BAB2-E258EB227FE7}"/>
+                <a16:creationId xmlns="" xmlns:a16="http://schemas.microsoft.com/office/drawing/2014/main" id="{8706D68F-A4CA-430C-BAB2-E258EB227FE7}"/>
               </a:ext>
             </a:extLst>
           </p:cNvPr>
@@ -4878,7 +4878,7 @@
           <p:cNvPr id="2" name="Title 1">
             <a:extLst>
               <a:ext uri="{FF2B5EF4-FFF2-40B4-BE49-F238E27FC236}">
-                <a16:creationId xmlns:a16="http://schemas.microsoft.com/office/drawing/2014/main" xmlns="" id="{7098EBB4-0062-4889-9433-AAC7FA7B7D6A}"/>
+                <a16:creationId xmlns="" xmlns:a16="http://schemas.microsoft.com/office/drawing/2014/main" id="{7098EBB4-0062-4889-9433-AAC7FA7B7D6A}"/>
               </a:ext>
             </a:extLst>
           </p:cNvPr>
@@ -4915,7 +4915,7 @@
           <p:cNvPr id="3" name="Picture Placeholder 2">
             <a:extLst>
               <a:ext uri="{FF2B5EF4-FFF2-40B4-BE49-F238E27FC236}">
-                <a16:creationId xmlns:a16="http://schemas.microsoft.com/office/drawing/2014/main" xmlns="" id="{1C400772-7027-4884-9CD9-4A219863C1E2}"/>
+                <a16:creationId xmlns="" xmlns:a16="http://schemas.microsoft.com/office/drawing/2014/main" id="{1C400772-7027-4884-9CD9-4A219863C1E2}"/>
               </a:ext>
             </a:extLst>
           </p:cNvPr>
@@ -4985,7 +4985,7 @@
           <p:cNvPr id="4" name="Text Placeholder 3">
             <a:extLst>
               <a:ext uri="{FF2B5EF4-FFF2-40B4-BE49-F238E27FC236}">
-                <a16:creationId xmlns:a16="http://schemas.microsoft.com/office/drawing/2014/main" xmlns="" id="{C3B411AD-925A-4BAE-B2CE-4F85BC15E78A}"/>
+                <a16:creationId xmlns="" xmlns:a16="http://schemas.microsoft.com/office/drawing/2014/main" id="{C3B411AD-925A-4BAE-B2CE-4F85BC15E78A}"/>
               </a:ext>
             </a:extLst>
           </p:cNvPr>
@@ -5056,7 +5056,7 @@
           <p:cNvPr id="5" name="Date Placeholder 4">
             <a:extLst>
               <a:ext uri="{FF2B5EF4-FFF2-40B4-BE49-F238E27FC236}">
-                <a16:creationId xmlns:a16="http://schemas.microsoft.com/office/drawing/2014/main" xmlns="" id="{6B2982EE-AC11-403C-B236-0A476D5C01C4}"/>
+                <a16:creationId xmlns="" xmlns:a16="http://schemas.microsoft.com/office/drawing/2014/main" id="{6B2982EE-AC11-403C-B236-0A476D5C01C4}"/>
               </a:ext>
             </a:extLst>
           </p:cNvPr>
@@ -5074,7 +5074,7 @@
           <a:p>
             <a:fld id="{33BA7458-4B9B-4BD7-9049-0CDF114B9A90}" type="datetime1">
               <a:rPr lang="en-US" smtClean="0"/>
-              <a:t>1/14/2019</a:t>
+              <a:t>1/22/2019</a:t>
             </a:fld>
             <a:endParaRPr lang="en-US"/>
           </a:p>
@@ -5085,7 +5085,7 @@
           <p:cNvPr id="6" name="Footer Placeholder 5">
             <a:extLst>
               <a:ext uri="{FF2B5EF4-FFF2-40B4-BE49-F238E27FC236}">
-                <a16:creationId xmlns:a16="http://schemas.microsoft.com/office/drawing/2014/main" xmlns="" id="{78A355E8-8203-40C9-A22B-6CB5A40EF81B}"/>
+                <a16:creationId xmlns="" xmlns:a16="http://schemas.microsoft.com/office/drawing/2014/main" id="{78A355E8-8203-40C9-A22B-6CB5A40EF81B}"/>
               </a:ext>
             </a:extLst>
           </p:cNvPr>
@@ -5110,7 +5110,7 @@
           <p:cNvPr id="7" name="Slide Number Placeholder 6">
             <a:extLst>
               <a:ext uri="{FF2B5EF4-FFF2-40B4-BE49-F238E27FC236}">
-                <a16:creationId xmlns:a16="http://schemas.microsoft.com/office/drawing/2014/main" xmlns="" id="{4FBB88B4-2D6E-4D3B-B1EB-D691F50B66C9}"/>
+                <a16:creationId xmlns="" xmlns:a16="http://schemas.microsoft.com/office/drawing/2014/main" id="{4FBB88B4-2D6E-4D3B-B1EB-D691F50B66C9}"/>
               </a:ext>
             </a:extLst>
           </p:cNvPr>
@@ -5169,7 +5169,7 @@
           <p:cNvPr id="2" name="Title 1">
             <a:extLst>
               <a:ext uri="{FF2B5EF4-FFF2-40B4-BE49-F238E27FC236}">
-                <a16:creationId xmlns:a16="http://schemas.microsoft.com/office/drawing/2014/main" xmlns="" id="{4516646B-DBF3-4537-B7BB-C5AD7D02C146}"/>
+                <a16:creationId xmlns="" xmlns:a16="http://schemas.microsoft.com/office/drawing/2014/main" id="{4516646B-DBF3-4537-B7BB-C5AD7D02C146}"/>
               </a:ext>
             </a:extLst>
           </p:cNvPr>
@@ -5197,7 +5197,7 @@
           <p:cNvPr id="3" name="Vertical Text Placeholder 2">
             <a:extLst>
               <a:ext uri="{FF2B5EF4-FFF2-40B4-BE49-F238E27FC236}">
-                <a16:creationId xmlns:a16="http://schemas.microsoft.com/office/drawing/2014/main" xmlns="" id="{D65F0328-C978-42EE-97AC-ADF1B72655A3}"/>
+                <a16:creationId xmlns="" xmlns:a16="http://schemas.microsoft.com/office/drawing/2014/main" id="{D65F0328-C978-42EE-97AC-ADF1B72655A3}"/>
               </a:ext>
             </a:extLst>
           </p:cNvPr>
@@ -5254,7 +5254,7 @@
           <p:cNvPr id="4" name="Date Placeholder 3">
             <a:extLst>
               <a:ext uri="{FF2B5EF4-FFF2-40B4-BE49-F238E27FC236}">
-                <a16:creationId xmlns:a16="http://schemas.microsoft.com/office/drawing/2014/main" xmlns="" id="{65ABF4C2-B7BC-46D5-B8E5-661CDC9DCCCA}"/>
+                <a16:creationId xmlns="" xmlns:a16="http://schemas.microsoft.com/office/drawing/2014/main" id="{65ABF4C2-B7BC-46D5-B8E5-661CDC9DCCCA}"/>
               </a:ext>
             </a:extLst>
           </p:cNvPr>
@@ -5272,7 +5272,7 @@
           <a:p>
             <a:fld id="{5F138F74-D09C-4A4F-9011-F5861002FF66}" type="datetime1">
               <a:rPr lang="en-US" smtClean="0"/>
-              <a:t>1/14/2019</a:t>
+              <a:t>1/22/2019</a:t>
             </a:fld>
             <a:endParaRPr lang="en-US"/>
           </a:p>
@@ -5283,7 +5283,7 @@
           <p:cNvPr id="5" name="Footer Placeholder 4">
             <a:extLst>
               <a:ext uri="{FF2B5EF4-FFF2-40B4-BE49-F238E27FC236}">
-                <a16:creationId xmlns:a16="http://schemas.microsoft.com/office/drawing/2014/main" xmlns="" id="{5EE512C7-19E7-4C14-BBB7-7115169E8427}"/>
+                <a16:creationId xmlns="" xmlns:a16="http://schemas.microsoft.com/office/drawing/2014/main" id="{5EE512C7-19E7-4C14-BBB7-7115169E8427}"/>
               </a:ext>
             </a:extLst>
           </p:cNvPr>
@@ -5308,7 +5308,7 @@
           <p:cNvPr id="6" name="Slide Number Placeholder 5">
             <a:extLst>
               <a:ext uri="{FF2B5EF4-FFF2-40B4-BE49-F238E27FC236}">
-                <a16:creationId xmlns:a16="http://schemas.microsoft.com/office/drawing/2014/main" xmlns="" id="{8C52DAA0-AA4F-4B51-857F-720798E68772}"/>
+                <a16:creationId xmlns="" xmlns:a16="http://schemas.microsoft.com/office/drawing/2014/main" id="{8C52DAA0-AA4F-4B51-857F-720798E68772}"/>
               </a:ext>
             </a:extLst>
           </p:cNvPr>
@@ -5367,7 +5367,7 @@
           <p:cNvPr id="2" name="Vertical Title 1">
             <a:extLst>
               <a:ext uri="{FF2B5EF4-FFF2-40B4-BE49-F238E27FC236}">
-                <a16:creationId xmlns:a16="http://schemas.microsoft.com/office/drawing/2014/main" xmlns="" id="{4A870EA1-91A5-4CAF-8DB6-F0D1DD4AC418}"/>
+                <a16:creationId xmlns="" xmlns:a16="http://schemas.microsoft.com/office/drawing/2014/main" id="{4A870EA1-91A5-4CAF-8DB6-F0D1DD4AC418}"/>
               </a:ext>
             </a:extLst>
           </p:cNvPr>
@@ -5400,7 +5400,7 @@
           <p:cNvPr id="3" name="Vertical Text Placeholder 2">
             <a:extLst>
               <a:ext uri="{FF2B5EF4-FFF2-40B4-BE49-F238E27FC236}">
-                <a16:creationId xmlns:a16="http://schemas.microsoft.com/office/drawing/2014/main" xmlns="" id="{ABC6231E-F72A-4CED-ACF2-1487F38BA927}"/>
+                <a16:creationId xmlns="" xmlns:a16="http://schemas.microsoft.com/office/drawing/2014/main" id="{ABC6231E-F72A-4CED-ACF2-1487F38BA927}"/>
               </a:ext>
             </a:extLst>
           </p:cNvPr>
@@ -5462,7 +5462,7 @@
           <p:cNvPr id="4" name="Date Placeholder 3">
             <a:extLst>
               <a:ext uri="{FF2B5EF4-FFF2-40B4-BE49-F238E27FC236}">
-                <a16:creationId xmlns:a16="http://schemas.microsoft.com/office/drawing/2014/main" xmlns="" id="{6FEBF11A-D22A-4DB1-AA6C-010D53E90FB3}"/>
+                <a16:creationId xmlns="" xmlns:a16="http://schemas.microsoft.com/office/drawing/2014/main" id="{6FEBF11A-D22A-4DB1-AA6C-010D53E90FB3}"/>
               </a:ext>
             </a:extLst>
           </p:cNvPr>
@@ -5480,7 +5480,7 @@
           <a:p>
             <a:fld id="{B023AC82-5023-4B40-8E7B-CB32645BA3C1}" type="datetime1">
               <a:rPr lang="en-US" smtClean="0"/>
-              <a:t>1/14/2019</a:t>
+              <a:t>1/22/2019</a:t>
             </a:fld>
             <a:endParaRPr lang="en-US"/>
           </a:p>
@@ -5491,7 +5491,7 @@
           <p:cNvPr id="5" name="Footer Placeholder 4">
             <a:extLst>
               <a:ext uri="{FF2B5EF4-FFF2-40B4-BE49-F238E27FC236}">
-                <a16:creationId xmlns:a16="http://schemas.microsoft.com/office/drawing/2014/main" xmlns="" id="{FDFF3968-7838-4A9F-B3C3-CEA2351F91B2}"/>
+                <a16:creationId xmlns="" xmlns:a16="http://schemas.microsoft.com/office/drawing/2014/main" id="{FDFF3968-7838-4A9F-B3C3-CEA2351F91B2}"/>
               </a:ext>
             </a:extLst>
           </p:cNvPr>
@@ -5516,7 +5516,7 @@
           <p:cNvPr id="6" name="Slide Number Placeholder 5">
             <a:extLst>
               <a:ext uri="{FF2B5EF4-FFF2-40B4-BE49-F238E27FC236}">
-                <a16:creationId xmlns:a16="http://schemas.microsoft.com/office/drawing/2014/main" xmlns="" id="{9DD48EDB-B641-44D2-B9B8-353D622A04A1}"/>
+                <a16:creationId xmlns="" xmlns:a16="http://schemas.microsoft.com/office/drawing/2014/main" id="{9DD48EDB-B641-44D2-B9B8-353D622A04A1}"/>
               </a:ext>
             </a:extLst>
           </p:cNvPr>
@@ -5689,7 +5689,7 @@
           <a:p>
             <a:fld id="{CB9270DE-3C8A-43D2-B05F-DCE66535FA1A}" type="datetime1">
               <a:rPr lang="en-US" smtClean="0"/>
-              <a:t>1/14/2019</a:t>
+              <a:t>1/22/2019</a:t>
             </a:fld>
             <a:endParaRPr lang="en-US"/>
           </a:p>
@@ -5992,7 +5992,7 @@
           <a:p>
             <a:fld id="{5F9A8E4F-B453-4822-A448-33EE436F9AB4}" type="datetime1">
               <a:rPr lang="en-US" smtClean="0"/>
-              <a:t>1/14/2019</a:t>
+              <a:t>1/22/2019</a:t>
             </a:fld>
             <a:endParaRPr lang="en-US"/>
           </a:p>
@@ -6434,7 +6434,7 @@
           <a:p>
             <a:fld id="{F917497C-C63C-412A-9DFD-A2E04718E293}" type="datetime1">
               <a:rPr lang="en-US" smtClean="0"/>
-              <a:t>1/14/2019</a:t>
+              <a:t>1/22/2019</a:t>
             </a:fld>
             <a:endParaRPr lang="en-US"/>
           </a:p>
@@ -6569,7 +6569,7 @@
           <a:p>
             <a:fld id="{F6E66BCC-7079-4559-85D5-50A66D933026}" type="datetime1">
               <a:rPr lang="en-US" smtClean="0"/>
-              <a:t>1/14/2019</a:t>
+              <a:t>1/22/2019</a:t>
             </a:fld>
             <a:endParaRPr lang="en-US"/>
           </a:p>
@@ -6682,7 +6682,7 @@
           <a:p>
             <a:fld id="{6B4C6DDB-E43F-4445-B916-EA8EF73BA2E9}" type="datetime1">
               <a:rPr lang="en-US" smtClean="0"/>
-              <a:t>1/14/2019</a:t>
+              <a:t>1/22/2019</a:t>
             </a:fld>
             <a:endParaRPr lang="en-US"/>
           </a:p>
@@ -6975,7 +6975,7 @@
           <a:p>
             <a:fld id="{28A0BF00-D669-4C78-910C-5733C04ABD2D}" type="datetime1">
               <a:rPr lang="en-US" smtClean="0"/>
-              <a:t>1/14/2019</a:t>
+              <a:t>1/22/2019</a:t>
             </a:fld>
             <a:endParaRPr lang="en-US"/>
           </a:p>
@@ -7249,7 +7249,7 @@
           <a:p>
             <a:fld id="{1D17FF70-BB30-46BB-AA76-2B519CE88675}" type="datetime1">
               <a:rPr lang="en-US" smtClean="0"/>
-              <a:t>1/14/2019</a:t>
+              <a:t>1/22/2019</a:t>
             </a:fld>
             <a:endParaRPr lang="en-US"/>
           </a:p>
@@ -7371,17 +7371,17 @@
           </a:ln>
           <a:extLst>
             <a:ext uri="{FAA26D3D-D897-4be2-8F04-BA451C77F1D7}">
-              <ma14:placeholderFlag xmlns:ma14="http://schemas.microsoft.com/office/mac/drawingml/2011/main" xmlns="" val="1"/>
+              <ma14:placeholderFlag xmlns="" xmlns:ma14="http://schemas.microsoft.com/office/mac/drawingml/2011/main" val="1"/>
             </a:ext>
             <a:ext uri="{909E8E84-426E-40dd-AFC4-6F175D3DCCD1}">
-              <a14:hiddenFill xmlns:a14="http://schemas.microsoft.com/office/drawing/2010/main" xmlns="">
+              <a14:hiddenFill xmlns="" xmlns:a14="http://schemas.microsoft.com/office/drawing/2010/main">
                 <a:solidFill>
                   <a:srgbClr val="FFFFFF"/>
                 </a:solidFill>
               </a14:hiddenFill>
             </a:ext>
             <a:ext uri="{91240B29-F687-4f45-9708-019B960494DF}">
-              <a14:hiddenLine xmlns:a14="http://schemas.microsoft.com/office/drawing/2010/main" xmlns="" w="9525">
+              <a14:hiddenLine xmlns="" xmlns:a14="http://schemas.microsoft.com/office/drawing/2010/main" w="9525">
                 <a:solidFill>
                   <a:srgbClr val="000000"/>
                 </a:solidFill>
@@ -7433,17 +7433,17 @@
           </a:ln>
           <a:extLst>
             <a:ext uri="{FAA26D3D-D897-4be2-8F04-BA451C77F1D7}">
-              <ma14:placeholderFlag xmlns:ma14="http://schemas.microsoft.com/office/mac/drawingml/2011/main" xmlns="" val="1"/>
+              <ma14:placeholderFlag xmlns="" xmlns:ma14="http://schemas.microsoft.com/office/mac/drawingml/2011/main" val="1"/>
             </a:ext>
             <a:ext uri="{909E8E84-426E-40dd-AFC4-6F175D3DCCD1}">
-              <a14:hiddenFill xmlns:a14="http://schemas.microsoft.com/office/drawing/2010/main" xmlns="">
+              <a14:hiddenFill xmlns="" xmlns:a14="http://schemas.microsoft.com/office/drawing/2010/main">
                 <a:solidFill>
                   <a:srgbClr val="FFFFFF"/>
                 </a:solidFill>
               </a14:hiddenFill>
             </a:ext>
             <a:ext uri="{91240B29-F687-4f45-9708-019B960494DF}">
-              <a14:hiddenLine xmlns:a14="http://schemas.microsoft.com/office/drawing/2010/main" xmlns="" w="9525">
+              <a14:hiddenLine xmlns="" xmlns:a14="http://schemas.microsoft.com/office/drawing/2010/main" w="9525">
                 <a:solidFill>
                   <a:srgbClr val="000000"/>
                 </a:solidFill>
@@ -7543,7 +7543,7 @@
           <a:p>
             <a:fld id="{793CCD87-1551-4F91-BE02-F4A09E617739}" type="datetime1">
               <a:rPr lang="en-US" smtClean="0"/>
-              <a:t>1/14/2019</a:t>
+              <a:t>1/22/2019</a:t>
             </a:fld>
             <a:endParaRPr lang="en-US"/>
           </a:p>
@@ -7711,7 +7711,7 @@
           </a:ln>
           <a:extLst>
             <a:ext uri="{909E8E84-426E-40dd-AFC4-6F175D3DCCD1}">
-              <a14:hiddenFill xmlns:a14="http://schemas.microsoft.com/office/drawing/2010/main" xmlns="">
+              <a14:hiddenFill xmlns="" xmlns:a14="http://schemas.microsoft.com/office/drawing/2010/main">
                 <a:solidFill>
                   <a:srgbClr val="FFFFFF"/>
                 </a:solidFill>
@@ -7754,7 +7754,7 @@
           </a:ln>
           <a:extLst>
             <a:ext uri="{909E8E84-426E-40dd-AFC4-6F175D3DCCD1}">
-              <a14:hiddenFill xmlns:a14="http://schemas.microsoft.com/office/drawing/2010/main" xmlns="">
+              <a14:hiddenFill xmlns="" xmlns:a14="http://schemas.microsoft.com/office/drawing/2010/main">
                 <a:noFill/>
               </a14:hiddenFill>
             </a:ext>
@@ -8249,7 +8249,7 @@
           <p:cNvPr id="2" name="Title Placeholder 1">
             <a:extLst>
               <a:ext uri="{FF2B5EF4-FFF2-40B4-BE49-F238E27FC236}">
-                <a16:creationId xmlns:a16="http://schemas.microsoft.com/office/drawing/2014/main" xmlns="" id="{296C5558-15DC-4528-8E20-9E180A6A4627}"/>
+                <a16:creationId xmlns="" xmlns:a16="http://schemas.microsoft.com/office/drawing/2014/main" id="{296C5558-15DC-4528-8E20-9E180A6A4627}"/>
               </a:ext>
             </a:extLst>
           </p:cNvPr>
@@ -8287,7 +8287,7 @@
           <p:cNvPr id="3" name="Text Placeholder 2">
             <a:extLst>
               <a:ext uri="{FF2B5EF4-FFF2-40B4-BE49-F238E27FC236}">
-                <a16:creationId xmlns:a16="http://schemas.microsoft.com/office/drawing/2014/main" xmlns="" id="{ABD2EAD3-4252-4F82-89C4-7C479A4ADC74}"/>
+                <a16:creationId xmlns="" xmlns:a16="http://schemas.microsoft.com/office/drawing/2014/main" id="{ABD2EAD3-4252-4F82-89C4-7C479A4ADC74}"/>
               </a:ext>
             </a:extLst>
           </p:cNvPr>
@@ -8354,7 +8354,7 @@
           <p:cNvPr id="4" name="Date Placeholder 3">
             <a:extLst>
               <a:ext uri="{FF2B5EF4-FFF2-40B4-BE49-F238E27FC236}">
-                <a16:creationId xmlns:a16="http://schemas.microsoft.com/office/drawing/2014/main" xmlns="" id="{34B3C388-9C51-4D3D-950A-74CD986E8CF5}"/>
+                <a16:creationId xmlns="" xmlns:a16="http://schemas.microsoft.com/office/drawing/2014/main" id="{34B3C388-9C51-4D3D-950A-74CD986E8CF5}"/>
               </a:ext>
             </a:extLst>
           </p:cNvPr>
@@ -8390,7 +8390,7 @@
           <a:p>
             <a:fld id="{FBD26717-3E2A-491D-9A2B-0D747605CA1D}" type="datetime1">
               <a:rPr lang="en-US" smtClean="0"/>
-              <a:t>1/14/2019</a:t>
+              <a:t>1/22/2019</a:t>
             </a:fld>
             <a:endParaRPr lang="en-US"/>
           </a:p>
@@ -8401,7 +8401,7 @@
           <p:cNvPr id="5" name="Footer Placeholder 4">
             <a:extLst>
               <a:ext uri="{FF2B5EF4-FFF2-40B4-BE49-F238E27FC236}">
-                <a16:creationId xmlns:a16="http://schemas.microsoft.com/office/drawing/2014/main" xmlns="" id="{7A7D25AA-5510-4ABE-A141-CB68C3A03B4F}"/>
+                <a16:creationId xmlns="" xmlns:a16="http://schemas.microsoft.com/office/drawing/2014/main" id="{7A7D25AA-5510-4ABE-A141-CB68C3A03B4F}"/>
               </a:ext>
             </a:extLst>
           </p:cNvPr>
@@ -8444,7 +8444,7 @@
           <p:cNvPr id="6" name="Slide Number Placeholder 5">
             <a:extLst>
               <a:ext uri="{FF2B5EF4-FFF2-40B4-BE49-F238E27FC236}">
-                <a16:creationId xmlns:a16="http://schemas.microsoft.com/office/drawing/2014/main" xmlns="" id="{F5295BED-63AC-4CA7-AA50-B02C4EBCBF27}"/>
+                <a16:creationId xmlns="" xmlns:a16="http://schemas.microsoft.com/office/drawing/2014/main" id="{F5295BED-63AC-4CA7-AA50-B02C4EBCBF27}"/>
               </a:ext>
             </a:extLst>
           </p:cNvPr>
@@ -8813,7 +8813,7 @@
           <p:cNvPr id="2" name="Title 1">
             <a:extLst>
               <a:ext uri="{FF2B5EF4-FFF2-40B4-BE49-F238E27FC236}">
-                <a16:creationId xmlns="" xmlns:a16="http://schemas.microsoft.com/office/drawing/2014/main" id="{4819A39B-28BB-4873-9914-8FEE18891DD4}"/>
+                <a16:creationId xmlns:a16="http://schemas.microsoft.com/office/drawing/2014/main" xmlns="" id="{4819A39B-28BB-4873-9914-8FEE18891DD4}"/>
               </a:ext>
             </a:extLst>
           </p:cNvPr>
@@ -8844,7 +8844,7 @@
           <p:cNvPr id="5" name="Subtitle 2">
             <a:extLst>
               <a:ext uri="{FF2B5EF4-FFF2-40B4-BE49-F238E27FC236}">
-                <a16:creationId xmlns="" xmlns:a16="http://schemas.microsoft.com/office/drawing/2014/main" id="{2BECD79D-0B3A-44C2-A155-03EC2A6A5D3B}"/>
+                <a16:creationId xmlns:a16="http://schemas.microsoft.com/office/drawing/2014/main" xmlns="" id="{2BECD79D-0B3A-44C2-A155-03EC2A6A5D3B}"/>
               </a:ext>
             </a:extLst>
           </p:cNvPr>
@@ -8867,17 +8867,17 @@
           </a:ln>
           <a:extLst>
             <a:ext uri="{FAA26D3D-D897-4be2-8F04-BA451C77F1D7}">
-              <ma14:placeholderFlag xmlns:ma14="http://schemas.microsoft.com/office/mac/drawingml/2011/main" xmlns="" val="1"/>
+              <ma14:placeholderFlag xmlns="" xmlns:ma14="http://schemas.microsoft.com/office/mac/drawingml/2011/main" val="1"/>
             </a:ext>
             <a:ext uri="{909E8E84-426E-40dd-AFC4-6F175D3DCCD1}">
-              <a14:hiddenFill xmlns:a14="http://schemas.microsoft.com/office/drawing/2010/main" xmlns="">
+              <a14:hiddenFill xmlns="" xmlns:a14="http://schemas.microsoft.com/office/drawing/2010/main">
                 <a:solidFill>
                   <a:srgbClr val="FFFFFF"/>
                 </a:solidFill>
               </a14:hiddenFill>
             </a:ext>
             <a:ext uri="{91240B29-F687-4f45-9708-019B960494DF}">
-              <a14:hiddenLine xmlns:a14="http://schemas.microsoft.com/office/drawing/2010/main" xmlns="" w="9525">
+              <a14:hiddenLine xmlns="" xmlns:a14="http://schemas.microsoft.com/office/drawing/2010/main" w="9525">
                 <a:solidFill>
                   <a:srgbClr val="000000"/>
                 </a:solidFill>
@@ -9122,12 +9122,12 @@
               <a:t>Enero</a:t>
             </a:r>
             <a:r>
-              <a:rPr lang="en-US" kern="0" dirty="0"/>
+              <a:rPr lang="en-US" kern="0"/>
               <a:t>, </a:t>
             </a:r>
             <a:r>
-              <a:rPr lang="en-US" kern="0" dirty="0" smtClean="0"/>
-              <a:t>2018</a:t>
+              <a:rPr lang="en-US" kern="0" smtClean="0"/>
+              <a:t>2019</a:t>
             </a:r>
             <a:endParaRPr lang="en-US" kern="0" dirty="0"/>
           </a:p>
@@ -9175,7 +9175,7 @@
           <p:cNvPr id="2" name="Title 1">
             <a:extLst>
               <a:ext uri="{FF2B5EF4-FFF2-40B4-BE49-F238E27FC236}">
-                <a16:creationId xmlns:a16="http://schemas.microsoft.com/office/drawing/2014/main" xmlns="" id="{8E0EE53A-651A-4D14-8ED8-844CD15A79D6}"/>
+                <a16:creationId xmlns="" xmlns:a16="http://schemas.microsoft.com/office/drawing/2014/main" id="{8E0EE53A-651A-4D14-8ED8-844CD15A79D6}"/>
               </a:ext>
             </a:extLst>
           </p:cNvPr>
@@ -9208,7 +9208,7 @@
           <p:cNvPr id="3" name="Content Placeholder 2">
             <a:extLst>
               <a:ext uri="{FF2B5EF4-FFF2-40B4-BE49-F238E27FC236}">
-                <a16:creationId xmlns:a16="http://schemas.microsoft.com/office/drawing/2014/main" xmlns="" id="{BDEFFF4C-D827-448B-BDCC-989C6D68C921}"/>
+                <a16:creationId xmlns="" xmlns:a16="http://schemas.microsoft.com/office/drawing/2014/main" id="{BDEFFF4C-D827-448B-BDCC-989C6D68C921}"/>
               </a:ext>
             </a:extLst>
           </p:cNvPr>
@@ -9493,11 +9493,7 @@
             </a:r>
             <a:r>
               <a:rPr lang="es-419" smtClean="0"/>
-              <a:t> </a:t>
-            </a:r>
-            <a:r>
-              <a:rPr lang="es-419" smtClean="0"/>
-              <a:t>y=h(x</a:t>
+              <a:t> y=h(x</a:t>
             </a:r>
             <a:r>
               <a:rPr lang="es-419" dirty="0" smtClean="0"/>
@@ -9594,7 +9590,7 @@
           <p:cNvPr id="4" name="Slide Number Placeholder 3">
             <a:extLst>
               <a:ext uri="{FF2B5EF4-FFF2-40B4-BE49-F238E27FC236}">
-                <a16:creationId xmlns:a16="http://schemas.microsoft.com/office/drawing/2014/main" xmlns="" id="{FB13210D-F4BF-478A-BF3A-8929098C1397}"/>
+                <a16:creationId xmlns="" xmlns:a16="http://schemas.microsoft.com/office/drawing/2014/main" id="{FB13210D-F4BF-478A-BF3A-8929098C1397}"/>
               </a:ext>
             </a:extLst>
           </p:cNvPr>
@@ -9892,7 +9888,7 @@
           <p:cNvPr id="5" name="Object 4">
             <a:extLst>
               <a:ext uri="{FF2B5EF4-FFF2-40B4-BE49-F238E27FC236}">
-                <a16:creationId xmlns="" xmlns:a16="http://schemas.microsoft.com/office/drawing/2014/main" id="{871A0B14-87C6-4452-B778-BA64D86F24DC}"/>
+                <a16:creationId xmlns:a16="http://schemas.microsoft.com/office/drawing/2014/main" xmlns="" id="{871A0B14-87C6-4452-B778-BA64D86F24DC}"/>
               </a:ext>
             </a:extLst>
           </p:cNvPr>
@@ -9915,7 +9911,7 @@
           <a:graphicData uri="http://schemas.openxmlformats.org/presentationml/2006/ole">
             <mc:AlternateContent xmlns:mc="http://schemas.openxmlformats.org/markup-compatibility/2006">
               <mc:Choice xmlns:v="urn:schemas-microsoft-com:vml" Requires="v">
-                <p:oleObj spid="_x0000_s4111" name="Equation" r:id="rId3" imgW="1587240" imgH="330120" progId="Equation.DSMT4">
+                <p:oleObj spid="_x0000_s4112" name="Equation" r:id="rId3" imgW="1587240" imgH="330120" progId="Equation.DSMT4">
                   <p:embed/>
                 </p:oleObj>
               </mc:Choice>
@@ -9994,7 +9990,7 @@
               <p:cNvPr id="3" name="Content Placeholder 2">
                 <a:extLst>
                   <a:ext uri="{FF2B5EF4-FFF2-40B4-BE49-F238E27FC236}">
-                    <a16:creationId xmlns:a16="http://schemas.microsoft.com/office/drawing/2014/main" xmlns="" id="{6D46622B-CEA1-41A3-B30B-DD972286CF5D}"/>
+                    <a16:creationId xmlns="" xmlns:a16="http://schemas.microsoft.com/office/drawing/2014/main" id="{6D46622B-CEA1-41A3-B30B-DD972286CF5D}"/>
                   </a:ext>
                 </a:extLst>
               </p:cNvPr>
@@ -10311,7 +10307,7 @@
           <p:cNvPr id="4" name="Slide Number Placeholder 3">
             <a:extLst>
               <a:ext uri="{FF2B5EF4-FFF2-40B4-BE49-F238E27FC236}">
-                <a16:creationId xmlns:a16="http://schemas.microsoft.com/office/drawing/2014/main" xmlns="" id="{4F8E0057-45FA-40E8-80E1-8629D6245349}"/>
+                <a16:creationId xmlns="" xmlns:a16="http://schemas.microsoft.com/office/drawing/2014/main" id="{4F8E0057-45FA-40E8-80E1-8629D6245349}"/>
               </a:ext>
             </a:extLst>
           </p:cNvPr>
@@ -10340,7 +10336,7 @@
           <p:cNvPr id="8" name="Title 1">
             <a:extLst>
               <a:ext uri="{FF2B5EF4-FFF2-40B4-BE49-F238E27FC236}">
-                <a16:creationId xmlns:a16="http://schemas.microsoft.com/office/drawing/2014/main" xmlns="" id="{912707B5-DD64-45B2-8539-26DD0A4B2736}"/>
+                <a16:creationId xmlns="" xmlns:a16="http://schemas.microsoft.com/office/drawing/2014/main" id="{912707B5-DD64-45B2-8539-26DD0A4B2736}"/>
               </a:ext>
             </a:extLst>
           </p:cNvPr>
@@ -10413,7 +10409,7 @@
               <p:cNvPr id="3" name="Content Placeholder 2">
                 <a:extLst>
                   <a:ext uri="{FF2B5EF4-FFF2-40B4-BE49-F238E27FC236}">
-                    <a16:creationId xmlns:a16="http://schemas.microsoft.com/office/drawing/2014/main" xmlns="" id="{6D46622B-CEA1-41A3-B30B-DD972286CF5D}"/>
+                    <a16:creationId xmlns="" xmlns:a16="http://schemas.microsoft.com/office/drawing/2014/main" id="{6D46622B-CEA1-41A3-B30B-DD972286CF5D}"/>
                   </a:ext>
                 </a:extLst>
               </p:cNvPr>
@@ -10921,7 +10917,7 @@
           <p:cNvPr id="4" name="Slide Number Placeholder 3">
             <a:extLst>
               <a:ext uri="{FF2B5EF4-FFF2-40B4-BE49-F238E27FC236}">
-                <a16:creationId xmlns:a16="http://schemas.microsoft.com/office/drawing/2014/main" xmlns="" id="{4F8E0057-45FA-40E8-80E1-8629D6245349}"/>
+                <a16:creationId xmlns="" xmlns:a16="http://schemas.microsoft.com/office/drawing/2014/main" id="{4F8E0057-45FA-40E8-80E1-8629D6245349}"/>
               </a:ext>
             </a:extLst>
           </p:cNvPr>
@@ -10950,7 +10946,7 @@
           <p:cNvPr id="2" name="TextBox 1">
             <a:extLst>
               <a:ext uri="{FF2B5EF4-FFF2-40B4-BE49-F238E27FC236}">
-                <a16:creationId xmlns:a16="http://schemas.microsoft.com/office/drawing/2014/main" xmlns="" id="{541B7B9D-0E50-4A57-AB72-124B67511980}"/>
+                <a16:creationId xmlns="" xmlns:a16="http://schemas.microsoft.com/office/drawing/2014/main" id="{541B7B9D-0E50-4A57-AB72-124B67511980}"/>
               </a:ext>
             </a:extLst>
           </p:cNvPr>
@@ -11029,7 +11025,7 @@
           <p:cNvPr id="8" name="Title 1">
             <a:extLst>
               <a:ext uri="{FF2B5EF4-FFF2-40B4-BE49-F238E27FC236}">
-                <a16:creationId xmlns:a16="http://schemas.microsoft.com/office/drawing/2014/main" xmlns="" id="{912707B5-DD64-45B2-8539-26DD0A4B2736}"/>
+                <a16:creationId xmlns="" xmlns:a16="http://schemas.microsoft.com/office/drawing/2014/main" id="{912707B5-DD64-45B2-8539-26DD0A4B2736}"/>
               </a:ext>
             </a:extLst>
           </p:cNvPr>
@@ -11764,7 +11760,7 @@
           <p:cNvPr id="3" name="Content Placeholder 2">
             <a:extLst>
               <a:ext uri="{FF2B5EF4-FFF2-40B4-BE49-F238E27FC236}">
-                <a16:creationId xmlns:a16="http://schemas.microsoft.com/office/drawing/2014/main" xmlns="" id="{6D46622B-CEA1-41A3-B30B-DD972286CF5D}"/>
+                <a16:creationId xmlns="" xmlns:a16="http://schemas.microsoft.com/office/drawing/2014/main" id="{6D46622B-CEA1-41A3-B30B-DD972286CF5D}"/>
               </a:ext>
             </a:extLst>
           </p:cNvPr>
@@ -11804,7 +11800,7 @@
           <p:cNvPr id="4" name="Slide Number Placeholder 3">
             <a:extLst>
               <a:ext uri="{FF2B5EF4-FFF2-40B4-BE49-F238E27FC236}">
-                <a16:creationId xmlns:a16="http://schemas.microsoft.com/office/drawing/2014/main" xmlns="" id="{4F8E0057-45FA-40E8-80E1-8629D6245349}"/>
+                <a16:creationId xmlns="" xmlns:a16="http://schemas.microsoft.com/office/drawing/2014/main" id="{4F8E0057-45FA-40E8-80E1-8629D6245349}"/>
               </a:ext>
             </a:extLst>
           </p:cNvPr>
@@ -11833,7 +11829,7 @@
           <p:cNvPr id="2" name="TextBox 1">
             <a:extLst>
               <a:ext uri="{FF2B5EF4-FFF2-40B4-BE49-F238E27FC236}">
-                <a16:creationId xmlns:a16="http://schemas.microsoft.com/office/drawing/2014/main" xmlns="" id="{541B7B9D-0E50-4A57-AB72-124B67511980}"/>
+                <a16:creationId xmlns="" xmlns:a16="http://schemas.microsoft.com/office/drawing/2014/main" id="{541B7B9D-0E50-4A57-AB72-124B67511980}"/>
               </a:ext>
             </a:extLst>
           </p:cNvPr>
@@ -11964,7 +11960,7 @@
           <p:cNvPr id="6" name="TextBox 5">
             <a:extLst>
               <a:ext uri="{FF2B5EF4-FFF2-40B4-BE49-F238E27FC236}">
-                <a16:creationId xmlns:a16="http://schemas.microsoft.com/office/drawing/2014/main" xmlns="" id="{E2DC4D84-CFC0-4018-96F1-48944859E404}"/>
+                <a16:creationId xmlns="" xmlns:a16="http://schemas.microsoft.com/office/drawing/2014/main" id="{E2DC4D84-CFC0-4018-96F1-48944859E404}"/>
               </a:ext>
             </a:extLst>
           </p:cNvPr>
@@ -12033,7 +12029,7 @@
           <p:cNvPr id="5" name="TextBox 4">
             <a:extLst>
               <a:ext uri="{FF2B5EF4-FFF2-40B4-BE49-F238E27FC236}">
-                <a16:creationId xmlns:a16="http://schemas.microsoft.com/office/drawing/2014/main" xmlns="" id="{D7B68671-DBD1-4256-8B71-9AF9C9398CC2}"/>
+                <a16:creationId xmlns="" xmlns:a16="http://schemas.microsoft.com/office/drawing/2014/main" id="{D7B68671-DBD1-4256-8B71-9AF9C9398CC2}"/>
               </a:ext>
             </a:extLst>
           </p:cNvPr>
@@ -12082,7 +12078,7 @@
           <p:cNvPr id="9" name="Straight Arrow Connector 8">
             <a:extLst>
               <a:ext uri="{FF2B5EF4-FFF2-40B4-BE49-F238E27FC236}">
-                <a16:creationId xmlns:a16="http://schemas.microsoft.com/office/drawing/2014/main" xmlns="" id="{181D5654-BA2D-4CC7-A94F-9EE66B5E0D3A}"/>
+                <a16:creationId xmlns="" xmlns:a16="http://schemas.microsoft.com/office/drawing/2014/main" id="{181D5654-BA2D-4CC7-A94F-9EE66B5E0D3A}"/>
               </a:ext>
             </a:extLst>
           </p:cNvPr>
@@ -12124,7 +12120,7 @@
           <p:cNvPr id="14" name="Title 1">
             <a:extLst>
               <a:ext uri="{FF2B5EF4-FFF2-40B4-BE49-F238E27FC236}">
-                <a16:creationId xmlns:a16="http://schemas.microsoft.com/office/drawing/2014/main" xmlns="" id="{7398E67B-227A-4E28-9A9B-07011C05B561}"/>
+                <a16:creationId xmlns="" xmlns:a16="http://schemas.microsoft.com/office/drawing/2014/main" id="{7398E67B-227A-4E28-9A9B-07011C05B561}"/>
               </a:ext>
             </a:extLst>
           </p:cNvPr>
@@ -12166,7 +12162,7 @@
           <p:cNvPr id="10" name="TextBox 9">
             <a:extLst>
               <a:ext uri="{FF2B5EF4-FFF2-40B4-BE49-F238E27FC236}">
-                <a16:creationId xmlns:a16="http://schemas.microsoft.com/office/drawing/2014/main" xmlns="" id="{D7B68671-DBD1-4256-8B71-9AF9C9398CC2}"/>
+                <a16:creationId xmlns="" xmlns:a16="http://schemas.microsoft.com/office/drawing/2014/main" id="{D7B68671-DBD1-4256-8B71-9AF9C9398CC2}"/>
               </a:ext>
             </a:extLst>
           </p:cNvPr>
@@ -12207,7 +12203,7 @@
           <p:cNvPr id="11" name="Straight Arrow Connector 10">
             <a:extLst>
               <a:ext uri="{FF2B5EF4-FFF2-40B4-BE49-F238E27FC236}">
-                <a16:creationId xmlns:a16="http://schemas.microsoft.com/office/drawing/2014/main" xmlns="" id="{181D5654-BA2D-4CC7-A94F-9EE66B5E0D3A}"/>
+                <a16:creationId xmlns="" xmlns:a16="http://schemas.microsoft.com/office/drawing/2014/main" id="{181D5654-BA2D-4CC7-A94F-9EE66B5E0D3A}"/>
               </a:ext>
             </a:extLst>
           </p:cNvPr>
@@ -12286,7 +12282,7 @@
           <p:cNvPr id="3" name="Content Placeholder 2">
             <a:extLst>
               <a:ext uri="{FF2B5EF4-FFF2-40B4-BE49-F238E27FC236}">
-                <a16:creationId xmlns:a16="http://schemas.microsoft.com/office/drawing/2014/main" xmlns="" id="{6D46622B-CEA1-41A3-B30B-DD972286CF5D}"/>
+                <a16:creationId xmlns="" xmlns:a16="http://schemas.microsoft.com/office/drawing/2014/main" id="{6D46622B-CEA1-41A3-B30B-DD972286CF5D}"/>
               </a:ext>
             </a:extLst>
           </p:cNvPr>
@@ -12356,7 +12352,7 @@
           <p:cNvPr id="4" name="Slide Number Placeholder 3">
             <a:extLst>
               <a:ext uri="{FF2B5EF4-FFF2-40B4-BE49-F238E27FC236}">
-                <a16:creationId xmlns:a16="http://schemas.microsoft.com/office/drawing/2014/main" xmlns="" id="{4F8E0057-45FA-40E8-80E1-8629D6245349}"/>
+                <a16:creationId xmlns="" xmlns:a16="http://schemas.microsoft.com/office/drawing/2014/main" id="{4F8E0057-45FA-40E8-80E1-8629D6245349}"/>
               </a:ext>
             </a:extLst>
           </p:cNvPr>
@@ -12385,7 +12381,7 @@
           <p:cNvPr id="8" name="Title 1">
             <a:extLst>
               <a:ext uri="{FF2B5EF4-FFF2-40B4-BE49-F238E27FC236}">
-                <a16:creationId xmlns:a16="http://schemas.microsoft.com/office/drawing/2014/main" xmlns="" id="{59885AEA-3B96-4C9A-B0B4-C6A263C24A4B}"/>
+                <a16:creationId xmlns="" xmlns:a16="http://schemas.microsoft.com/office/drawing/2014/main" id="{59885AEA-3B96-4C9A-B0B4-C6A263C24A4B}"/>
               </a:ext>
             </a:extLst>
           </p:cNvPr>
@@ -12532,7 +12528,7 @@
           <p:cNvPr id="2" name="Title 1">
             <a:extLst>
               <a:ext uri="{FF2B5EF4-FFF2-40B4-BE49-F238E27FC236}">
-                <a16:creationId xmlns:a16="http://schemas.microsoft.com/office/drawing/2014/main" xmlns="" id="{8E0EE53A-651A-4D14-8ED8-844CD15A79D6}"/>
+                <a16:creationId xmlns="" xmlns:a16="http://schemas.microsoft.com/office/drawing/2014/main" id="{8E0EE53A-651A-4D14-8ED8-844CD15A79D6}"/>
               </a:ext>
             </a:extLst>
           </p:cNvPr>
@@ -12565,7 +12561,7 @@
           <p:cNvPr id="3" name="Content Placeholder 2">
             <a:extLst>
               <a:ext uri="{FF2B5EF4-FFF2-40B4-BE49-F238E27FC236}">
-                <a16:creationId xmlns:a16="http://schemas.microsoft.com/office/drawing/2014/main" xmlns="" id="{BDEFFF4C-D827-448B-BDCC-989C6D68C921}"/>
+                <a16:creationId xmlns="" xmlns:a16="http://schemas.microsoft.com/office/drawing/2014/main" id="{BDEFFF4C-D827-448B-BDCC-989C6D68C921}"/>
               </a:ext>
             </a:extLst>
           </p:cNvPr>
@@ -12822,11 +12818,7 @@
             </a:r>
             <a:r>
               <a:rPr lang="es-419" dirty="0" smtClean="0"/>
-              <a:t>? </a:t>
-            </a:r>
-            <a:r>
-              <a:rPr lang="es-419" dirty="0" smtClean="0"/>
-              <a:t>[La parte mas </a:t>
+              <a:t>? [La parte mas </a:t>
             </a:r>
             <a:r>
               <a:rPr lang="es-419" dirty="0" err="1" smtClean="0"/>
@@ -12842,11 +12834,7 @@
             </a:r>
             <a:r>
               <a:rPr lang="es-419" dirty="0" smtClean="0"/>
-              <a:t> </a:t>
-            </a:r>
-            <a:r>
-              <a:rPr lang="es-419" dirty="0" smtClean="0"/>
-              <a:t>P(.35&lt;X&lt; .98)</a:t>
+              <a:t> P(.35&lt;X&lt; .98)</a:t>
             </a:r>
           </a:p>
         </p:txBody>
@@ -12856,7 +12844,7 @@
           <p:cNvPr id="4" name="Slide Number Placeholder 3">
             <a:extLst>
               <a:ext uri="{FF2B5EF4-FFF2-40B4-BE49-F238E27FC236}">
-                <a16:creationId xmlns:a16="http://schemas.microsoft.com/office/drawing/2014/main" xmlns="" id="{FB13210D-F4BF-478A-BF3A-8929098C1397}"/>
+                <a16:creationId xmlns="" xmlns:a16="http://schemas.microsoft.com/office/drawing/2014/main" id="{FB13210D-F4BF-478A-BF3A-8929098C1397}"/>
               </a:ext>
             </a:extLst>
           </p:cNvPr>
@@ -12902,7 +12890,7 @@
           <a:graphicData uri="http://schemas.openxmlformats.org/presentationml/2006/ole">
             <mc:AlternateContent xmlns:mc="http://schemas.openxmlformats.org/markup-compatibility/2006">
               <mc:Choice xmlns:v="urn:schemas-microsoft-com:vml" Requires="v">
-                <p:oleObj spid="_x0000_s3112" name="Equation" r:id="rId3" imgW="1688760" imgH="711000" progId="Equation.DSMT4">
+                <p:oleObj spid="_x0000_s3113" name="Equation" r:id="rId3" imgW="1688760" imgH="711000" progId="Equation.DSMT4">
                   <p:embed/>
                 </p:oleObj>
               </mc:Choice>
